--- a/Presentation Materials/Калибриране на MEMS Акселерометри.pptx
+++ b/Presentation Materials/Калибриране на MEMS Акселерометри.pptx
@@ -5,7 +5,7 @@
     <p:sldMasterId id="2147483648" r:id="rId1"/>
   </p:sldMasterIdLst>
   <p:notesMasterIdLst>
-    <p:notesMasterId r:id="rId12"/>
+    <p:notesMasterId r:id="rId13"/>
   </p:notesMasterIdLst>
   <p:sldIdLst>
     <p:sldId id="256" r:id="rId2"/>
@@ -16,8 +16,9 @@
     <p:sldId id="264" r:id="rId7"/>
     <p:sldId id="265" r:id="rId8"/>
     <p:sldId id="260" r:id="rId9"/>
-    <p:sldId id="261" r:id="rId10"/>
-    <p:sldId id="262" r:id="rId11"/>
+    <p:sldId id="262" r:id="rId10"/>
+    <p:sldId id="266" r:id="rId11"/>
+    <p:sldId id="261" r:id="rId12"/>
   </p:sldIdLst>
   <p:sldSz cx="12192000" cy="6858000"/>
   <p:notesSz cx="6858000" cy="9144000"/>
@@ -517,6 +518,26 @@
           <a:bodyPr/>
           <a:lstStyle/>
           <a:p>
+            <a:r>
+              <a:rPr lang="bg-BG" dirty="0"/>
+              <a:t>Здравейте Колеги, днес ще ви представа работата ми по проекта за калибриране на </a:t>
+            </a:r>
+            <a:r>
+              <a:rPr lang="en-US" dirty="0"/>
+              <a:t>MEMS</a:t>
+            </a:r>
+            <a:r>
+              <a:rPr lang="bg-BG" dirty="0"/>
+              <a:t> </a:t>
+            </a:r>
+            <a:r>
+              <a:rPr lang="bg-BG" dirty="0" err="1"/>
+              <a:t>акселерометри</a:t>
+            </a:r>
+            <a:r>
+              <a:rPr lang="bg-BG" dirty="0"/>
+              <a:t>.</a:t>
+            </a:r>
             <a:endParaRPr lang="en-US" dirty="0"/>
           </a:p>
         </p:txBody>
@@ -538,7 +559,7 @@
           <a:p>
             <a:fld id="{BDBC6066-D6A3-4C80-8781-30F360945BB1}" type="slidenum">
               <a:rPr lang="en-US" smtClean="0"/>
-              <a:t>3</a:t>
+              <a:t>1</a:t>
             </a:fld>
             <a:endParaRPr lang="en-US"/>
           </a:p>
@@ -547,7 +568,7 @@
     </p:spTree>
     <p:extLst>
       <p:ext uri="{BB962C8B-B14F-4D97-AF65-F5344CB8AC3E}">
-        <p14:creationId xmlns:p14="http://schemas.microsoft.com/office/powerpoint/2010/main" val="3839778109"/>
+        <p14:creationId xmlns:p14="http://schemas.microsoft.com/office/powerpoint/2010/main" val="3731833778"/>
       </p:ext>
     </p:extLst>
   </p:cSld>
@@ -601,6 +622,10 @@
           <a:bodyPr/>
           <a:lstStyle/>
           <a:p>
+            <a:r>
+              <a:rPr lang="bg-BG" dirty="0"/>
+              <a:t>Нещата които ще покрия в тази лекция за &lt;изреждане на точките&gt;</a:t>
+            </a:r>
             <a:endParaRPr lang="en-US" dirty="0"/>
           </a:p>
         </p:txBody>
@@ -622,7 +647,7 @@
           <a:p>
             <a:fld id="{BDBC6066-D6A3-4C80-8781-30F360945BB1}" type="slidenum">
               <a:rPr lang="en-US" smtClean="0"/>
-              <a:t>4</a:t>
+              <a:t>2</a:t>
             </a:fld>
             <a:endParaRPr lang="en-US"/>
           </a:p>
@@ -631,7 +656,7 @@
     </p:spTree>
     <p:extLst>
       <p:ext uri="{BB962C8B-B14F-4D97-AF65-F5344CB8AC3E}">
-        <p14:creationId xmlns:p14="http://schemas.microsoft.com/office/powerpoint/2010/main" val="3632492539"/>
+        <p14:creationId xmlns:p14="http://schemas.microsoft.com/office/powerpoint/2010/main" val="1475141894"/>
       </p:ext>
     </p:extLst>
   </p:cSld>
@@ -685,6 +710,312 @@
           <a:bodyPr/>
           <a:lstStyle/>
           <a:p>
+            <a:pPr marL="0" marR="0" lvl="0" indent="0" algn="l" defTabSz="914400" rtl="0" eaLnBrk="1" fontAlgn="auto" latinLnBrk="0" hangingPunct="1">
+              <a:lnSpc>
+                <a:spcPct val="100000"/>
+              </a:lnSpc>
+              <a:spcBef>
+                <a:spcPts val="0"/>
+              </a:spcBef>
+              <a:spcAft>
+                <a:spcPts val="0"/>
+              </a:spcAft>
+              <a:buClrTx/>
+              <a:buSzTx/>
+              <a:buFontTx/>
+              <a:buNone/>
+              <a:tabLst/>
+              <a:defRPr/>
+            </a:pPr>
+            <a:r>
+              <a:rPr lang="bg-BG" sz="1200" b="0" i="0" kern="1200" dirty="0">
+                <a:solidFill>
+                  <a:schemeClr val="tx1"/>
+                </a:solidFill>
+                <a:effectLst/>
+                <a:latin typeface="+mn-lt"/>
+                <a:ea typeface="+mn-ea"/>
+                <a:cs typeface="+mn-cs"/>
+              </a:rPr>
+              <a:t>Ще започна с кратко представяне на различните </a:t>
+            </a:r>
+            <a:r>
+              <a:rPr lang="bg-BG" sz="1200" b="0" i="0" kern="1200" dirty="0" err="1">
+                <a:solidFill>
+                  <a:schemeClr val="tx1"/>
+                </a:solidFill>
+                <a:effectLst/>
+                <a:latin typeface="+mn-lt"/>
+                <a:ea typeface="+mn-ea"/>
+                <a:cs typeface="+mn-cs"/>
+              </a:rPr>
+              <a:t>акселерометри</a:t>
+            </a:r>
+            <a:r>
+              <a:rPr lang="bg-BG" sz="1200" b="0" i="0" kern="1200" dirty="0">
+                <a:solidFill>
+                  <a:schemeClr val="tx1"/>
+                </a:solidFill>
+                <a:effectLst/>
+                <a:latin typeface="+mn-lt"/>
+                <a:ea typeface="+mn-ea"/>
+                <a:cs typeface="+mn-cs"/>
+              </a:rPr>
+              <a:t>. </a:t>
+            </a:r>
+            <a:r>
+              <a:rPr lang="bg-BG" sz="1200" b="0" i="0" kern="1200" dirty="0" err="1">
+                <a:solidFill>
+                  <a:schemeClr val="tx1"/>
+                </a:solidFill>
+                <a:effectLst/>
+                <a:latin typeface="+mn-lt"/>
+                <a:ea typeface="+mn-ea"/>
+                <a:cs typeface="+mn-cs"/>
+              </a:rPr>
+              <a:t>Акселерометрите</a:t>
+            </a:r>
+            <a:r>
+              <a:rPr lang="bg-BG" sz="1200" b="0" i="0" kern="1200" dirty="0">
+                <a:solidFill>
+                  <a:schemeClr val="tx1"/>
+                </a:solidFill>
+                <a:effectLst/>
+                <a:latin typeface="+mn-lt"/>
+                <a:ea typeface="+mn-ea"/>
+                <a:cs typeface="+mn-cs"/>
+              </a:rPr>
+              <a:t> са уреди за измерване на ускорение и  има различни начини по които работят.</a:t>
+            </a:r>
+          </a:p>
+          <a:p>
+            <a:pPr marL="0" marR="0" lvl="0" indent="0" algn="l" defTabSz="914400" rtl="0" eaLnBrk="1" fontAlgn="auto" latinLnBrk="0" hangingPunct="1">
+              <a:lnSpc>
+                <a:spcPct val="100000"/>
+              </a:lnSpc>
+              <a:spcBef>
+                <a:spcPts val="0"/>
+              </a:spcBef>
+              <a:spcAft>
+                <a:spcPts val="0"/>
+              </a:spcAft>
+              <a:buClrTx/>
+              <a:buSzTx/>
+              <a:buFontTx/>
+              <a:buNone/>
+              <a:tabLst/>
+              <a:defRPr/>
+            </a:pPr>
+            <a:r>
+              <a:rPr lang="en-US" sz="1200" b="0" i="0" kern="1200" dirty="0">
+                <a:solidFill>
+                  <a:schemeClr val="tx1"/>
+                </a:solidFill>
+                <a:effectLst/>
+                <a:latin typeface="+mn-lt"/>
+                <a:ea typeface="+mn-ea"/>
+                <a:cs typeface="+mn-cs"/>
+              </a:rPr>
+              <a:t>The most common accelerometer types: (a) piezoelectric; (b) piezoresistive; and (c) capacitive accelerometers.</a:t>
+            </a:r>
+          </a:p>
+          <a:p>
+            <a:endParaRPr lang="en-US" dirty="0"/>
+          </a:p>
+        </p:txBody>
+      </p:sp>
+      <p:sp>
+        <p:nvSpPr>
+          <p:cNvPr id="4" name="Slide Number Placeholder 3"/>
+          <p:cNvSpPr>
+            <a:spLocks noGrp="1"/>
+          </p:cNvSpPr>
+          <p:nvPr>
+            <p:ph type="sldNum" sz="quarter" idx="5"/>
+          </p:nvPr>
+        </p:nvSpPr>
+        <p:spPr/>
+        <p:txBody>
+          <a:bodyPr/>
+          <a:lstStyle/>
+          <a:p>
+            <a:fld id="{BDBC6066-D6A3-4C80-8781-30F360945BB1}" type="slidenum">
+              <a:rPr lang="en-US" smtClean="0"/>
+              <a:t>3</a:t>
+            </a:fld>
+            <a:endParaRPr lang="en-US"/>
+          </a:p>
+        </p:txBody>
+      </p:sp>
+    </p:spTree>
+    <p:extLst>
+      <p:ext uri="{BB962C8B-B14F-4D97-AF65-F5344CB8AC3E}">
+        <p14:creationId xmlns:p14="http://schemas.microsoft.com/office/powerpoint/2010/main" val="3839778109"/>
+      </p:ext>
+    </p:extLst>
+  </p:cSld>
+  <p:clrMapOvr>
+    <a:masterClrMapping/>
+  </p:clrMapOvr>
+</p:notes>
+</file>
+
+<file path=ppt/notesSlides/notesSlide4.xml><?xml version="1.0" encoding="utf-8"?>
+<p:notes xmlns:a="http://schemas.openxmlformats.org/drawingml/2006/main" xmlns:r="http://schemas.openxmlformats.org/officeDocument/2006/relationships" xmlns:p="http://schemas.openxmlformats.org/presentationml/2006/main">
+  <p:cSld>
+    <p:spTree>
+      <p:nvGrpSpPr>
+        <p:cNvPr id="1" name=""/>
+        <p:cNvGrpSpPr/>
+        <p:nvPr/>
+      </p:nvGrpSpPr>
+      <p:grpSpPr>
+        <a:xfrm>
+          <a:off x="0" y="0"/>
+          <a:ext cx="0" cy="0"/>
+          <a:chOff x="0" y="0"/>
+          <a:chExt cx="0" cy="0"/>
+        </a:xfrm>
+      </p:grpSpPr>
+      <p:sp>
+        <p:nvSpPr>
+          <p:cNvPr id="2" name="Slide Image Placeholder 1"/>
+          <p:cNvSpPr>
+            <a:spLocks noGrp="1" noRot="1" noChangeAspect="1"/>
+          </p:cNvSpPr>
+          <p:nvPr>
+            <p:ph type="sldImg"/>
+          </p:nvPr>
+        </p:nvSpPr>
+        <p:spPr/>
+      </p:sp>
+      <p:sp>
+        <p:nvSpPr>
+          <p:cNvPr id="3" name="Notes Placeholder 2"/>
+          <p:cNvSpPr>
+            <a:spLocks noGrp="1"/>
+          </p:cNvSpPr>
+          <p:nvPr>
+            <p:ph type="body" idx="1"/>
+          </p:nvPr>
+        </p:nvSpPr>
+        <p:spPr/>
+        <p:txBody>
+          <a:bodyPr/>
+          <a:lstStyle/>
+          <a:p>
+            <a:r>
+              <a:rPr lang="bg-BG" dirty="0"/>
+              <a:t>Картинката в ляво показва хоби </a:t>
+            </a:r>
+            <a:r>
+              <a:rPr lang="bg-BG" dirty="0" err="1"/>
+              <a:t>акселерометър</a:t>
+            </a:r>
+            <a:r>
+              <a:rPr lang="bg-BG" dirty="0"/>
+              <a:t>. А вдясно се показва още един начин по който работят този вид сензори.</a:t>
+            </a:r>
+            <a:endParaRPr lang="en-US" dirty="0"/>
+          </a:p>
+        </p:txBody>
+      </p:sp>
+      <p:sp>
+        <p:nvSpPr>
+          <p:cNvPr id="4" name="Slide Number Placeholder 3"/>
+          <p:cNvSpPr>
+            <a:spLocks noGrp="1"/>
+          </p:cNvSpPr>
+          <p:nvPr>
+            <p:ph type="sldNum" sz="quarter" idx="5"/>
+          </p:nvPr>
+        </p:nvSpPr>
+        <p:spPr/>
+        <p:txBody>
+          <a:bodyPr/>
+          <a:lstStyle/>
+          <a:p>
+            <a:fld id="{BDBC6066-D6A3-4C80-8781-30F360945BB1}" type="slidenum">
+              <a:rPr lang="en-US" smtClean="0"/>
+              <a:t>4</a:t>
+            </a:fld>
+            <a:endParaRPr lang="en-US"/>
+          </a:p>
+        </p:txBody>
+      </p:sp>
+    </p:spTree>
+    <p:extLst>
+      <p:ext uri="{BB962C8B-B14F-4D97-AF65-F5344CB8AC3E}">
+        <p14:creationId xmlns:p14="http://schemas.microsoft.com/office/powerpoint/2010/main" val="3632492539"/>
+      </p:ext>
+    </p:extLst>
+  </p:cSld>
+  <p:clrMapOvr>
+    <a:masterClrMapping/>
+  </p:clrMapOvr>
+</p:notes>
+</file>
+
+<file path=ppt/notesSlides/notesSlide5.xml><?xml version="1.0" encoding="utf-8"?>
+<p:notes xmlns:a="http://schemas.openxmlformats.org/drawingml/2006/main" xmlns:r="http://schemas.openxmlformats.org/officeDocument/2006/relationships" xmlns:p="http://schemas.openxmlformats.org/presentationml/2006/main">
+  <p:cSld>
+    <p:spTree>
+      <p:nvGrpSpPr>
+        <p:cNvPr id="1" name=""/>
+        <p:cNvGrpSpPr/>
+        <p:nvPr/>
+      </p:nvGrpSpPr>
+      <p:grpSpPr>
+        <a:xfrm>
+          <a:off x="0" y="0"/>
+          <a:ext cx="0" cy="0"/>
+          <a:chOff x="0" y="0"/>
+          <a:chExt cx="0" cy="0"/>
+        </a:xfrm>
+      </p:grpSpPr>
+      <p:sp>
+        <p:nvSpPr>
+          <p:cNvPr id="2" name="Slide Image Placeholder 1"/>
+          <p:cNvSpPr>
+            <a:spLocks noGrp="1" noRot="1" noChangeAspect="1"/>
+          </p:cNvSpPr>
+          <p:nvPr>
+            <p:ph type="sldImg"/>
+          </p:nvPr>
+        </p:nvSpPr>
+        <p:spPr/>
+      </p:sp>
+      <p:sp>
+        <p:nvSpPr>
+          <p:cNvPr id="3" name="Notes Placeholder 2"/>
+          <p:cNvSpPr>
+            <a:spLocks noGrp="1"/>
+          </p:cNvSpPr>
+          <p:nvPr>
+            <p:ph type="body" idx="1"/>
+          </p:nvPr>
+        </p:nvSpPr>
+        <p:spPr/>
+        <p:txBody>
+          <a:bodyPr/>
+          <a:lstStyle/>
+          <a:p>
+            <a:r>
+              <a:rPr lang="bg-BG" dirty="0" err="1"/>
+              <a:t>Акселерометрите</a:t>
+            </a:r>
+            <a:r>
+              <a:rPr lang="bg-BG" dirty="0"/>
+              <a:t> имат различни видове грешки, &lt;изреди ги&gt;. За този проект разглеждам грешките които идват от Фабричните грешки, както и грешките които се появяват по време на  </a:t>
+            </a:r>
+            <a:r>
+              <a:rPr lang="bg-BG" dirty="0" err="1"/>
+              <a:t>калибрация</a:t>
+            </a:r>
+            <a:r>
+              <a:rPr lang="bg-BG" dirty="0"/>
+              <a:t>.</a:t>
+            </a:r>
             <a:endParaRPr lang="en-US" dirty="0"/>
           </a:p>
         </p:txBody>
@@ -716,6 +1047,526 @@
     <p:extLst>
       <p:ext uri="{BB962C8B-B14F-4D97-AF65-F5344CB8AC3E}">
         <p14:creationId xmlns:p14="http://schemas.microsoft.com/office/powerpoint/2010/main" val="324868589"/>
+      </p:ext>
+    </p:extLst>
+  </p:cSld>
+  <p:clrMapOvr>
+    <a:masterClrMapping/>
+  </p:clrMapOvr>
+</p:notes>
+</file>
+
+<file path=ppt/notesSlides/notesSlide6.xml><?xml version="1.0" encoding="utf-8"?>
+<p:notes xmlns:a="http://schemas.openxmlformats.org/drawingml/2006/main" xmlns:r="http://schemas.openxmlformats.org/officeDocument/2006/relationships" xmlns:p="http://schemas.openxmlformats.org/presentationml/2006/main">
+  <p:cSld>
+    <p:spTree>
+      <p:nvGrpSpPr>
+        <p:cNvPr id="1" name=""/>
+        <p:cNvGrpSpPr/>
+        <p:nvPr/>
+      </p:nvGrpSpPr>
+      <p:grpSpPr>
+        <a:xfrm>
+          <a:off x="0" y="0"/>
+          <a:ext cx="0" cy="0"/>
+          <a:chOff x="0" y="0"/>
+          <a:chExt cx="0" cy="0"/>
+        </a:xfrm>
+      </p:grpSpPr>
+      <p:sp>
+        <p:nvSpPr>
+          <p:cNvPr id="2" name="Slide Image Placeholder 1"/>
+          <p:cNvSpPr>
+            <a:spLocks noGrp="1" noRot="1" noChangeAspect="1"/>
+          </p:cNvSpPr>
+          <p:nvPr>
+            <p:ph type="sldImg"/>
+          </p:nvPr>
+        </p:nvSpPr>
+        <p:spPr/>
+      </p:sp>
+      <p:sp>
+        <p:nvSpPr>
+          <p:cNvPr id="3" name="Notes Placeholder 2"/>
+          <p:cNvSpPr>
+            <a:spLocks noGrp="1"/>
+          </p:cNvSpPr>
+          <p:nvPr>
+            <p:ph type="body" idx="1"/>
+          </p:nvPr>
+        </p:nvSpPr>
+        <p:spPr/>
+        <p:txBody>
+          <a:bodyPr/>
+          <a:lstStyle/>
+          <a:p>
+            <a:r>
+              <a:rPr lang="bg-BG" dirty="0"/>
+              <a:t>Данните от калибрирания сензор в спокойно положение трябва да са (0,0,9.8) или нормата от трите компонента да </a:t>
+            </a:r>
+            <a:r>
+              <a:rPr lang="bg-BG"/>
+              <a:t>е приб9.8</a:t>
+            </a:r>
+            <a:r>
+              <a:rPr lang="bg-BG" dirty="0"/>
+              <a:t>. За да може да постигнем това </a:t>
+            </a:r>
+            <a:endParaRPr lang="en-US" dirty="0"/>
+          </a:p>
+        </p:txBody>
+      </p:sp>
+      <p:sp>
+        <p:nvSpPr>
+          <p:cNvPr id="4" name="Slide Number Placeholder 3"/>
+          <p:cNvSpPr>
+            <a:spLocks noGrp="1"/>
+          </p:cNvSpPr>
+          <p:nvPr>
+            <p:ph type="sldNum" sz="quarter" idx="5"/>
+          </p:nvPr>
+        </p:nvSpPr>
+        <p:spPr/>
+        <p:txBody>
+          <a:bodyPr/>
+          <a:lstStyle/>
+          <a:p>
+            <a:fld id="{BDBC6066-D6A3-4C80-8781-30F360945BB1}" type="slidenum">
+              <a:rPr lang="en-US" smtClean="0"/>
+              <a:t>6</a:t>
+            </a:fld>
+            <a:endParaRPr lang="en-US"/>
+          </a:p>
+        </p:txBody>
+      </p:sp>
+    </p:spTree>
+    <p:extLst>
+      <p:ext uri="{BB962C8B-B14F-4D97-AF65-F5344CB8AC3E}">
+        <p14:creationId xmlns:p14="http://schemas.microsoft.com/office/powerpoint/2010/main" val="3261104617"/>
+      </p:ext>
+    </p:extLst>
+  </p:cSld>
+  <p:clrMapOvr>
+    <a:masterClrMapping/>
+  </p:clrMapOvr>
+</p:notes>
+</file>
+
+<file path=ppt/notesSlides/notesSlide7.xml><?xml version="1.0" encoding="utf-8"?>
+<p:notes xmlns:a="http://schemas.openxmlformats.org/drawingml/2006/main" xmlns:r="http://schemas.openxmlformats.org/officeDocument/2006/relationships" xmlns:p="http://schemas.openxmlformats.org/presentationml/2006/main">
+  <p:cSld>
+    <p:spTree>
+      <p:nvGrpSpPr>
+        <p:cNvPr id="1" name=""/>
+        <p:cNvGrpSpPr/>
+        <p:nvPr/>
+      </p:nvGrpSpPr>
+      <p:grpSpPr>
+        <a:xfrm>
+          <a:off x="0" y="0"/>
+          <a:ext cx="0" cy="0"/>
+          <a:chOff x="0" y="0"/>
+          <a:chExt cx="0" cy="0"/>
+        </a:xfrm>
+      </p:grpSpPr>
+      <p:sp>
+        <p:nvSpPr>
+          <p:cNvPr id="2" name="Slide Image Placeholder 1"/>
+          <p:cNvSpPr>
+            <a:spLocks noGrp="1" noRot="1" noChangeAspect="1"/>
+          </p:cNvSpPr>
+          <p:nvPr>
+            <p:ph type="sldImg"/>
+          </p:nvPr>
+        </p:nvSpPr>
+        <p:spPr/>
+      </p:sp>
+      <p:sp>
+        <p:nvSpPr>
+          <p:cNvPr id="3" name="Notes Placeholder 2"/>
+          <p:cNvSpPr>
+            <a:spLocks noGrp="1"/>
+          </p:cNvSpPr>
+          <p:nvPr>
+            <p:ph type="body" idx="1"/>
+          </p:nvPr>
+        </p:nvSpPr>
+        <p:spPr/>
+        <p:txBody>
+          <a:bodyPr/>
+          <a:lstStyle/>
+          <a:p>
+            <a:r>
+              <a:rPr lang="bg-BG" dirty="0"/>
+              <a:t>За да може да получим калибрирани данни , трябва да направим следните изчисления. В уравнението вектора без шапките са калибрираните а тези с за суровите данни Матрицата М се грижи за </a:t>
+            </a:r>
+            <a:r>
+              <a:rPr lang="bg-BG" dirty="0" err="1"/>
+              <a:t>ортогоналността</a:t>
+            </a:r>
+            <a:r>
+              <a:rPr lang="bg-BG" dirty="0"/>
+              <a:t> на осите </a:t>
+            </a:r>
+            <a:r>
+              <a:rPr lang="en-US" dirty="0"/>
+              <a:t>XYZ</a:t>
+            </a:r>
+            <a:r>
+              <a:rPr lang="bg-BG" dirty="0"/>
+              <a:t>,  и за мащаба, а вектора </a:t>
+            </a:r>
+            <a:r>
+              <a:rPr lang="en-US" dirty="0"/>
+              <a:t>B</a:t>
+            </a:r>
+            <a:r>
+              <a:rPr lang="bg-BG" dirty="0"/>
+              <a:t> се грижи да офсета. Казваме, че данните са калибрирани когато </a:t>
+            </a:r>
+            <a:r>
+              <a:rPr lang="en-US" dirty="0"/>
+              <a:t> </a:t>
+            </a:r>
+            <a:r>
+              <a:rPr lang="bg-BG" sz="1200" dirty="0">
+                <a:solidFill>
+                  <a:schemeClr val="tx1">
+                    <a:lumMod val="65000"/>
+                    <a:lumOff val="35000"/>
+                  </a:schemeClr>
+                </a:solidFill>
+                <a:latin typeface="Montserrat" panose="00000500000000000000" pitchFamily="2" charset="0"/>
+              </a:rPr>
+              <a:t>нормата на вектора на ускорението</a:t>
+            </a:r>
+            <a:r>
+              <a:rPr lang="en-US" sz="1200" dirty="0">
+                <a:solidFill>
+                  <a:schemeClr val="tx1">
+                    <a:lumMod val="65000"/>
+                    <a:lumOff val="35000"/>
+                  </a:schemeClr>
+                </a:solidFill>
+                <a:latin typeface="Montserrat" panose="00000500000000000000" pitchFamily="2" charset="0"/>
+              </a:rPr>
+              <a:t> e </a:t>
+            </a:r>
+            <a:r>
+              <a:rPr lang="bg-BG" sz="1200" dirty="0">
+                <a:solidFill>
+                  <a:schemeClr val="tx1">
+                    <a:lumMod val="65000"/>
+                    <a:lumOff val="35000"/>
+                  </a:schemeClr>
+                </a:solidFill>
+                <a:latin typeface="Montserrat" panose="00000500000000000000" pitchFamily="2" charset="0"/>
+              </a:rPr>
+              <a:t>минус в </a:t>
+            </a:r>
+            <a:r>
+              <a:rPr lang="en-US" sz="1200" dirty="0">
+                <a:solidFill>
+                  <a:schemeClr val="tx1">
+                    <a:lumMod val="65000"/>
+                    <a:lumOff val="35000"/>
+                  </a:schemeClr>
+                </a:solidFill>
+                <a:latin typeface="Montserrat" panose="00000500000000000000" pitchFamily="2" charset="0"/>
+              </a:rPr>
+              <a:t>g </a:t>
+            </a:r>
+            <a:r>
+              <a:rPr lang="bg-BG" sz="1200" dirty="0">
+                <a:solidFill>
+                  <a:schemeClr val="tx1">
+                    <a:lumMod val="65000"/>
+                    <a:lumOff val="35000"/>
+                  </a:schemeClr>
+                </a:solidFill>
+                <a:latin typeface="Montserrat" panose="00000500000000000000" pitchFamily="2" charset="0"/>
+              </a:rPr>
+              <a:t>е приблизително 0. Казвам приблизително, защото заради различни фактор като грешки при изчисление, грешки при измерването както и други външни фактори не е реалистично да очакваме точни резултати.</a:t>
+            </a:r>
+          </a:p>
+          <a:p>
+            <a:r>
+              <a:rPr lang="bg-BG" sz="1200" dirty="0">
+                <a:solidFill>
+                  <a:schemeClr val="tx1">
+                    <a:lumMod val="65000"/>
+                    <a:lumOff val="35000"/>
+                  </a:schemeClr>
+                </a:solidFill>
+                <a:latin typeface="Montserrat" panose="00000500000000000000" pitchFamily="2" charset="0"/>
+              </a:rPr>
+              <a:t>Началото приближение се използва във функцията която минимизира грешката.</a:t>
+            </a:r>
+            <a:endParaRPr lang="en-US" dirty="0"/>
+          </a:p>
+        </p:txBody>
+      </p:sp>
+      <p:sp>
+        <p:nvSpPr>
+          <p:cNvPr id="4" name="Slide Number Placeholder 3"/>
+          <p:cNvSpPr>
+            <a:spLocks noGrp="1"/>
+          </p:cNvSpPr>
+          <p:nvPr>
+            <p:ph type="sldNum" sz="quarter" idx="5"/>
+          </p:nvPr>
+        </p:nvSpPr>
+        <p:spPr/>
+        <p:txBody>
+          <a:bodyPr/>
+          <a:lstStyle/>
+          <a:p>
+            <a:fld id="{BDBC6066-D6A3-4C80-8781-30F360945BB1}" type="slidenum">
+              <a:rPr lang="en-US" smtClean="0"/>
+              <a:t>7</a:t>
+            </a:fld>
+            <a:endParaRPr lang="en-US"/>
+          </a:p>
+        </p:txBody>
+      </p:sp>
+    </p:spTree>
+    <p:extLst>
+      <p:ext uri="{BB962C8B-B14F-4D97-AF65-F5344CB8AC3E}">
+        <p14:creationId xmlns:p14="http://schemas.microsoft.com/office/powerpoint/2010/main" val="1116451402"/>
+      </p:ext>
+    </p:extLst>
+  </p:cSld>
+  <p:clrMapOvr>
+    <a:masterClrMapping/>
+  </p:clrMapOvr>
+</p:notes>
+</file>
+
+<file path=ppt/notesSlides/notesSlide8.xml><?xml version="1.0" encoding="utf-8"?>
+<p:notes xmlns:a="http://schemas.openxmlformats.org/drawingml/2006/main" xmlns:r="http://schemas.openxmlformats.org/officeDocument/2006/relationships" xmlns:p="http://schemas.openxmlformats.org/presentationml/2006/main">
+  <p:cSld>
+    <p:spTree>
+      <p:nvGrpSpPr>
+        <p:cNvPr id="1" name=""/>
+        <p:cNvGrpSpPr/>
+        <p:nvPr/>
+      </p:nvGrpSpPr>
+      <p:grpSpPr>
+        <a:xfrm>
+          <a:off x="0" y="0"/>
+          <a:ext cx="0" cy="0"/>
+          <a:chOff x="0" y="0"/>
+          <a:chExt cx="0" cy="0"/>
+        </a:xfrm>
+      </p:grpSpPr>
+      <p:sp>
+        <p:nvSpPr>
+          <p:cNvPr id="2" name="Slide Image Placeholder 1"/>
+          <p:cNvSpPr>
+            <a:spLocks noGrp="1" noRot="1" noChangeAspect="1"/>
+          </p:cNvSpPr>
+          <p:nvPr>
+            <p:ph type="sldImg"/>
+          </p:nvPr>
+        </p:nvSpPr>
+        <p:spPr/>
+      </p:sp>
+      <p:sp>
+        <p:nvSpPr>
+          <p:cNvPr id="3" name="Notes Placeholder 2"/>
+          <p:cNvSpPr>
+            <a:spLocks noGrp="1"/>
+          </p:cNvSpPr>
+          <p:nvPr>
+            <p:ph type="body" idx="1"/>
+          </p:nvPr>
+        </p:nvSpPr>
+        <p:spPr/>
+        <p:txBody>
+          <a:bodyPr/>
+          <a:lstStyle/>
+          <a:p>
+            <a:r>
+              <a:rPr lang="bg-BG" dirty="0"/>
+              <a:t>За калибриране на данните  използвам метода на най-малките квадрати. Тук се виждат данните преди и след </a:t>
+            </a:r>
+            <a:r>
+              <a:rPr lang="bg-BG" dirty="0" err="1"/>
+              <a:t>калибрация</a:t>
+            </a:r>
+            <a:r>
+              <a:rPr lang="bg-BG" dirty="0"/>
+              <a:t>, както и нормите на тези данни. Ясно се вижда, че преди да се </a:t>
+            </a:r>
+            <a:r>
+              <a:rPr lang="bg-BG" dirty="0" err="1"/>
+              <a:t>калибрирад</a:t>
+            </a:r>
+            <a:r>
+              <a:rPr lang="bg-BG" dirty="0"/>
+              <a:t> данните, нормите са произволни, докато тези след </a:t>
+            </a:r>
+            <a:r>
+              <a:rPr lang="bg-BG" dirty="0" err="1"/>
+              <a:t>калибрацията</a:t>
+            </a:r>
+            <a:r>
+              <a:rPr lang="bg-BG" dirty="0"/>
+              <a:t> са около 9.8, това показва, че </a:t>
+            </a:r>
+            <a:r>
+              <a:rPr lang="bg-BG" dirty="0" err="1"/>
+              <a:t>калибрацията</a:t>
+            </a:r>
+            <a:r>
+              <a:rPr lang="bg-BG" dirty="0"/>
+              <a:t> работи.</a:t>
+            </a:r>
+            <a:endParaRPr lang="en-US" dirty="0"/>
+          </a:p>
+        </p:txBody>
+      </p:sp>
+      <p:sp>
+        <p:nvSpPr>
+          <p:cNvPr id="4" name="Slide Number Placeholder 3"/>
+          <p:cNvSpPr>
+            <a:spLocks noGrp="1"/>
+          </p:cNvSpPr>
+          <p:nvPr>
+            <p:ph type="sldNum" sz="quarter" idx="5"/>
+          </p:nvPr>
+        </p:nvSpPr>
+        <p:spPr/>
+        <p:txBody>
+          <a:bodyPr/>
+          <a:lstStyle/>
+          <a:p>
+            <a:fld id="{BDBC6066-D6A3-4C80-8781-30F360945BB1}" type="slidenum">
+              <a:rPr lang="en-US" smtClean="0"/>
+              <a:t>8</a:t>
+            </a:fld>
+            <a:endParaRPr lang="en-US"/>
+          </a:p>
+        </p:txBody>
+      </p:sp>
+    </p:spTree>
+    <p:extLst>
+      <p:ext uri="{BB962C8B-B14F-4D97-AF65-F5344CB8AC3E}">
+        <p14:creationId xmlns:p14="http://schemas.microsoft.com/office/powerpoint/2010/main" val="3932410987"/>
+      </p:ext>
+    </p:extLst>
+  </p:cSld>
+  <p:clrMapOvr>
+    <a:masterClrMapping/>
+  </p:clrMapOvr>
+</p:notes>
+</file>
+
+<file path=ppt/notesSlides/notesSlide9.xml><?xml version="1.0" encoding="utf-8"?>
+<p:notes xmlns:a="http://schemas.openxmlformats.org/drawingml/2006/main" xmlns:r="http://schemas.openxmlformats.org/officeDocument/2006/relationships" xmlns:p="http://schemas.openxmlformats.org/presentationml/2006/main">
+  <p:cSld>
+    <p:spTree>
+      <p:nvGrpSpPr>
+        <p:cNvPr id="1" name=""/>
+        <p:cNvGrpSpPr/>
+        <p:nvPr/>
+      </p:nvGrpSpPr>
+      <p:grpSpPr>
+        <a:xfrm>
+          <a:off x="0" y="0"/>
+          <a:ext cx="0" cy="0"/>
+          <a:chOff x="0" y="0"/>
+          <a:chExt cx="0" cy="0"/>
+        </a:xfrm>
+      </p:grpSpPr>
+      <p:sp>
+        <p:nvSpPr>
+          <p:cNvPr id="2" name="Slide Image Placeholder 1"/>
+          <p:cNvSpPr>
+            <a:spLocks noGrp="1" noRot="1" noChangeAspect="1"/>
+          </p:cNvSpPr>
+          <p:nvPr>
+            <p:ph type="sldImg"/>
+          </p:nvPr>
+        </p:nvSpPr>
+        <p:spPr/>
+      </p:sp>
+      <p:sp>
+        <p:nvSpPr>
+          <p:cNvPr id="3" name="Notes Placeholder 2"/>
+          <p:cNvSpPr>
+            <a:spLocks noGrp="1"/>
+          </p:cNvSpPr>
+          <p:nvPr>
+            <p:ph type="body" idx="1"/>
+          </p:nvPr>
+        </p:nvSpPr>
+        <p:spPr/>
+        <p:txBody>
+          <a:bodyPr/>
+          <a:lstStyle/>
+          <a:p>
+            <a:r>
+              <a:rPr lang="bg-BG" dirty="0"/>
+              <a:t>Бъдещето развитие на проекта се състои  от създаване на собствена функция за минимизация която да използвам в метода на най-малките  квадрати.</a:t>
+            </a:r>
+          </a:p>
+          <a:p>
+            <a:endParaRPr lang="bg-BG" dirty="0"/>
+          </a:p>
+          <a:p>
+            <a:r>
+              <a:rPr lang="bg-BG" dirty="0"/>
+              <a:t>Искам и да извлече добри данни от моя сензор за да го калибрирам. (Извадил съм едни данни, но те са само в изправено положение, а  трябва да са в няколко различни позиции)</a:t>
+            </a:r>
+          </a:p>
+          <a:p>
+            <a:endParaRPr lang="bg-BG" dirty="0"/>
+          </a:p>
+          <a:p>
+            <a:r>
+              <a:rPr lang="bg-BG" dirty="0"/>
+              <a:t>След като </a:t>
+            </a:r>
+            <a:r>
+              <a:rPr lang="bg-BG" dirty="0" err="1"/>
+              <a:t>калибрацията</a:t>
+            </a:r>
+            <a:r>
+              <a:rPr lang="bg-BG" dirty="0"/>
+              <a:t> е направена искам да използвам сензора в робот за да следя как се движи и да го управлявам.</a:t>
+            </a:r>
+            <a:endParaRPr lang="en-US" dirty="0"/>
+          </a:p>
+        </p:txBody>
+      </p:sp>
+      <p:sp>
+        <p:nvSpPr>
+          <p:cNvPr id="4" name="Slide Number Placeholder 3"/>
+          <p:cNvSpPr>
+            <a:spLocks noGrp="1"/>
+          </p:cNvSpPr>
+          <p:nvPr>
+            <p:ph type="sldNum" sz="quarter" idx="5"/>
+          </p:nvPr>
+        </p:nvSpPr>
+        <p:spPr/>
+        <p:txBody>
+          <a:bodyPr/>
+          <a:lstStyle/>
+          <a:p>
+            <a:fld id="{BDBC6066-D6A3-4C80-8781-30F360945BB1}" type="slidenum">
+              <a:rPr lang="en-US" smtClean="0"/>
+              <a:t>9</a:t>
+            </a:fld>
+            <a:endParaRPr lang="en-US"/>
+          </a:p>
+        </p:txBody>
+      </p:sp>
+    </p:spTree>
+    <p:extLst>
+      <p:ext uri="{BB962C8B-B14F-4D97-AF65-F5344CB8AC3E}">
+        <p14:creationId xmlns:p14="http://schemas.microsoft.com/office/powerpoint/2010/main" val="4182085913"/>
       </p:ext>
     </p:extLst>
   </p:cSld>
@@ -3957,8 +4808,8 @@
         </p:nvSpPr>
         <p:spPr>
           <a:xfrm>
-            <a:off x="1524000" y="2235200"/>
-            <a:ext cx="9144000" cy="2387600"/>
+            <a:off x="1524000" y="2632075"/>
+            <a:ext cx="9144000" cy="1593850"/>
           </a:xfrm>
         </p:spPr>
         <p:txBody>
@@ -3970,47 +4821,35 @@
             <a:r>
               <a:rPr lang="bg-BG" dirty="0">
                 <a:solidFill>
-                  <a:schemeClr val="tx1">
-                    <a:lumMod val="75000"/>
-                    <a:lumOff val="25000"/>
-                  </a:schemeClr>
+                  <a:srgbClr val="FFA161"/>
                 </a:solidFill>
-                <a:latin typeface="Montserrat SemiBold" panose="00000700000000000000" pitchFamily="2" charset="0"/>
+                <a:latin typeface="Montserrat Black" panose="00000A00000000000000" pitchFamily="2" charset="0"/>
               </a:rPr>
               <a:t>Калибриране на </a:t>
             </a:r>
             <a:r>
               <a:rPr lang="en-US" dirty="0">
                 <a:solidFill>
-                  <a:schemeClr val="tx1">
-                    <a:lumMod val="75000"/>
-                    <a:lumOff val="25000"/>
-                  </a:schemeClr>
+                  <a:srgbClr val="FFA161"/>
                 </a:solidFill>
-                <a:latin typeface="Montserrat SemiBold" panose="00000700000000000000" pitchFamily="2" charset="0"/>
+                <a:latin typeface="Montserrat Black" panose="00000A00000000000000" pitchFamily="2" charset="0"/>
               </a:rPr>
               <a:t>MEMS </a:t>
             </a:r>
             <a:r>
               <a:rPr lang="bg-BG" dirty="0" err="1">
                 <a:solidFill>
-                  <a:schemeClr val="tx1">
-                    <a:lumMod val="75000"/>
-                    <a:lumOff val="25000"/>
-                  </a:schemeClr>
+                  <a:srgbClr val="FFA161"/>
                 </a:solidFill>
-                <a:latin typeface="Montserrat SemiBold" panose="00000700000000000000" pitchFamily="2" charset="0"/>
+                <a:latin typeface="Montserrat Black" panose="00000A00000000000000" pitchFamily="2" charset="0"/>
               </a:rPr>
               <a:t>Акселерометри</a:t>
             </a:r>
             <a:endParaRPr lang="en-US" dirty="0">
               <a:solidFill>
-                <a:schemeClr val="tx1">
-                  <a:lumMod val="75000"/>
-                  <a:lumOff val="25000"/>
-                </a:schemeClr>
+                <a:srgbClr val="FFA161"/>
               </a:solidFill>
-              <a:latin typeface="Montserrat SemiBold" panose="00000700000000000000" pitchFamily="2" charset="0"/>
+              <a:latin typeface="Montserrat Black" panose="00000A00000000000000" pitchFamily="2" charset="0"/>
             </a:endParaRPr>
           </a:p>
         </p:txBody>
@@ -4050,7 +4889,84 @@
           <p:cNvPr id="2" name="Title 1">
             <a:extLst>
               <a:ext uri="{FF2B5EF4-FFF2-40B4-BE49-F238E27FC236}">
-                <a16:creationId xmlns:a16="http://schemas.microsoft.com/office/drawing/2014/main" id="{CB27A2B1-E2C3-49A5-8CC4-8404AB9E59E9}"/>
+                <a16:creationId xmlns:a16="http://schemas.microsoft.com/office/drawing/2014/main" id="{86203A77-C0D2-4F5E-A008-CBFFC572B178}"/>
+              </a:ext>
+            </a:extLst>
+          </p:cNvPr>
+          <p:cNvSpPr>
+            <a:spLocks noGrp="1"/>
+          </p:cNvSpPr>
+          <p:nvPr>
+            <p:ph type="title"/>
+          </p:nvPr>
+        </p:nvSpPr>
+        <p:spPr>
+          <a:xfrm>
+            <a:off x="838200" y="2766218"/>
+            <a:ext cx="10515600" cy="1325563"/>
+          </a:xfrm>
+        </p:spPr>
+        <p:txBody>
+          <a:bodyPr>
+            <a:noAutofit/>
+          </a:bodyPr>
+          <a:lstStyle/>
+          <a:p>
+            <a:pPr algn="ctr"/>
+            <a:r>
+              <a:rPr lang="bg-BG" sz="7200" dirty="0">
+                <a:solidFill>
+                  <a:srgbClr val="FFA161"/>
+                </a:solidFill>
+                <a:latin typeface="Montserrat Black" panose="00000A00000000000000" pitchFamily="2" charset="0"/>
+              </a:rPr>
+              <a:t>Благодаря за вниманието!</a:t>
+            </a:r>
+            <a:endParaRPr lang="en-US" sz="7200" dirty="0">
+              <a:solidFill>
+                <a:srgbClr val="FFA161"/>
+              </a:solidFill>
+              <a:latin typeface="Montserrat Black" panose="00000A00000000000000" pitchFamily="2" charset="0"/>
+            </a:endParaRPr>
+          </a:p>
+        </p:txBody>
+      </p:sp>
+    </p:spTree>
+    <p:extLst>
+      <p:ext uri="{BB962C8B-B14F-4D97-AF65-F5344CB8AC3E}">
+        <p14:creationId xmlns:p14="http://schemas.microsoft.com/office/powerpoint/2010/main" val="676770525"/>
+      </p:ext>
+    </p:extLst>
+  </p:cSld>
+  <p:clrMapOvr>
+    <a:masterClrMapping/>
+  </p:clrMapOvr>
+</p:sld>
+</file>
+
+<file path=ppt/slides/slide11.xml><?xml version="1.0" encoding="utf-8"?>
+<p:sld xmlns:a="http://schemas.openxmlformats.org/drawingml/2006/main" xmlns:r="http://schemas.openxmlformats.org/officeDocument/2006/relationships" xmlns:p="http://schemas.openxmlformats.org/presentationml/2006/main" show="0">
+  <p:cSld>
+    <p:spTree>
+      <p:nvGrpSpPr>
+        <p:cNvPr id="1" name=""/>
+        <p:cNvGrpSpPr/>
+        <p:nvPr/>
+      </p:nvGrpSpPr>
+      <p:grpSpPr>
+        <a:xfrm>
+          <a:off x="0" y="0"/>
+          <a:ext cx="0" cy="0"/>
+          <a:chOff x="0" y="0"/>
+          <a:chExt cx="0" cy="0"/>
+        </a:xfrm>
+      </p:grpSpPr>
+      <p:sp>
+        <p:nvSpPr>
+          <p:cNvPr id="2" name="Title 1">
+            <a:extLst>
+              <a:ext uri="{FF2B5EF4-FFF2-40B4-BE49-F238E27FC236}">
+                <a16:creationId xmlns:a16="http://schemas.microsoft.com/office/drawing/2014/main" id="{4BC4D5C1-3090-4B9A-8949-FB47279DCC8D}"/>
               </a:ext>
             </a:extLst>
           </p:cNvPr>
@@ -4072,10 +4988,10 @@
               <a:rPr lang="bg-BG" dirty="0">
                 <a:latin typeface="Montserrat SemiBold" panose="00000700000000000000" pitchFamily="2" charset="0"/>
               </a:rPr>
-              <a:t>Създаване на собствена функция за минимизация</a:t>
+              <a:t>Извличане на данни от собствен сензор</a:t>
             </a:r>
             <a:br>
-              <a:rPr lang="en-US" dirty="0">
+              <a:rPr lang="bg-BG" dirty="0">
                 <a:latin typeface="Montserrat SemiBold" panose="00000700000000000000" pitchFamily="2" charset="0"/>
               </a:rPr>
             </a:br>
@@ -4088,7 +5004,7 @@
           <p:cNvPr id="3" name="Content Placeholder 2">
             <a:extLst>
               <a:ext uri="{FF2B5EF4-FFF2-40B4-BE49-F238E27FC236}">
-                <a16:creationId xmlns:a16="http://schemas.microsoft.com/office/drawing/2014/main" id="{53D9E26B-0A4B-4BF1-A021-04068BC6C3F0}"/>
+                <a16:creationId xmlns:a16="http://schemas.microsoft.com/office/drawing/2014/main" id="{602437FF-726F-4E5A-B55D-B2E3AE838374}"/>
               </a:ext>
             </a:extLst>
           </p:cNvPr>
@@ -4104,14 +5020,43 @@
           <a:bodyPr/>
           <a:lstStyle/>
           <a:p>
-            <a:endParaRPr lang="en-US"/>
+            <a:r>
+              <a:rPr lang="en-US" dirty="0"/>
+              <a:t>Raspberry Pi</a:t>
+            </a:r>
+            <a:endParaRPr lang="bg-BG" dirty="0"/>
+          </a:p>
+          <a:p>
+            <a:pPr marL="0" indent="0">
+              <a:buNone/>
+            </a:pPr>
+            <a:endParaRPr lang="en-US" dirty="0"/>
+          </a:p>
+          <a:p>
+            <a:r>
+              <a:rPr lang="en-US" dirty="0"/>
+              <a:t>Python</a:t>
+            </a:r>
+            <a:endParaRPr lang="bg-BG" dirty="0"/>
+          </a:p>
+          <a:p>
+            <a:pPr marL="0" indent="0">
+              <a:buNone/>
+            </a:pPr>
+            <a:endParaRPr lang="en-US" dirty="0"/>
+          </a:p>
+          <a:p>
+            <a:r>
+              <a:rPr lang="en-US" dirty="0"/>
+              <a:t>Shell script</a:t>
+            </a:r>
           </a:p>
         </p:txBody>
       </p:sp>
     </p:spTree>
     <p:extLst>
       <p:ext uri="{BB962C8B-B14F-4D97-AF65-F5344CB8AC3E}">
-        <p14:creationId xmlns:p14="http://schemas.microsoft.com/office/powerpoint/2010/main" val="3871061468"/>
+        <p14:creationId xmlns:p14="http://schemas.microsoft.com/office/powerpoint/2010/main" val="1868462218"/>
       </p:ext>
     </p:extLst>
   </p:cSld>
@@ -4162,23 +5107,41 @@
         </p:spPr>
         <p:txBody>
           <a:bodyPr>
-            <a:normAutofit fontScale="85000" lnSpcReduction="20000"/>
+            <a:normAutofit lnSpcReduction="10000"/>
           </a:bodyPr>
           <a:lstStyle/>
           <a:p>
             <a:r>
               <a:rPr lang="bg-BG" dirty="0">
+                <a:solidFill>
+                  <a:schemeClr val="tx1">
+                    <a:lumMod val="65000"/>
+                    <a:lumOff val="35000"/>
+                  </a:schemeClr>
+                </a:solidFill>
                 <a:latin typeface="Montserrat SemiBold" panose="00000700000000000000" pitchFamily="2" charset="0"/>
               </a:rPr>
               <a:t>Запознаване със различни </a:t>
             </a:r>
             <a:r>
               <a:rPr lang="bg-BG" dirty="0" err="1">
+                <a:solidFill>
+                  <a:schemeClr val="tx1">
+                    <a:lumMod val="65000"/>
+                    <a:lumOff val="35000"/>
+                  </a:schemeClr>
+                </a:solidFill>
                 <a:latin typeface="Montserrat SemiBold" panose="00000700000000000000" pitchFamily="2" charset="0"/>
               </a:rPr>
               <a:t>Акселерометри</a:t>
             </a:r>
             <a:endParaRPr lang="bg-BG" dirty="0">
+              <a:solidFill>
+                <a:schemeClr val="tx1">
+                  <a:lumMod val="65000"/>
+                  <a:lumOff val="35000"/>
+                </a:schemeClr>
+              </a:solidFill>
               <a:latin typeface="Montserrat SemiBold" panose="00000700000000000000" pitchFamily="2" charset="0"/>
             </a:endParaRPr>
           </a:p>
@@ -4187,29 +5150,59 @@
               <a:buNone/>
             </a:pPr>
             <a:endParaRPr lang="bg-BG" dirty="0">
+              <a:solidFill>
+                <a:schemeClr val="tx1">
+                  <a:lumMod val="65000"/>
+                  <a:lumOff val="35000"/>
+                </a:schemeClr>
+              </a:solidFill>
               <a:latin typeface="Montserrat SemiBold" panose="00000700000000000000" pitchFamily="2" charset="0"/>
             </a:endParaRPr>
           </a:p>
           <a:p>
             <a:r>
               <a:rPr lang="bg-BG" dirty="0">
+                <a:solidFill>
+                  <a:schemeClr val="tx1">
+                    <a:lumMod val="65000"/>
+                    <a:lumOff val="35000"/>
+                  </a:schemeClr>
+                </a:solidFill>
                 <a:latin typeface="Montserrat SemiBold" panose="00000700000000000000" pitchFamily="2" charset="0"/>
               </a:rPr>
               <a:t> </a:t>
             </a:r>
             <a:r>
               <a:rPr lang="en-US" dirty="0">
+                <a:solidFill>
+                  <a:schemeClr val="tx1">
+                    <a:lumMod val="65000"/>
+                    <a:lumOff val="35000"/>
+                  </a:schemeClr>
+                </a:solidFill>
                 <a:latin typeface="Montserrat SemiBold" panose="00000700000000000000" pitchFamily="2" charset="0"/>
               </a:rPr>
               <a:t>MEMS A</a:t>
             </a:r>
             <a:r>
               <a:rPr lang="bg-BG" dirty="0" err="1">
+                <a:solidFill>
+                  <a:schemeClr val="tx1">
+                    <a:lumMod val="65000"/>
+                    <a:lumOff val="35000"/>
+                  </a:schemeClr>
+                </a:solidFill>
                 <a:latin typeface="Montserrat SemiBold" panose="00000700000000000000" pitchFamily="2" charset="0"/>
               </a:rPr>
               <a:t>кселерометри</a:t>
             </a:r>
             <a:endParaRPr lang="bg-BG" dirty="0">
+              <a:solidFill>
+                <a:schemeClr val="tx1">
+                  <a:lumMod val="65000"/>
+                  <a:lumOff val="35000"/>
+                </a:schemeClr>
+              </a:solidFill>
               <a:latin typeface="Montserrat SemiBold" panose="00000700000000000000" pitchFamily="2" charset="0"/>
             </a:endParaRPr>
           </a:p>
@@ -4218,12 +5211,24 @@
               <a:buNone/>
             </a:pPr>
             <a:endParaRPr lang="bg-BG" dirty="0">
+              <a:solidFill>
+                <a:schemeClr val="tx1">
+                  <a:lumMod val="65000"/>
+                  <a:lumOff val="35000"/>
+                </a:schemeClr>
+              </a:solidFill>
               <a:latin typeface="Montserrat SemiBold" panose="00000700000000000000" pitchFamily="2" charset="0"/>
             </a:endParaRPr>
           </a:p>
           <a:p>
             <a:r>
               <a:rPr lang="bg-BG" dirty="0">
+                <a:solidFill>
+                  <a:schemeClr val="tx1">
+                    <a:lumMod val="65000"/>
+                    <a:lumOff val="35000"/>
+                  </a:schemeClr>
+                </a:solidFill>
                 <a:latin typeface="Montserrat SemiBold" panose="00000700000000000000" pitchFamily="2" charset="0"/>
               </a:rPr>
               <a:t>Запознаване с проблема</a:t>
@@ -4234,12 +5239,24 @@
               <a:buNone/>
             </a:pPr>
             <a:endParaRPr lang="bg-BG" dirty="0">
+              <a:solidFill>
+                <a:schemeClr val="tx1">
+                  <a:lumMod val="65000"/>
+                  <a:lumOff val="35000"/>
+                </a:schemeClr>
+              </a:solidFill>
               <a:latin typeface="Montserrat SemiBold" panose="00000700000000000000" pitchFamily="2" charset="0"/>
             </a:endParaRPr>
           </a:p>
           <a:p>
             <a:r>
               <a:rPr lang="bg-BG" dirty="0">
+                <a:solidFill>
+                  <a:schemeClr val="tx1">
+                    <a:lumMod val="65000"/>
+                    <a:lumOff val="35000"/>
+                  </a:schemeClr>
+                </a:solidFill>
                 <a:latin typeface="Montserrat SemiBold" panose="00000700000000000000" pitchFamily="2" charset="0"/>
               </a:rPr>
               <a:t>Първоначално решение </a:t>
@@ -4250,33 +5267,35 @@
               <a:buNone/>
             </a:pPr>
             <a:endParaRPr lang="bg-BG" dirty="0">
+              <a:solidFill>
+                <a:schemeClr val="tx1">
+                  <a:lumMod val="65000"/>
+                  <a:lumOff val="35000"/>
+                </a:schemeClr>
+              </a:solidFill>
               <a:latin typeface="Montserrat SemiBold" panose="00000700000000000000" pitchFamily="2" charset="0"/>
             </a:endParaRPr>
           </a:p>
           <a:p>
             <a:r>
               <a:rPr lang="bg-BG" dirty="0">
-                <a:latin typeface="Montserrat SemiBold" panose="00000700000000000000" pitchFamily="2" charset="0"/>
-              </a:rPr>
-              <a:t>Извличане на данни от собствен сензор</a:t>
-            </a:r>
-          </a:p>
-          <a:p>
-            <a:pPr marL="0" indent="0">
-              <a:buNone/>
-            </a:pPr>
-            <a:endParaRPr lang="bg-BG" dirty="0">
-              <a:latin typeface="Montserrat SemiBold" panose="00000700000000000000" pitchFamily="2" charset="0"/>
-            </a:endParaRPr>
-          </a:p>
-          <a:p>
-            <a:r>
-              <a:rPr lang="bg-BG" dirty="0">
+                <a:solidFill>
+                  <a:schemeClr val="tx1">
+                    <a:lumMod val="65000"/>
+                    <a:lumOff val="35000"/>
+                  </a:schemeClr>
+                </a:solidFill>
                 <a:latin typeface="Montserrat SemiBold" panose="00000700000000000000" pitchFamily="2" charset="0"/>
               </a:rPr>
               <a:t>Създаване на собствена функция за минимизация</a:t>
             </a:r>
             <a:endParaRPr lang="en-US" dirty="0">
+              <a:solidFill>
+                <a:schemeClr val="tx1">
+                  <a:lumMod val="65000"/>
+                  <a:lumOff val="35000"/>
+                </a:schemeClr>
+              </a:solidFill>
               <a:latin typeface="Montserrat SemiBold" panose="00000700000000000000" pitchFamily="2" charset="0"/>
             </a:endParaRPr>
           </a:p>
@@ -4336,23 +5355,37 @@
           <a:lstStyle/>
           <a:p>
             <a:r>
-              <a:rPr lang="bg-BG" dirty="0">
-                <a:latin typeface="Montserrat SemiBold" panose="00000700000000000000" pitchFamily="2" charset="0"/>
+              <a:rPr lang="bg-BG" sz="4900" dirty="0">
+                <a:solidFill>
+                  <a:srgbClr val="FFA161"/>
+                </a:solidFill>
+                <a:latin typeface="Montserrat Black" panose="00000A00000000000000" pitchFamily="2" charset="0"/>
               </a:rPr>
               <a:t>Запознаване със различни </a:t>
             </a:r>
             <a:r>
-              <a:rPr lang="bg-BG" dirty="0" err="1">
-                <a:latin typeface="Montserrat SemiBold" panose="00000700000000000000" pitchFamily="2" charset="0"/>
+              <a:rPr lang="bg-BG" sz="4900" dirty="0" err="1">
+                <a:solidFill>
+                  <a:srgbClr val="FFA161"/>
+                </a:solidFill>
+                <a:latin typeface="Montserrat Black" panose="00000A00000000000000" pitchFamily="2" charset="0"/>
               </a:rPr>
               <a:t>Акселерометри</a:t>
             </a:r>
             <a:br>
               <a:rPr lang="bg-BG" dirty="0">
-                <a:latin typeface="Montserrat SemiBold" panose="00000700000000000000" pitchFamily="2" charset="0"/>
+                <a:solidFill>
+                  <a:srgbClr val="FFA161"/>
+                </a:solidFill>
+                <a:latin typeface="Montserrat Black" panose="00000A00000000000000" pitchFamily="2" charset="0"/>
               </a:rPr>
             </a:br>
-            <a:endParaRPr lang="en-US" dirty="0"/>
+            <a:endParaRPr lang="en-US" dirty="0">
+              <a:solidFill>
+                <a:srgbClr val="FFA161"/>
+              </a:solidFill>
+              <a:latin typeface="Montserrat Black" panose="00000A00000000000000" pitchFamily="2" charset="0"/>
+            </a:endParaRPr>
           </a:p>
         </p:txBody>
       </p:sp>
@@ -4379,44 +5412,76 @@
           </a:bodyPr>
           <a:lstStyle/>
           <a:p>
-            <a:pPr algn="ctr"/>
-            <a:r>
-              <a:rPr lang="bg-BG" sz="4800" dirty="0">
+            <a:r>
+              <a:rPr lang="bg-BG" sz="3600" dirty="0">
+                <a:solidFill>
+                  <a:schemeClr val="tx1">
+                    <a:lumMod val="65000"/>
+                    <a:lumOff val="35000"/>
+                  </a:schemeClr>
+                </a:solidFill>
                 <a:latin typeface="Montserrat" panose="00000500000000000000" pitchFamily="2" charset="0"/>
               </a:rPr>
               <a:t>Механични</a:t>
             </a:r>
-            <a:endParaRPr lang="en-US" sz="4800" dirty="0">
+            <a:endParaRPr lang="en-US" sz="3600" dirty="0">
+              <a:solidFill>
+                <a:schemeClr val="tx1">
+                  <a:lumMod val="65000"/>
+                  <a:lumOff val="35000"/>
+                </a:schemeClr>
+              </a:solidFill>
               <a:latin typeface="Montserrat" panose="00000500000000000000" pitchFamily="2" charset="0"/>
             </a:endParaRPr>
           </a:p>
           <a:p>
-            <a:pPr marL="0" indent="0" algn="ctr">
+            <a:pPr marL="0" indent="0">
               <a:buNone/>
             </a:pPr>
-            <a:endParaRPr lang="bg-BG" sz="4800" dirty="0">
+            <a:endParaRPr lang="bg-BG" sz="3600" dirty="0">
+              <a:solidFill>
+                <a:schemeClr val="tx1">
+                  <a:lumMod val="65000"/>
+                  <a:lumOff val="35000"/>
+                </a:schemeClr>
+              </a:solidFill>
               <a:latin typeface="Montserrat" panose="00000500000000000000" pitchFamily="2" charset="0"/>
             </a:endParaRPr>
           </a:p>
           <a:p>
-            <a:pPr algn="ctr"/>
-            <a:r>
-              <a:rPr lang="en-US" sz="4800" dirty="0">
+            <a:r>
+              <a:rPr lang="en-US" sz="3600" dirty="0">
+                <a:solidFill>
+                  <a:schemeClr val="tx1">
+                    <a:lumMod val="65000"/>
+                    <a:lumOff val="35000"/>
+                  </a:schemeClr>
+                </a:solidFill>
                 <a:latin typeface="Montserrat" panose="00000500000000000000" pitchFamily="2" charset="0"/>
               </a:rPr>
               <a:t>Solid State</a:t>
             </a:r>
           </a:p>
           <a:p>
-            <a:pPr algn="ctr"/>
-            <a:endParaRPr lang="bg-BG" sz="4800" dirty="0">
+            <a:endParaRPr lang="bg-BG" sz="3600" dirty="0">
+              <a:solidFill>
+                <a:schemeClr val="tx1">
+                  <a:lumMod val="65000"/>
+                  <a:lumOff val="35000"/>
+                </a:schemeClr>
+              </a:solidFill>
               <a:latin typeface="Montserrat" panose="00000500000000000000" pitchFamily="2" charset="0"/>
             </a:endParaRPr>
           </a:p>
           <a:p>
-            <a:pPr algn="ctr"/>
-            <a:r>
-              <a:rPr lang="en-US" sz="4800" dirty="0">
+            <a:r>
+              <a:rPr lang="en-US" sz="3600" dirty="0">
+                <a:solidFill>
+                  <a:schemeClr val="tx1">
+                    <a:lumMod val="65000"/>
+                    <a:lumOff val="35000"/>
+                  </a:schemeClr>
+                </a:solidFill>
                 <a:latin typeface="Montserrat" panose="00000500000000000000" pitchFamily="2" charset="0"/>
               </a:rPr>
               <a:t>MEMS </a:t>
@@ -4424,6 +5489,78 @@
           </a:p>
         </p:txBody>
       </p:sp>
+      <p:pic>
+        <p:nvPicPr>
+          <p:cNvPr id="6" name="Picture 5" descr="A close up of a sign&#10;&#10;Description automatically generated">
+            <a:extLst>
+              <a:ext uri="{FF2B5EF4-FFF2-40B4-BE49-F238E27FC236}">
+                <a16:creationId xmlns:a16="http://schemas.microsoft.com/office/drawing/2014/main" id="{BE79E47A-3C8E-441E-A287-4BA8E30C5C9E}"/>
+              </a:ext>
+            </a:extLst>
+          </p:cNvPr>
+          <p:cNvPicPr>
+            <a:picLocks noChangeAspect="1"/>
+          </p:cNvPicPr>
+          <p:nvPr/>
+        </p:nvPicPr>
+        <p:blipFill>
+          <a:blip r:embed="rId3">
+            <a:extLst>
+              <a:ext uri="{28A0092B-C50C-407E-A947-70E740481C1C}">
+                <a14:useLocalDpi xmlns:a14="http://schemas.microsoft.com/office/drawing/2010/main" val="0"/>
+              </a:ext>
+            </a:extLst>
+          </a:blip>
+          <a:stretch>
+            <a:fillRect/>
+          </a:stretch>
+        </p:blipFill>
+        <p:spPr>
+          <a:xfrm>
+            <a:off x="5770004" y="1461226"/>
+            <a:ext cx="5509737" cy="2613887"/>
+          </a:xfrm>
+          <a:prstGeom prst="rect">
+            <a:avLst/>
+          </a:prstGeom>
+        </p:spPr>
+      </p:pic>
+      <p:pic>
+        <p:nvPicPr>
+          <p:cNvPr id="8" name="Picture 7" descr="A close up of a device&#10;&#10;Description automatically generated">
+            <a:extLst>
+              <a:ext uri="{FF2B5EF4-FFF2-40B4-BE49-F238E27FC236}">
+                <a16:creationId xmlns:a16="http://schemas.microsoft.com/office/drawing/2014/main" id="{92783687-E4CE-4600-911B-B4573AF989D2}"/>
+              </a:ext>
+            </a:extLst>
+          </p:cNvPr>
+          <p:cNvPicPr>
+            <a:picLocks noChangeAspect="1"/>
+          </p:cNvPicPr>
+          <p:nvPr/>
+        </p:nvPicPr>
+        <p:blipFill>
+          <a:blip r:embed="rId4">
+            <a:extLst>
+              <a:ext uri="{28A0092B-C50C-407E-A947-70E740481C1C}">
+                <a14:useLocalDpi xmlns:a14="http://schemas.microsoft.com/office/drawing/2010/main" val="0"/>
+              </a:ext>
+            </a:extLst>
+          </a:blip>
+          <a:stretch>
+            <a:fillRect/>
+          </a:stretch>
+        </p:blipFill>
+        <p:spPr>
+          <a:xfrm>
+            <a:off x="5214936" y="4210050"/>
+            <a:ext cx="6619875" cy="2419350"/>
+          </a:xfrm>
+          <a:prstGeom prst="rect">
+            <a:avLst/>
+          </a:prstGeom>
+        </p:spPr>
+      </p:pic>
     </p:spTree>
     <p:extLst>
       <p:ext uri="{BB962C8B-B14F-4D97-AF65-F5344CB8AC3E}">
@@ -4479,28 +5616,45 @@
           <a:p>
             <a:r>
               <a:rPr lang="en-US" dirty="0">
-                <a:latin typeface="Montserrat SemiBold" panose="00000700000000000000" pitchFamily="2" charset="0"/>
+                <a:solidFill>
+                  <a:srgbClr val="FFA161"/>
+                </a:solidFill>
+                <a:latin typeface="Montserrat Black" panose="00000A00000000000000" pitchFamily="2" charset="0"/>
               </a:rPr>
               <a:t>MEMS</a:t>
             </a:r>
             <a:r>
               <a:rPr lang="bg-BG" dirty="0">
-                <a:latin typeface="Montserrat SemiBold" panose="00000700000000000000" pitchFamily="2" charset="0"/>
+                <a:solidFill>
+                  <a:srgbClr val="FFA161"/>
+                </a:solidFill>
+                <a:latin typeface="Montserrat Black" panose="00000A00000000000000" pitchFamily="2" charset="0"/>
               </a:rPr>
               <a:t> </a:t>
             </a:r>
             <a:r>
               <a:rPr lang="bg-BG" dirty="0" err="1">
-                <a:latin typeface="Montserrat SemiBold" panose="00000700000000000000" pitchFamily="2" charset="0"/>
+                <a:solidFill>
+                  <a:srgbClr val="FFA161"/>
+                </a:solidFill>
+                <a:latin typeface="Montserrat Black" panose="00000A00000000000000" pitchFamily="2" charset="0"/>
               </a:rPr>
               <a:t>Акселерометри</a:t>
             </a:r>
             <a:br>
               <a:rPr lang="bg-BG" dirty="0">
-                <a:latin typeface="Montserrat SemiBold" panose="00000700000000000000" pitchFamily="2" charset="0"/>
+                <a:solidFill>
+                  <a:srgbClr val="FFA161"/>
+                </a:solidFill>
+                <a:latin typeface="Montserrat Black" panose="00000A00000000000000" pitchFamily="2" charset="0"/>
               </a:rPr>
             </a:br>
-            <a:endParaRPr lang="en-US" dirty="0"/>
+            <a:endParaRPr lang="en-US" dirty="0">
+              <a:solidFill>
+                <a:srgbClr val="FFA161"/>
+              </a:solidFill>
+              <a:latin typeface="Montserrat Black" panose="00000A00000000000000" pitchFamily="2" charset="0"/>
+            </a:endParaRPr>
           </a:p>
         </p:txBody>
       </p:sp>
@@ -4628,16 +5782,27 @@
           <a:p>
             <a:r>
               <a:rPr lang="bg-BG" dirty="0">
-                <a:latin typeface="Montserrat SemiBold" panose="00000700000000000000" pitchFamily="2" charset="0"/>
+                <a:solidFill>
+                  <a:srgbClr val="FFA161"/>
+                </a:solidFill>
+                <a:latin typeface="Montserrat Black" panose="00000A00000000000000" pitchFamily="2" charset="0"/>
               </a:rPr>
               <a:t>Запознаване с проблема</a:t>
             </a:r>
             <a:br>
               <a:rPr lang="bg-BG" dirty="0">
-                <a:latin typeface="Montserrat SemiBold" panose="00000700000000000000" pitchFamily="2" charset="0"/>
+                <a:solidFill>
+                  <a:srgbClr val="FFA161"/>
+                </a:solidFill>
+                <a:latin typeface="Montserrat Black" panose="00000A00000000000000" pitchFamily="2" charset="0"/>
               </a:rPr>
             </a:br>
-            <a:endParaRPr lang="en-US" dirty="0"/>
+            <a:endParaRPr lang="en-US" dirty="0">
+              <a:solidFill>
+                <a:srgbClr val="FFA161"/>
+              </a:solidFill>
+              <a:latin typeface="Montserrat Black" panose="00000A00000000000000" pitchFamily="2" charset="0"/>
+            </a:endParaRPr>
           </a:p>
         </p:txBody>
       </p:sp>
@@ -4660,13 +5825,142 @@
         <p:spPr/>
         <p:txBody>
           <a:bodyPr>
-            <a:normAutofit lnSpcReduction="10000"/>
+            <a:normAutofit fontScale="92500"/>
           </a:bodyPr>
           <a:lstStyle/>
           <a:p>
             <a:r>
-              <a:rPr lang="en-US" dirty="0"/>
+              <a:rPr lang="en-US" dirty="0">
+                <a:solidFill>
+                  <a:schemeClr val="tx1">
+                    <a:lumMod val="65000"/>
+                    <a:lumOff val="35000"/>
+                  </a:schemeClr>
+                </a:solidFill>
+                <a:latin typeface="Montserrat" panose="00000500000000000000" pitchFamily="2" charset="0"/>
+              </a:rPr>
               <a:t>Constant Bias</a:t>
+            </a:r>
+            <a:endParaRPr lang="bg-BG" dirty="0">
+              <a:solidFill>
+                <a:schemeClr val="tx1">
+                  <a:lumMod val="65000"/>
+                  <a:lumOff val="35000"/>
+                </a:schemeClr>
+              </a:solidFill>
+              <a:latin typeface="Montserrat" panose="00000500000000000000" pitchFamily="2" charset="0"/>
+            </a:endParaRPr>
+          </a:p>
+          <a:p>
+            <a:pPr marL="0" indent="0">
+              <a:buNone/>
+            </a:pPr>
+            <a:endParaRPr lang="bg-BG" dirty="0">
+              <a:solidFill>
+                <a:schemeClr val="tx1">
+                  <a:lumMod val="65000"/>
+                  <a:lumOff val="35000"/>
+                </a:schemeClr>
+              </a:solidFill>
+              <a:latin typeface="Montserrat" panose="00000500000000000000" pitchFamily="2" charset="0"/>
+            </a:endParaRPr>
+          </a:p>
+          <a:p>
+            <a:r>
+              <a:rPr lang="en-US" dirty="0">
+                <a:solidFill>
+                  <a:schemeClr val="tx1">
+                    <a:lumMod val="65000"/>
+                    <a:lumOff val="35000"/>
+                  </a:schemeClr>
+                </a:solidFill>
+                <a:latin typeface="Montserrat" panose="00000500000000000000" pitchFamily="2" charset="0"/>
+              </a:rPr>
+              <a:t>Calibration Errors</a:t>
+            </a:r>
+          </a:p>
+          <a:p>
+            <a:pPr marL="0" indent="0">
+              <a:buNone/>
+            </a:pPr>
+            <a:endParaRPr lang="bg-BG" dirty="0">
+              <a:solidFill>
+                <a:schemeClr val="tx1">
+                  <a:lumMod val="65000"/>
+                  <a:lumOff val="35000"/>
+                </a:schemeClr>
+              </a:solidFill>
+              <a:latin typeface="Montserrat" panose="00000500000000000000" pitchFamily="2" charset="0"/>
+            </a:endParaRPr>
+          </a:p>
+          <a:p>
+            <a:r>
+              <a:rPr lang="en-US" dirty="0">
+                <a:solidFill>
+                  <a:schemeClr val="tx1">
+                    <a:lumMod val="65000"/>
+                    <a:lumOff val="35000"/>
+                  </a:schemeClr>
+                </a:solidFill>
+                <a:latin typeface="Montserrat" panose="00000500000000000000" pitchFamily="2" charset="0"/>
+              </a:rPr>
+              <a:t>Thermo-Mechanical White Noise / Velocity Random Walk </a:t>
+            </a:r>
+          </a:p>
+          <a:p>
+            <a:pPr marL="0" indent="0">
+              <a:buNone/>
+            </a:pPr>
+            <a:endParaRPr lang="bg-BG" dirty="0">
+              <a:solidFill>
+                <a:schemeClr val="tx1">
+                  <a:lumMod val="65000"/>
+                  <a:lumOff val="35000"/>
+                </a:schemeClr>
+              </a:solidFill>
+              <a:latin typeface="Montserrat" panose="00000500000000000000" pitchFamily="2" charset="0"/>
+            </a:endParaRPr>
+          </a:p>
+          <a:p>
+            <a:r>
+              <a:rPr lang="en-US" dirty="0">
+                <a:solidFill>
+                  <a:schemeClr val="tx1">
+                    <a:lumMod val="65000"/>
+                    <a:lumOff val="35000"/>
+                  </a:schemeClr>
+                </a:solidFill>
+                <a:latin typeface="Montserrat" panose="00000500000000000000" pitchFamily="2" charset="0"/>
+              </a:rPr>
+              <a:t>Flicker Noise / Bias Stability</a:t>
+            </a:r>
+          </a:p>
+          <a:p>
+            <a:pPr marL="0" indent="0">
+              <a:buNone/>
+            </a:pPr>
+            <a:endParaRPr lang="bg-BG" dirty="0">
+              <a:solidFill>
+                <a:schemeClr val="tx1">
+                  <a:lumMod val="65000"/>
+                  <a:lumOff val="35000"/>
+                </a:schemeClr>
+              </a:solidFill>
+              <a:latin typeface="Montserrat" panose="00000500000000000000" pitchFamily="2" charset="0"/>
+            </a:endParaRPr>
+          </a:p>
+          <a:p>
+            <a:r>
+              <a:rPr lang="en-US" dirty="0">
+                <a:solidFill>
+                  <a:schemeClr val="tx1">
+                    <a:lumMod val="65000"/>
+                    <a:lumOff val="35000"/>
+                  </a:schemeClr>
+                </a:solidFill>
+                <a:latin typeface="Montserrat" panose="00000500000000000000" pitchFamily="2" charset="0"/>
+              </a:rPr>
+              <a:t>Temperature Effects</a:t>
             </a:r>
           </a:p>
           <a:p>
@@ -4674,48 +5968,6 @@
               <a:buNone/>
             </a:pPr>
             <a:endParaRPr lang="bg-BG" dirty="0"/>
-          </a:p>
-          <a:p>
-            <a:r>
-              <a:rPr lang="en-US" dirty="0"/>
-              <a:t>Thermo-Mechanical White Noise / Velocity Random Walk </a:t>
-            </a:r>
-          </a:p>
-          <a:p>
-            <a:pPr marL="0" indent="0">
-              <a:buNone/>
-            </a:pPr>
-            <a:endParaRPr lang="bg-BG" dirty="0"/>
-          </a:p>
-          <a:p>
-            <a:r>
-              <a:rPr lang="en-US" dirty="0"/>
-              <a:t>Flicker Noise / Bias Stability</a:t>
-            </a:r>
-          </a:p>
-          <a:p>
-            <a:pPr marL="0" indent="0">
-              <a:buNone/>
-            </a:pPr>
-            <a:endParaRPr lang="bg-BG" dirty="0"/>
-          </a:p>
-          <a:p>
-            <a:r>
-              <a:rPr lang="en-US" dirty="0"/>
-              <a:t>Temperature Effects</a:t>
-            </a:r>
-          </a:p>
-          <a:p>
-            <a:pPr marL="0" indent="0">
-              <a:buNone/>
-            </a:pPr>
-            <a:endParaRPr lang="bg-BG" dirty="0"/>
-          </a:p>
-          <a:p>
-            <a:r>
-              <a:rPr lang="en-US" dirty="0"/>
-              <a:t>Calibration Errors</a:t>
-            </a:r>
           </a:p>
         </p:txBody>
       </p:sp>
@@ -4771,10 +6023,20 @@
           <a:lstStyle/>
           <a:p>
             <a:r>
-              <a:rPr lang="bg-BG" dirty="0"/>
+              <a:rPr lang="bg-BG" b="1" dirty="0">
+                <a:solidFill>
+                  <a:srgbClr val="FFA161"/>
+                </a:solidFill>
+                <a:latin typeface="Montserrat Black" panose="00000A00000000000000" pitchFamily="2" charset="0"/>
+              </a:rPr>
               <a:t>Какво очакваме от сензора?</a:t>
             </a:r>
-            <a:endParaRPr lang="en-US" dirty="0"/>
+            <a:endParaRPr lang="en-US" b="1" dirty="0">
+              <a:solidFill>
+                <a:srgbClr val="FFA161"/>
+              </a:solidFill>
+              <a:latin typeface="Montserrat Black" panose="00000A00000000000000" pitchFamily="2" charset="0"/>
+            </a:endParaRPr>
           </a:p>
         </p:txBody>
       </p:sp>
@@ -4800,35 +6062,99 @@
           <a:lstStyle/>
           <a:p>
             <a:r>
-              <a:rPr lang="bg-BG" dirty="0"/>
+              <a:rPr lang="bg-BG" dirty="0">
+                <a:solidFill>
+                  <a:schemeClr val="tx1">
+                    <a:lumMod val="65000"/>
+                    <a:lumOff val="35000"/>
+                  </a:schemeClr>
+                </a:solidFill>
+                <a:latin typeface="Montserrat" panose="00000500000000000000" pitchFamily="2" charset="0"/>
+              </a:rPr>
               <a:t>Когато е не неподвижен и поставен хоризонтално спрямо</a:t>
             </a:r>
             <a:r>
-              <a:rPr lang="en-US" dirty="0"/>
+              <a:rPr lang="en-US" dirty="0">
+                <a:solidFill>
+                  <a:schemeClr val="tx1">
+                    <a:lumMod val="65000"/>
+                    <a:lumOff val="35000"/>
+                  </a:schemeClr>
+                </a:solidFill>
+                <a:latin typeface="Montserrat" panose="00000500000000000000" pitchFamily="2" charset="0"/>
+              </a:rPr>
               <a:t> XY </a:t>
             </a:r>
             <a:r>
-              <a:rPr lang="bg-BG" dirty="0"/>
+              <a:rPr lang="bg-BG" dirty="0">
+                <a:solidFill>
+                  <a:schemeClr val="tx1">
+                    <a:lumMod val="65000"/>
+                    <a:lumOff val="35000"/>
+                  </a:schemeClr>
+                </a:solidFill>
+                <a:latin typeface="Montserrat" panose="00000500000000000000" pitchFamily="2" charset="0"/>
+              </a:rPr>
               <a:t>равнината да дава измерване  (</a:t>
             </a:r>
             <a:r>
-              <a:rPr lang="en-US" dirty="0"/>
+              <a:rPr lang="en-US" dirty="0">
+                <a:solidFill>
+                  <a:schemeClr val="tx1">
+                    <a:lumMod val="65000"/>
+                    <a:lumOff val="35000"/>
+                  </a:schemeClr>
+                </a:solidFill>
+                <a:latin typeface="Montserrat" panose="00000500000000000000" pitchFamily="2" charset="0"/>
+              </a:rPr>
               <a:t>X,Y,Z</a:t>
             </a:r>
             <a:r>
-              <a:rPr lang="bg-BG" dirty="0"/>
+              <a:rPr lang="bg-BG" dirty="0">
+                <a:solidFill>
+                  <a:schemeClr val="tx1">
+                    <a:lumMod val="65000"/>
+                    <a:lumOff val="35000"/>
+                  </a:schemeClr>
+                </a:solidFill>
+                <a:latin typeface="Montserrat" panose="00000500000000000000" pitchFamily="2" charset="0"/>
+              </a:rPr>
               <a:t>)=(0,0,9.8)</a:t>
             </a:r>
           </a:p>
           <a:p>
-            <a:endParaRPr lang="bg-BG" dirty="0"/>
-          </a:p>
-          <a:p>
-            <a:r>
-              <a:rPr lang="bg-BG" dirty="0"/>
+            <a:endParaRPr lang="bg-BG" dirty="0">
+              <a:solidFill>
+                <a:schemeClr val="tx1">
+                  <a:lumMod val="65000"/>
+                  <a:lumOff val="35000"/>
+                </a:schemeClr>
+              </a:solidFill>
+              <a:latin typeface="Montserrat" panose="00000500000000000000" pitchFamily="2" charset="0"/>
+            </a:endParaRPr>
+          </a:p>
+          <a:p>
+            <a:r>
+              <a:rPr lang="bg-BG" dirty="0">
+                <a:solidFill>
+                  <a:schemeClr val="tx1">
+                    <a:lumMod val="65000"/>
+                    <a:lumOff val="35000"/>
+                  </a:schemeClr>
+                </a:solidFill>
+                <a:latin typeface="Montserrat" panose="00000500000000000000" pitchFamily="2" charset="0"/>
+              </a:rPr>
               <a:t>Това означава, че трябва а обработим суровите данни които идват от сензора.</a:t>
             </a:r>
-            <a:endParaRPr lang="en-US" dirty="0"/>
+            <a:endParaRPr lang="en-US" dirty="0">
+              <a:solidFill>
+                <a:schemeClr val="tx1">
+                  <a:lumMod val="65000"/>
+                  <a:lumOff val="35000"/>
+                </a:schemeClr>
+              </a:solidFill>
+              <a:latin typeface="Montserrat" panose="00000500000000000000" pitchFamily="2" charset="0"/>
+            </a:endParaRPr>
           </a:p>
           <a:p>
             <a:endParaRPr lang="en-US" dirty="0"/>
@@ -4887,10 +6213,20 @@
           <a:lstStyle/>
           <a:p>
             <a:r>
-              <a:rPr lang="bg-BG" dirty="0"/>
+              <a:rPr lang="bg-BG" b="1" dirty="0">
+                <a:solidFill>
+                  <a:srgbClr val="FFA161"/>
+                </a:solidFill>
+                <a:latin typeface="Montserrat Black" panose="00000A00000000000000" pitchFamily="2" charset="0"/>
+              </a:rPr>
               <a:t>Как се калибрират данните?</a:t>
             </a:r>
-            <a:endParaRPr lang="en-US" dirty="0"/>
+            <a:endParaRPr lang="en-US" b="1" dirty="0">
+              <a:solidFill>
+                <a:srgbClr val="FFA161"/>
+              </a:solidFill>
+              <a:latin typeface="Montserrat Black" panose="00000A00000000000000" pitchFamily="2" charset="0"/>
+            </a:endParaRPr>
           </a:p>
         </p:txBody>
       </p:sp>
@@ -4919,93 +6255,124 @@
               </a:xfrm>
             </p:spPr>
             <p:txBody>
-              <a:bodyPr/>
+              <a:bodyPr>
+                <a:normAutofit fontScale="92500" lnSpcReduction="20000"/>
+              </a:bodyPr>
               <a:lstStyle/>
               <a:p>
                 <a14:m>
                   <m:oMath xmlns:m="http://schemas.openxmlformats.org/officeDocument/2006/math">
-                    <m:sSub>
-                      <m:sSubPr>
+                    <m:d>
+                      <m:dPr>
                         <m:ctrlPr>
                           <a:rPr lang="en-US" i="1" smtClean="0">
+                            <a:solidFill>
+                              <a:schemeClr val="tx1">
+                                <a:lumMod val="65000"/>
+                                <a:lumOff val="35000"/>
+                              </a:schemeClr>
+                            </a:solidFill>
                             <a:latin typeface="Cambria Math" panose="02040503050406030204" pitchFamily="18" charset="0"/>
                           </a:rPr>
                         </m:ctrlPr>
-                      </m:sSubPr>
+                      </m:dPr>
                       <m:e>
-                        <m:d>
-                          <m:dPr>
+                        <m:m>
+                          <m:mPr>
+                            <m:mcs>
+                              <m:mc>
+                                <m:mcPr>
+                                  <m:count m:val="1"/>
+                                  <m:mcJc m:val="center"/>
+                                </m:mcPr>
+                              </m:mc>
+                            </m:mcs>
                             <m:ctrlPr>
                               <a:rPr lang="en-US" i="1">
+                                <a:solidFill>
+                                  <a:schemeClr val="tx1">
+                                    <a:lumMod val="65000"/>
+                                    <a:lumOff val="35000"/>
+                                  </a:schemeClr>
+                                </a:solidFill>
                                 <a:latin typeface="Cambria Math" panose="02040503050406030204" pitchFamily="18" charset="0"/>
                               </a:rPr>
                             </m:ctrlPr>
-                          </m:dPr>
-                          <m:e>
-                            <m:m>
-                              <m:mPr>
-                                <m:mcs>
-                                  <m:mc>
-                                    <m:mcPr>
-                                      <m:count m:val="1"/>
-                                      <m:mcJc m:val="center"/>
-                                    </m:mcPr>
-                                  </m:mc>
-                                </m:mcs>
-                                <m:ctrlPr>
-                                  <a:rPr lang="en-US" i="1">
-                                    <a:latin typeface="Cambria Math" panose="02040503050406030204" pitchFamily="18" charset="0"/>
-                                  </a:rPr>
-                                </m:ctrlPr>
-                              </m:mPr>
-                              <m:mr>
-                                <m:e>
-                                  <m:r>
-                                    <m:rPr>
-                                      <m:brk m:alnAt="7"/>
-                                    </m:rPr>
-                                    <a:rPr lang="en-US" i="1">
-                                      <a:latin typeface="Cambria Math" panose="02040503050406030204" pitchFamily="18" charset="0"/>
-                                    </a:rPr>
-                                    <m:t>𝑋</m:t>
-                                  </m:r>
-                                </m:e>
-                              </m:mr>
-                              <m:mr>
-                                <m:e>
-                                  <m:r>
-                                    <a:rPr lang="en-US" i="1">
-                                      <a:latin typeface="Cambria Math" panose="02040503050406030204" pitchFamily="18" charset="0"/>
-                                    </a:rPr>
-                                    <m:t>𝑌</m:t>
-                                  </m:r>
-                                </m:e>
-                              </m:mr>
-                              <m:mr>
-                                <m:e>
-                                  <m:r>
-                                    <a:rPr lang="en-US" i="1">
-                                      <a:latin typeface="Cambria Math" panose="02040503050406030204" pitchFamily="18" charset="0"/>
-                                    </a:rPr>
-                                    <m:t>𝑍</m:t>
-                                  </m:r>
-                                </m:e>
-                              </m:mr>
-                            </m:m>
-                          </m:e>
-                        </m:d>
+                          </m:mPr>
+                          <m:mr>
+                            <m:e>
+                              <m:r>
+                                <m:rPr>
+                                  <m:brk m:alnAt="7"/>
+                                </m:rPr>
+                                <a:rPr lang="en-US" i="1">
+                                  <a:solidFill>
+                                    <a:schemeClr val="tx1">
+                                      <a:lumMod val="65000"/>
+                                      <a:lumOff val="35000"/>
+                                    </a:schemeClr>
+                                  </a:solidFill>
+                                  <a:latin typeface="Cambria Math" panose="02040503050406030204" pitchFamily="18" charset="0"/>
+                                </a:rPr>
+                                <m:t>𝑋</m:t>
+                              </m:r>
+                            </m:e>
+                          </m:mr>
+                          <m:mr>
+                            <m:e>
+                              <m:r>
+                                <a:rPr lang="en-US" i="1">
+                                  <a:solidFill>
+                                    <a:schemeClr val="tx1">
+                                      <a:lumMod val="65000"/>
+                                      <a:lumOff val="35000"/>
+                                    </a:schemeClr>
+                                  </a:solidFill>
+                                  <a:latin typeface="Cambria Math" panose="02040503050406030204" pitchFamily="18" charset="0"/>
+                                </a:rPr>
+                                <m:t>𝑌</m:t>
+                              </m:r>
+                            </m:e>
+                          </m:mr>
+                          <m:mr>
+                            <m:e>
+                              <m:r>
+                                <a:rPr lang="en-US" i="1">
+                                  <a:solidFill>
+                                    <a:schemeClr val="tx1">
+                                      <a:lumMod val="65000"/>
+                                      <a:lumOff val="35000"/>
+                                    </a:schemeClr>
+                                  </a:solidFill>
+                                  <a:latin typeface="Cambria Math" panose="02040503050406030204" pitchFamily="18" charset="0"/>
+                                </a:rPr>
+                                <m:t>𝑍</m:t>
+                              </m:r>
+                            </m:e>
+                          </m:mr>
+                        </m:m>
                       </m:e>
-                      <m:sub>
-                        <m:r>
-                          <a:rPr lang="bg-BG" b="0" i="1" smtClean="0">
-                            <a:latin typeface="Cambria Math" panose="02040503050406030204" pitchFamily="18" charset="0"/>
-                          </a:rPr>
-                          <m:t>Калибрирани данни</m:t>
-                        </m:r>
-                      </m:sub>
-                    </m:sSub>
+                    </m:d>
                     <m:r>
                       <a:rPr lang="en-US" i="1">
+                        <a:solidFill>
+                          <a:schemeClr val="tx1">
+                            <a:lumMod val="65000"/>
+                            <a:lumOff val="35000"/>
+                          </a:schemeClr>
+                        </a:solidFill>
+                        <a:latin typeface="Cambria Math" panose="02040503050406030204" pitchFamily="18" charset="0"/>
+                      </a:rPr>
+                      <m:t> </m:t>
+                    </m:r>
+                    <m:r>
+                      <a:rPr lang="en-US" i="1">
+                        <a:solidFill>
+                          <a:schemeClr val="tx1">
+                            <a:lumMod val="65000"/>
+                            <a:lumOff val="35000"/>
+                          </a:schemeClr>
+                        </a:solidFill>
                         <a:latin typeface="Cambria Math" panose="02040503050406030204" pitchFamily="18" charset="0"/>
                       </a:rPr>
                       <m:t>=</m:t>
@@ -5014,6 +6381,12 @@
                       <m:dPr>
                         <m:ctrlPr>
                           <a:rPr lang="en-US" i="1">
+                            <a:solidFill>
+                              <a:schemeClr val="tx1">
+                                <a:lumMod val="65000"/>
+                                <a:lumOff val="35000"/>
+                              </a:schemeClr>
+                            </a:solidFill>
                             <a:latin typeface="Cambria Math" panose="02040503050406030204" pitchFamily="18" charset="0"/>
                           </a:rPr>
                         </m:ctrlPr>
@@ -5031,6 +6404,12 @@
                             </m:mcs>
                             <m:ctrlPr>
                               <a:rPr lang="en-US" i="1">
+                                <a:solidFill>
+                                  <a:schemeClr val="tx1">
+                                    <a:lumMod val="65000"/>
+                                    <a:lumOff val="35000"/>
+                                  </a:schemeClr>
+                                </a:solidFill>
                                 <a:latin typeface="Cambria Math" panose="02040503050406030204" pitchFamily="18" charset="0"/>
                               </a:rPr>
                             </m:ctrlPr>
@@ -5041,6 +6420,12 @@
                                 <m:sSubPr>
                                   <m:ctrlPr>
                                     <a:rPr lang="en-US" i="1">
+                                      <a:solidFill>
+                                        <a:schemeClr val="tx1">
+                                          <a:lumMod val="65000"/>
+                                          <a:lumOff val="35000"/>
+                                        </a:schemeClr>
+                                      </a:solidFill>
                                       <a:latin typeface="Cambria Math" panose="02040503050406030204" pitchFamily="18" charset="0"/>
                                     </a:rPr>
                                   </m:ctrlPr>
@@ -5048,6 +6433,12 @@
                                 <m:e>
                                   <m:r>
                                     <a:rPr lang="en-US" i="1">
+                                      <a:solidFill>
+                                        <a:schemeClr val="tx1">
+                                          <a:lumMod val="65000"/>
+                                          <a:lumOff val="35000"/>
+                                        </a:schemeClr>
+                                      </a:solidFill>
                                       <a:latin typeface="Cambria Math" panose="02040503050406030204" pitchFamily="18" charset="0"/>
                                     </a:rPr>
                                     <m:t>𝑀</m:t>
@@ -5056,6 +6447,12 @@
                                 <m:sub>
                                   <m:r>
                                     <a:rPr lang="en-US" i="1">
+                                      <a:solidFill>
+                                        <a:schemeClr val="tx1">
+                                          <a:lumMod val="65000"/>
+                                          <a:lumOff val="35000"/>
+                                        </a:schemeClr>
+                                      </a:solidFill>
                                       <a:latin typeface="Cambria Math" panose="02040503050406030204" pitchFamily="18" charset="0"/>
                                     </a:rPr>
                                     <m:t>𝑥𝑥</m:t>
@@ -5068,6 +6465,12 @@
                                 <m:sSubPr>
                                   <m:ctrlPr>
                                     <a:rPr lang="en-US" i="1">
+                                      <a:solidFill>
+                                        <a:schemeClr val="tx1">
+                                          <a:lumMod val="65000"/>
+                                          <a:lumOff val="35000"/>
+                                        </a:schemeClr>
+                                      </a:solidFill>
                                       <a:latin typeface="Cambria Math" panose="02040503050406030204" pitchFamily="18" charset="0"/>
                                     </a:rPr>
                                   </m:ctrlPr>
@@ -5075,6 +6478,12 @@
                                 <m:e>
                                   <m:r>
                                     <a:rPr lang="en-US" i="1">
+                                      <a:solidFill>
+                                        <a:schemeClr val="tx1">
+                                          <a:lumMod val="65000"/>
+                                          <a:lumOff val="35000"/>
+                                        </a:schemeClr>
+                                      </a:solidFill>
                                       <a:latin typeface="Cambria Math" panose="02040503050406030204" pitchFamily="18" charset="0"/>
                                     </a:rPr>
                                     <m:t>𝑀</m:t>
@@ -5083,6 +6492,12 @@
                                 <m:sub>
                                   <m:r>
                                     <a:rPr lang="en-US" i="1">
+                                      <a:solidFill>
+                                        <a:schemeClr val="tx1">
+                                          <a:lumMod val="65000"/>
+                                          <a:lumOff val="35000"/>
+                                        </a:schemeClr>
+                                      </a:solidFill>
                                       <a:latin typeface="Cambria Math" panose="02040503050406030204" pitchFamily="18" charset="0"/>
                                     </a:rPr>
                                     <m:t>𝑥𝑦</m:t>
@@ -5095,6 +6510,12 @@
                                 <m:sSubPr>
                                   <m:ctrlPr>
                                     <a:rPr lang="en-US" i="1">
+                                      <a:solidFill>
+                                        <a:schemeClr val="tx1">
+                                          <a:lumMod val="65000"/>
+                                          <a:lumOff val="35000"/>
+                                        </a:schemeClr>
+                                      </a:solidFill>
                                       <a:latin typeface="Cambria Math" panose="02040503050406030204" pitchFamily="18" charset="0"/>
                                     </a:rPr>
                                   </m:ctrlPr>
@@ -5102,6 +6523,12 @@
                                 <m:e>
                                   <m:r>
                                     <a:rPr lang="en-US" i="1">
+                                      <a:solidFill>
+                                        <a:schemeClr val="tx1">
+                                          <a:lumMod val="65000"/>
+                                          <a:lumOff val="35000"/>
+                                        </a:schemeClr>
+                                      </a:solidFill>
                                       <a:latin typeface="Cambria Math" panose="02040503050406030204" pitchFamily="18" charset="0"/>
                                     </a:rPr>
                                     <m:t>𝑀</m:t>
@@ -5110,6 +6537,12 @@
                                 <m:sub>
                                   <m:r>
                                     <a:rPr lang="en-US" i="1">
+                                      <a:solidFill>
+                                        <a:schemeClr val="tx1">
+                                          <a:lumMod val="65000"/>
+                                          <a:lumOff val="35000"/>
+                                        </a:schemeClr>
+                                      </a:solidFill>
                                       <a:latin typeface="Cambria Math" panose="02040503050406030204" pitchFamily="18" charset="0"/>
                                     </a:rPr>
                                     <m:t>𝑥𝑧</m:t>
@@ -5124,6 +6557,12 @@
                                 <m:sSubPr>
                                   <m:ctrlPr>
                                     <a:rPr lang="en-US" i="1">
+                                      <a:solidFill>
+                                        <a:schemeClr val="tx1">
+                                          <a:lumMod val="65000"/>
+                                          <a:lumOff val="35000"/>
+                                        </a:schemeClr>
+                                      </a:solidFill>
                                       <a:latin typeface="Cambria Math" panose="02040503050406030204" pitchFamily="18" charset="0"/>
                                     </a:rPr>
                                   </m:ctrlPr>
@@ -5131,6 +6570,12 @@
                                 <m:e>
                                   <m:r>
                                     <a:rPr lang="en-US" i="1">
+                                      <a:solidFill>
+                                        <a:schemeClr val="tx1">
+                                          <a:lumMod val="65000"/>
+                                          <a:lumOff val="35000"/>
+                                        </a:schemeClr>
+                                      </a:solidFill>
                                       <a:latin typeface="Cambria Math" panose="02040503050406030204" pitchFamily="18" charset="0"/>
                                     </a:rPr>
                                     <m:t>𝑀</m:t>
@@ -5139,6 +6584,12 @@
                                 <m:sub>
                                   <m:r>
                                     <a:rPr lang="en-US" i="1">
+                                      <a:solidFill>
+                                        <a:schemeClr val="tx1">
+                                          <a:lumMod val="65000"/>
+                                          <a:lumOff val="35000"/>
+                                        </a:schemeClr>
+                                      </a:solidFill>
                                       <a:latin typeface="Cambria Math" panose="02040503050406030204" pitchFamily="18" charset="0"/>
                                     </a:rPr>
                                     <m:t>𝑦𝑥</m:t>
@@ -5151,6 +6602,12 @@
                                 <m:sSubPr>
                                   <m:ctrlPr>
                                     <a:rPr lang="en-US" i="1">
+                                      <a:solidFill>
+                                        <a:schemeClr val="tx1">
+                                          <a:lumMod val="65000"/>
+                                          <a:lumOff val="35000"/>
+                                        </a:schemeClr>
+                                      </a:solidFill>
                                       <a:latin typeface="Cambria Math" panose="02040503050406030204" pitchFamily="18" charset="0"/>
                                     </a:rPr>
                                   </m:ctrlPr>
@@ -5158,6 +6615,12 @@
                                 <m:e>
                                   <m:r>
                                     <a:rPr lang="en-US" i="1">
+                                      <a:solidFill>
+                                        <a:schemeClr val="tx1">
+                                          <a:lumMod val="65000"/>
+                                          <a:lumOff val="35000"/>
+                                        </a:schemeClr>
+                                      </a:solidFill>
                                       <a:latin typeface="Cambria Math" panose="02040503050406030204" pitchFamily="18" charset="0"/>
                                     </a:rPr>
                                     <m:t>𝑀</m:t>
@@ -5166,6 +6629,12 @@
                                 <m:sub>
                                   <m:r>
                                     <a:rPr lang="en-US" i="1">
+                                      <a:solidFill>
+                                        <a:schemeClr val="tx1">
+                                          <a:lumMod val="65000"/>
+                                          <a:lumOff val="35000"/>
+                                        </a:schemeClr>
+                                      </a:solidFill>
                                       <a:latin typeface="Cambria Math" panose="02040503050406030204" pitchFamily="18" charset="0"/>
                                     </a:rPr>
                                     <m:t>𝑦𝑦</m:t>
@@ -5178,6 +6647,12 @@
                                 <m:sSubPr>
                                   <m:ctrlPr>
                                     <a:rPr lang="en-US" i="1">
+                                      <a:solidFill>
+                                        <a:schemeClr val="tx1">
+                                          <a:lumMod val="65000"/>
+                                          <a:lumOff val="35000"/>
+                                        </a:schemeClr>
+                                      </a:solidFill>
                                       <a:latin typeface="Cambria Math" panose="02040503050406030204" pitchFamily="18" charset="0"/>
                                     </a:rPr>
                                   </m:ctrlPr>
@@ -5185,6 +6660,12 @@
                                 <m:e>
                                   <m:r>
                                     <a:rPr lang="en-US" i="1">
+                                      <a:solidFill>
+                                        <a:schemeClr val="tx1">
+                                          <a:lumMod val="65000"/>
+                                          <a:lumOff val="35000"/>
+                                        </a:schemeClr>
+                                      </a:solidFill>
                                       <a:latin typeface="Cambria Math" panose="02040503050406030204" pitchFamily="18" charset="0"/>
                                     </a:rPr>
                                     <m:t>𝑀</m:t>
@@ -5193,6 +6674,12 @@
                                 <m:sub>
                                   <m:r>
                                     <a:rPr lang="en-US" i="1">
+                                      <a:solidFill>
+                                        <a:schemeClr val="tx1">
+                                          <a:lumMod val="65000"/>
+                                          <a:lumOff val="35000"/>
+                                        </a:schemeClr>
+                                      </a:solidFill>
                                       <a:latin typeface="Cambria Math" panose="02040503050406030204" pitchFamily="18" charset="0"/>
                                     </a:rPr>
                                     <m:t>𝑦𝑧</m:t>
@@ -5207,6 +6694,12 @@
                                 <m:sSubPr>
                                   <m:ctrlPr>
                                     <a:rPr lang="en-US" i="1">
+                                      <a:solidFill>
+                                        <a:schemeClr val="tx1">
+                                          <a:lumMod val="65000"/>
+                                          <a:lumOff val="35000"/>
+                                        </a:schemeClr>
+                                      </a:solidFill>
                                       <a:latin typeface="Cambria Math" panose="02040503050406030204" pitchFamily="18" charset="0"/>
                                     </a:rPr>
                                   </m:ctrlPr>
@@ -5214,6 +6707,12 @@
                                 <m:e>
                                   <m:r>
                                     <a:rPr lang="en-US" i="1">
+                                      <a:solidFill>
+                                        <a:schemeClr val="tx1">
+                                          <a:lumMod val="65000"/>
+                                          <a:lumOff val="35000"/>
+                                        </a:schemeClr>
+                                      </a:solidFill>
                                       <a:latin typeface="Cambria Math" panose="02040503050406030204" pitchFamily="18" charset="0"/>
                                     </a:rPr>
                                     <m:t>𝑀</m:t>
@@ -5222,6 +6721,12 @@
                                 <m:sub>
                                   <m:r>
                                     <a:rPr lang="en-US" i="1">
+                                      <a:solidFill>
+                                        <a:schemeClr val="tx1">
+                                          <a:lumMod val="65000"/>
+                                          <a:lumOff val="35000"/>
+                                        </a:schemeClr>
+                                      </a:solidFill>
                                       <a:latin typeface="Cambria Math" panose="02040503050406030204" pitchFamily="18" charset="0"/>
                                     </a:rPr>
                                     <m:t>𝑧𝑥</m:t>
@@ -5234,6 +6739,12 @@
                                 <m:sSubPr>
                                   <m:ctrlPr>
                                     <a:rPr lang="en-US" i="1">
+                                      <a:solidFill>
+                                        <a:schemeClr val="tx1">
+                                          <a:lumMod val="65000"/>
+                                          <a:lumOff val="35000"/>
+                                        </a:schemeClr>
+                                      </a:solidFill>
                                       <a:latin typeface="Cambria Math" panose="02040503050406030204" pitchFamily="18" charset="0"/>
                                     </a:rPr>
                                   </m:ctrlPr>
@@ -5241,6 +6752,12 @@
                                 <m:e>
                                   <m:r>
                                     <a:rPr lang="en-US" i="1">
+                                      <a:solidFill>
+                                        <a:schemeClr val="tx1">
+                                          <a:lumMod val="65000"/>
+                                          <a:lumOff val="35000"/>
+                                        </a:schemeClr>
+                                      </a:solidFill>
                                       <a:latin typeface="Cambria Math" panose="02040503050406030204" pitchFamily="18" charset="0"/>
                                     </a:rPr>
                                     <m:t>𝑀</m:t>
@@ -5249,6 +6766,12 @@
                                 <m:sub>
                                   <m:r>
                                     <a:rPr lang="en-US" i="1">
+                                      <a:solidFill>
+                                        <a:schemeClr val="tx1">
+                                          <a:lumMod val="65000"/>
+                                          <a:lumOff val="35000"/>
+                                        </a:schemeClr>
+                                      </a:solidFill>
                                       <a:latin typeface="Cambria Math" panose="02040503050406030204" pitchFamily="18" charset="0"/>
                                     </a:rPr>
                                     <m:t>𝑧𝑦</m:t>
@@ -5261,6 +6784,12 @@
                                 <m:sSubPr>
                                   <m:ctrlPr>
                                     <a:rPr lang="en-US" i="1">
+                                      <a:solidFill>
+                                        <a:schemeClr val="tx1">
+                                          <a:lumMod val="65000"/>
+                                          <a:lumOff val="35000"/>
+                                        </a:schemeClr>
+                                      </a:solidFill>
                                       <a:latin typeface="Cambria Math" panose="02040503050406030204" pitchFamily="18" charset="0"/>
                                     </a:rPr>
                                   </m:ctrlPr>
@@ -5268,6 +6797,12 @@
                                 <m:e>
                                   <m:r>
                                     <a:rPr lang="en-US" i="1">
+                                      <a:solidFill>
+                                        <a:schemeClr val="tx1">
+                                          <a:lumMod val="65000"/>
+                                          <a:lumOff val="35000"/>
+                                        </a:schemeClr>
+                                      </a:solidFill>
                                       <a:latin typeface="Cambria Math" panose="02040503050406030204" pitchFamily="18" charset="0"/>
                                     </a:rPr>
                                     <m:t>𝑀</m:t>
@@ -5276,6 +6811,12 @@
                                 <m:sub>
                                   <m:r>
                                     <a:rPr lang="en-US" i="1">
+                                      <a:solidFill>
+                                        <a:schemeClr val="tx1">
+                                          <a:lumMod val="65000"/>
+                                          <a:lumOff val="35000"/>
+                                        </a:schemeClr>
+                                      </a:solidFill>
                                       <a:latin typeface="Cambria Math" panose="02040503050406030204" pitchFamily="18" charset="0"/>
                                     </a:rPr>
                                     <m:t>𝑧𝑧</m:t>
@@ -5289,160 +6830,26 @@
                     </m:d>
                     <m:r>
                       <a:rPr lang="en-US" i="1">
+                        <a:solidFill>
+                          <a:schemeClr val="tx1">
+                            <a:lumMod val="65000"/>
+                            <a:lumOff val="35000"/>
+                          </a:schemeClr>
+                        </a:solidFill>
                         <a:latin typeface="Cambria Math" panose="02040503050406030204" pitchFamily="18" charset="0"/>
                       </a:rPr>
                       <m:t>.</m:t>
-                    </m:r>
-                    <m:r>
-                      <a:rPr lang="en-US" i="1" smtClean="0">
-                        <a:latin typeface="Cambria Math" panose="02040503050406030204" pitchFamily="18" charset="0"/>
-                      </a:rPr>
-                      <m:t> </m:t>
-                    </m:r>
-                    <m:sSub>
-                      <m:sSubPr>
-                        <m:ctrlPr>
-                          <a:rPr lang="en-US" i="1" smtClean="0">
-                            <a:latin typeface="Cambria Math" panose="02040503050406030204" pitchFamily="18" charset="0"/>
-                          </a:rPr>
-                        </m:ctrlPr>
-                      </m:sSubPr>
-                      <m:e>
-                        <m:d>
-                          <m:dPr>
-                            <m:ctrlPr>
-                              <a:rPr lang="en-US" i="1">
-                                <a:latin typeface="Cambria Math" panose="02040503050406030204" pitchFamily="18" charset="0"/>
-                              </a:rPr>
-                            </m:ctrlPr>
-                          </m:dPr>
-                          <m:e>
-                            <m:m>
-                              <m:mPr>
-                                <m:mcs>
-                                  <m:mc>
-                                    <m:mcPr>
-                                      <m:count m:val="1"/>
-                                      <m:mcJc m:val="center"/>
-                                    </m:mcPr>
-                                  </m:mc>
-                                </m:mcs>
-                                <m:ctrlPr>
-                                  <a:rPr lang="en-US" i="1">
-                                    <a:latin typeface="Cambria Math" panose="02040503050406030204" pitchFamily="18" charset="0"/>
-                                  </a:rPr>
-                                </m:ctrlPr>
-                              </m:mPr>
-                              <m:mr>
-                                <m:e>
-                                  <m:sSup>
-                                    <m:sSupPr>
-                                      <m:ctrlPr>
-                                        <a:rPr lang="en-US" i="1">
-                                          <a:latin typeface="Cambria Math" panose="02040503050406030204" pitchFamily="18" charset="0"/>
-                                        </a:rPr>
-                                      </m:ctrlPr>
-                                    </m:sSupPr>
-                                    <m:e>
-                                      <m:r>
-                                        <a:rPr lang="en-US" i="1">
-                                          <a:latin typeface="Cambria Math" panose="02040503050406030204" pitchFamily="18" charset="0"/>
-                                        </a:rPr>
-                                        <m:t>𝑋</m:t>
-                                      </m:r>
-                                    </m:e>
-                                    <m:sup>
-                                      <m:r>
-                                        <a:rPr lang="en-US" i="1">
-                                          <a:latin typeface="Cambria Math" panose="02040503050406030204" pitchFamily="18" charset="0"/>
-                                        </a:rPr>
-                                        <m:t>^</m:t>
-                                      </m:r>
-                                    </m:sup>
-                                  </m:sSup>
-                                </m:e>
-                              </m:mr>
-                              <m:mr>
-                                <m:e>
-                                  <m:sSup>
-                                    <m:sSupPr>
-                                      <m:ctrlPr>
-                                        <a:rPr lang="en-US" i="1">
-                                          <a:latin typeface="Cambria Math" panose="02040503050406030204" pitchFamily="18" charset="0"/>
-                                        </a:rPr>
-                                      </m:ctrlPr>
-                                    </m:sSupPr>
-                                    <m:e>
-                                      <m:r>
-                                        <a:rPr lang="en-US" i="1">
-                                          <a:latin typeface="Cambria Math" panose="02040503050406030204" pitchFamily="18" charset="0"/>
-                                        </a:rPr>
-                                        <m:t>𝑌</m:t>
-                                      </m:r>
-                                    </m:e>
-                                    <m:sup>
-                                      <m:r>
-                                        <a:rPr lang="en-US" i="1">
-                                          <a:latin typeface="Cambria Math" panose="02040503050406030204" pitchFamily="18" charset="0"/>
-                                        </a:rPr>
-                                        <m:t>^</m:t>
-                                      </m:r>
-                                    </m:sup>
-                                  </m:sSup>
-                                </m:e>
-                              </m:mr>
-                              <m:mr>
-                                <m:e>
-                                  <m:sSup>
-                                    <m:sSupPr>
-                                      <m:ctrlPr>
-                                        <a:rPr lang="en-US" i="1">
-                                          <a:latin typeface="Cambria Math" panose="02040503050406030204" pitchFamily="18" charset="0"/>
-                                        </a:rPr>
-                                      </m:ctrlPr>
-                                    </m:sSupPr>
-                                    <m:e>
-                                      <m:r>
-                                        <a:rPr lang="en-US" i="1">
-                                          <a:latin typeface="Cambria Math" panose="02040503050406030204" pitchFamily="18" charset="0"/>
-                                        </a:rPr>
-                                        <m:t>𝑍</m:t>
-                                      </m:r>
-                                    </m:e>
-                                    <m:sup>
-                                      <m:r>
-                                        <a:rPr lang="en-US" i="1">
-                                          <a:latin typeface="Cambria Math" panose="02040503050406030204" pitchFamily="18" charset="0"/>
-                                        </a:rPr>
-                                        <m:t>^</m:t>
-                                      </m:r>
-                                    </m:sup>
-                                  </m:sSup>
-                                </m:e>
-                              </m:mr>
-                            </m:m>
-                          </m:e>
-                        </m:d>
-                      </m:e>
-                      <m:sub>
-                        <m:r>
-                          <a:rPr lang="bg-BG" b="0" i="1" smtClean="0">
-                            <a:latin typeface="Cambria Math" panose="02040503050406030204" pitchFamily="18" charset="0"/>
-                          </a:rPr>
-                          <m:t>Сурови данни</m:t>
-                        </m:r>
-                      </m:sub>
-                    </m:sSub>
-                    <m:r>
-                      <a:rPr lang="bg-BG" b="0" i="1" smtClean="0">
-                        <a:latin typeface="Cambria Math" panose="02040503050406030204" pitchFamily="18" charset="0"/>
-                      </a:rPr>
-                      <m:t>+</m:t>
                     </m:r>
                     <m:d>
                       <m:dPr>
                         <m:ctrlPr>
                           <a:rPr lang="en-US" i="1">
+                            <a:solidFill>
+                              <a:schemeClr val="tx1">
+                                <a:lumMod val="65000"/>
+                                <a:lumOff val="35000"/>
+                              </a:schemeClr>
+                            </a:solidFill>
                             <a:latin typeface="Cambria Math" panose="02040503050406030204" pitchFamily="18" charset="0"/>
                           </a:rPr>
                         </m:ctrlPr>
@@ -5460,6 +6867,166 @@
                             </m:mcs>
                             <m:ctrlPr>
                               <a:rPr lang="en-US" i="1">
+                                <a:solidFill>
+                                  <a:schemeClr val="tx1">
+                                    <a:lumMod val="65000"/>
+                                    <a:lumOff val="35000"/>
+                                  </a:schemeClr>
+                                </a:solidFill>
+                                <a:latin typeface="Cambria Math" panose="02040503050406030204" pitchFamily="18" charset="0"/>
+                              </a:rPr>
+                            </m:ctrlPr>
+                          </m:mPr>
+                          <m:mr>
+                            <m:e>
+                              <m:acc>
+                                <m:accPr>
+                                  <m:chr m:val="̂"/>
+                                  <m:ctrlPr>
+                                    <a:rPr lang="en-US" i="1">
+                                      <a:solidFill>
+                                        <a:schemeClr val="tx1">
+                                          <a:lumMod val="65000"/>
+                                          <a:lumOff val="35000"/>
+                                        </a:schemeClr>
+                                      </a:solidFill>
+                                      <a:latin typeface="Cambria Math" panose="02040503050406030204" pitchFamily="18" charset="0"/>
+                                    </a:rPr>
+                                  </m:ctrlPr>
+                                </m:accPr>
+                                <m:e>
+                                  <m:r>
+                                    <a:rPr lang="en-US" i="1">
+                                      <a:solidFill>
+                                        <a:schemeClr val="tx1">
+                                          <a:lumMod val="65000"/>
+                                          <a:lumOff val="35000"/>
+                                        </a:schemeClr>
+                                      </a:solidFill>
+                                      <a:latin typeface="Cambria Math" panose="02040503050406030204" pitchFamily="18" charset="0"/>
+                                    </a:rPr>
+                                    <m:t>𝑋</m:t>
+                                  </m:r>
+                                </m:e>
+                              </m:acc>
+                            </m:e>
+                          </m:mr>
+                          <m:mr>
+                            <m:e>
+                              <m:acc>
+                                <m:accPr>
+                                  <m:chr m:val="̂"/>
+                                  <m:ctrlPr>
+                                    <a:rPr lang="en-US" i="1">
+                                      <a:solidFill>
+                                        <a:schemeClr val="tx1">
+                                          <a:lumMod val="65000"/>
+                                          <a:lumOff val="35000"/>
+                                        </a:schemeClr>
+                                      </a:solidFill>
+                                      <a:latin typeface="Cambria Math" panose="02040503050406030204" pitchFamily="18" charset="0"/>
+                                    </a:rPr>
+                                  </m:ctrlPr>
+                                </m:accPr>
+                                <m:e>
+                                  <m:r>
+                                    <a:rPr lang="en-US" i="1">
+                                      <a:solidFill>
+                                        <a:schemeClr val="tx1">
+                                          <a:lumMod val="65000"/>
+                                          <a:lumOff val="35000"/>
+                                        </a:schemeClr>
+                                      </a:solidFill>
+                                      <a:latin typeface="Cambria Math" panose="02040503050406030204" pitchFamily="18" charset="0"/>
+                                    </a:rPr>
+                                    <m:t>𝑌</m:t>
+                                  </m:r>
+                                </m:e>
+                              </m:acc>
+                            </m:e>
+                          </m:mr>
+                          <m:mr>
+                            <m:e>
+                              <m:acc>
+                                <m:accPr>
+                                  <m:chr m:val="̂"/>
+                                  <m:ctrlPr>
+                                    <a:rPr lang="en-US" i="1">
+                                      <a:solidFill>
+                                        <a:schemeClr val="tx1">
+                                          <a:lumMod val="65000"/>
+                                          <a:lumOff val="35000"/>
+                                        </a:schemeClr>
+                                      </a:solidFill>
+                                      <a:latin typeface="Cambria Math" panose="02040503050406030204" pitchFamily="18" charset="0"/>
+                                    </a:rPr>
+                                  </m:ctrlPr>
+                                </m:accPr>
+                                <m:e>
+                                  <m:r>
+                                    <a:rPr lang="en-US" i="1">
+                                      <a:solidFill>
+                                        <a:schemeClr val="tx1">
+                                          <a:lumMod val="65000"/>
+                                          <a:lumOff val="35000"/>
+                                        </a:schemeClr>
+                                      </a:solidFill>
+                                      <a:latin typeface="Cambria Math" panose="02040503050406030204" pitchFamily="18" charset="0"/>
+                                    </a:rPr>
+                                    <m:t>𝑍</m:t>
+                                  </m:r>
+                                </m:e>
+                              </m:acc>
+                            </m:e>
+                          </m:mr>
+                        </m:m>
+                      </m:e>
+                    </m:d>
+                    <m:r>
+                      <a:rPr lang="bg-BG" b="0" i="1" smtClean="0">
+                        <a:solidFill>
+                          <a:schemeClr val="tx1">
+                            <a:lumMod val="65000"/>
+                            <a:lumOff val="35000"/>
+                          </a:schemeClr>
+                        </a:solidFill>
+                        <a:latin typeface="Cambria Math" panose="02040503050406030204" pitchFamily="18" charset="0"/>
+                      </a:rPr>
+                      <m:t>+</m:t>
+                    </m:r>
+                    <m:d>
+                      <m:dPr>
+                        <m:ctrlPr>
+                          <a:rPr lang="en-US" i="1">
+                            <a:solidFill>
+                              <a:schemeClr val="tx1">
+                                <a:lumMod val="65000"/>
+                                <a:lumOff val="35000"/>
+                              </a:schemeClr>
+                            </a:solidFill>
+                            <a:latin typeface="Cambria Math" panose="02040503050406030204" pitchFamily="18" charset="0"/>
+                          </a:rPr>
+                        </m:ctrlPr>
+                      </m:dPr>
+                      <m:e>
+                        <m:m>
+                          <m:mPr>
+                            <m:mcs>
+                              <m:mc>
+                                <m:mcPr>
+                                  <m:count m:val="1"/>
+                                  <m:mcJc m:val="center"/>
+                                </m:mcPr>
+                              </m:mc>
+                            </m:mcs>
+                            <m:ctrlPr>
+                              <a:rPr lang="en-US" i="1">
+                                <a:solidFill>
+                                  <a:schemeClr val="tx1">
+                                    <a:lumMod val="65000"/>
+                                    <a:lumOff val="35000"/>
+                                  </a:schemeClr>
+                                </a:solidFill>
                                 <a:latin typeface="Cambria Math" panose="02040503050406030204" pitchFamily="18" charset="0"/>
                               </a:rPr>
                             </m:ctrlPr>
@@ -5470,6 +7037,12 @@
                                 <m:sSubPr>
                                   <m:ctrlPr>
                                     <a:rPr lang="en-US" i="1">
+                                      <a:solidFill>
+                                        <a:schemeClr val="tx1">
+                                          <a:lumMod val="65000"/>
+                                          <a:lumOff val="35000"/>
+                                        </a:schemeClr>
+                                      </a:solidFill>
                                       <a:latin typeface="Cambria Math" panose="02040503050406030204" pitchFamily="18" charset="0"/>
                                     </a:rPr>
                                   </m:ctrlPr>
@@ -5477,6 +7050,12 @@
                                 <m:e>
                                   <m:r>
                                     <a:rPr lang="en-US" i="1">
+                                      <a:solidFill>
+                                        <a:schemeClr val="tx1">
+                                          <a:lumMod val="65000"/>
+                                          <a:lumOff val="35000"/>
+                                        </a:schemeClr>
+                                      </a:solidFill>
                                       <a:latin typeface="Cambria Math" panose="02040503050406030204" pitchFamily="18" charset="0"/>
                                     </a:rPr>
                                     <m:t>𝐵</m:t>
@@ -5485,6 +7064,12 @@
                                 <m:sub>
                                   <m:r>
                                     <a:rPr lang="en-US" i="1">
+                                      <a:solidFill>
+                                        <a:schemeClr val="tx1">
+                                          <a:lumMod val="65000"/>
+                                          <a:lumOff val="35000"/>
+                                        </a:schemeClr>
+                                      </a:solidFill>
                                       <a:latin typeface="Cambria Math" panose="02040503050406030204" pitchFamily="18" charset="0"/>
                                     </a:rPr>
                                     <m:t>𝑥</m:t>
@@ -5499,6 +7084,12 @@
                                 <m:sSubPr>
                                   <m:ctrlPr>
                                     <a:rPr lang="en-US" i="1">
+                                      <a:solidFill>
+                                        <a:schemeClr val="tx1">
+                                          <a:lumMod val="65000"/>
+                                          <a:lumOff val="35000"/>
+                                        </a:schemeClr>
+                                      </a:solidFill>
                                       <a:latin typeface="Cambria Math" panose="02040503050406030204" pitchFamily="18" charset="0"/>
                                     </a:rPr>
                                   </m:ctrlPr>
@@ -5506,6 +7097,12 @@
                                 <m:e>
                                   <m:r>
                                     <a:rPr lang="en-US" i="1">
+                                      <a:solidFill>
+                                        <a:schemeClr val="tx1">
+                                          <a:lumMod val="65000"/>
+                                          <a:lumOff val="35000"/>
+                                        </a:schemeClr>
+                                      </a:solidFill>
                                       <a:latin typeface="Cambria Math" panose="02040503050406030204" pitchFamily="18" charset="0"/>
                                     </a:rPr>
                                     <m:t>𝐵</m:t>
@@ -5514,6 +7111,12 @@
                                 <m:sub>
                                   <m:r>
                                     <a:rPr lang="en-US" i="1">
+                                      <a:solidFill>
+                                        <a:schemeClr val="tx1">
+                                          <a:lumMod val="65000"/>
+                                          <a:lumOff val="35000"/>
+                                        </a:schemeClr>
+                                      </a:solidFill>
                                       <a:latin typeface="Cambria Math" panose="02040503050406030204" pitchFamily="18" charset="0"/>
                                     </a:rPr>
                                     <m:t>𝑦</m:t>
@@ -5528,6 +7131,12 @@
                                 <m:sSubPr>
                                   <m:ctrlPr>
                                     <a:rPr lang="en-US" i="1">
+                                      <a:solidFill>
+                                        <a:schemeClr val="tx1">
+                                          <a:lumMod val="65000"/>
+                                          <a:lumOff val="35000"/>
+                                        </a:schemeClr>
+                                      </a:solidFill>
                                       <a:latin typeface="Cambria Math" panose="02040503050406030204" pitchFamily="18" charset="0"/>
                                     </a:rPr>
                                   </m:ctrlPr>
@@ -5535,6 +7144,12 @@
                                 <m:e>
                                   <m:r>
                                     <a:rPr lang="en-US" i="1">
+                                      <a:solidFill>
+                                        <a:schemeClr val="tx1">
+                                          <a:lumMod val="65000"/>
+                                          <a:lumOff val="35000"/>
+                                        </a:schemeClr>
+                                      </a:solidFill>
                                       <a:latin typeface="Cambria Math" panose="02040503050406030204" pitchFamily="18" charset="0"/>
                                     </a:rPr>
                                     <m:t>𝐵</m:t>
@@ -5543,6 +7158,12 @@
                                 <m:sub>
                                   <m:r>
                                     <a:rPr lang="en-US" i="1">
+                                      <a:solidFill>
+                                        <a:schemeClr val="tx1">
+                                          <a:lumMod val="65000"/>
+                                          <a:lumOff val="35000"/>
+                                        </a:schemeClr>
+                                      </a:solidFill>
                                       <a:latin typeface="Cambria Math" panose="02040503050406030204" pitchFamily="18" charset="0"/>
                                     </a:rPr>
                                     <m:t>𝑧</m:t>
@@ -5556,36 +7177,172 @@
                     </m:d>
                   </m:oMath>
                 </a14:m>
-                <a:endParaRPr lang="bg-BG" b="1" dirty="0"/>
+                <a:endParaRPr lang="en-US" b="1" dirty="0">
+                  <a:solidFill>
+                    <a:schemeClr val="tx1">
+                      <a:lumMod val="65000"/>
+                      <a:lumOff val="35000"/>
+                    </a:schemeClr>
+                  </a:solidFill>
+                  <a:latin typeface="Montserrat" panose="00000500000000000000" pitchFamily="2" charset="0"/>
+                </a:endParaRPr>
+              </a:p>
+              <a:p>
+                <a:pPr marL="0" indent="0">
+                  <a:buNone/>
+                </a:pPr>
+                <a:endParaRPr lang="bg-BG" b="1" dirty="0">
+                  <a:solidFill>
+                    <a:schemeClr val="tx1">
+                      <a:lumMod val="65000"/>
+                      <a:lumOff val="35000"/>
+                    </a:schemeClr>
+                  </a:solidFill>
+                  <a:latin typeface="Montserrat" panose="00000500000000000000" pitchFamily="2" charset="0"/>
+                </a:endParaRPr>
               </a:p>
               <a:p>
                 <a:r>
-                  <a:rPr lang="bg-BG" dirty="0"/>
+                  <a:rPr lang="bg-BG" sz="2600" dirty="0">
+                    <a:solidFill>
+                      <a:schemeClr val="tx1">
+                        <a:lumMod val="65000"/>
+                        <a:lumOff val="35000"/>
+                      </a:schemeClr>
+                    </a:solidFill>
+                    <a:latin typeface="Montserrat" panose="00000500000000000000" pitchFamily="2" charset="0"/>
+                  </a:rPr>
                   <a:t>Знаем, че правилно сме калибрирали данните когато: </a:t>
                 </a:r>
                 <a:br>
-                  <a:rPr lang="bg-BG" dirty="0"/>
+                  <a:rPr lang="bg-BG" sz="2600" dirty="0">
+                    <a:solidFill>
+                      <a:schemeClr val="tx1">
+                        <a:lumMod val="65000"/>
+                        <a:lumOff val="35000"/>
+                      </a:schemeClr>
+                    </a:solidFill>
+                    <a:latin typeface="Montserrat" panose="00000500000000000000" pitchFamily="2" charset="0"/>
+                  </a:rPr>
                 </a:br>
                 <a:r>
-                  <a:rPr lang="bg-BG" dirty="0"/>
+                  <a:rPr lang="bg-BG" sz="2600" dirty="0">
+                    <a:solidFill>
+                      <a:schemeClr val="tx1">
+                        <a:lumMod val="65000"/>
+                        <a:lumOff val="35000"/>
+                      </a:schemeClr>
+                    </a:solidFill>
+                    <a:latin typeface="Montserrat" panose="00000500000000000000" pitchFamily="2" charset="0"/>
+                  </a:rPr>
                   <a:t>(</a:t>
                 </a:r>
                 <a:r>
-                  <a:rPr lang="bg-BG" dirty="0" err="1"/>
+                  <a:rPr lang="bg-BG" sz="2600" dirty="0" err="1">
+                    <a:solidFill>
+                      <a:schemeClr val="tx1">
+                        <a:lumMod val="65000"/>
+                        <a:lumOff val="35000"/>
+                      </a:schemeClr>
+                    </a:solidFill>
+                    <a:latin typeface="Montserrat" panose="00000500000000000000" pitchFamily="2" charset="0"/>
+                  </a:rPr>
                   <a:t>нормамта</a:t>
                 </a:r>
                 <a:r>
-                  <a:rPr lang="bg-BG" dirty="0"/>
-                  <a:t> на данните)-</a:t>
+                  <a:rPr lang="bg-BG" sz="2600" dirty="0">
+                    <a:solidFill>
+                      <a:schemeClr val="tx1">
+                        <a:lumMod val="65000"/>
+                        <a:lumOff val="35000"/>
+                      </a:schemeClr>
+                    </a:solidFill>
+                    <a:latin typeface="Montserrat" panose="00000500000000000000" pitchFamily="2" charset="0"/>
+                  </a:rPr>
+                  <a:t> на вектора на ускорението)-</a:t>
                 </a:r>
-                <a:r>
-                  <a:rPr lang="en-US" dirty="0"/>
-                  <a:t>g^2=0</a:t>
-                </a:r>
+                <a14:m>
+                  <m:oMath xmlns:m="http://schemas.openxmlformats.org/officeDocument/2006/math">
+                    <m:sSup>
+                      <m:sSupPr>
+                        <m:ctrlPr>
+                          <a:rPr lang="en-US" sz="2600" b="0" i="1" smtClean="0">
+                            <a:solidFill>
+                              <a:schemeClr val="tx1">
+                                <a:lumMod val="65000"/>
+                                <a:lumOff val="35000"/>
+                              </a:schemeClr>
+                            </a:solidFill>
+                            <a:latin typeface="Cambria Math" panose="02040503050406030204" pitchFamily="18" charset="0"/>
+                          </a:rPr>
+                        </m:ctrlPr>
+                      </m:sSupPr>
+                      <m:e>
+                        <m:r>
+                          <a:rPr lang="en-US" sz="2600" b="0" i="1" smtClean="0">
+                            <a:solidFill>
+                              <a:schemeClr val="tx1">
+                                <a:lumMod val="65000"/>
+                                <a:lumOff val="35000"/>
+                              </a:schemeClr>
+                            </a:solidFill>
+                            <a:latin typeface="Cambria Math" panose="02040503050406030204" pitchFamily="18" charset="0"/>
+                          </a:rPr>
+                          <m:t>𝑔</m:t>
+                        </m:r>
+                      </m:e>
+                      <m:sup>
+                        <m:r>
+                          <a:rPr lang="en-US" sz="2600" b="0" i="1" smtClean="0">
+                            <a:solidFill>
+                              <a:schemeClr val="tx1">
+                                <a:lumMod val="65000"/>
+                                <a:lumOff val="35000"/>
+                              </a:schemeClr>
+                            </a:solidFill>
+                            <a:latin typeface="Cambria Math" panose="02040503050406030204" pitchFamily="18" charset="0"/>
+                          </a:rPr>
+                          <m:t>2</m:t>
+                        </m:r>
+                      </m:sup>
+                    </m:sSup>
+                    <m:r>
+                      <a:rPr lang="en-US" sz="2600" b="0" i="1" smtClean="0">
+                        <a:solidFill>
+                          <a:schemeClr val="tx1">
+                            <a:lumMod val="65000"/>
+                            <a:lumOff val="35000"/>
+                          </a:schemeClr>
+                        </a:solidFill>
+                        <a:latin typeface="Cambria Math" panose="02040503050406030204" pitchFamily="18" charset="0"/>
+                        <a:ea typeface="Cambria Math" panose="02040503050406030204" pitchFamily="18" charset="0"/>
+                      </a:rPr>
+                      <m:t>≈0.</m:t>
+                    </m:r>
+                  </m:oMath>
+                </a14:m>
+                <a:endParaRPr lang="en-US" sz="2600" b="0" dirty="0">
+                  <a:solidFill>
+                    <a:schemeClr val="tx1">
+                      <a:lumMod val="65000"/>
+                      <a:lumOff val="35000"/>
+                    </a:schemeClr>
+                  </a:solidFill>
+                  <a:latin typeface="Montserrat" panose="00000500000000000000" pitchFamily="2" charset="0"/>
+                  <a:ea typeface="Cambria Math" panose="02040503050406030204" pitchFamily="18" charset="0"/>
+                </a:endParaRPr>
               </a:p>
               <a:p>
                 <a:r>
-                  <a:rPr lang="bg-BG" dirty="0"/>
+                  <a:rPr lang="bg-BG" sz="2600" dirty="0">
+                    <a:solidFill>
+                      <a:schemeClr val="tx1">
+                        <a:lumMod val="65000"/>
+                        <a:lumOff val="35000"/>
+                      </a:schemeClr>
+                    </a:solidFill>
+                    <a:latin typeface="Montserrat" panose="00000500000000000000" pitchFamily="2" charset="0"/>
+                  </a:rPr>
                   <a:t>Трябва да намерим за кои </a:t>
                 </a:r>
                 <a14:m>
@@ -5593,14 +7350,26 @@
                     <m:sSub>
                       <m:sSubPr>
                         <m:ctrlPr>
-                          <a:rPr lang="en-US" i="1">
+                          <a:rPr lang="en-US" sz="2600" i="1">
+                            <a:solidFill>
+                              <a:schemeClr val="tx1">
+                                <a:lumMod val="65000"/>
+                                <a:lumOff val="35000"/>
+                              </a:schemeClr>
+                            </a:solidFill>
                             <a:latin typeface="Cambria Math" panose="02040503050406030204" pitchFamily="18" charset="0"/>
                           </a:rPr>
                         </m:ctrlPr>
                       </m:sSubPr>
                       <m:e>
                         <m:r>
-                          <a:rPr lang="en-US" b="0" i="1" smtClean="0">
+                          <a:rPr lang="en-US" sz="2600" b="0" i="1" smtClean="0">
+                            <a:solidFill>
+                              <a:schemeClr val="tx1">
+                                <a:lumMod val="65000"/>
+                                <a:lumOff val="35000"/>
+                              </a:schemeClr>
+                            </a:solidFill>
                             <a:latin typeface="Cambria Math" panose="02040503050406030204" pitchFamily="18" charset="0"/>
                           </a:rPr>
                           <m:t>𝑀</m:t>
@@ -5608,13 +7377,25 @@
                       </m:e>
                       <m:sub>
                         <m:r>
-                          <a:rPr lang="en-US" b="0" i="1" smtClean="0">
+                          <a:rPr lang="en-US" sz="2600" b="0" i="1" smtClean="0">
+                            <a:solidFill>
+                              <a:schemeClr val="tx1">
+                                <a:lumMod val="65000"/>
+                                <a:lumOff val="35000"/>
+                              </a:schemeClr>
+                            </a:solidFill>
                             <a:latin typeface="Cambria Math" panose="02040503050406030204" pitchFamily="18" charset="0"/>
                           </a:rPr>
                           <m:t>𝑥</m:t>
                         </m:r>
                         <m:r>
-                          <a:rPr lang="en-US" i="1">
+                          <a:rPr lang="en-US" sz="2600" i="1">
+                            <a:solidFill>
+                              <a:schemeClr val="tx1">
+                                <a:lumMod val="65000"/>
+                                <a:lumOff val="35000"/>
+                              </a:schemeClr>
+                            </a:solidFill>
                             <a:latin typeface="Cambria Math" panose="02040503050406030204" pitchFamily="18" charset="0"/>
                           </a:rPr>
                           <m:t>𝑥</m:t>
@@ -5622,7 +7403,13 @@
                       </m:sub>
                     </m:sSub>
                     <m:r>
-                      <a:rPr lang="en-US" b="0" i="1" smtClean="0">
+                      <a:rPr lang="en-US" sz="2600" b="0" i="1" smtClean="0">
+                        <a:solidFill>
+                          <a:schemeClr val="tx1">
+                            <a:lumMod val="65000"/>
+                            <a:lumOff val="35000"/>
+                          </a:schemeClr>
+                        </a:solidFill>
                         <a:latin typeface="Cambria Math" panose="02040503050406030204" pitchFamily="18" charset="0"/>
                       </a:rPr>
                       <m:t>−</m:t>
@@ -5630,14 +7417,26 @@
                     <m:sSub>
                       <m:sSubPr>
                         <m:ctrlPr>
-                          <a:rPr lang="en-US" i="1">
+                          <a:rPr lang="en-US" sz="2600" i="1">
+                            <a:solidFill>
+                              <a:schemeClr val="tx1">
+                                <a:lumMod val="65000"/>
+                                <a:lumOff val="35000"/>
+                              </a:schemeClr>
+                            </a:solidFill>
                             <a:latin typeface="Cambria Math" panose="02040503050406030204" pitchFamily="18" charset="0"/>
                           </a:rPr>
                         </m:ctrlPr>
                       </m:sSubPr>
                       <m:e>
                         <m:r>
-                          <a:rPr lang="en-US" b="0" i="1" smtClean="0">
+                          <a:rPr lang="en-US" sz="2600" b="0" i="1" smtClean="0">
+                            <a:solidFill>
+                              <a:schemeClr val="tx1">
+                                <a:lumMod val="65000"/>
+                                <a:lumOff val="35000"/>
+                              </a:schemeClr>
+                            </a:solidFill>
                             <a:latin typeface="Cambria Math" panose="02040503050406030204" pitchFamily="18" charset="0"/>
                           </a:rPr>
                           <m:t>𝑀</m:t>
@@ -5645,7 +7444,13 @@
                       </m:e>
                       <m:sub>
                         <m:r>
-                          <a:rPr lang="en-US" b="0" i="1" smtClean="0">
+                          <a:rPr lang="en-US" sz="2600" b="0" i="1" smtClean="0">
+                            <a:solidFill>
+                              <a:schemeClr val="tx1">
+                                <a:lumMod val="65000"/>
+                                <a:lumOff val="35000"/>
+                              </a:schemeClr>
+                            </a:solidFill>
                             <a:latin typeface="Cambria Math" panose="02040503050406030204" pitchFamily="18" charset="0"/>
                           </a:rPr>
                           <m:t>𝑧𝑧</m:t>
@@ -5655,22 +7460,42 @@
                   </m:oMath>
                 </a14:m>
                 <a:r>
-                  <a:rPr lang="bg-BG" dirty="0"/>
-                  <a:t>и </a:t>
+                  <a:rPr lang="bg-BG" sz="2600" dirty="0">
+                    <a:solidFill>
+                      <a:schemeClr val="tx1">
+                        <a:lumMod val="65000"/>
+                        <a:lumOff val="35000"/>
+                      </a:schemeClr>
+                    </a:solidFill>
+                    <a:latin typeface="Montserrat" panose="00000500000000000000" pitchFamily="2" charset="0"/>
+                  </a:rPr>
+                  <a:t> и </a:t>
                 </a:r>
                 <a14:m>
                   <m:oMath xmlns:m="http://schemas.openxmlformats.org/officeDocument/2006/math">
                     <m:sSub>
                       <m:sSubPr>
                         <m:ctrlPr>
-                          <a:rPr lang="en-US" i="1">
+                          <a:rPr lang="en-US" sz="2600" i="1">
+                            <a:solidFill>
+                              <a:schemeClr val="tx1">
+                                <a:lumMod val="65000"/>
+                                <a:lumOff val="35000"/>
+                              </a:schemeClr>
+                            </a:solidFill>
                             <a:latin typeface="Cambria Math" panose="02040503050406030204" pitchFamily="18" charset="0"/>
                           </a:rPr>
                         </m:ctrlPr>
                       </m:sSubPr>
                       <m:e>
                         <m:r>
-                          <a:rPr lang="en-US" i="1">
+                          <a:rPr lang="en-US" sz="2600" i="1">
+                            <a:solidFill>
+                              <a:schemeClr val="tx1">
+                                <a:lumMod val="65000"/>
+                                <a:lumOff val="35000"/>
+                              </a:schemeClr>
+                            </a:solidFill>
                             <a:latin typeface="Cambria Math" panose="02040503050406030204" pitchFamily="18" charset="0"/>
                           </a:rPr>
                           <m:t>𝐵</m:t>
@@ -5678,7 +7503,13 @@
                       </m:e>
                       <m:sub>
                         <m:r>
-                          <a:rPr lang="en-US" i="1">
+                          <a:rPr lang="en-US" sz="2600" i="1">
+                            <a:solidFill>
+                              <a:schemeClr val="tx1">
+                                <a:lumMod val="65000"/>
+                                <a:lumOff val="35000"/>
+                              </a:schemeClr>
+                            </a:solidFill>
                             <a:latin typeface="Cambria Math" panose="02040503050406030204" pitchFamily="18" charset="0"/>
                           </a:rPr>
                           <m:t>𝑥</m:t>
@@ -5688,11 +7519,27 @@
                   </m:oMath>
                 </a14:m>
                 <a:r>
-                  <a:rPr lang="bg-BG" dirty="0"/>
+                  <a:rPr lang="bg-BG" sz="2600" dirty="0">
+                    <a:solidFill>
+                      <a:schemeClr val="tx1">
+                        <a:lumMod val="65000"/>
+                        <a:lumOff val="35000"/>
+                      </a:schemeClr>
+                    </a:solidFill>
+                    <a:latin typeface="Montserrat" panose="00000500000000000000" pitchFamily="2" charset="0"/>
+                  </a:rPr>
                   <a:t>-</a:t>
                 </a:r>
                 <a:r>
-                  <a:rPr lang="en-US" dirty="0"/>
+                  <a:rPr lang="en-US" sz="2600" dirty="0">
+                    <a:solidFill>
+                      <a:schemeClr val="tx1">
+                        <a:lumMod val="65000"/>
+                        <a:lumOff val="35000"/>
+                      </a:schemeClr>
+                    </a:solidFill>
+                    <a:latin typeface="Montserrat" panose="00000500000000000000" pitchFamily="2" charset="0"/>
+                  </a:rPr>
                   <a:t> </a:t>
                 </a:r>
                 <a14:m>
@@ -5700,14 +7547,26 @@
                     <m:sSub>
                       <m:sSubPr>
                         <m:ctrlPr>
-                          <a:rPr lang="en-US" i="1">
+                          <a:rPr lang="en-US" sz="2600" i="1">
+                            <a:solidFill>
+                              <a:schemeClr val="tx1">
+                                <a:lumMod val="65000"/>
+                                <a:lumOff val="35000"/>
+                              </a:schemeClr>
+                            </a:solidFill>
                             <a:latin typeface="Cambria Math" panose="02040503050406030204" pitchFamily="18" charset="0"/>
                           </a:rPr>
                         </m:ctrlPr>
                       </m:sSubPr>
                       <m:e>
                         <m:r>
-                          <a:rPr lang="en-US" i="1">
+                          <a:rPr lang="en-US" sz="2600" i="1">
+                            <a:solidFill>
+                              <a:schemeClr val="tx1">
+                                <a:lumMod val="65000"/>
+                                <a:lumOff val="35000"/>
+                              </a:schemeClr>
+                            </a:solidFill>
                             <a:latin typeface="Cambria Math" panose="02040503050406030204" pitchFamily="18" charset="0"/>
                           </a:rPr>
                           <m:t>𝐵</m:t>
@@ -5715,7 +7574,13 @@
                       </m:e>
                       <m:sub>
                         <m:r>
-                          <a:rPr lang="en-US" b="0" i="1" smtClean="0">
+                          <a:rPr lang="en-US" sz="2600" b="0" i="1" smtClean="0">
+                            <a:solidFill>
+                              <a:schemeClr val="tx1">
+                                <a:lumMod val="65000"/>
+                                <a:lumOff val="35000"/>
+                              </a:schemeClr>
+                            </a:solidFill>
                             <a:latin typeface="Cambria Math" panose="02040503050406030204" pitchFamily="18" charset="0"/>
                           </a:rPr>
                           <m:t>𝑧</m:t>
@@ -5725,9 +7590,31 @@
                   </m:oMath>
                 </a14:m>
                 <a:r>
-                  <a:rPr lang="bg-BG" dirty="0"/>
+                  <a:rPr lang="bg-BG" sz="2600" dirty="0">
+                    <a:solidFill>
+                      <a:schemeClr val="tx1">
+                        <a:lumMod val="65000"/>
+                        <a:lumOff val="35000"/>
+                      </a:schemeClr>
+                    </a:solidFill>
+                    <a:latin typeface="Montserrat" panose="00000500000000000000" pitchFamily="2" charset="0"/>
+                  </a:rPr>
                   <a:t> имаме най-малка грешка. Започваме от начално приближение:</a:t>
                 </a:r>
+              </a:p>
+              <a:p>
+                <a:pPr marL="0" indent="0">
+                  <a:buNone/>
+                </a:pPr>
+                <a:endParaRPr lang="en-US" b="0" i="1" dirty="0">
+                  <a:solidFill>
+                    <a:schemeClr val="tx1">
+                      <a:lumMod val="65000"/>
+                      <a:lumOff val="35000"/>
+                    </a:schemeClr>
+                  </a:solidFill>
+                  <a:latin typeface="Cambria Math" panose="02040503050406030204" pitchFamily="18" charset="0"/>
+                </a:endParaRPr>
               </a:p>
               <a:p>
                 <a:pPr marL="0" indent="0">
@@ -5741,12 +7628,24 @@
                     <m:oMath xmlns:m="http://schemas.openxmlformats.org/officeDocument/2006/math">
                       <m:r>
                         <a:rPr lang="en-US" b="0" i="1" smtClean="0">
+                          <a:solidFill>
+                            <a:schemeClr val="tx1">
+                              <a:lumMod val="65000"/>
+                              <a:lumOff val="35000"/>
+                            </a:schemeClr>
+                          </a:solidFill>
                           <a:latin typeface="Cambria Math" panose="02040503050406030204" pitchFamily="18" charset="0"/>
                         </a:rPr>
                         <m:t>𝑀</m:t>
                       </m:r>
                       <m:r>
                         <a:rPr lang="en-US" b="0" i="1" smtClean="0">
+                          <a:solidFill>
+                            <a:schemeClr val="tx1">
+                              <a:lumMod val="65000"/>
+                              <a:lumOff val="35000"/>
+                            </a:schemeClr>
+                          </a:solidFill>
                           <a:latin typeface="Cambria Math" panose="02040503050406030204" pitchFamily="18" charset="0"/>
                         </a:rPr>
                         <m:t>=</m:t>
@@ -5755,6 +7654,12 @@
                         <m:dPr>
                           <m:ctrlPr>
                             <a:rPr lang="en-US" i="1">
+                              <a:solidFill>
+                                <a:schemeClr val="tx1">
+                                  <a:lumMod val="65000"/>
+                                  <a:lumOff val="35000"/>
+                                </a:schemeClr>
+                              </a:solidFill>
                               <a:latin typeface="Cambria Math" panose="02040503050406030204" pitchFamily="18" charset="0"/>
                             </a:rPr>
                           </m:ctrlPr>
@@ -5772,6 +7677,12 @@
                               </m:mcs>
                               <m:ctrlPr>
                                 <a:rPr lang="en-US" i="1">
+                                  <a:solidFill>
+                                    <a:schemeClr val="tx1">
+                                      <a:lumMod val="65000"/>
+                                      <a:lumOff val="35000"/>
+                                    </a:schemeClr>
+                                  </a:solidFill>
                                   <a:latin typeface="Cambria Math" panose="02040503050406030204" pitchFamily="18" charset="0"/>
                                 </a:rPr>
                               </m:ctrlPr>
@@ -5780,6 +7691,12 @@
                               <m:e>
                                 <m:r>
                                   <a:rPr lang="bg-BG" b="0" i="1" smtClean="0">
+                                    <a:solidFill>
+                                      <a:schemeClr val="tx1">
+                                        <a:lumMod val="65000"/>
+                                        <a:lumOff val="35000"/>
+                                      </a:schemeClr>
+                                    </a:solidFill>
                                     <a:latin typeface="Cambria Math" panose="02040503050406030204" pitchFamily="18" charset="0"/>
                                   </a:rPr>
                                   <m:t>1</m:t>
@@ -5788,6 +7705,12 @@
                               <m:e>
                                 <m:r>
                                   <a:rPr lang="bg-BG" b="0" i="1" smtClean="0">
+                                    <a:solidFill>
+                                      <a:schemeClr val="tx1">
+                                        <a:lumMod val="65000"/>
+                                        <a:lumOff val="35000"/>
+                                      </a:schemeClr>
+                                    </a:solidFill>
                                     <a:latin typeface="Cambria Math" panose="02040503050406030204" pitchFamily="18" charset="0"/>
                                   </a:rPr>
                                   <m:t>0</m:t>
@@ -5796,6 +7719,12 @@
                               <m:e>
                                 <m:r>
                                   <a:rPr lang="bg-BG" b="0" i="1" smtClean="0">
+                                    <a:solidFill>
+                                      <a:schemeClr val="tx1">
+                                        <a:lumMod val="65000"/>
+                                        <a:lumOff val="35000"/>
+                                      </a:schemeClr>
+                                    </a:solidFill>
                                     <a:latin typeface="Cambria Math" panose="02040503050406030204" pitchFamily="18" charset="0"/>
                                   </a:rPr>
                                   <m:t>0</m:t>
@@ -5806,6 +7735,12 @@
                               <m:e>
                                 <m:r>
                                   <a:rPr lang="bg-BG" b="0" i="1" smtClean="0">
+                                    <a:solidFill>
+                                      <a:schemeClr val="tx1">
+                                        <a:lumMod val="65000"/>
+                                        <a:lumOff val="35000"/>
+                                      </a:schemeClr>
+                                    </a:solidFill>
                                     <a:latin typeface="Cambria Math" panose="02040503050406030204" pitchFamily="18" charset="0"/>
                                   </a:rPr>
                                   <m:t>0</m:t>
@@ -5814,6 +7749,12 @@
                               <m:e>
                                 <m:r>
                                   <a:rPr lang="bg-BG" b="0" i="1" smtClean="0">
+                                    <a:solidFill>
+                                      <a:schemeClr val="tx1">
+                                        <a:lumMod val="65000"/>
+                                        <a:lumOff val="35000"/>
+                                      </a:schemeClr>
+                                    </a:solidFill>
                                     <a:latin typeface="Cambria Math" panose="02040503050406030204" pitchFamily="18" charset="0"/>
                                   </a:rPr>
                                   <m:t>1</m:t>
@@ -5822,6 +7763,12 @@
                               <m:e>
                                 <m:r>
                                   <a:rPr lang="bg-BG" b="0" i="1" smtClean="0">
+                                    <a:solidFill>
+                                      <a:schemeClr val="tx1">
+                                        <a:lumMod val="65000"/>
+                                        <a:lumOff val="35000"/>
+                                      </a:schemeClr>
+                                    </a:solidFill>
                                     <a:latin typeface="Cambria Math" panose="02040503050406030204" pitchFamily="18" charset="0"/>
                                   </a:rPr>
                                   <m:t>0</m:t>
@@ -5832,6 +7779,12 @@
                               <m:e>
                                 <m:r>
                                   <a:rPr lang="bg-BG" b="0" i="1" smtClean="0">
+                                    <a:solidFill>
+                                      <a:schemeClr val="tx1">
+                                        <a:lumMod val="65000"/>
+                                        <a:lumOff val="35000"/>
+                                      </a:schemeClr>
+                                    </a:solidFill>
                                     <a:latin typeface="Cambria Math" panose="02040503050406030204" pitchFamily="18" charset="0"/>
                                   </a:rPr>
                                   <m:t>0</m:t>
@@ -5840,6 +7793,12 @@
                               <m:e>
                                 <m:r>
                                   <a:rPr lang="bg-BG" b="0" i="1" smtClean="0">
+                                    <a:solidFill>
+                                      <a:schemeClr val="tx1">
+                                        <a:lumMod val="65000"/>
+                                        <a:lumOff val="35000"/>
+                                      </a:schemeClr>
+                                    </a:solidFill>
                                     <a:latin typeface="Cambria Math" panose="02040503050406030204" pitchFamily="18" charset="0"/>
                                   </a:rPr>
                                   <m:t>0</m:t>
@@ -5848,6 +7807,12 @@
                               <m:e>
                                 <m:r>
                                   <a:rPr lang="bg-BG" b="0" i="1" smtClean="0">
+                                    <a:solidFill>
+                                      <a:schemeClr val="tx1">
+                                        <a:lumMod val="65000"/>
+                                        <a:lumOff val="35000"/>
+                                      </a:schemeClr>
+                                    </a:solidFill>
                                     <a:latin typeface="Cambria Math" panose="02040503050406030204" pitchFamily="18" charset="0"/>
                                   </a:rPr>
                                   <m:t>1</m:t>
@@ -5859,30 +7824,60 @@
                       </m:d>
                       <m:r>
                         <a:rPr lang="en-US" b="0" i="1" smtClean="0">
+                          <a:solidFill>
+                            <a:schemeClr val="tx1">
+                              <a:lumMod val="65000"/>
+                              <a:lumOff val="35000"/>
+                            </a:schemeClr>
+                          </a:solidFill>
                           <a:latin typeface="Cambria Math" panose="02040503050406030204" pitchFamily="18" charset="0"/>
                         </a:rPr>
                         <m:t>,</m:t>
                       </m:r>
                       <m:r>
                         <a:rPr lang="bg-BG" b="0" i="1" smtClean="0">
+                          <a:solidFill>
+                            <a:schemeClr val="tx1">
+                              <a:lumMod val="65000"/>
+                              <a:lumOff val="35000"/>
+                            </a:schemeClr>
+                          </a:solidFill>
                           <a:latin typeface="Cambria Math" panose="02040503050406030204" pitchFamily="18" charset="0"/>
                         </a:rPr>
                         <m:t> </m:t>
                       </m:r>
                       <m:r>
                         <a:rPr lang="en-US" b="0" i="1" smtClean="0">
+                          <a:solidFill>
+                            <a:schemeClr val="tx1">
+                              <a:lumMod val="65000"/>
+                              <a:lumOff val="35000"/>
+                            </a:schemeClr>
+                          </a:solidFill>
                           <a:latin typeface="Cambria Math" panose="02040503050406030204" pitchFamily="18" charset="0"/>
                         </a:rPr>
                         <m:t> </m:t>
                       </m:r>
                       <m:r>
                         <a:rPr lang="en-US" b="0" i="1" smtClean="0">
+                          <a:solidFill>
+                            <a:schemeClr val="tx1">
+                              <a:lumMod val="65000"/>
+                              <a:lumOff val="35000"/>
+                            </a:schemeClr>
+                          </a:solidFill>
                           <a:latin typeface="Cambria Math" panose="02040503050406030204" pitchFamily="18" charset="0"/>
                         </a:rPr>
                         <m:t>𝐵</m:t>
                       </m:r>
                       <m:r>
                         <a:rPr lang="en-US" b="0" i="1" smtClean="0">
+                          <a:solidFill>
+                            <a:schemeClr val="tx1">
+                              <a:lumMod val="65000"/>
+                              <a:lumOff val="35000"/>
+                            </a:schemeClr>
+                          </a:solidFill>
                           <a:latin typeface="Cambria Math" panose="02040503050406030204" pitchFamily="18" charset="0"/>
                         </a:rPr>
                         <m:t>=</m:t>
@@ -5891,6 +7886,12 @@
                         <m:dPr>
                           <m:ctrlPr>
                             <a:rPr lang="en-US" i="1">
+                              <a:solidFill>
+                                <a:schemeClr val="tx1">
+                                  <a:lumMod val="65000"/>
+                                  <a:lumOff val="35000"/>
+                                </a:schemeClr>
+                              </a:solidFill>
                               <a:latin typeface="Cambria Math" panose="02040503050406030204" pitchFamily="18" charset="0"/>
                             </a:rPr>
                           </m:ctrlPr>
@@ -5908,6 +7909,12 @@
                               </m:mcs>
                               <m:ctrlPr>
                                 <a:rPr lang="en-US" i="1" smtClean="0">
+                                  <a:solidFill>
+                                    <a:schemeClr val="tx1">
+                                      <a:lumMod val="65000"/>
+                                      <a:lumOff val="35000"/>
+                                    </a:schemeClr>
+                                  </a:solidFill>
                                   <a:latin typeface="Cambria Math" panose="02040503050406030204" pitchFamily="18" charset="0"/>
                                 </a:rPr>
                               </m:ctrlPr>
@@ -5916,6 +7923,12 @@
                               <m:e>
                                 <m:r>
                                   <a:rPr lang="en-US" b="0" i="1" smtClean="0">
+                                    <a:solidFill>
+                                      <a:schemeClr val="tx1">
+                                        <a:lumMod val="65000"/>
+                                        <a:lumOff val="35000"/>
+                                      </a:schemeClr>
+                                    </a:solidFill>
                                     <a:latin typeface="Cambria Math" panose="02040503050406030204" pitchFamily="18" charset="0"/>
                                   </a:rPr>
                                   <m:t>0</m:t>
@@ -5926,6 +7939,12 @@
                               <m:e>
                                 <m:r>
                                   <a:rPr lang="en-US" b="0" i="1" smtClean="0">
+                                    <a:solidFill>
+                                      <a:schemeClr val="tx1">
+                                        <a:lumMod val="65000"/>
+                                        <a:lumOff val="35000"/>
+                                      </a:schemeClr>
+                                    </a:solidFill>
                                     <a:latin typeface="Cambria Math" panose="02040503050406030204" pitchFamily="18" charset="0"/>
                                   </a:rPr>
                                   <m:t>0</m:t>
@@ -5936,6 +7955,12 @@
                               <m:e>
                                 <m:r>
                                   <a:rPr lang="en-US" b="0" i="1" smtClean="0">
+                                    <a:solidFill>
+                                      <a:schemeClr val="tx1">
+                                        <a:lumMod val="65000"/>
+                                        <a:lumOff val="35000"/>
+                                      </a:schemeClr>
+                                    </a:solidFill>
                                     <a:latin typeface="Cambria Math" panose="02040503050406030204" pitchFamily="18" charset="0"/>
                                   </a:rPr>
                                   <m:t>0</m:t>
@@ -5949,18 +7974,50 @@
                   </m:oMathPara>
                 </a14:m>
                 <a:br>
-                  <a:rPr lang="bg-BG" dirty="0"/>
+                  <a:rPr lang="bg-BG" dirty="0">
+                    <a:solidFill>
+                      <a:schemeClr val="tx1">
+                        <a:lumMod val="65000"/>
+                        <a:lumOff val="35000"/>
+                      </a:schemeClr>
+                    </a:solidFill>
+                    <a:latin typeface="Montserrat" panose="00000500000000000000" pitchFamily="2" charset="0"/>
+                  </a:rPr>
                 </a:br>
-                <a:endParaRPr lang="en-US" dirty="0"/>
+                <a:endParaRPr lang="en-US" dirty="0">
+                  <a:solidFill>
+                    <a:schemeClr val="tx1">
+                      <a:lumMod val="65000"/>
+                      <a:lumOff val="35000"/>
+                    </a:schemeClr>
+                  </a:solidFill>
+                  <a:latin typeface="Montserrat" panose="00000500000000000000" pitchFamily="2" charset="0"/>
+                </a:endParaRPr>
               </a:p>
               <a:p>
                 <a:pPr marL="0" indent="0">
                   <a:buNone/>
                 </a:pPr>
-                <a:endParaRPr lang="bg-BG" dirty="0"/>
+                <a:endParaRPr lang="bg-BG" dirty="0">
+                  <a:solidFill>
+                    <a:schemeClr val="tx1">
+                      <a:lumMod val="65000"/>
+                      <a:lumOff val="35000"/>
+                    </a:schemeClr>
+                  </a:solidFill>
+                  <a:latin typeface="Montserrat" panose="00000500000000000000" pitchFamily="2" charset="0"/>
+                </a:endParaRPr>
               </a:p>
               <a:p>
-                <a:endParaRPr lang="en-US" b="1" dirty="0"/>
+                <a:endParaRPr lang="en-US" b="1" dirty="0">
+                  <a:solidFill>
+                    <a:schemeClr val="tx1">
+                      <a:lumMod val="65000"/>
+                      <a:lumOff val="35000"/>
+                    </a:schemeClr>
+                  </a:solidFill>
+                  <a:latin typeface="Montserrat" panose="00000500000000000000" pitchFamily="2" charset="0"/>
+                </a:endParaRPr>
               </a:p>
             </p:txBody>
           </p:sp>
@@ -5988,9 +8045,9 @@
                 <a:ext cx="11858624" cy="4351338"/>
               </a:xfrm>
               <a:blipFill>
-                <a:blip r:embed="rId2"/>
+                <a:blip r:embed="rId3"/>
                 <a:stretch>
-                  <a:fillRect l="-925" t="-140"/>
+                  <a:fillRect l="-720"/>
                 </a:stretch>
               </a:blipFill>
             </p:spPr>
@@ -6062,44 +8119,325 @@
           <a:p>
             <a:r>
               <a:rPr lang="bg-BG" dirty="0">
-                <a:latin typeface="Montserrat SemiBold" panose="00000700000000000000" pitchFamily="2" charset="0"/>
+                <a:solidFill>
+                  <a:srgbClr val="FFA161"/>
+                </a:solidFill>
+                <a:latin typeface="Montserrat Black" panose="00000A00000000000000" pitchFamily="2" charset="0"/>
               </a:rPr>
               <a:t>Първоначално решение </a:t>
             </a:r>
             <a:br>
               <a:rPr lang="bg-BG" dirty="0">
-                <a:latin typeface="Montserrat SemiBold" panose="00000700000000000000" pitchFamily="2" charset="0"/>
+                <a:solidFill>
+                  <a:srgbClr val="FFA161"/>
+                </a:solidFill>
+                <a:latin typeface="Montserrat Black" panose="00000A00000000000000" pitchFamily="2" charset="0"/>
               </a:rPr>
             </a:br>
-            <a:endParaRPr lang="en-US" dirty="0"/>
-          </a:p>
-        </p:txBody>
-      </p:sp>
-      <p:sp>
-        <p:nvSpPr>
-          <p:cNvPr id="3" name="Content Placeholder 2">
+            <a:endParaRPr lang="en-US" dirty="0">
+              <a:solidFill>
+                <a:srgbClr val="FFA161"/>
+              </a:solidFill>
+              <a:latin typeface="Montserrat Black" panose="00000A00000000000000" pitchFamily="2" charset="0"/>
+            </a:endParaRPr>
+          </a:p>
+        </p:txBody>
+      </p:sp>
+      <mc:AlternateContent xmlns:mc="http://schemas.openxmlformats.org/markup-compatibility/2006">
+        <mc:Choice xmlns:a14="http://schemas.microsoft.com/office/drawing/2010/main" Requires="a14">
+          <p:sp>
+            <p:nvSpPr>
+              <p:cNvPr id="6" name="TextBox 5">
+                <a:extLst>
+                  <a:ext uri="{FF2B5EF4-FFF2-40B4-BE49-F238E27FC236}">
+                    <a16:creationId xmlns:a16="http://schemas.microsoft.com/office/drawing/2014/main" id="{1F7D4B13-5380-4FF6-AF18-F150FBAA61DE}"/>
+                  </a:ext>
+                </a:extLst>
+              </p:cNvPr>
+              <p:cNvSpPr txBox="1"/>
+              <p:nvPr/>
+            </p:nvSpPr>
+            <p:spPr>
+              <a:xfrm>
+                <a:off x="923925" y="1390650"/>
+                <a:ext cx="10325100" cy="954107"/>
+              </a:xfrm>
+              <a:prstGeom prst="rect">
+                <a:avLst/>
+              </a:prstGeom>
+              <a:noFill/>
+            </p:spPr>
+            <p:txBody>
+              <a:bodyPr wrap="square" rtlCol="0">
+                <a:spAutoFit/>
+              </a:bodyPr>
+              <a:lstStyle/>
+              <a:p>
+                <a:r>
+                  <a:rPr lang="bg-BG" sz="2800" dirty="0"/>
+                  <a:t>Използвам метода на най-малките квадрати да намеря за кои </a:t>
+                </a:r>
+                <a14:m>
+                  <m:oMath xmlns:m="http://schemas.openxmlformats.org/officeDocument/2006/math">
+                    <m:sSub>
+                      <m:sSubPr>
+                        <m:ctrlPr>
+                          <a:rPr lang="en-US" sz="2800" i="1">
+                            <a:latin typeface="Cambria Math" panose="02040503050406030204" pitchFamily="18" charset="0"/>
+                          </a:rPr>
+                        </m:ctrlPr>
+                      </m:sSubPr>
+                      <m:e>
+                        <m:r>
+                          <a:rPr lang="en-US" sz="2800" i="1">
+                            <a:latin typeface="Cambria Math" panose="02040503050406030204" pitchFamily="18" charset="0"/>
+                          </a:rPr>
+                          <m:t>𝑀</m:t>
+                        </m:r>
+                      </m:e>
+                      <m:sub>
+                        <m:r>
+                          <a:rPr lang="en-US" sz="2800" i="1">
+                            <a:latin typeface="Cambria Math" panose="02040503050406030204" pitchFamily="18" charset="0"/>
+                          </a:rPr>
+                          <m:t>𝑥</m:t>
+                        </m:r>
+                        <m:r>
+                          <a:rPr lang="en-US" sz="2800" i="1">
+                            <a:latin typeface="Cambria Math" panose="02040503050406030204" pitchFamily="18" charset="0"/>
+                          </a:rPr>
+                          <m:t>𝑥</m:t>
+                        </m:r>
+                      </m:sub>
+                    </m:sSub>
+                    <m:r>
+                      <a:rPr lang="en-US" sz="2800" i="1">
+                        <a:latin typeface="Cambria Math" panose="02040503050406030204" pitchFamily="18" charset="0"/>
+                      </a:rPr>
+                      <m:t>−</m:t>
+                    </m:r>
+                    <m:sSub>
+                      <m:sSubPr>
+                        <m:ctrlPr>
+                          <a:rPr lang="en-US" sz="2800" i="1">
+                            <a:latin typeface="Cambria Math" panose="02040503050406030204" pitchFamily="18" charset="0"/>
+                          </a:rPr>
+                        </m:ctrlPr>
+                      </m:sSubPr>
+                      <m:e>
+                        <m:r>
+                          <a:rPr lang="en-US" sz="2800" i="1">
+                            <a:latin typeface="Cambria Math" panose="02040503050406030204" pitchFamily="18" charset="0"/>
+                          </a:rPr>
+                          <m:t>𝑀</m:t>
+                        </m:r>
+                      </m:e>
+                      <m:sub>
+                        <m:r>
+                          <a:rPr lang="en-US" sz="2800" i="1">
+                            <a:latin typeface="Cambria Math" panose="02040503050406030204" pitchFamily="18" charset="0"/>
+                          </a:rPr>
+                          <m:t>𝑧𝑧</m:t>
+                        </m:r>
+                      </m:sub>
+                    </m:sSub>
+                  </m:oMath>
+                </a14:m>
+                <a:r>
+                  <a:rPr lang="bg-BG" sz="2800" dirty="0"/>
+                  <a:t>и </a:t>
+                </a:r>
+                <a14:m>
+                  <m:oMath xmlns:m="http://schemas.openxmlformats.org/officeDocument/2006/math">
+                    <m:sSub>
+                      <m:sSubPr>
+                        <m:ctrlPr>
+                          <a:rPr lang="en-US" sz="2800" i="1">
+                            <a:latin typeface="Cambria Math" panose="02040503050406030204" pitchFamily="18" charset="0"/>
+                          </a:rPr>
+                        </m:ctrlPr>
+                      </m:sSubPr>
+                      <m:e>
+                        <m:r>
+                          <a:rPr lang="en-US" sz="2800" i="1">
+                            <a:latin typeface="Cambria Math" panose="02040503050406030204" pitchFamily="18" charset="0"/>
+                          </a:rPr>
+                          <m:t>𝐵</m:t>
+                        </m:r>
+                      </m:e>
+                      <m:sub>
+                        <m:r>
+                          <a:rPr lang="en-US" sz="2800" i="1">
+                            <a:latin typeface="Cambria Math" panose="02040503050406030204" pitchFamily="18" charset="0"/>
+                          </a:rPr>
+                          <m:t>𝑥</m:t>
+                        </m:r>
+                      </m:sub>
+                    </m:sSub>
+                  </m:oMath>
+                </a14:m>
+                <a:r>
+                  <a:rPr lang="bg-BG" sz="2800" dirty="0"/>
+                  <a:t>-</a:t>
+                </a:r>
+                <a:r>
+                  <a:rPr lang="en-US" sz="2800" dirty="0"/>
+                  <a:t> </a:t>
+                </a:r>
+                <a14:m>
+                  <m:oMath xmlns:m="http://schemas.openxmlformats.org/officeDocument/2006/math">
+                    <m:sSub>
+                      <m:sSubPr>
+                        <m:ctrlPr>
+                          <a:rPr lang="en-US" sz="2800" i="1">
+                            <a:latin typeface="Cambria Math" panose="02040503050406030204" pitchFamily="18" charset="0"/>
+                          </a:rPr>
+                        </m:ctrlPr>
+                      </m:sSubPr>
+                      <m:e>
+                        <m:r>
+                          <a:rPr lang="en-US" sz="2800" i="1">
+                            <a:latin typeface="Cambria Math" panose="02040503050406030204" pitchFamily="18" charset="0"/>
+                          </a:rPr>
+                          <m:t>𝐵</m:t>
+                        </m:r>
+                      </m:e>
+                      <m:sub>
+                        <m:r>
+                          <a:rPr lang="en-US" sz="2800" i="1">
+                            <a:latin typeface="Cambria Math" panose="02040503050406030204" pitchFamily="18" charset="0"/>
+                          </a:rPr>
+                          <m:t>𝑧</m:t>
+                        </m:r>
+                      </m:sub>
+                    </m:sSub>
+                  </m:oMath>
+                </a14:m>
+                <a:r>
+                  <a:rPr lang="bg-BG" sz="2800" dirty="0"/>
+                  <a:t> имаме най-малка грешка  за дадени данни.</a:t>
+                </a:r>
+                <a:endParaRPr lang="en-US" sz="2800" dirty="0"/>
+              </a:p>
+            </p:txBody>
+          </p:sp>
+        </mc:Choice>
+        <mc:Fallback>
+          <p:sp>
+            <p:nvSpPr>
+              <p:cNvPr id="6" name="TextBox 5">
+                <a:extLst>
+                  <a:ext uri="{FF2B5EF4-FFF2-40B4-BE49-F238E27FC236}">
+                    <a16:creationId xmlns:a16="http://schemas.microsoft.com/office/drawing/2014/main" id="{1F7D4B13-5380-4FF6-AF18-F150FBAA61DE}"/>
+                  </a:ext>
+                </a:extLst>
+              </p:cNvPr>
+              <p:cNvSpPr txBox="1">
+                <a:spLocks noRot="1" noChangeAspect="1" noMove="1" noResize="1" noEditPoints="1" noAdjustHandles="1" noChangeArrowheads="1" noChangeShapeType="1" noTextEdit="1"/>
+              </p:cNvSpPr>
+              <p:nvPr/>
+            </p:nvSpPr>
+            <p:spPr>
+              <a:xfrm>
+                <a:off x="923925" y="1390650"/>
+                <a:ext cx="10325100" cy="954107"/>
+              </a:xfrm>
+              <a:prstGeom prst="rect">
+                <a:avLst/>
+              </a:prstGeom>
+              <a:blipFill>
+                <a:blip r:embed="rId3"/>
+                <a:stretch>
+                  <a:fillRect l="-1240" t="-5732" b="-17197"/>
+                </a:stretch>
+              </a:blipFill>
+            </p:spPr>
+            <p:txBody>
+              <a:bodyPr/>
+              <a:lstStyle/>
+              <a:p>
+                <a:r>
+                  <a:rPr lang="en-US">
+                    <a:noFill/>
+                  </a:rPr>
+                  <a:t> </a:t>
+                </a:r>
+              </a:p>
+            </p:txBody>
+          </p:sp>
+        </mc:Fallback>
+      </mc:AlternateContent>
+      <p:pic>
+        <p:nvPicPr>
+          <p:cNvPr id="12" name="Content Placeholder 11" descr="A screenshot of a cell phone&#10;&#10;Description automatically generated">
             <a:extLst>
               <a:ext uri="{FF2B5EF4-FFF2-40B4-BE49-F238E27FC236}">
-                <a16:creationId xmlns:a16="http://schemas.microsoft.com/office/drawing/2014/main" id="{AB2617AC-013C-41C5-820B-1826FA07FAB3}"/>
+                <a16:creationId xmlns:a16="http://schemas.microsoft.com/office/drawing/2014/main" id="{25CE33A7-706E-4E70-BCA8-72774471B044}"/>
               </a:ext>
             </a:extLst>
           </p:cNvPr>
-          <p:cNvSpPr>
-            <a:spLocks noGrp="1"/>
-          </p:cNvSpPr>
+          <p:cNvPicPr>
+            <a:picLocks noGrp="1" noChangeAspect="1"/>
+          </p:cNvPicPr>
           <p:nvPr>
             <p:ph idx="1"/>
           </p:nvPr>
-        </p:nvSpPr>
-        <p:spPr/>
-        <p:txBody>
-          <a:bodyPr/>
-          <a:lstStyle/>
-          <a:p>
-            <a:endParaRPr lang="en-US" dirty="0"/>
-          </a:p>
-        </p:txBody>
-      </p:sp>
+        </p:nvPicPr>
+        <p:blipFill>
+          <a:blip r:embed="rId4">
+            <a:extLst>
+              <a:ext uri="{28A0092B-C50C-407E-A947-70E740481C1C}">
+                <a14:useLocalDpi xmlns:a14="http://schemas.microsoft.com/office/drawing/2010/main" val="0"/>
+              </a:ext>
+            </a:extLst>
+          </a:blip>
+          <a:stretch>
+            <a:fillRect/>
+          </a:stretch>
+        </p:blipFill>
+        <p:spPr>
+          <a:xfrm>
+            <a:off x="1790099" y="2716213"/>
+            <a:ext cx="8611802" cy="1476581"/>
+          </a:xfrm>
+        </p:spPr>
+      </p:pic>
+      <p:pic>
+        <p:nvPicPr>
+          <p:cNvPr id="16" name="Picture 15" descr="A screenshot of a cell phone&#10;&#10;Description automatically generated">
+            <a:extLst>
+              <a:ext uri="{FF2B5EF4-FFF2-40B4-BE49-F238E27FC236}">
+                <a16:creationId xmlns:a16="http://schemas.microsoft.com/office/drawing/2014/main" id="{E4E86B56-6221-4F06-96D9-140F7B19FCEB}"/>
+              </a:ext>
+            </a:extLst>
+          </p:cNvPr>
+          <p:cNvPicPr>
+            <a:picLocks noChangeAspect="1"/>
+          </p:cNvPicPr>
+          <p:nvPr/>
+        </p:nvPicPr>
+        <p:blipFill>
+          <a:blip r:embed="rId5">
+            <a:extLst>
+              <a:ext uri="{28A0092B-C50C-407E-A947-70E740481C1C}">
+                <a14:useLocalDpi xmlns:a14="http://schemas.microsoft.com/office/drawing/2010/main" val="0"/>
+              </a:ext>
+            </a:extLst>
+          </a:blip>
+          <a:stretch>
+            <a:fillRect/>
+          </a:stretch>
+        </p:blipFill>
+        <p:spPr>
+          <a:xfrm>
+            <a:off x="2752481" y="4564250"/>
+            <a:ext cx="6667988" cy="1589779"/>
+          </a:xfrm>
+          <a:prstGeom prst="rect">
+            <a:avLst/>
+          </a:prstGeom>
+        </p:spPr>
+      </p:pic>
     </p:spTree>
     <p:extLst>
       <p:ext uri="{BB962C8B-B14F-4D97-AF65-F5344CB8AC3E}">
@@ -6135,7 +8473,7 @@
           <p:cNvPr id="2" name="Title 1">
             <a:extLst>
               <a:ext uri="{FF2B5EF4-FFF2-40B4-BE49-F238E27FC236}">
-                <a16:creationId xmlns:a16="http://schemas.microsoft.com/office/drawing/2014/main" id="{4BC4D5C1-3090-4B9A-8949-FB47279DCC8D}"/>
+                <a16:creationId xmlns:a16="http://schemas.microsoft.com/office/drawing/2014/main" id="{CB27A2B1-E2C3-49A5-8CC4-8404AB9E59E9}"/>
               </a:ext>
             </a:extLst>
           </p:cNvPr>
@@ -6149,22 +8487,33 @@
         <p:spPr/>
         <p:txBody>
           <a:bodyPr>
-            <a:normAutofit fontScale="90000"/>
+            <a:normAutofit/>
           </a:bodyPr>
           <a:lstStyle/>
           <a:p>
             <a:r>
               <a:rPr lang="bg-BG" dirty="0">
-                <a:latin typeface="Montserrat SemiBold" panose="00000700000000000000" pitchFamily="2" charset="0"/>
+                <a:solidFill>
+                  <a:srgbClr val="FFA161"/>
+                </a:solidFill>
+                <a:latin typeface="Montserrat Black" panose="00000A00000000000000" pitchFamily="2" charset="0"/>
               </a:rPr>
-              <a:t>Извличане на данни от собствен сензор</a:t>
+              <a:t>Бъдещо развитие на проекта</a:t>
             </a:r>
             <a:br>
-              <a:rPr lang="bg-BG" dirty="0">
-                <a:latin typeface="Montserrat SemiBold" panose="00000700000000000000" pitchFamily="2" charset="0"/>
+              <a:rPr lang="en-US" dirty="0">
+                <a:solidFill>
+                  <a:srgbClr val="FFA161"/>
+                </a:solidFill>
+                <a:latin typeface="Montserrat Black" panose="00000A00000000000000" pitchFamily="2" charset="0"/>
               </a:rPr>
             </a:br>
-            <a:endParaRPr lang="en-US" dirty="0"/>
+            <a:endParaRPr lang="en-US" dirty="0">
+              <a:solidFill>
+                <a:srgbClr val="FFA161"/>
+              </a:solidFill>
+              <a:latin typeface="Montserrat Black" panose="00000A00000000000000" pitchFamily="2" charset="0"/>
+            </a:endParaRPr>
           </a:p>
         </p:txBody>
       </p:sp>
@@ -6173,7 +8522,7 @@
           <p:cNvPr id="3" name="Content Placeholder 2">
             <a:extLst>
               <a:ext uri="{FF2B5EF4-FFF2-40B4-BE49-F238E27FC236}">
-                <a16:creationId xmlns:a16="http://schemas.microsoft.com/office/drawing/2014/main" id="{602437FF-726F-4E5A-B55D-B2E3AE838374}"/>
+                <a16:creationId xmlns:a16="http://schemas.microsoft.com/office/drawing/2014/main" id="{53D9E26B-0A4B-4BF1-A021-04068BC6C3F0}"/>
               </a:ext>
             </a:extLst>
           </p:cNvPr>
@@ -6190,28 +8539,113 @@
           <a:lstStyle/>
           <a:p>
             <a:r>
-              <a:rPr lang="en-US" dirty="0"/>
-              <a:t>Raspberry Pi</a:t>
-            </a:r>
-          </a:p>
-          <a:p>
-            <a:r>
-              <a:rPr lang="en-US" dirty="0"/>
-              <a:t>Python</a:t>
-            </a:r>
-          </a:p>
-          <a:p>
-            <a:r>
-              <a:rPr lang="en-US" dirty="0"/>
-              <a:t>Shell script</a:t>
-            </a:r>
+              <a:rPr lang="bg-BG" dirty="0">
+                <a:solidFill>
+                  <a:schemeClr val="tx1">
+                    <a:lumMod val="65000"/>
+                    <a:lumOff val="35000"/>
+                  </a:schemeClr>
+                </a:solidFill>
+                <a:latin typeface="Montserrat" panose="00000500000000000000" pitchFamily="2" charset="0"/>
+              </a:rPr>
+              <a:t>Метода на нютон Създаване на собствена функция за минимизация.</a:t>
+            </a:r>
+          </a:p>
+          <a:p>
+            <a:pPr marL="0" indent="0">
+              <a:buNone/>
+            </a:pPr>
+            <a:endParaRPr lang="bg-BG" dirty="0">
+              <a:solidFill>
+                <a:schemeClr val="tx1">
+                  <a:lumMod val="65000"/>
+                  <a:lumOff val="35000"/>
+                </a:schemeClr>
+              </a:solidFill>
+              <a:latin typeface="Montserrat" panose="00000500000000000000" pitchFamily="2" charset="0"/>
+            </a:endParaRPr>
+          </a:p>
+          <a:p>
+            <a:r>
+              <a:rPr lang="bg-BG" dirty="0">
+                <a:solidFill>
+                  <a:schemeClr val="tx1">
+                    <a:lumMod val="65000"/>
+                    <a:lumOff val="35000"/>
+                  </a:schemeClr>
+                </a:solidFill>
+                <a:latin typeface="Montserrat" panose="00000500000000000000" pitchFamily="2" charset="0"/>
+              </a:rPr>
+              <a:t>Извличане на повече данни от собствен сензор.</a:t>
+            </a:r>
+          </a:p>
+          <a:p>
+            <a:pPr marL="0" indent="0">
+              <a:buNone/>
+            </a:pPr>
+            <a:endParaRPr lang="bg-BG" dirty="0">
+              <a:solidFill>
+                <a:schemeClr val="tx1">
+                  <a:lumMod val="65000"/>
+                  <a:lumOff val="35000"/>
+                </a:schemeClr>
+              </a:solidFill>
+              <a:latin typeface="Montserrat" panose="00000500000000000000" pitchFamily="2" charset="0"/>
+            </a:endParaRPr>
+          </a:p>
+          <a:p>
+            <a:r>
+              <a:rPr lang="bg-BG" dirty="0">
+                <a:solidFill>
+                  <a:schemeClr val="tx1">
+                    <a:lumMod val="65000"/>
+                    <a:lumOff val="35000"/>
+                  </a:schemeClr>
+                </a:solidFill>
+                <a:latin typeface="Montserrat" panose="00000500000000000000" pitchFamily="2" charset="0"/>
+              </a:rPr>
+              <a:t>Използване на сензора и алгоритъма за </a:t>
+            </a:r>
+            <a:r>
+              <a:rPr lang="bg-BG" dirty="0" err="1">
+                <a:solidFill>
+                  <a:schemeClr val="tx1">
+                    <a:lumMod val="65000"/>
+                    <a:lumOff val="35000"/>
+                  </a:schemeClr>
+                </a:solidFill>
+                <a:latin typeface="Montserrat" panose="00000500000000000000" pitchFamily="2" charset="0"/>
+              </a:rPr>
+              <a:t>калибрация</a:t>
+            </a:r>
+            <a:r>
+              <a:rPr lang="bg-BG" dirty="0">
+                <a:solidFill>
+                  <a:schemeClr val="tx1">
+                    <a:lumMod val="65000"/>
+                    <a:lumOff val="35000"/>
+                  </a:schemeClr>
+                </a:solidFill>
+                <a:latin typeface="Montserrat" panose="00000500000000000000" pitchFamily="2" charset="0"/>
+              </a:rPr>
+              <a:t> в робот.</a:t>
+            </a:r>
+            <a:endParaRPr lang="en-US" dirty="0">
+              <a:solidFill>
+                <a:schemeClr val="tx1">
+                  <a:lumMod val="65000"/>
+                  <a:lumOff val="35000"/>
+                </a:schemeClr>
+              </a:solidFill>
+              <a:latin typeface="Montserrat" panose="00000500000000000000" pitchFamily="2" charset="0"/>
+            </a:endParaRPr>
           </a:p>
         </p:txBody>
       </p:sp>
     </p:spTree>
     <p:extLst>
       <p:ext uri="{BB962C8B-B14F-4D97-AF65-F5344CB8AC3E}">
-        <p14:creationId xmlns:p14="http://schemas.microsoft.com/office/powerpoint/2010/main" val="1868462218"/>
+        <p14:creationId xmlns:p14="http://schemas.microsoft.com/office/powerpoint/2010/main" val="3871061468"/>
       </p:ext>
     </p:extLst>
   </p:cSld>

--- a/Presentation Materials/Калибриране на MEMS Акселерометри.pptx
+++ b/Presentation Materials/Калибриране на MEMS Акселерометри.pptx
@@ -5,7 +5,7 @@
     <p:sldMasterId id="2147483648" r:id="rId1"/>
   </p:sldMasterIdLst>
   <p:notesMasterIdLst>
-    <p:notesMasterId r:id="rId13"/>
+    <p:notesMasterId r:id="rId15"/>
   </p:notesMasterIdLst>
   <p:sldIdLst>
     <p:sldId id="256" r:id="rId2"/>
@@ -16,9 +16,11 @@
     <p:sldId id="264" r:id="rId7"/>
     <p:sldId id="265" r:id="rId8"/>
     <p:sldId id="260" r:id="rId9"/>
-    <p:sldId id="262" r:id="rId10"/>
-    <p:sldId id="266" r:id="rId11"/>
-    <p:sldId id="261" r:id="rId12"/>
+    <p:sldId id="268" r:id="rId10"/>
+    <p:sldId id="267" r:id="rId11"/>
+    <p:sldId id="262" r:id="rId12"/>
+    <p:sldId id="266" r:id="rId13"/>
+    <p:sldId id="261" r:id="rId14"/>
   </p:sldIdLst>
   <p:sldSz cx="12192000" cy="6858000"/>
   <p:notesSz cx="6858000" cy="9144000"/>
@@ -207,7 +209,7 @@
           <a:p>
             <a:fld id="{8449EA60-A591-44F6-9F11-4791ABA57160}" type="datetimeFigureOut">
               <a:rPr lang="en-US" smtClean="0"/>
-              <a:t>5/4/2020</a:t>
+              <a:t>5/11/2020</a:t>
             </a:fld>
             <a:endParaRPr lang="en-US"/>
           </a:p>
@@ -578,6 +580,224 @@
 </p:notes>
 </file>
 
+<file path=ppt/notesSlides/notesSlide10.xml><?xml version="1.0" encoding="utf-8"?>
+<p:notes xmlns:a="http://schemas.openxmlformats.org/drawingml/2006/main" xmlns:r="http://schemas.openxmlformats.org/officeDocument/2006/relationships" xmlns:p="http://schemas.openxmlformats.org/presentationml/2006/main">
+  <p:cSld>
+    <p:spTree>
+      <p:nvGrpSpPr>
+        <p:cNvPr id="1" name=""/>
+        <p:cNvGrpSpPr/>
+        <p:nvPr/>
+      </p:nvGrpSpPr>
+      <p:grpSpPr>
+        <a:xfrm>
+          <a:off x="0" y="0"/>
+          <a:ext cx="0" cy="0"/>
+          <a:chOff x="0" y="0"/>
+          <a:chExt cx="0" cy="0"/>
+        </a:xfrm>
+      </p:grpSpPr>
+      <p:sp>
+        <p:nvSpPr>
+          <p:cNvPr id="2" name="Slide Image Placeholder 1"/>
+          <p:cNvSpPr>
+            <a:spLocks noGrp="1" noRot="1" noChangeAspect="1"/>
+          </p:cNvSpPr>
+          <p:nvPr>
+            <p:ph type="sldImg"/>
+          </p:nvPr>
+        </p:nvSpPr>
+        <p:spPr/>
+      </p:sp>
+      <p:sp>
+        <p:nvSpPr>
+          <p:cNvPr id="3" name="Notes Placeholder 2"/>
+          <p:cNvSpPr>
+            <a:spLocks noGrp="1"/>
+          </p:cNvSpPr>
+          <p:nvPr>
+            <p:ph type="body" idx="1"/>
+          </p:nvPr>
+        </p:nvSpPr>
+        <p:spPr/>
+        <p:txBody>
+          <a:bodyPr/>
+          <a:lstStyle/>
+          <a:p>
+            <a:r>
+              <a:rPr lang="bg-BG" dirty="0"/>
+              <a:t>Векторите в оранжево са векторите преди </a:t>
+            </a:r>
+            <a:r>
+              <a:rPr lang="bg-BG" dirty="0" err="1"/>
+              <a:t>калибрация</a:t>
+            </a:r>
+            <a:r>
+              <a:rPr lang="bg-BG" dirty="0"/>
+              <a:t>, тези с червено са векторите след </a:t>
+            </a:r>
+            <a:r>
+              <a:rPr lang="bg-BG" dirty="0" err="1"/>
+              <a:t>калибрация</a:t>
+            </a:r>
+            <a:r>
+              <a:rPr lang="bg-BG" dirty="0"/>
+              <a:t>.</a:t>
+            </a:r>
+            <a:endParaRPr lang="en-US" dirty="0"/>
+          </a:p>
+        </p:txBody>
+      </p:sp>
+      <p:sp>
+        <p:nvSpPr>
+          <p:cNvPr id="4" name="Slide Number Placeholder 3"/>
+          <p:cNvSpPr>
+            <a:spLocks noGrp="1"/>
+          </p:cNvSpPr>
+          <p:nvPr>
+            <p:ph type="sldNum" sz="quarter" idx="5"/>
+          </p:nvPr>
+        </p:nvSpPr>
+        <p:spPr/>
+        <p:txBody>
+          <a:bodyPr/>
+          <a:lstStyle/>
+          <a:p>
+            <a:fld id="{BDBC6066-D6A3-4C80-8781-30F360945BB1}" type="slidenum">
+              <a:rPr lang="en-US" smtClean="0"/>
+              <a:t>10</a:t>
+            </a:fld>
+            <a:endParaRPr lang="en-US"/>
+          </a:p>
+        </p:txBody>
+      </p:sp>
+    </p:spTree>
+    <p:extLst>
+      <p:ext uri="{BB962C8B-B14F-4D97-AF65-F5344CB8AC3E}">
+        <p14:creationId xmlns:p14="http://schemas.microsoft.com/office/powerpoint/2010/main" val="4172021857"/>
+      </p:ext>
+    </p:extLst>
+  </p:cSld>
+  <p:clrMapOvr>
+    <a:masterClrMapping/>
+  </p:clrMapOvr>
+</p:notes>
+</file>
+
+<file path=ppt/notesSlides/notesSlide11.xml><?xml version="1.0" encoding="utf-8"?>
+<p:notes xmlns:a="http://schemas.openxmlformats.org/drawingml/2006/main" xmlns:r="http://schemas.openxmlformats.org/officeDocument/2006/relationships" xmlns:p="http://schemas.openxmlformats.org/presentationml/2006/main">
+  <p:cSld>
+    <p:spTree>
+      <p:nvGrpSpPr>
+        <p:cNvPr id="1" name=""/>
+        <p:cNvGrpSpPr/>
+        <p:nvPr/>
+      </p:nvGrpSpPr>
+      <p:grpSpPr>
+        <a:xfrm>
+          <a:off x="0" y="0"/>
+          <a:ext cx="0" cy="0"/>
+          <a:chOff x="0" y="0"/>
+          <a:chExt cx="0" cy="0"/>
+        </a:xfrm>
+      </p:grpSpPr>
+      <p:sp>
+        <p:nvSpPr>
+          <p:cNvPr id="2" name="Slide Image Placeholder 1"/>
+          <p:cNvSpPr>
+            <a:spLocks noGrp="1" noRot="1" noChangeAspect="1"/>
+          </p:cNvSpPr>
+          <p:nvPr>
+            <p:ph type="sldImg"/>
+          </p:nvPr>
+        </p:nvSpPr>
+        <p:spPr/>
+      </p:sp>
+      <p:sp>
+        <p:nvSpPr>
+          <p:cNvPr id="3" name="Notes Placeholder 2"/>
+          <p:cNvSpPr>
+            <a:spLocks noGrp="1"/>
+          </p:cNvSpPr>
+          <p:nvPr>
+            <p:ph type="body" idx="1"/>
+          </p:nvPr>
+        </p:nvSpPr>
+        <p:spPr/>
+        <p:txBody>
+          <a:bodyPr/>
+          <a:lstStyle/>
+          <a:p>
+            <a:r>
+              <a:rPr lang="bg-BG" dirty="0"/>
+              <a:t>Бъдещето развитие на проекта се състои  от създаване на собствена функция за минимизация която да използвам в метода на най-малките  квадрати.</a:t>
+            </a:r>
+          </a:p>
+          <a:p>
+            <a:endParaRPr lang="bg-BG" dirty="0"/>
+          </a:p>
+          <a:p>
+            <a:r>
+              <a:rPr lang="bg-BG" dirty="0"/>
+              <a:t>Искам и да извлече добри данни от моя сензор за да го калибрирам. (Извадил съм едни данни, но те са само в изправено положение, а  трябва да са в няколко различни позиции)</a:t>
+            </a:r>
+          </a:p>
+          <a:p>
+            <a:endParaRPr lang="bg-BG" dirty="0"/>
+          </a:p>
+          <a:p>
+            <a:r>
+              <a:rPr lang="bg-BG" dirty="0"/>
+              <a:t>След като </a:t>
+            </a:r>
+            <a:r>
+              <a:rPr lang="bg-BG" dirty="0" err="1"/>
+              <a:t>калибрацията</a:t>
+            </a:r>
+            <a:r>
+              <a:rPr lang="bg-BG" dirty="0"/>
+              <a:t> е направена искам да използвам сензора в робот за да следя как се движи и да го управлявам.</a:t>
+            </a:r>
+            <a:endParaRPr lang="en-US" dirty="0"/>
+          </a:p>
+        </p:txBody>
+      </p:sp>
+      <p:sp>
+        <p:nvSpPr>
+          <p:cNvPr id="4" name="Slide Number Placeholder 3"/>
+          <p:cNvSpPr>
+            <a:spLocks noGrp="1"/>
+          </p:cNvSpPr>
+          <p:nvPr>
+            <p:ph type="sldNum" sz="quarter" idx="5"/>
+          </p:nvPr>
+        </p:nvSpPr>
+        <p:spPr/>
+        <p:txBody>
+          <a:bodyPr/>
+          <a:lstStyle/>
+          <a:p>
+            <a:fld id="{BDBC6066-D6A3-4C80-8781-30F360945BB1}" type="slidenum">
+              <a:rPr lang="en-US" smtClean="0"/>
+              <a:t>11</a:t>
+            </a:fld>
+            <a:endParaRPr lang="en-US"/>
+          </a:p>
+        </p:txBody>
+      </p:sp>
+    </p:spTree>
+    <p:extLst>
+      <p:ext uri="{BB962C8B-B14F-4D97-AF65-F5344CB8AC3E}">
+        <p14:creationId xmlns:p14="http://schemas.microsoft.com/office/powerpoint/2010/main" val="4182085913"/>
+      </p:ext>
+    </p:extLst>
+  </p:cSld>
+  <p:clrMapOvr>
+    <a:masterClrMapping/>
+  </p:clrMapOvr>
+</p:notes>
+</file>
+
 <file path=ppt/notesSlides/notesSlide2.xml><?xml version="1.0" encoding="utf-8"?>
 <p:notes xmlns:a="http://schemas.openxmlformats.org/drawingml/2006/main" xmlns:r="http://schemas.openxmlformats.org/officeDocument/2006/relationships" xmlns:p="http://schemas.openxmlformats.org/presentationml/2006/main">
   <p:cSld>
@@ -624,7 +844,74 @@
           <a:p>
             <a:r>
               <a:rPr lang="bg-BG" dirty="0"/>
-              <a:t>Нещата които ще покрия в тази лекция за &lt;изреждане на точките&gt;</a:t>
+              <a:t>Основните неща които ще покрия са:</a:t>
+            </a:r>
+          </a:p>
+          <a:p>
+            <a:r>
+              <a:rPr lang="bg-BG" dirty="0"/>
+              <a:t>Бързо въведение в </a:t>
+            </a:r>
+            <a:r>
+              <a:rPr lang="bg-BG" dirty="0" err="1"/>
+              <a:t>акслерометрите</a:t>
+            </a:r>
+            <a:endParaRPr lang="bg-BG" dirty="0"/>
+          </a:p>
+          <a:p>
+            <a:r>
+              <a:rPr lang="bg-BG" dirty="0"/>
+              <a:t>Малко повече </a:t>
+            </a:r>
+            <a:r>
+              <a:rPr lang="bg-BG" dirty="0" err="1"/>
+              <a:t>информмация</a:t>
+            </a:r>
+            <a:r>
+              <a:rPr lang="bg-BG" dirty="0"/>
+              <a:t> за </a:t>
+            </a:r>
+            <a:r>
+              <a:rPr lang="bg-BG" dirty="0" err="1"/>
+              <a:t>мемс</a:t>
+            </a:r>
+            <a:r>
+              <a:rPr lang="bg-BG" dirty="0"/>
+              <a:t> </a:t>
+            </a:r>
+            <a:r>
+              <a:rPr lang="bg-BG" dirty="0" err="1"/>
+              <a:t>акселерометрите</a:t>
+            </a:r>
+            <a:endParaRPr lang="bg-BG" dirty="0"/>
+          </a:p>
+          <a:p>
+            <a:r>
+              <a:rPr lang="bg-BG" dirty="0"/>
+              <a:t>Грешки които наблюдаваме по време на </a:t>
+            </a:r>
+            <a:r>
+              <a:rPr lang="bg-BG" dirty="0" err="1"/>
+              <a:t>калибрацията</a:t>
+            </a:r>
+            <a:r>
+              <a:rPr lang="bg-BG" dirty="0"/>
+              <a:t> </a:t>
+            </a:r>
+          </a:p>
+          <a:p>
+            <a:r>
+              <a:rPr lang="bg-BG" dirty="0"/>
+              <a:t>Решението което използвам за да калибрирам готови данни</a:t>
+            </a:r>
+          </a:p>
+          <a:p>
+            <a:endParaRPr lang="bg-BG" dirty="0"/>
+          </a:p>
+          <a:p>
+            <a:r>
+              <a:rPr lang="bg-BG" dirty="0"/>
+              <a:t>Както и бъдещото развитие на проекта.</a:t>
             </a:r>
             <a:endParaRPr lang="en-US" dirty="0"/>
           </a:p>
@@ -905,8 +1192,25 @@
           <a:lstStyle/>
           <a:p>
             <a:r>
+              <a:rPr lang="en-US" sz="1200" b="0" i="0" kern="1200" dirty="0">
+                <a:solidFill>
+                  <a:schemeClr val="tx1"/>
+                </a:solidFill>
+                <a:effectLst/>
+                <a:latin typeface="+mn-lt"/>
+                <a:ea typeface="+mn-ea"/>
+                <a:cs typeface="+mn-cs"/>
+              </a:rPr>
+              <a:t>MEMS - micro-electromechanical system</a:t>
+            </a:r>
+          </a:p>
+          <a:p>
+            <a:endParaRPr lang="en-US" dirty="0"/>
+          </a:p>
+          <a:p>
+            <a:r>
               <a:rPr lang="bg-BG" dirty="0"/>
-              <a:t>Картинката в ляво показва хоби </a:t>
+              <a:t>Картинката в дясно показва хоби </a:t>
             </a:r>
             <a:r>
               <a:rPr lang="bg-BG" dirty="0" err="1"/>
@@ -916,6 +1220,9 @@
               <a:rPr lang="bg-BG" dirty="0"/>
               <a:t>. А вдясно се показва още един начин по който работят този вид сензори.</a:t>
             </a:r>
+            <a:endParaRPr lang="en-US" dirty="0"/>
+          </a:p>
+          <a:p>
             <a:endParaRPr lang="en-US" dirty="0"/>
           </a:p>
         </p:txBody>
@@ -1006,15 +1313,23 @@
             </a:r>
             <a:r>
               <a:rPr lang="bg-BG" dirty="0"/>
-              <a:t> имат различни видове грешки, &lt;изреди ги&gt;. За този проект разглеждам грешките които идват от Фабричните грешки, както и грешките които се появяват по време на  </a:t>
+              <a:t> имат различни видове грешки, като тези които разглеждам в този проект са Грешки като постоянно отклонение , отклонения в мерните единици и грешки които идват от не-</a:t>
             </a:r>
             <a:r>
               <a:rPr lang="bg-BG" dirty="0" err="1"/>
-              <a:t>калибрация</a:t>
+              <a:t>орт</a:t>
             </a:r>
             <a:r>
               <a:rPr lang="bg-BG" dirty="0"/>
-              <a:t>.</a:t>
+              <a:t>-о-го-</a:t>
+            </a:r>
+            <a:r>
+              <a:rPr lang="bg-BG" dirty="0" err="1"/>
+              <a:t>налността</a:t>
+            </a:r>
+            <a:r>
+              <a:rPr lang="bg-BG" dirty="0"/>
+              <a:t> на осите на сензорите .  </a:t>
             </a:r>
             <a:endParaRPr lang="en-US" dirty="0"/>
           </a:p>
@@ -1102,15 +1417,59 @@
           <a:p>
             <a:r>
               <a:rPr lang="bg-BG" dirty="0"/>
-              <a:t>Данните от калибрирания сензор в спокойно положение трябва да са (0,0,9.8) или нормата от трите компонента да </a:t>
+              <a:t>От сензора очакваме данните в  спокойно положение успоредно на равнината</a:t>
+            </a:r>
+            <a:r>
+              <a:rPr lang="en-US" dirty="0"/>
+              <a:t> XY</a:t>
+            </a:r>
+            <a:r>
+              <a:rPr lang="bg-BG" dirty="0"/>
+              <a:t> да бъде нула по Х, нула по У и 9.8 по </a:t>
+            </a:r>
+            <a:r>
+              <a:rPr lang="en-US" dirty="0"/>
+              <a:t>Z </a:t>
+            </a:r>
+            <a:r>
+              <a:rPr lang="bg-BG" dirty="0"/>
+              <a:t>(0,0,9.8)</a:t>
+            </a:r>
+            <a:r>
+              <a:rPr lang="en-US" dirty="0"/>
+              <a:t> </a:t>
+            </a:r>
+            <a:r>
+              <a:rPr lang="bg-BG" dirty="0"/>
+              <a:t>или нормата да е 9.8.</a:t>
+            </a:r>
+          </a:p>
+          <a:p>
+            <a:r>
+              <a:rPr lang="bg-BG" dirty="0"/>
+              <a:t>На таблиците на слайда са показани суровите данни с които разполагам и се вижда че  без </a:t>
+            </a:r>
+            <a:r>
+              <a:rPr lang="bg-BG" dirty="0" err="1"/>
+              <a:t>калибрация</a:t>
+            </a:r>
+            <a:r>
+              <a:rPr lang="bg-BG" dirty="0"/>
+              <a:t> нормата</a:t>
+            </a:r>
+            <a:endParaRPr lang="en-US" dirty="0"/>
+          </a:p>
+          <a:p>
+            <a:endParaRPr lang="en-US" dirty="0"/>
+          </a:p>
+          <a:p>
+            <a:r>
+              <a:rPr lang="bg-BG" dirty="0"/>
+              <a:t>Добави означения за да се </a:t>
             </a:r>
             <a:r>
               <a:rPr lang="bg-BG"/>
-              <a:t>е приб9.8</a:t>
-            </a:r>
-            <a:r>
-              <a:rPr lang="bg-BG" dirty="0"/>
-              <a:t>. За да може да постигнем това </a:t>
+              <a:t>ползват по-надолу </a:t>
             </a:r>
             <a:endParaRPr lang="en-US" dirty="0"/>
           </a:p>
@@ -1302,7 +1661,26 @@
               </a:rPr>
               <a:t>Началото приближение се използва във функцията която минимизира грешката.</a:t>
             </a:r>
-            <a:endParaRPr lang="en-US" dirty="0"/>
+            <a:endParaRPr lang="en-US" sz="1200" dirty="0">
+              <a:solidFill>
+                <a:schemeClr val="tx1">
+                  <a:lumMod val="65000"/>
+                  <a:lumOff val="35000"/>
+                </a:schemeClr>
+              </a:solidFill>
+              <a:latin typeface="Montserrat" panose="00000500000000000000" pitchFamily="2" charset="0"/>
+            </a:endParaRPr>
+          </a:p>
+          <a:p>
+            <a:endParaRPr lang="en-US" sz="1200" dirty="0">
+              <a:solidFill>
+                <a:schemeClr val="tx1">
+                  <a:lumMod val="65000"/>
+                  <a:lumOff val="35000"/>
+                </a:schemeClr>
+              </a:solidFill>
+              <a:latin typeface="Montserrat" panose="00000500000000000000" pitchFamily="2" charset="0"/>
+            </a:endParaRPr>
           </a:p>
         </p:txBody>
       </p:sp>
@@ -1388,41 +1766,50 @@
           <a:p>
             <a:r>
               <a:rPr lang="bg-BG" dirty="0"/>
-              <a:t>За калибриране на данните  използвам метода на най-малките квадрати. Тук се виждат данните преди и след </a:t>
+              <a:t>За калибриране на данните  използвам метода на най-малките квадрати</a:t>
+            </a:r>
+            <a:r>
+              <a:rPr lang="en-US" dirty="0"/>
+              <a:t> </a:t>
+            </a:r>
+            <a:r>
+              <a:rPr lang="bg-BG" dirty="0"/>
+              <a:t>за да минимизираме уравнението което показах на предишния слайд. </a:t>
             </a:r>
             <a:r>
               <a:rPr lang="bg-BG" dirty="0" err="1"/>
-              <a:t>калибрация</a:t>
+              <a:t>Началлното</a:t>
             </a:r>
             <a:r>
               <a:rPr lang="bg-BG" dirty="0"/>
-              <a:t>, както и нормите на тези данни. Ясно се вижда, че преди да се </a:t>
+              <a:t> приближение е важно защото </a:t>
             </a:r>
             <a:r>
               <a:rPr lang="bg-BG" dirty="0" err="1"/>
-              <a:t>калибрирад</a:t>
+              <a:t>използвавм</a:t>
             </a:r>
             <a:r>
               <a:rPr lang="bg-BG" dirty="0"/>
-              <a:t> данните, нормите са произволни, докато тези след </a:t>
-            </a:r>
-            <a:r>
-              <a:rPr lang="bg-BG" dirty="0" err="1"/>
-              <a:t>калибрацията</a:t>
+              <a:t> функцията </a:t>
+            </a:r>
+            <a:r>
+              <a:rPr lang="en-US" dirty="0" err="1"/>
+              <a:t>FindMinimum</a:t>
             </a:r>
             <a:r>
               <a:rPr lang="bg-BG" dirty="0"/>
-              <a:t> са около 9.8, това показва, че </a:t>
-            </a:r>
-            <a:r>
-              <a:rPr lang="bg-BG" dirty="0" err="1"/>
-              <a:t>калибрацията</a:t>
-            </a:r>
-            <a:r>
-              <a:rPr lang="bg-BG" dirty="0"/>
-              <a:t> работи.</a:t>
-            </a:r>
-            <a:endParaRPr lang="en-US" dirty="0"/>
+              <a:t>  в </a:t>
+            </a:r>
+            <a:r>
+              <a:rPr lang="en-US" dirty="0"/>
+              <a:t>Mathematica</a:t>
+            </a:r>
+          </a:p>
+          <a:p>
+            <a:r>
+              <a:rPr lang="en-US" dirty="0"/>
+              <a:t>Newtons method (describe it)</a:t>
+            </a:r>
           </a:p>
         </p:txBody>
       </p:sp>
@@ -1508,25 +1895,23 @@
           <a:p>
             <a:r>
               <a:rPr lang="bg-BG" dirty="0"/>
-              <a:t>Бъдещето развитие на проекта се състои  от създаване на собствена функция за минимизация която да използвам в метода на най-малките  квадрати.</a:t>
-            </a:r>
-          </a:p>
-          <a:p>
-            <a:endParaRPr lang="bg-BG" dirty="0"/>
-          </a:p>
-          <a:p>
+              <a:t>Тук се виждат данните преди и след </a:t>
+            </a:r>
+            <a:r>
+              <a:rPr lang="bg-BG" dirty="0" err="1"/>
+              <a:t>калибрация</a:t>
+            </a:r>
             <a:r>
               <a:rPr lang="bg-BG" dirty="0"/>
-              <a:t>Искам и да извлече добри данни от моя сензор за да го калибрирам. (Извадил съм едни данни, но те са само в изправено положение, а  трябва да са в няколко различни позиции)</a:t>
-            </a:r>
-          </a:p>
-          <a:p>
-            <a:endParaRPr lang="bg-BG" dirty="0"/>
-          </a:p>
-          <a:p>
+              <a:t>, както и нормите на тези данни. Ясно се вижда, че преди да се </a:t>
+            </a:r>
+            <a:r>
+              <a:rPr lang="bg-BG" dirty="0" err="1"/>
+              <a:t>калибрирад</a:t>
+            </a:r>
             <a:r>
               <a:rPr lang="bg-BG" dirty="0"/>
-              <a:t>След като </a:t>
+              <a:t> данните, нормите са произволни, докато тези след </a:t>
             </a:r>
             <a:r>
               <a:rPr lang="bg-BG" dirty="0" err="1"/>
@@ -1534,7 +1919,15 @@
             </a:r>
             <a:r>
               <a:rPr lang="bg-BG" dirty="0"/>
-              <a:t> е направена искам да използвам сензора в робот за да следя как се движи и да го управлявам.</a:t>
+              <a:t> са около 9.8, това показва, че </a:t>
+            </a:r>
+            <a:r>
+              <a:rPr lang="bg-BG" dirty="0" err="1"/>
+              <a:t>калибрацията</a:t>
+            </a:r>
+            <a:r>
+              <a:rPr lang="bg-BG" dirty="0"/>
+              <a:t> работи.</a:t>
             </a:r>
             <a:endParaRPr lang="en-US" dirty="0"/>
           </a:p>
@@ -1566,7 +1959,7 @@
     </p:spTree>
     <p:extLst>
       <p:ext uri="{BB962C8B-B14F-4D97-AF65-F5344CB8AC3E}">
-        <p14:creationId xmlns:p14="http://schemas.microsoft.com/office/powerpoint/2010/main" val="4182085913"/>
+        <p14:creationId xmlns:p14="http://schemas.microsoft.com/office/powerpoint/2010/main" val="1572270142"/>
       </p:ext>
     </p:extLst>
   </p:cSld>
@@ -1723,7 +2116,7 @@
           <a:p>
             <a:fld id="{76C7AF64-6987-4AAD-A506-BDC8B5CCFD58}" type="datetimeFigureOut">
               <a:rPr lang="en-US" smtClean="0"/>
-              <a:t>5/4/2020</a:t>
+              <a:t>5/11/2020</a:t>
             </a:fld>
             <a:endParaRPr lang="en-US"/>
           </a:p>
@@ -1921,7 +2314,7 @@
           <a:p>
             <a:fld id="{76C7AF64-6987-4AAD-A506-BDC8B5CCFD58}" type="datetimeFigureOut">
               <a:rPr lang="en-US" smtClean="0"/>
-              <a:t>5/4/2020</a:t>
+              <a:t>5/11/2020</a:t>
             </a:fld>
             <a:endParaRPr lang="en-US"/>
           </a:p>
@@ -2129,7 +2522,7 @@
           <a:p>
             <a:fld id="{76C7AF64-6987-4AAD-A506-BDC8B5CCFD58}" type="datetimeFigureOut">
               <a:rPr lang="en-US" smtClean="0"/>
-              <a:t>5/4/2020</a:t>
+              <a:t>5/11/2020</a:t>
             </a:fld>
             <a:endParaRPr lang="en-US"/>
           </a:p>
@@ -2327,7 +2720,7 @@
           <a:p>
             <a:fld id="{76C7AF64-6987-4AAD-A506-BDC8B5CCFD58}" type="datetimeFigureOut">
               <a:rPr lang="en-US" smtClean="0"/>
-              <a:t>5/4/2020</a:t>
+              <a:t>5/11/2020</a:t>
             </a:fld>
             <a:endParaRPr lang="en-US"/>
           </a:p>
@@ -2602,7 +2995,7 @@
           <a:p>
             <a:fld id="{76C7AF64-6987-4AAD-A506-BDC8B5CCFD58}" type="datetimeFigureOut">
               <a:rPr lang="en-US" smtClean="0"/>
-              <a:t>5/4/2020</a:t>
+              <a:t>5/11/2020</a:t>
             </a:fld>
             <a:endParaRPr lang="en-US"/>
           </a:p>
@@ -2867,7 +3260,7 @@
           <a:p>
             <a:fld id="{76C7AF64-6987-4AAD-A506-BDC8B5CCFD58}" type="datetimeFigureOut">
               <a:rPr lang="en-US" smtClean="0"/>
-              <a:t>5/4/2020</a:t>
+              <a:t>5/11/2020</a:t>
             </a:fld>
             <a:endParaRPr lang="en-US"/>
           </a:p>
@@ -3279,7 +3672,7 @@
           <a:p>
             <a:fld id="{76C7AF64-6987-4AAD-A506-BDC8B5CCFD58}" type="datetimeFigureOut">
               <a:rPr lang="en-US" smtClean="0"/>
-              <a:t>5/4/2020</a:t>
+              <a:t>5/11/2020</a:t>
             </a:fld>
             <a:endParaRPr lang="en-US"/>
           </a:p>
@@ -3420,7 +3813,7 @@
           <a:p>
             <a:fld id="{76C7AF64-6987-4AAD-A506-BDC8B5CCFD58}" type="datetimeFigureOut">
               <a:rPr lang="en-US" smtClean="0"/>
-              <a:t>5/4/2020</a:t>
+              <a:t>5/11/2020</a:t>
             </a:fld>
             <a:endParaRPr lang="en-US"/>
           </a:p>
@@ -3533,7 +3926,7 @@
           <a:p>
             <a:fld id="{76C7AF64-6987-4AAD-A506-BDC8B5CCFD58}" type="datetimeFigureOut">
               <a:rPr lang="en-US" smtClean="0"/>
-              <a:t>5/4/2020</a:t>
+              <a:t>5/11/2020</a:t>
             </a:fld>
             <a:endParaRPr lang="en-US"/>
           </a:p>
@@ -3844,7 +4237,7 @@
           <a:p>
             <a:fld id="{76C7AF64-6987-4AAD-A506-BDC8B5CCFD58}" type="datetimeFigureOut">
               <a:rPr lang="en-US" smtClean="0"/>
-              <a:t>5/4/2020</a:t>
+              <a:t>5/11/2020</a:t>
             </a:fld>
             <a:endParaRPr lang="en-US"/>
           </a:p>
@@ -4132,7 +4525,7 @@
           <a:p>
             <a:fld id="{76C7AF64-6987-4AAD-A506-BDC8B5CCFD58}" type="datetimeFigureOut">
               <a:rPr lang="en-US" smtClean="0"/>
-              <a:t>5/4/2020</a:t>
+              <a:t>5/11/2020</a:t>
             </a:fld>
             <a:endParaRPr lang="en-US"/>
           </a:p>
@@ -4373,7 +4766,7 @@
           <a:p>
             <a:fld id="{76C7AF64-6987-4AAD-A506-BDC8B5CCFD58}" type="datetimeFigureOut">
               <a:rPr lang="en-US" smtClean="0"/>
-              <a:t>5/4/2020</a:t>
+              <a:t>5/11/2020</a:t>
             </a:fld>
             <a:endParaRPr lang="en-US"/>
           </a:p>
@@ -4776,6 +5169,14 @@
 <file path=ppt/slides/slide1.xml><?xml version="1.0" encoding="utf-8"?>
 <p:sld xmlns:a="http://schemas.openxmlformats.org/drawingml/2006/main" xmlns:r="http://schemas.openxmlformats.org/officeDocument/2006/relationships" xmlns:p="http://schemas.openxmlformats.org/presentationml/2006/main">
   <p:cSld>
+    <p:bg>
+      <p:bgPr>
+        <a:solidFill>
+          <a:schemeClr val="tx1"/>
+        </a:solidFill>
+        <a:effectLst/>
+      </p:bgPr>
+    </p:bg>
     <p:spTree>
       <p:nvGrpSpPr>
         <p:cNvPr id="1" name=""/>
@@ -4808,49 +5209,25 @@
         </p:nvSpPr>
         <p:spPr>
           <a:xfrm>
-            <a:off x="1524000" y="2632075"/>
-            <a:ext cx="9144000" cy="1593850"/>
+            <a:off x="1524000" y="2433241"/>
+            <a:ext cx="9144000" cy="1991518"/>
           </a:xfrm>
         </p:spPr>
         <p:txBody>
           <a:bodyPr>
-            <a:normAutofit fontScale="90000"/>
+            <a:normAutofit/>
           </a:bodyPr>
           <a:lstStyle/>
           <a:p>
             <a:r>
-              <a:rPr lang="bg-BG" dirty="0">
+              <a:rPr lang="en-US" sz="6600" dirty="0">
                 <a:solidFill>
                   <a:srgbClr val="FFA161"/>
                 </a:solidFill>
                 <a:latin typeface="Montserrat Black" panose="00000A00000000000000" pitchFamily="2" charset="0"/>
               </a:rPr>
-              <a:t>Калибриране на </a:t>
-            </a:r>
-            <a:r>
-              <a:rPr lang="en-US" dirty="0">
-                <a:solidFill>
-                  <a:srgbClr val="FFA161"/>
-                </a:solidFill>
-                <a:latin typeface="Montserrat Black" panose="00000A00000000000000" pitchFamily="2" charset="0"/>
-              </a:rPr>
-              <a:t>MEMS </a:t>
-            </a:r>
-            <a:r>
-              <a:rPr lang="bg-BG" dirty="0" err="1">
-                <a:solidFill>
-                  <a:srgbClr val="FFA161"/>
-                </a:solidFill>
-                <a:latin typeface="Montserrat Black" panose="00000A00000000000000" pitchFamily="2" charset="0"/>
-              </a:rPr>
-              <a:t>Акселерометри</a:t>
-            </a:r>
-            <a:endParaRPr lang="en-US" dirty="0">
-              <a:solidFill>
-                <a:srgbClr val="FFA161"/>
-              </a:solidFill>
-              <a:latin typeface="Montserrat Black" panose="00000A00000000000000" pitchFamily="2" charset="0"/>
-            </a:endParaRPr>
+              <a:t>Calibrating MEMS Accelerometers</a:t>
+            </a:r>
           </a:p>
         </p:txBody>
       </p:sp>
@@ -4862,7 +5239,7 @@
     </p:extLst>
   </p:cSld>
   <p:clrMapOvr>
-    <a:masterClrMapping/>
+    <a:overrideClrMapping bg1="dk1" tx1="lt1" bg2="dk2" tx2="lt2" accent1="accent1" accent2="accent2" accent3="accent3" accent4="accent4" accent5="accent5" accent6="accent6" hlink="hlink" folHlink="folHlink"/>
   </p:clrMapOvr>
 </p:sld>
 </file>
@@ -4884,6 +5261,464 @@
           <a:chExt cx="0" cy="0"/>
         </a:xfrm>
       </p:grpSpPr>
+      <p:pic>
+        <p:nvPicPr>
+          <p:cNvPr id="5" name="Content Placeholder 4" descr="A picture containing map, light, hanging, sitting&#10;&#10;Description automatically generated">
+            <a:extLst>
+              <a:ext uri="{FF2B5EF4-FFF2-40B4-BE49-F238E27FC236}">
+                <a16:creationId xmlns:a16="http://schemas.microsoft.com/office/drawing/2014/main" id="{1553E5AF-4584-41D5-8EEC-A32C0F34DC0F}"/>
+              </a:ext>
+            </a:extLst>
+          </p:cNvPr>
+          <p:cNvPicPr>
+            <a:picLocks noGrp="1" noChangeAspect="1"/>
+          </p:cNvPicPr>
+          <p:nvPr>
+            <p:ph idx="1"/>
+          </p:nvPr>
+        </p:nvPicPr>
+        <p:blipFill>
+          <a:blip r:embed="rId3">
+            <a:extLst>
+              <a:ext uri="{28A0092B-C50C-407E-A947-70E740481C1C}">
+                <a14:useLocalDpi xmlns:a14="http://schemas.microsoft.com/office/drawing/2010/main" val="0"/>
+              </a:ext>
+            </a:extLst>
+          </a:blip>
+          <a:stretch>
+            <a:fillRect/>
+          </a:stretch>
+        </p:blipFill>
+        <p:spPr>
+          <a:xfrm>
+            <a:off x="3047024" y="153265"/>
+            <a:ext cx="6562725" cy="6551470"/>
+          </a:xfrm>
+        </p:spPr>
+      </p:pic>
+      <p:sp>
+        <p:nvSpPr>
+          <p:cNvPr id="6" name="Rectangle 5">
+            <a:extLst>
+              <a:ext uri="{FF2B5EF4-FFF2-40B4-BE49-F238E27FC236}">
+                <a16:creationId xmlns:a16="http://schemas.microsoft.com/office/drawing/2014/main" id="{B4BE8A61-16B2-498F-A72C-6E4C108B3C53}"/>
+              </a:ext>
+            </a:extLst>
+          </p:cNvPr>
+          <p:cNvSpPr/>
+          <p:nvPr/>
+        </p:nvSpPr>
+        <p:spPr>
+          <a:xfrm>
+            <a:off x="320430" y="3339124"/>
+            <a:ext cx="171938" cy="179753"/>
+          </a:xfrm>
+          <a:prstGeom prst="rect">
+            <a:avLst/>
+          </a:prstGeom>
+          <a:solidFill>
+            <a:srgbClr val="FF0000"/>
+          </a:solidFill>
+        </p:spPr>
+        <p:style>
+          <a:lnRef idx="2">
+            <a:schemeClr val="accent1">
+              <a:shade val="50000"/>
+            </a:schemeClr>
+          </a:lnRef>
+          <a:fillRef idx="1">
+            <a:schemeClr val="accent1"/>
+          </a:fillRef>
+          <a:effectRef idx="0">
+            <a:schemeClr val="accent1"/>
+          </a:effectRef>
+          <a:fontRef idx="minor">
+            <a:schemeClr val="lt1"/>
+          </a:fontRef>
+        </p:style>
+        <p:txBody>
+          <a:bodyPr rtlCol="0" anchor="ctr"/>
+          <a:lstStyle/>
+          <a:p>
+            <a:pPr algn="ctr"/>
+            <a:endParaRPr lang="en-US"/>
+          </a:p>
+        </p:txBody>
+      </p:sp>
+      <p:sp>
+        <p:nvSpPr>
+          <p:cNvPr id="7" name="Rectangle 6">
+            <a:extLst>
+              <a:ext uri="{FF2B5EF4-FFF2-40B4-BE49-F238E27FC236}">
+                <a16:creationId xmlns:a16="http://schemas.microsoft.com/office/drawing/2014/main" id="{4DB31780-07ED-4137-BD6C-3460C2239E8C}"/>
+              </a:ext>
+            </a:extLst>
+          </p:cNvPr>
+          <p:cNvSpPr/>
+          <p:nvPr/>
+        </p:nvSpPr>
+        <p:spPr>
+          <a:xfrm>
+            <a:off x="320430" y="3064581"/>
+            <a:ext cx="171938" cy="179753"/>
+          </a:xfrm>
+          <a:prstGeom prst="rect">
+            <a:avLst/>
+          </a:prstGeom>
+          <a:solidFill>
+            <a:srgbClr val="FF8000"/>
+          </a:solidFill>
+        </p:spPr>
+        <p:style>
+          <a:lnRef idx="2">
+            <a:schemeClr val="accent1">
+              <a:shade val="50000"/>
+            </a:schemeClr>
+          </a:lnRef>
+          <a:fillRef idx="1">
+            <a:schemeClr val="accent1"/>
+          </a:fillRef>
+          <a:effectRef idx="0">
+            <a:schemeClr val="accent1"/>
+          </a:effectRef>
+          <a:fontRef idx="minor">
+            <a:schemeClr val="lt1"/>
+          </a:fontRef>
+        </p:style>
+        <p:txBody>
+          <a:bodyPr rtlCol="0" anchor="ctr"/>
+          <a:lstStyle/>
+          <a:p>
+            <a:pPr algn="ctr"/>
+            <a:endParaRPr lang="en-US"/>
+          </a:p>
+        </p:txBody>
+      </p:sp>
+      <p:sp>
+        <p:nvSpPr>
+          <p:cNvPr id="8" name="TextBox 7">
+            <a:extLst>
+              <a:ext uri="{FF2B5EF4-FFF2-40B4-BE49-F238E27FC236}">
+                <a16:creationId xmlns:a16="http://schemas.microsoft.com/office/drawing/2014/main" id="{4C0A2ECB-770E-44FA-A9F5-70BD085A8B1A}"/>
+              </a:ext>
+            </a:extLst>
+          </p:cNvPr>
+          <p:cNvSpPr txBox="1"/>
+          <p:nvPr/>
+        </p:nvSpPr>
+        <p:spPr>
+          <a:xfrm>
+            <a:off x="580292" y="2969792"/>
+            <a:ext cx="2883877" cy="369332"/>
+          </a:xfrm>
+          <a:prstGeom prst="rect">
+            <a:avLst/>
+          </a:prstGeom>
+          <a:noFill/>
+        </p:spPr>
+        <p:txBody>
+          <a:bodyPr wrap="square" rtlCol="0">
+            <a:spAutoFit/>
+          </a:bodyPr>
+          <a:lstStyle/>
+          <a:p>
+            <a:r>
+              <a:rPr lang="en-US" dirty="0">
+                <a:solidFill>
+                  <a:srgbClr val="4F4F4F"/>
+                </a:solidFill>
+                <a:latin typeface="Montserrat Black" panose="00000A00000000000000" pitchFamily="2" charset="0"/>
+              </a:rPr>
+              <a:t>Uncalibrated Data</a:t>
+            </a:r>
+          </a:p>
+        </p:txBody>
+      </p:sp>
+      <p:sp>
+        <p:nvSpPr>
+          <p:cNvPr id="9" name="TextBox 8">
+            <a:extLst>
+              <a:ext uri="{FF2B5EF4-FFF2-40B4-BE49-F238E27FC236}">
+                <a16:creationId xmlns:a16="http://schemas.microsoft.com/office/drawing/2014/main" id="{02AA281B-6B5B-4153-BCD6-9A277121920F}"/>
+              </a:ext>
+            </a:extLst>
+          </p:cNvPr>
+          <p:cNvSpPr txBox="1"/>
+          <p:nvPr/>
+        </p:nvSpPr>
+        <p:spPr>
+          <a:xfrm>
+            <a:off x="580292" y="3244334"/>
+            <a:ext cx="2229338" cy="369332"/>
+          </a:xfrm>
+          <a:prstGeom prst="rect">
+            <a:avLst/>
+          </a:prstGeom>
+          <a:noFill/>
+        </p:spPr>
+        <p:txBody>
+          <a:bodyPr wrap="square" rtlCol="0">
+            <a:spAutoFit/>
+          </a:bodyPr>
+          <a:lstStyle/>
+          <a:p>
+            <a:r>
+              <a:rPr lang="en-US" dirty="0">
+                <a:solidFill>
+                  <a:srgbClr val="4F4F4F"/>
+                </a:solidFill>
+                <a:latin typeface="Montserrat Black" panose="00000A00000000000000" pitchFamily="2" charset="0"/>
+              </a:rPr>
+              <a:t>Calibrated Data</a:t>
+            </a:r>
+          </a:p>
+        </p:txBody>
+      </p:sp>
+    </p:spTree>
+    <p:extLst>
+      <p:ext uri="{BB962C8B-B14F-4D97-AF65-F5344CB8AC3E}">
+        <p14:creationId xmlns:p14="http://schemas.microsoft.com/office/powerpoint/2010/main" val="2957508369"/>
+      </p:ext>
+    </p:extLst>
+  </p:cSld>
+  <p:clrMapOvr>
+    <a:masterClrMapping/>
+  </p:clrMapOvr>
+</p:sld>
+</file>
+
+<file path=ppt/slides/slide11.xml><?xml version="1.0" encoding="utf-8"?>
+<p:sld xmlns:a="http://schemas.openxmlformats.org/drawingml/2006/main" xmlns:r="http://schemas.openxmlformats.org/officeDocument/2006/relationships" xmlns:p="http://schemas.openxmlformats.org/presentationml/2006/main">
+  <p:cSld>
+    <p:spTree>
+      <p:nvGrpSpPr>
+        <p:cNvPr id="1" name=""/>
+        <p:cNvGrpSpPr/>
+        <p:nvPr/>
+      </p:nvGrpSpPr>
+      <p:grpSpPr>
+        <a:xfrm>
+          <a:off x="0" y="0"/>
+          <a:ext cx="0" cy="0"/>
+          <a:chOff x="0" y="0"/>
+          <a:chExt cx="0" cy="0"/>
+        </a:xfrm>
+      </p:grpSpPr>
+      <p:sp>
+        <p:nvSpPr>
+          <p:cNvPr id="2" name="Title 1">
+            <a:extLst>
+              <a:ext uri="{FF2B5EF4-FFF2-40B4-BE49-F238E27FC236}">
+                <a16:creationId xmlns:a16="http://schemas.microsoft.com/office/drawing/2014/main" id="{CB27A2B1-E2C3-49A5-8CC4-8404AB9E59E9}"/>
+              </a:ext>
+            </a:extLst>
+          </p:cNvPr>
+          <p:cNvSpPr>
+            <a:spLocks noGrp="1"/>
+          </p:cNvSpPr>
+          <p:nvPr>
+            <p:ph type="title"/>
+          </p:nvPr>
+        </p:nvSpPr>
+        <p:spPr/>
+        <p:txBody>
+          <a:bodyPr>
+            <a:normAutofit/>
+          </a:bodyPr>
+          <a:lstStyle/>
+          <a:p>
+            <a:r>
+              <a:rPr lang="en-US">
+                <a:solidFill>
+                  <a:srgbClr val="FFA161"/>
+                </a:solidFill>
+                <a:latin typeface="Montserrat Black" panose="00000A00000000000000" pitchFamily="2" charset="0"/>
+              </a:rPr>
+              <a:t>Future development </a:t>
+            </a:r>
+            <a:endParaRPr lang="en-US" dirty="0">
+              <a:solidFill>
+                <a:srgbClr val="FFA161"/>
+              </a:solidFill>
+              <a:latin typeface="Montserrat Black" panose="00000A00000000000000" pitchFamily="2" charset="0"/>
+            </a:endParaRPr>
+          </a:p>
+        </p:txBody>
+      </p:sp>
+      <p:sp>
+        <p:nvSpPr>
+          <p:cNvPr id="3" name="Content Placeholder 2">
+            <a:extLst>
+              <a:ext uri="{FF2B5EF4-FFF2-40B4-BE49-F238E27FC236}">
+                <a16:creationId xmlns:a16="http://schemas.microsoft.com/office/drawing/2014/main" id="{53D9E26B-0A4B-4BF1-A021-04068BC6C3F0}"/>
+              </a:ext>
+            </a:extLst>
+          </p:cNvPr>
+          <p:cNvSpPr>
+            <a:spLocks noGrp="1"/>
+          </p:cNvSpPr>
+          <p:nvPr>
+            <p:ph idx="1"/>
+          </p:nvPr>
+        </p:nvSpPr>
+        <p:spPr>
+          <a:xfrm>
+            <a:off x="838200" y="1825625"/>
+            <a:ext cx="5435600" cy="4351338"/>
+          </a:xfrm>
+        </p:spPr>
+        <p:txBody>
+          <a:bodyPr>
+            <a:normAutofit/>
+          </a:bodyPr>
+          <a:lstStyle/>
+          <a:p>
+            <a:r>
+              <a:rPr lang="en-US" dirty="0">
+                <a:solidFill>
+                  <a:schemeClr val="tx1">
+                    <a:lumMod val="65000"/>
+                    <a:lumOff val="35000"/>
+                  </a:schemeClr>
+                </a:solidFill>
+                <a:latin typeface="Montserrat" panose="00000500000000000000" pitchFamily="2" charset="0"/>
+              </a:rPr>
+              <a:t>Implementing Newtons Method for 12 variables.</a:t>
+            </a:r>
+          </a:p>
+          <a:p>
+            <a:pPr marL="0" indent="0">
+              <a:buNone/>
+            </a:pPr>
+            <a:endParaRPr lang="bg-BG" dirty="0">
+              <a:solidFill>
+                <a:schemeClr val="tx1">
+                  <a:lumMod val="65000"/>
+                  <a:lumOff val="35000"/>
+                </a:schemeClr>
+              </a:solidFill>
+              <a:latin typeface="Montserrat" panose="00000500000000000000" pitchFamily="2" charset="0"/>
+            </a:endParaRPr>
+          </a:p>
+          <a:p>
+            <a:r>
+              <a:rPr lang="en-US" dirty="0">
+                <a:solidFill>
+                  <a:schemeClr val="tx1">
+                    <a:lumMod val="65000"/>
+                    <a:lumOff val="35000"/>
+                  </a:schemeClr>
+                </a:solidFill>
+                <a:latin typeface="Montserrat" panose="00000500000000000000" pitchFamily="2" charset="0"/>
+              </a:rPr>
+              <a:t>Extracting and calibrating data from my own sensor.</a:t>
+            </a:r>
+            <a:endParaRPr lang="bg-BG" dirty="0">
+              <a:solidFill>
+                <a:schemeClr val="tx1">
+                  <a:lumMod val="65000"/>
+                  <a:lumOff val="35000"/>
+                </a:schemeClr>
+              </a:solidFill>
+              <a:latin typeface="Montserrat" panose="00000500000000000000" pitchFamily="2" charset="0"/>
+            </a:endParaRPr>
+          </a:p>
+          <a:p>
+            <a:pPr marL="0" indent="0">
+              <a:buNone/>
+            </a:pPr>
+            <a:endParaRPr lang="bg-BG" dirty="0">
+              <a:solidFill>
+                <a:schemeClr val="tx1">
+                  <a:lumMod val="65000"/>
+                  <a:lumOff val="35000"/>
+                </a:schemeClr>
+              </a:solidFill>
+              <a:latin typeface="Montserrat" panose="00000500000000000000" pitchFamily="2" charset="0"/>
+            </a:endParaRPr>
+          </a:p>
+          <a:p>
+            <a:r>
+              <a:rPr lang="en-US" dirty="0">
+                <a:solidFill>
+                  <a:schemeClr val="tx1">
+                    <a:lumMod val="65000"/>
+                    <a:lumOff val="35000"/>
+                  </a:schemeClr>
+                </a:solidFill>
+                <a:latin typeface="Montserrat" panose="00000500000000000000" pitchFamily="2" charset="0"/>
+              </a:rPr>
+              <a:t>Using my sensor on a robot for tracking position and acceleration.</a:t>
+            </a:r>
+          </a:p>
+        </p:txBody>
+      </p:sp>
+      <p:pic>
+        <p:nvPicPr>
+          <p:cNvPr id="5" name="Picture 4" descr="A picture containing table, hydrant, sitting, toy&#10;&#10;Description automatically generated">
+            <a:extLst>
+              <a:ext uri="{FF2B5EF4-FFF2-40B4-BE49-F238E27FC236}">
+                <a16:creationId xmlns:a16="http://schemas.microsoft.com/office/drawing/2014/main" id="{8E023DFD-EDED-4DD3-9378-F1EF47D9007E}"/>
+              </a:ext>
+            </a:extLst>
+          </p:cNvPr>
+          <p:cNvPicPr>
+            <a:picLocks noChangeAspect="1"/>
+          </p:cNvPicPr>
+          <p:nvPr/>
+        </p:nvPicPr>
+        <p:blipFill>
+          <a:blip r:embed="rId3">
+            <a:extLst>
+              <a:ext uri="{28A0092B-C50C-407E-A947-70E740481C1C}">
+                <a14:useLocalDpi xmlns:a14="http://schemas.microsoft.com/office/drawing/2010/main" val="0"/>
+              </a:ext>
+            </a:extLst>
+          </a:blip>
+          <a:stretch>
+            <a:fillRect/>
+          </a:stretch>
+        </p:blipFill>
+        <p:spPr>
+          <a:xfrm>
+            <a:off x="6630556" y="1453719"/>
+            <a:ext cx="4723244" cy="4723244"/>
+          </a:xfrm>
+          <a:prstGeom prst="rect">
+            <a:avLst/>
+          </a:prstGeom>
+        </p:spPr>
+      </p:pic>
+    </p:spTree>
+    <p:extLst>
+      <p:ext uri="{BB962C8B-B14F-4D97-AF65-F5344CB8AC3E}">
+        <p14:creationId xmlns:p14="http://schemas.microsoft.com/office/powerpoint/2010/main" val="3871061468"/>
+      </p:ext>
+    </p:extLst>
+  </p:cSld>
+  <p:clrMapOvr>
+    <a:masterClrMapping/>
+  </p:clrMapOvr>
+</p:sld>
+</file>
+
+<file path=ppt/slides/slide12.xml><?xml version="1.0" encoding="utf-8"?>
+<p:sld xmlns:a="http://schemas.openxmlformats.org/drawingml/2006/main" xmlns:r="http://schemas.openxmlformats.org/officeDocument/2006/relationships" xmlns:p="http://schemas.openxmlformats.org/presentationml/2006/main">
+  <p:cSld>
+    <p:spTree>
+      <p:nvGrpSpPr>
+        <p:cNvPr id="1" name=""/>
+        <p:cNvGrpSpPr/>
+        <p:nvPr/>
+      </p:nvGrpSpPr>
+      <p:grpSpPr>
+        <a:xfrm>
+          <a:off x="0" y="0"/>
+          <a:ext cx="0" cy="0"/>
+          <a:chOff x="0" y="0"/>
+          <a:chExt cx="0" cy="0"/>
+        </a:xfrm>
+      </p:grpSpPr>
       <p:sp>
         <p:nvSpPr>
           <p:cNvPr id="2" name="Title 1">
@@ -4914,20 +5749,14 @@
           <a:p>
             <a:pPr algn="ctr"/>
             <a:r>
-              <a:rPr lang="bg-BG" sz="7200" dirty="0">
+              <a:rPr lang="en-US" sz="7200" dirty="0">
                 <a:solidFill>
                   <a:srgbClr val="FFA161"/>
                 </a:solidFill>
                 <a:latin typeface="Montserrat Black" panose="00000A00000000000000" pitchFamily="2" charset="0"/>
               </a:rPr>
-              <a:t>Благодаря за вниманието!</a:t>
-            </a:r>
-            <a:endParaRPr lang="en-US" sz="7200" dirty="0">
-              <a:solidFill>
-                <a:srgbClr val="FFA161"/>
-              </a:solidFill>
-              <a:latin typeface="Montserrat Black" panose="00000A00000000000000" pitchFamily="2" charset="0"/>
-            </a:endParaRPr>
+              <a:t>Thank you for the attention!</a:t>
+            </a:r>
           </a:p>
         </p:txBody>
       </p:sp>
@@ -4944,7 +5773,7 @@
 </p:sld>
 </file>
 
-<file path=ppt/slides/slide11.xml><?xml version="1.0" encoding="utf-8"?>
+<file path=ppt/slides/slide13.xml><?xml version="1.0" encoding="utf-8"?>
 <p:sld xmlns:a="http://schemas.openxmlformats.org/drawingml/2006/main" xmlns:r="http://schemas.openxmlformats.org/officeDocument/2006/relationships" xmlns:p="http://schemas.openxmlformats.org/presentationml/2006/main" show="0">
   <p:cSld>
     <p:spTree>
@@ -5112,7 +5941,7 @@
           <a:lstStyle/>
           <a:p>
             <a:r>
-              <a:rPr lang="bg-BG" dirty="0">
+              <a:rPr lang="en-US" dirty="0">
                 <a:solidFill>
                   <a:schemeClr val="tx1">
                     <a:lumMod val="65000"/>
@@ -5121,19 +5950,7 @@
                 </a:solidFill>
                 <a:latin typeface="Montserrat SemiBold" panose="00000700000000000000" pitchFamily="2" charset="0"/>
               </a:rPr>
-              <a:t>Запознаване със различни </a:t>
-            </a:r>
-            <a:r>
-              <a:rPr lang="bg-BG" dirty="0" err="1">
-                <a:solidFill>
-                  <a:schemeClr val="tx1">
-                    <a:lumMod val="65000"/>
-                    <a:lumOff val="35000"/>
-                  </a:schemeClr>
-                </a:solidFill>
-                <a:latin typeface="Montserrat SemiBold" panose="00000700000000000000" pitchFamily="2" charset="0"/>
-              </a:rPr>
-              <a:t>Акселерометри</a:t>
+              <a:t>Introduction to accelerometers</a:t>
             </a:r>
             <a:endParaRPr lang="bg-BG" dirty="0">
               <a:solidFill>
@@ -5182,10 +5999,26 @@
                 </a:solidFill>
                 <a:latin typeface="Montserrat SemiBold" panose="00000700000000000000" pitchFamily="2" charset="0"/>
               </a:rPr>
-              <a:t>MEMS A</a:t>
-            </a:r>
-            <a:r>
-              <a:rPr lang="bg-BG" dirty="0" err="1">
+              <a:t>MEMS Accelerometers</a:t>
+            </a:r>
+          </a:p>
+          <a:p>
+            <a:pPr marL="0" indent="0">
+              <a:buNone/>
+            </a:pPr>
+            <a:endParaRPr lang="en-US" dirty="0">
+              <a:solidFill>
+                <a:schemeClr val="tx1">
+                  <a:lumMod val="65000"/>
+                  <a:lumOff val="35000"/>
+                </a:schemeClr>
+              </a:solidFill>
+              <a:latin typeface="Montserrat SemiBold" panose="00000700000000000000" pitchFamily="2" charset="0"/>
+            </a:endParaRPr>
+          </a:p>
+          <a:p>
+            <a:r>
+              <a:rPr lang="en-US" dirty="0">
                 <a:solidFill>
                   <a:schemeClr val="tx1">
                     <a:lumMod val="65000"/>
@@ -5194,7 +6027,7 @@
                 </a:solidFill>
                 <a:latin typeface="Montserrat SemiBold" panose="00000700000000000000" pitchFamily="2" charset="0"/>
               </a:rPr>
-              <a:t>кселерометри</a:t>
+              <a:t>Calibration Errors</a:t>
             </a:r>
             <a:endParaRPr lang="bg-BG" dirty="0">
               <a:solidFill>
@@ -5222,6 +6055,18 @@
           </a:p>
           <a:p>
             <a:r>
+              <a:rPr lang="en-US" dirty="0">
+                <a:solidFill>
+                  <a:schemeClr val="tx1">
+                    <a:lumMod val="65000"/>
+                    <a:lumOff val="35000"/>
+                  </a:schemeClr>
+                </a:solidFill>
+                <a:latin typeface="Montserrat SemiBold" panose="00000700000000000000" pitchFamily="2" charset="0"/>
+              </a:rPr>
+              <a:t>Solution</a:t>
+            </a:r>
+            <a:r>
               <a:rPr lang="bg-BG" dirty="0">
                 <a:solidFill>
                   <a:schemeClr val="tx1">
@@ -5231,7 +6076,7 @@
                 </a:solidFill>
                 <a:latin typeface="Montserrat SemiBold" panose="00000700000000000000" pitchFamily="2" charset="0"/>
               </a:rPr>
-              <a:t>Запознаване с проблема</a:t>
+              <a:t> </a:t>
             </a:r>
           </a:p>
           <a:p>
@@ -5250,7 +6095,7 @@
           </a:p>
           <a:p>
             <a:r>
-              <a:rPr lang="bg-BG" dirty="0">
+              <a:rPr lang="en-US" dirty="0">
                 <a:solidFill>
                   <a:schemeClr val="tx1">
                     <a:lumMod val="65000"/>
@@ -5259,45 +6104,8 @@
                 </a:solidFill>
                 <a:latin typeface="Montserrat SemiBold" panose="00000700000000000000" pitchFamily="2" charset="0"/>
               </a:rPr>
-              <a:t>Първоначално решение </a:t>
-            </a:r>
-          </a:p>
-          <a:p>
-            <a:pPr marL="0" indent="0">
-              <a:buNone/>
-            </a:pPr>
-            <a:endParaRPr lang="bg-BG" dirty="0">
-              <a:solidFill>
-                <a:schemeClr val="tx1">
-                  <a:lumMod val="65000"/>
-                  <a:lumOff val="35000"/>
-                </a:schemeClr>
-              </a:solidFill>
-              <a:latin typeface="Montserrat SemiBold" panose="00000700000000000000" pitchFamily="2" charset="0"/>
-            </a:endParaRPr>
-          </a:p>
-          <a:p>
-            <a:r>
-              <a:rPr lang="bg-BG" dirty="0">
-                <a:solidFill>
-                  <a:schemeClr val="tx1">
-                    <a:lumMod val="65000"/>
-                    <a:lumOff val="35000"/>
-                  </a:schemeClr>
-                </a:solidFill>
-                <a:latin typeface="Montserrat SemiBold" panose="00000700000000000000" pitchFamily="2" charset="0"/>
-              </a:rPr>
-              <a:t>Създаване на собствена функция за минимизация</a:t>
-            </a:r>
-            <a:endParaRPr lang="en-US" dirty="0">
-              <a:solidFill>
-                <a:schemeClr val="tx1">
-                  <a:lumMod val="65000"/>
-                  <a:lumOff val="35000"/>
-                </a:schemeClr>
-              </a:solidFill>
-              <a:latin typeface="Montserrat SemiBold" panose="00000700000000000000" pitchFamily="2" charset="0"/>
-            </a:endParaRPr>
+              <a:t>Future project development.</a:t>
+            </a:r>
           </a:p>
         </p:txBody>
       </p:sp>
@@ -5355,22 +6163,13 @@
           <a:lstStyle/>
           <a:p>
             <a:r>
-              <a:rPr lang="bg-BG" sz="4900" dirty="0">
+              <a:rPr lang="en-US" sz="4900" dirty="0">
                 <a:solidFill>
                   <a:srgbClr val="FFA161"/>
                 </a:solidFill>
                 <a:latin typeface="Montserrat Black" panose="00000A00000000000000" pitchFamily="2" charset="0"/>
               </a:rPr>
-              <a:t>Запознаване със различни </a:t>
-            </a:r>
-            <a:r>
-              <a:rPr lang="bg-BG" sz="4900" dirty="0" err="1">
-                <a:solidFill>
-                  <a:srgbClr val="FFA161"/>
-                </a:solidFill>
-                <a:latin typeface="Montserrat Black" panose="00000A00000000000000" pitchFamily="2" charset="0"/>
-              </a:rPr>
-              <a:t>Акселерометри</a:t>
+              <a:t>Introduction to accelerometers</a:t>
             </a:r>
             <a:br>
               <a:rPr lang="bg-BG" dirty="0">
@@ -5408,22 +6207,21 @@
         <p:spPr/>
         <p:txBody>
           <a:bodyPr>
-            <a:normAutofit/>
+            <a:normAutofit fontScale="85000" lnSpcReduction="20000"/>
           </a:bodyPr>
           <a:lstStyle/>
           <a:p>
             <a:r>
-              <a:rPr lang="bg-BG" sz="3600" dirty="0">
+              <a:rPr lang="en-US" sz="3600" dirty="0">
                 <a:solidFill>
-                  <a:schemeClr val="tx1">
-                    <a:lumMod val="65000"/>
-                    <a:lumOff val="35000"/>
-                  </a:schemeClr>
+                  <a:srgbClr val="FF8000"/>
                 </a:solidFill>
-                <a:latin typeface="Montserrat" panose="00000500000000000000" pitchFamily="2" charset="0"/>
+                <a:latin typeface="Montserrat SemiBold" panose="00000700000000000000" pitchFamily="2" charset="0"/>
               </a:rPr>
-              <a:t>Механични</a:t>
-            </a:r>
+              <a:t>MEMS</a:t>
+            </a:r>
+          </a:p>
+          <a:p>
             <a:endParaRPr lang="en-US" sz="3600" dirty="0">
               <a:solidFill>
                 <a:schemeClr val="tx1">
@@ -5433,6 +6231,48 @@
               </a:solidFill>
               <a:latin typeface="Montserrat" panose="00000500000000000000" pitchFamily="2" charset="0"/>
             </a:endParaRPr>
+          </a:p>
+          <a:p>
+            <a:r>
+              <a:rPr lang="en-US" sz="3600" dirty="0">
+                <a:solidFill>
+                  <a:schemeClr val="tx1">
+                    <a:lumMod val="65000"/>
+                    <a:lumOff val="35000"/>
+                  </a:schemeClr>
+                </a:solidFill>
+                <a:latin typeface="Montserrat" panose="00000500000000000000" pitchFamily="2" charset="0"/>
+              </a:rPr>
+              <a:t>Piezoelectric</a:t>
+            </a:r>
+          </a:p>
+          <a:p>
+            <a:pPr marL="0" indent="0">
+              <a:buNone/>
+            </a:pPr>
+            <a:endParaRPr lang="en-US" sz="3600" dirty="0">
+              <a:solidFill>
+                <a:schemeClr val="tx1">
+                  <a:lumMod val="65000"/>
+                  <a:lumOff val="35000"/>
+                </a:schemeClr>
+              </a:solidFill>
+              <a:latin typeface="Montserrat" panose="00000500000000000000" pitchFamily="2" charset="0"/>
+            </a:endParaRPr>
+          </a:p>
+          <a:p>
+            <a:r>
+              <a:rPr lang="en-US" sz="3600" dirty="0">
+                <a:solidFill>
+                  <a:schemeClr val="tx1">
+                    <a:lumMod val="65000"/>
+                    <a:lumOff val="35000"/>
+                  </a:schemeClr>
+                </a:solidFill>
+                <a:latin typeface="Montserrat" panose="00000500000000000000" pitchFamily="2" charset="0"/>
+              </a:rPr>
+              <a:t>Piezoresistive</a:t>
+            </a:r>
           </a:p>
           <a:p>
             <a:pPr marL="0" indent="0">
@@ -5459,10 +6299,13 @@
                 </a:solidFill>
                 <a:latin typeface="Montserrat" panose="00000500000000000000" pitchFamily="2" charset="0"/>
               </a:rPr>
-              <a:t>Solid State</a:t>
-            </a:r>
-          </a:p>
-          <a:p>
+              <a:t>Capacitive</a:t>
+            </a:r>
+          </a:p>
+          <a:p>
+            <a:pPr marL="0" indent="0">
+              <a:buNone/>
+            </a:pPr>
             <a:endParaRPr lang="bg-BG" sz="3600" dirty="0">
               <a:solidFill>
                 <a:schemeClr val="tx1">
@@ -5474,6 +6317,9 @@
             </a:endParaRPr>
           </a:p>
           <a:p>
+            <a:pPr marL="0" indent="0">
+              <a:buNone/>
+            </a:pPr>
             <a:r>
               <a:rPr lang="en-US" sz="3600" dirty="0">
                 <a:solidFill>
@@ -5484,7 +6330,7 @@
                 </a:solidFill>
                 <a:latin typeface="Montserrat" panose="00000500000000000000" pitchFamily="2" charset="0"/>
               </a:rPr>
-              <a:t>MEMS </a:t>
+              <a:t> </a:t>
             </a:r>
           </a:p>
         </p:txBody>
@@ -5633,13 +6479,13 @@
               <a:t> </a:t>
             </a:r>
             <a:r>
-              <a:rPr lang="bg-BG" dirty="0" err="1">
+              <a:rPr lang="en-US" dirty="0">
                 <a:solidFill>
                   <a:srgbClr val="FFA161"/>
                 </a:solidFill>
                 <a:latin typeface="Montserrat Black" panose="00000A00000000000000" pitchFamily="2" charset="0"/>
               </a:rPr>
-              <a:t>Акселерометри</a:t>
+              <a:t>Accelerometers</a:t>
             </a:r>
             <a:br>
               <a:rPr lang="bg-BG" dirty="0">
@@ -5688,8 +6534,8 @@
         </p:blipFill>
         <p:spPr>
           <a:xfrm>
-            <a:off x="5997424" y="1809583"/>
-            <a:ext cx="4688941" cy="4351338"/>
+            <a:off x="1458001" y="1149617"/>
+            <a:ext cx="5762776" cy="5347857"/>
           </a:xfrm>
         </p:spPr>
       </p:pic>
@@ -5721,8 +6567,8 @@
         </p:blipFill>
         <p:spPr>
           <a:xfrm>
-            <a:off x="1505635" y="1600033"/>
-            <a:ext cx="2805113" cy="4986868"/>
+            <a:off x="8363635" y="680315"/>
+            <a:ext cx="3269565" cy="5812560"/>
           </a:xfrm>
           <a:prstGeom prst="rect">
             <a:avLst/>
@@ -5777,32 +6623,20 @@
         </p:nvSpPr>
         <p:spPr/>
         <p:txBody>
-          <a:bodyPr/>
+          <a:bodyPr>
+            <a:normAutofit/>
+          </a:bodyPr>
           <a:lstStyle/>
           <a:p>
             <a:r>
-              <a:rPr lang="bg-BG" dirty="0">
+              <a:rPr lang="en-US" dirty="0">
                 <a:solidFill>
                   <a:srgbClr val="FFA161"/>
                 </a:solidFill>
                 <a:latin typeface="Montserrat Black" panose="00000A00000000000000" pitchFamily="2" charset="0"/>
               </a:rPr>
-              <a:t>Запознаване с проблема</a:t>
-            </a:r>
-            <a:br>
-              <a:rPr lang="bg-BG" dirty="0">
-                <a:solidFill>
-                  <a:srgbClr val="FFA161"/>
-                </a:solidFill>
-                <a:latin typeface="Montserrat Black" panose="00000A00000000000000" pitchFamily="2" charset="0"/>
-              </a:rPr>
-            </a:br>
-            <a:endParaRPr lang="en-US" dirty="0">
-              <a:solidFill>
-                <a:srgbClr val="FFA161"/>
-              </a:solidFill>
-              <a:latin typeface="Montserrat Black" panose="00000A00000000000000" pitchFamily="2" charset="0"/>
-            </a:endParaRPr>
+              <a:t>Calibration Errors 	</a:t>
+            </a:r>
           </a:p>
         </p:txBody>
       </p:sp>
@@ -5825,17 +6659,14 @@
         <p:spPr/>
         <p:txBody>
           <a:bodyPr>
-            <a:normAutofit fontScale="92500"/>
+            <a:normAutofit fontScale="85000" lnSpcReduction="20000"/>
           </a:bodyPr>
           <a:lstStyle/>
           <a:p>
             <a:r>
               <a:rPr lang="en-US" dirty="0">
                 <a:solidFill>
-                  <a:schemeClr val="tx1">
-                    <a:lumMod val="65000"/>
-                    <a:lumOff val="35000"/>
-                  </a:schemeClr>
+                  <a:srgbClr val="FF8000"/>
                 </a:solidFill>
                 <a:latin typeface="Montserrat" panose="00000500000000000000" pitchFamily="2" charset="0"/>
               </a:rPr>
@@ -5843,10 +6674,7 @@
             </a:r>
             <a:endParaRPr lang="bg-BG" dirty="0">
               <a:solidFill>
-                <a:schemeClr val="tx1">
-                  <a:lumMod val="65000"/>
-                  <a:lumOff val="35000"/>
-                </a:schemeClr>
+                <a:srgbClr val="FF8000"/>
               </a:solidFill>
               <a:latin typeface="Montserrat" panose="00000500000000000000" pitchFamily="2" charset="0"/>
             </a:endParaRPr>
@@ -5857,10 +6685,7 @@
             </a:pPr>
             <a:endParaRPr lang="bg-BG" dirty="0">
               <a:solidFill>
-                <a:schemeClr val="tx1">
-                  <a:lumMod val="65000"/>
-                  <a:lumOff val="35000"/>
-                </a:schemeClr>
+                <a:srgbClr val="FF8000"/>
               </a:solidFill>
               <a:latin typeface="Montserrat" panose="00000500000000000000" pitchFamily="2" charset="0"/>
             </a:endParaRPr>
@@ -5869,14 +6694,33 @@
             <a:r>
               <a:rPr lang="en-US" dirty="0">
                 <a:solidFill>
-                  <a:schemeClr val="tx1">
-                    <a:lumMod val="65000"/>
-                    <a:lumOff val="35000"/>
-                  </a:schemeClr>
+                  <a:srgbClr val="FF8000"/>
                 </a:solidFill>
                 <a:latin typeface="Montserrat" panose="00000500000000000000" pitchFamily="2" charset="0"/>
               </a:rPr>
-              <a:t>Calibration Errors</a:t>
+              <a:t>Scaling Errors</a:t>
+            </a:r>
+          </a:p>
+          <a:p>
+            <a:pPr marL="0" indent="0">
+              <a:buNone/>
+            </a:pPr>
+            <a:endParaRPr lang="en-US" dirty="0">
+              <a:solidFill>
+                <a:srgbClr val="FF8000"/>
+              </a:solidFill>
+              <a:latin typeface="Montserrat" panose="00000500000000000000" pitchFamily="2" charset="0"/>
+            </a:endParaRPr>
+          </a:p>
+          <a:p>
+            <a:r>
+              <a:rPr lang="en-US" dirty="0">
+                <a:solidFill>
+                  <a:srgbClr val="FF8000"/>
+                </a:solidFill>
+                <a:latin typeface="Montserrat" panose="00000500000000000000" pitchFamily="2" charset="0"/>
+              </a:rPr>
+              <a:t> Errors due to the non-orthogonality of the axes</a:t>
             </a:r>
           </a:p>
           <a:p>
@@ -6023,144 +6867,86 @@
           <a:lstStyle/>
           <a:p>
             <a:r>
-              <a:rPr lang="bg-BG" b="1" dirty="0">
+              <a:rPr lang="en-US" b="1" dirty="0">
                 <a:solidFill>
                   <a:srgbClr val="FFA161"/>
                 </a:solidFill>
                 <a:latin typeface="Montserrat Black" panose="00000A00000000000000" pitchFamily="2" charset="0"/>
               </a:rPr>
-              <a:t>Какво очакваме от сензора?</a:t>
-            </a:r>
-            <a:endParaRPr lang="en-US" b="1" dirty="0">
-              <a:solidFill>
-                <a:srgbClr val="FFA161"/>
-              </a:solidFill>
-              <a:latin typeface="Montserrat Black" panose="00000A00000000000000" pitchFamily="2" charset="0"/>
-            </a:endParaRPr>
+              <a:t>What do we expect from the sensor?</a:t>
+            </a:r>
           </a:p>
         </p:txBody>
       </p:sp>
-      <p:sp>
-        <p:nvSpPr>
-          <p:cNvPr id="3" name="Content Placeholder 2">
+      <p:pic>
+        <p:nvPicPr>
+          <p:cNvPr id="5" name="Content Placeholder 4" descr="A screenshot of a cell phone&#10;&#10;Description automatically generated">
             <a:extLst>
               <a:ext uri="{FF2B5EF4-FFF2-40B4-BE49-F238E27FC236}">
-                <a16:creationId xmlns:a16="http://schemas.microsoft.com/office/drawing/2014/main" id="{6E02FB2D-3CF0-4105-9517-38549AE8B5BC}"/>
+                <a16:creationId xmlns:a16="http://schemas.microsoft.com/office/drawing/2014/main" id="{34CBB1B3-8FD1-4ECE-98AF-6B9B7F84CB82}"/>
               </a:ext>
             </a:extLst>
           </p:cNvPr>
-          <p:cNvSpPr>
-            <a:spLocks noGrp="1"/>
-          </p:cNvSpPr>
+          <p:cNvPicPr>
+            <a:picLocks noGrp="1" noChangeAspect="1"/>
+          </p:cNvPicPr>
           <p:nvPr>
             <p:ph idx="1"/>
           </p:nvPr>
-        </p:nvSpPr>
-        <p:spPr/>
-        <p:txBody>
-          <a:bodyPr/>
-          <a:lstStyle/>
-          <a:p>
-            <a:r>
-              <a:rPr lang="bg-BG" dirty="0">
-                <a:solidFill>
-                  <a:schemeClr val="tx1">
-                    <a:lumMod val="65000"/>
-                    <a:lumOff val="35000"/>
-                  </a:schemeClr>
-                </a:solidFill>
-                <a:latin typeface="Montserrat" panose="00000500000000000000" pitchFamily="2" charset="0"/>
-              </a:rPr>
-              <a:t>Когато е не неподвижен и поставен хоризонтално спрямо</a:t>
-            </a:r>
-            <a:r>
-              <a:rPr lang="en-US" dirty="0">
-                <a:solidFill>
-                  <a:schemeClr val="tx1">
-                    <a:lumMod val="65000"/>
-                    <a:lumOff val="35000"/>
-                  </a:schemeClr>
-                </a:solidFill>
-                <a:latin typeface="Montserrat" panose="00000500000000000000" pitchFamily="2" charset="0"/>
-              </a:rPr>
-              <a:t> XY </a:t>
-            </a:r>
-            <a:r>
-              <a:rPr lang="bg-BG" dirty="0">
-                <a:solidFill>
-                  <a:schemeClr val="tx1">
-                    <a:lumMod val="65000"/>
-                    <a:lumOff val="35000"/>
-                  </a:schemeClr>
-                </a:solidFill>
-                <a:latin typeface="Montserrat" panose="00000500000000000000" pitchFamily="2" charset="0"/>
-              </a:rPr>
-              <a:t>равнината да дава измерване  (</a:t>
-            </a:r>
-            <a:r>
-              <a:rPr lang="en-US" dirty="0">
-                <a:solidFill>
-                  <a:schemeClr val="tx1">
-                    <a:lumMod val="65000"/>
-                    <a:lumOff val="35000"/>
-                  </a:schemeClr>
-                </a:solidFill>
-                <a:latin typeface="Montserrat" panose="00000500000000000000" pitchFamily="2" charset="0"/>
-              </a:rPr>
-              <a:t>X,Y,Z</a:t>
-            </a:r>
-            <a:r>
-              <a:rPr lang="bg-BG" dirty="0">
-                <a:solidFill>
-                  <a:schemeClr val="tx1">
-                    <a:lumMod val="65000"/>
-                    <a:lumOff val="35000"/>
-                  </a:schemeClr>
-                </a:solidFill>
-                <a:latin typeface="Montserrat" panose="00000500000000000000" pitchFamily="2" charset="0"/>
-              </a:rPr>
-              <a:t>)=(0,0,9.8)</a:t>
-            </a:r>
-          </a:p>
-          <a:p>
-            <a:endParaRPr lang="bg-BG" dirty="0">
-              <a:solidFill>
-                <a:schemeClr val="tx1">
-                  <a:lumMod val="65000"/>
-                  <a:lumOff val="35000"/>
-                </a:schemeClr>
-              </a:solidFill>
-              <a:latin typeface="Montserrat" panose="00000500000000000000" pitchFamily="2" charset="0"/>
-            </a:endParaRPr>
-          </a:p>
-          <a:p>
-            <a:r>
-              <a:rPr lang="bg-BG" dirty="0">
-                <a:solidFill>
-                  <a:schemeClr val="tx1">
-                    <a:lumMod val="65000"/>
-                    <a:lumOff val="35000"/>
-                  </a:schemeClr>
-                </a:solidFill>
-                <a:latin typeface="Montserrat" panose="00000500000000000000" pitchFamily="2" charset="0"/>
-              </a:rPr>
-              <a:t>Това означава, че трябва а обработим суровите данни които идват от сензора.</a:t>
-            </a:r>
-            <a:endParaRPr lang="en-US" dirty="0">
-              <a:solidFill>
-                <a:schemeClr val="tx1">
-                  <a:lumMod val="65000"/>
-                  <a:lumOff val="35000"/>
-                </a:schemeClr>
-              </a:solidFill>
-              <a:latin typeface="Montserrat" panose="00000500000000000000" pitchFamily="2" charset="0"/>
-            </a:endParaRPr>
-          </a:p>
-          <a:p>
-            <a:endParaRPr lang="en-US" dirty="0"/>
-          </a:p>
-        </p:txBody>
-      </p:sp>
+        </p:nvPicPr>
+        <p:blipFill rotWithShape="1">
+          <a:blip r:embed="rId3">
+            <a:extLst>
+              <a:ext uri="{28A0092B-C50C-407E-A947-70E740481C1C}">
+                <a14:useLocalDpi xmlns:a14="http://schemas.microsoft.com/office/drawing/2010/main" val="0"/>
+              </a:ext>
+            </a:extLst>
+          </a:blip>
+          <a:srcRect r="56966"/>
+          <a:stretch/>
+        </p:blipFill>
+        <p:spPr>
+          <a:xfrm>
+            <a:off x="3800005" y="1690688"/>
+            <a:ext cx="4591989" cy="1829571"/>
+          </a:xfrm>
+        </p:spPr>
+      </p:pic>
+      <p:pic>
+        <p:nvPicPr>
+          <p:cNvPr id="7" name="Picture 6" descr="A screenshot of a cell phone&#10;&#10;Description automatically generated">
+            <a:extLst>
+              <a:ext uri="{FF2B5EF4-FFF2-40B4-BE49-F238E27FC236}">
+                <a16:creationId xmlns:a16="http://schemas.microsoft.com/office/drawing/2014/main" id="{A17694C6-A209-4C1E-A9E8-CF991B3F17D8}"/>
+              </a:ext>
+            </a:extLst>
+          </p:cNvPr>
+          <p:cNvPicPr>
+            <a:picLocks noChangeAspect="1"/>
+          </p:cNvPicPr>
+          <p:nvPr/>
+        </p:nvPicPr>
+        <p:blipFill rotWithShape="1">
+          <a:blip r:embed="rId4">
+            <a:extLst>
+              <a:ext uri="{28A0092B-C50C-407E-A947-70E740481C1C}">
+                <a14:useLocalDpi xmlns:a14="http://schemas.microsoft.com/office/drawing/2010/main" val="0"/>
+              </a:ext>
+            </a:extLst>
+          </a:blip>
+          <a:srcRect r="58540"/>
+          <a:stretch/>
+        </p:blipFill>
+        <p:spPr>
+          <a:xfrm>
+            <a:off x="4148712" y="3911394"/>
+            <a:ext cx="3894574" cy="2239624"/>
+          </a:xfrm>
+          <a:prstGeom prst="rect">
+            <a:avLst/>
+          </a:prstGeom>
+        </p:spPr>
+      </p:pic>
     </p:spTree>
     <p:extLst>
       <p:ext uri="{BB962C8B-B14F-4D97-AF65-F5344CB8AC3E}">
@@ -6207,26 +6993,25 @@
             <p:ph type="title"/>
           </p:nvPr>
         </p:nvSpPr>
-        <p:spPr/>
+        <p:spPr>
+          <a:xfrm>
+            <a:off x="838200" y="0"/>
+            <a:ext cx="10515600" cy="1325563"/>
+          </a:xfrm>
+        </p:spPr>
         <p:txBody>
           <a:bodyPr/>
           <a:lstStyle/>
           <a:p>
             <a:r>
-              <a:rPr lang="bg-BG" b="1" dirty="0">
+              <a:rPr lang="en-US" b="1" dirty="0">
                 <a:solidFill>
                   <a:srgbClr val="FFA161"/>
                 </a:solidFill>
                 <a:latin typeface="Montserrat Black" panose="00000A00000000000000" pitchFamily="2" charset="0"/>
               </a:rPr>
-              <a:t>Как се калибрират данните?</a:t>
-            </a:r>
-            <a:endParaRPr lang="en-US" b="1" dirty="0">
-              <a:solidFill>
-                <a:srgbClr val="FFA161"/>
-              </a:solidFill>
-              <a:latin typeface="Montserrat Black" panose="00000A00000000000000" pitchFamily="2" charset="0"/>
-            </a:endParaRPr>
+              <a:t>Details about data calibration</a:t>
+            </a:r>
           </a:p>
         </p:txBody>
       </p:sp>
@@ -6250,13 +7035,13 @@
             </p:nvSpPr>
             <p:spPr>
               <a:xfrm>
-                <a:off x="247651" y="1825625"/>
-                <a:ext cx="11858624" cy="4351338"/>
+                <a:off x="0" y="1346200"/>
+                <a:ext cx="12106275" cy="5001846"/>
               </a:xfrm>
             </p:spPr>
             <p:txBody>
               <a:bodyPr>
-                <a:normAutofit fontScale="92500" lnSpcReduction="20000"/>
+                <a:normAutofit/>
               </a:bodyPr>
               <a:lstStyle/>
               <a:p>
@@ -6265,7 +7050,7 @@
                     <m:d>
                       <m:dPr>
                         <m:ctrlPr>
-                          <a:rPr lang="en-US" i="1" smtClean="0">
+                          <a:rPr lang="en-US" sz="2200" i="1" smtClean="0">
                             <a:solidFill>
                               <a:schemeClr val="tx1">
                                 <a:lumMod val="65000"/>
@@ -6288,7 +7073,7 @@
                               </m:mc>
                             </m:mcs>
                             <m:ctrlPr>
-                              <a:rPr lang="en-US" i="1">
+                              <a:rPr lang="en-US" sz="2200" i="1">
                                 <a:solidFill>
                                   <a:schemeClr val="tx1">
                                     <a:lumMod val="65000"/>
@@ -6305,7 +7090,7 @@
                                 <m:rPr>
                                   <m:brk m:alnAt="7"/>
                                 </m:rPr>
-                                <a:rPr lang="en-US" i="1">
+                                <a:rPr lang="en-US" sz="2200" i="1">
                                   <a:solidFill>
                                     <a:schemeClr val="tx1">
                                       <a:lumMod val="65000"/>
@@ -6321,7 +7106,7 @@
                           <m:mr>
                             <m:e>
                               <m:r>
-                                <a:rPr lang="en-US" i="1">
+                                <a:rPr lang="en-US" sz="2200" i="1">
                                   <a:solidFill>
                                     <a:schemeClr val="tx1">
                                       <a:lumMod val="65000"/>
@@ -6337,7 +7122,7 @@
                           <m:mr>
                             <m:e>
                               <m:r>
-                                <a:rPr lang="en-US" i="1">
+                                <a:rPr lang="en-US" sz="2200" i="1">
                                   <a:solidFill>
                                     <a:schemeClr val="tx1">
                                       <a:lumMod val="65000"/>
@@ -6354,7 +7139,7 @@
                       </m:e>
                     </m:d>
                     <m:r>
-                      <a:rPr lang="en-US" i="1">
+                      <a:rPr lang="en-US" sz="2200" i="1">
                         <a:solidFill>
                           <a:schemeClr val="tx1">
                             <a:lumMod val="65000"/>
@@ -6363,24 +7148,20 @@
                         </a:solidFill>
                         <a:latin typeface="Cambria Math" panose="02040503050406030204" pitchFamily="18" charset="0"/>
                       </a:rPr>
-                      <m:t> </m:t>
+                      <m:t> =</m:t>
                     </m:r>
-                    <m:r>
-                      <a:rPr lang="en-US" i="1">
-                        <a:solidFill>
-                          <a:schemeClr val="tx1">
-                            <a:lumMod val="65000"/>
-                            <a:lumOff val="35000"/>
-                          </a:schemeClr>
-                        </a:solidFill>
-                        <a:latin typeface="Cambria Math" panose="02040503050406030204" pitchFamily="18" charset="0"/>
-                      </a:rPr>
-                      <m:t>=</m:t>
-                    </m:r>
-                    <m:d>
-                      <m:dPr>
+                    <m:m>
+                      <m:mPr>
+                        <m:mcs>
+                          <m:mc>
+                            <m:mcPr>
+                              <m:count m:val="1"/>
+                              <m:mcJc m:val="center"/>
+                            </m:mcPr>
+                          </m:mc>
+                        </m:mcs>
                         <m:ctrlPr>
-                          <a:rPr lang="en-US" i="1">
+                          <a:rPr lang="en-US" sz="2200" i="1" smtClean="0">
                             <a:solidFill>
                               <a:schemeClr val="tx1">
                                 <a:lumMod val="65000"/>
@@ -6390,36 +7171,29 @@
                             <a:latin typeface="Cambria Math" panose="02040503050406030204" pitchFamily="18" charset="0"/>
                           </a:rPr>
                         </m:ctrlPr>
-                      </m:dPr>
-                      <m:e>
-                        <m:m>
-                          <m:mPr>
-                            <m:mcs>
-                              <m:mc>
-                                <m:mcPr>
-                                  <m:count m:val="3"/>
-                                  <m:mcJc m:val="center"/>
-                                </m:mcPr>
-                              </m:mc>
-                            </m:mcs>
-                            <m:ctrlPr>
-                              <a:rPr lang="en-US" i="1">
-                                <a:solidFill>
-                                  <a:schemeClr val="tx1">
-                                    <a:lumMod val="65000"/>
-                                    <a:lumOff val="35000"/>
-                                  </a:schemeClr>
-                                </a:solidFill>
-                                <a:latin typeface="Cambria Math" panose="02040503050406030204" pitchFamily="18" charset="0"/>
-                              </a:rPr>
-                            </m:ctrlPr>
-                          </m:mPr>
-                          <m:mr>
+                      </m:mPr>
+                      <m:mr>
+                        <m:e>
+                          <m:groupChr>
+                            <m:groupChrPr>
+                              <m:chr m:val="⏟"/>
+                              <m:ctrlPr>
+                                <a:rPr lang="en-US" sz="2200" i="1" smtClean="0">
+                                  <a:solidFill>
+                                    <a:schemeClr val="tx1">
+                                      <a:lumMod val="65000"/>
+                                      <a:lumOff val="35000"/>
+                                    </a:schemeClr>
+                                  </a:solidFill>
+                                  <a:latin typeface="Cambria Math" panose="02040503050406030204" pitchFamily="18" charset="0"/>
+                                </a:rPr>
+                              </m:ctrlPr>
+                            </m:groupChrPr>
                             <m:e>
-                              <m:sSub>
-                                <m:sSubPr>
+                              <m:d>
+                                <m:dPr>
                                   <m:ctrlPr>
-                                    <a:rPr lang="en-US" i="1">
+                                    <a:rPr lang="en-US" sz="2200" i="1" smtClean="0">
                                       <a:solidFill>
                                         <a:schemeClr val="tx1">
                                           <a:lumMod val="65000"/>
@@ -6429,407 +7203,467 @@
                                       <a:latin typeface="Cambria Math" panose="02040503050406030204" pitchFamily="18" charset="0"/>
                                     </a:rPr>
                                   </m:ctrlPr>
-                                </m:sSubPr>
+                                </m:dPr>
                                 <m:e>
-                                  <m:r>
-                                    <a:rPr lang="en-US" i="1">
-                                      <a:solidFill>
-                                        <a:schemeClr val="tx1">
-                                          <a:lumMod val="65000"/>
-                                          <a:lumOff val="35000"/>
-                                        </a:schemeClr>
-                                      </a:solidFill>
-                                      <a:latin typeface="Cambria Math" panose="02040503050406030204" pitchFamily="18" charset="0"/>
-                                    </a:rPr>
-                                    <m:t>𝑀</m:t>
-                                  </m:r>
+                                  <m:m>
+                                    <m:mPr>
+                                      <m:mcs>
+                                        <m:mc>
+                                          <m:mcPr>
+                                            <m:count m:val="3"/>
+                                            <m:mcJc m:val="center"/>
+                                          </m:mcPr>
+                                        </m:mc>
+                                      </m:mcs>
+                                      <m:ctrlPr>
+                                        <a:rPr lang="en-US" sz="2200" i="1">
+                                          <a:solidFill>
+                                            <a:schemeClr val="tx1">
+                                              <a:lumMod val="65000"/>
+                                              <a:lumOff val="35000"/>
+                                            </a:schemeClr>
+                                          </a:solidFill>
+                                          <a:latin typeface="Cambria Math" panose="02040503050406030204" pitchFamily="18" charset="0"/>
+                                        </a:rPr>
+                                      </m:ctrlPr>
+                                    </m:mPr>
+                                    <m:mr>
+                                      <m:e>
+                                        <m:sSub>
+                                          <m:sSubPr>
+                                            <m:ctrlPr>
+                                              <a:rPr lang="en-US" sz="2200" i="1">
+                                                <a:solidFill>
+                                                  <a:schemeClr val="tx1">
+                                                    <a:lumMod val="65000"/>
+                                                    <a:lumOff val="35000"/>
+                                                  </a:schemeClr>
+                                                </a:solidFill>
+                                                <a:latin typeface="Cambria Math" panose="02040503050406030204" pitchFamily="18" charset="0"/>
+                                              </a:rPr>
+                                            </m:ctrlPr>
+                                          </m:sSubPr>
+                                          <m:e>
+                                            <m:r>
+                                              <a:rPr lang="en-US" sz="2200" i="1">
+                                                <a:solidFill>
+                                                  <a:schemeClr val="tx1">
+                                                    <a:lumMod val="65000"/>
+                                                    <a:lumOff val="35000"/>
+                                                  </a:schemeClr>
+                                                </a:solidFill>
+                                                <a:latin typeface="Cambria Math" panose="02040503050406030204" pitchFamily="18" charset="0"/>
+                                              </a:rPr>
+                                              <m:t>𝑀</m:t>
+                                            </m:r>
+                                          </m:e>
+                                          <m:sub>
+                                            <m:r>
+                                              <a:rPr lang="en-US" sz="2200" i="1">
+                                                <a:solidFill>
+                                                  <a:schemeClr val="tx1">
+                                                    <a:lumMod val="65000"/>
+                                                    <a:lumOff val="35000"/>
+                                                  </a:schemeClr>
+                                                </a:solidFill>
+                                                <a:latin typeface="Cambria Math" panose="02040503050406030204" pitchFamily="18" charset="0"/>
+                                              </a:rPr>
+                                              <m:t>𝑥𝑥</m:t>
+                                            </m:r>
+                                          </m:sub>
+                                        </m:sSub>
+                                      </m:e>
+                                      <m:e>
+                                        <m:sSub>
+                                          <m:sSubPr>
+                                            <m:ctrlPr>
+                                              <a:rPr lang="en-US" sz="2200" i="1">
+                                                <a:solidFill>
+                                                  <a:schemeClr val="tx1">
+                                                    <a:lumMod val="65000"/>
+                                                    <a:lumOff val="35000"/>
+                                                  </a:schemeClr>
+                                                </a:solidFill>
+                                                <a:latin typeface="Cambria Math" panose="02040503050406030204" pitchFamily="18" charset="0"/>
+                                              </a:rPr>
+                                            </m:ctrlPr>
+                                          </m:sSubPr>
+                                          <m:e>
+                                            <m:r>
+                                              <a:rPr lang="en-US" sz="2200" i="1">
+                                                <a:solidFill>
+                                                  <a:schemeClr val="tx1">
+                                                    <a:lumMod val="65000"/>
+                                                    <a:lumOff val="35000"/>
+                                                  </a:schemeClr>
+                                                </a:solidFill>
+                                                <a:latin typeface="Cambria Math" panose="02040503050406030204" pitchFamily="18" charset="0"/>
+                                              </a:rPr>
+                                              <m:t>𝑀</m:t>
+                                            </m:r>
+                                          </m:e>
+                                          <m:sub>
+                                            <m:r>
+                                              <a:rPr lang="en-US" sz="2200" i="1">
+                                                <a:solidFill>
+                                                  <a:schemeClr val="tx1">
+                                                    <a:lumMod val="65000"/>
+                                                    <a:lumOff val="35000"/>
+                                                  </a:schemeClr>
+                                                </a:solidFill>
+                                                <a:latin typeface="Cambria Math" panose="02040503050406030204" pitchFamily="18" charset="0"/>
+                                              </a:rPr>
+                                              <m:t>𝑥𝑦</m:t>
+                                            </m:r>
+                                          </m:sub>
+                                        </m:sSub>
+                                      </m:e>
+                                      <m:e>
+                                        <m:sSub>
+                                          <m:sSubPr>
+                                            <m:ctrlPr>
+                                              <a:rPr lang="en-US" sz="2200" i="1">
+                                                <a:solidFill>
+                                                  <a:schemeClr val="tx1">
+                                                    <a:lumMod val="65000"/>
+                                                    <a:lumOff val="35000"/>
+                                                  </a:schemeClr>
+                                                </a:solidFill>
+                                                <a:latin typeface="Cambria Math" panose="02040503050406030204" pitchFamily="18" charset="0"/>
+                                              </a:rPr>
+                                            </m:ctrlPr>
+                                          </m:sSubPr>
+                                          <m:e>
+                                            <m:r>
+                                              <a:rPr lang="en-US" sz="2200" i="1">
+                                                <a:solidFill>
+                                                  <a:schemeClr val="tx1">
+                                                    <a:lumMod val="65000"/>
+                                                    <a:lumOff val="35000"/>
+                                                  </a:schemeClr>
+                                                </a:solidFill>
+                                                <a:latin typeface="Cambria Math" panose="02040503050406030204" pitchFamily="18" charset="0"/>
+                                              </a:rPr>
+                                              <m:t>𝑀</m:t>
+                                            </m:r>
+                                          </m:e>
+                                          <m:sub>
+                                            <m:r>
+                                              <a:rPr lang="en-US" sz="2200" i="1">
+                                                <a:solidFill>
+                                                  <a:schemeClr val="tx1">
+                                                    <a:lumMod val="65000"/>
+                                                    <a:lumOff val="35000"/>
+                                                  </a:schemeClr>
+                                                </a:solidFill>
+                                                <a:latin typeface="Cambria Math" panose="02040503050406030204" pitchFamily="18" charset="0"/>
+                                              </a:rPr>
+                                              <m:t>𝑥𝑧</m:t>
+                                            </m:r>
+                                          </m:sub>
+                                        </m:sSub>
+                                      </m:e>
+                                    </m:mr>
+                                    <m:mr>
+                                      <m:e>
+                                        <m:sSub>
+                                          <m:sSubPr>
+                                            <m:ctrlPr>
+                                              <a:rPr lang="en-US" sz="2200" i="1">
+                                                <a:solidFill>
+                                                  <a:schemeClr val="tx1">
+                                                    <a:lumMod val="65000"/>
+                                                    <a:lumOff val="35000"/>
+                                                  </a:schemeClr>
+                                                </a:solidFill>
+                                                <a:latin typeface="Cambria Math" panose="02040503050406030204" pitchFamily="18" charset="0"/>
+                                              </a:rPr>
+                                            </m:ctrlPr>
+                                          </m:sSubPr>
+                                          <m:e>
+                                            <m:r>
+                                              <a:rPr lang="en-US" sz="2200" i="1">
+                                                <a:solidFill>
+                                                  <a:schemeClr val="tx1">
+                                                    <a:lumMod val="65000"/>
+                                                    <a:lumOff val="35000"/>
+                                                  </a:schemeClr>
+                                                </a:solidFill>
+                                                <a:latin typeface="Cambria Math" panose="02040503050406030204" pitchFamily="18" charset="0"/>
+                                              </a:rPr>
+                                              <m:t>𝑀</m:t>
+                                            </m:r>
+                                          </m:e>
+                                          <m:sub>
+                                            <m:r>
+                                              <a:rPr lang="en-US" sz="2200" i="1">
+                                                <a:solidFill>
+                                                  <a:schemeClr val="tx1">
+                                                    <a:lumMod val="65000"/>
+                                                    <a:lumOff val="35000"/>
+                                                  </a:schemeClr>
+                                                </a:solidFill>
+                                                <a:latin typeface="Cambria Math" panose="02040503050406030204" pitchFamily="18" charset="0"/>
+                                              </a:rPr>
+                                              <m:t>𝑦𝑥</m:t>
+                                            </m:r>
+                                          </m:sub>
+                                        </m:sSub>
+                                      </m:e>
+                                      <m:e>
+                                        <m:sSub>
+                                          <m:sSubPr>
+                                            <m:ctrlPr>
+                                              <a:rPr lang="en-US" sz="2200" i="1">
+                                                <a:solidFill>
+                                                  <a:schemeClr val="tx1">
+                                                    <a:lumMod val="65000"/>
+                                                    <a:lumOff val="35000"/>
+                                                  </a:schemeClr>
+                                                </a:solidFill>
+                                                <a:latin typeface="Cambria Math" panose="02040503050406030204" pitchFamily="18" charset="0"/>
+                                              </a:rPr>
+                                            </m:ctrlPr>
+                                          </m:sSubPr>
+                                          <m:e>
+                                            <m:r>
+                                              <a:rPr lang="en-US" sz="2200" i="1">
+                                                <a:solidFill>
+                                                  <a:schemeClr val="tx1">
+                                                    <a:lumMod val="65000"/>
+                                                    <a:lumOff val="35000"/>
+                                                  </a:schemeClr>
+                                                </a:solidFill>
+                                                <a:latin typeface="Cambria Math" panose="02040503050406030204" pitchFamily="18" charset="0"/>
+                                              </a:rPr>
+                                              <m:t>𝑀</m:t>
+                                            </m:r>
+                                          </m:e>
+                                          <m:sub>
+                                            <m:r>
+                                              <a:rPr lang="en-US" sz="2200" i="1">
+                                                <a:solidFill>
+                                                  <a:schemeClr val="tx1">
+                                                    <a:lumMod val="65000"/>
+                                                    <a:lumOff val="35000"/>
+                                                  </a:schemeClr>
+                                                </a:solidFill>
+                                                <a:latin typeface="Cambria Math" panose="02040503050406030204" pitchFamily="18" charset="0"/>
+                                              </a:rPr>
+                                              <m:t>𝑦𝑦</m:t>
+                                            </m:r>
+                                          </m:sub>
+                                        </m:sSub>
+                                      </m:e>
+                                      <m:e>
+                                        <m:sSub>
+                                          <m:sSubPr>
+                                            <m:ctrlPr>
+                                              <a:rPr lang="en-US" sz="2200" i="1">
+                                                <a:solidFill>
+                                                  <a:schemeClr val="tx1">
+                                                    <a:lumMod val="65000"/>
+                                                    <a:lumOff val="35000"/>
+                                                  </a:schemeClr>
+                                                </a:solidFill>
+                                                <a:latin typeface="Cambria Math" panose="02040503050406030204" pitchFamily="18" charset="0"/>
+                                              </a:rPr>
+                                            </m:ctrlPr>
+                                          </m:sSubPr>
+                                          <m:e>
+                                            <m:r>
+                                              <a:rPr lang="en-US" sz="2200" i="1">
+                                                <a:solidFill>
+                                                  <a:schemeClr val="tx1">
+                                                    <a:lumMod val="65000"/>
+                                                    <a:lumOff val="35000"/>
+                                                  </a:schemeClr>
+                                                </a:solidFill>
+                                                <a:latin typeface="Cambria Math" panose="02040503050406030204" pitchFamily="18" charset="0"/>
+                                              </a:rPr>
+                                              <m:t>𝑀</m:t>
+                                            </m:r>
+                                          </m:e>
+                                          <m:sub>
+                                            <m:r>
+                                              <a:rPr lang="en-US" sz="2200" i="1">
+                                                <a:solidFill>
+                                                  <a:schemeClr val="tx1">
+                                                    <a:lumMod val="65000"/>
+                                                    <a:lumOff val="35000"/>
+                                                  </a:schemeClr>
+                                                </a:solidFill>
+                                                <a:latin typeface="Cambria Math" panose="02040503050406030204" pitchFamily="18" charset="0"/>
+                                              </a:rPr>
+                                              <m:t>𝑦𝑧</m:t>
+                                            </m:r>
+                                          </m:sub>
+                                        </m:sSub>
+                                      </m:e>
+                                    </m:mr>
+                                    <m:mr>
+                                      <m:e>
+                                        <m:sSub>
+                                          <m:sSubPr>
+                                            <m:ctrlPr>
+                                              <a:rPr lang="en-US" sz="2200" i="1">
+                                                <a:solidFill>
+                                                  <a:schemeClr val="tx1">
+                                                    <a:lumMod val="65000"/>
+                                                    <a:lumOff val="35000"/>
+                                                  </a:schemeClr>
+                                                </a:solidFill>
+                                                <a:latin typeface="Cambria Math" panose="02040503050406030204" pitchFamily="18" charset="0"/>
+                                              </a:rPr>
+                                            </m:ctrlPr>
+                                          </m:sSubPr>
+                                          <m:e>
+                                            <m:r>
+                                              <a:rPr lang="en-US" sz="2200" i="1">
+                                                <a:solidFill>
+                                                  <a:schemeClr val="tx1">
+                                                    <a:lumMod val="65000"/>
+                                                    <a:lumOff val="35000"/>
+                                                  </a:schemeClr>
+                                                </a:solidFill>
+                                                <a:latin typeface="Cambria Math" panose="02040503050406030204" pitchFamily="18" charset="0"/>
+                                              </a:rPr>
+                                              <m:t>𝑀</m:t>
+                                            </m:r>
+                                          </m:e>
+                                          <m:sub>
+                                            <m:r>
+                                              <a:rPr lang="en-US" sz="2200" i="1">
+                                                <a:solidFill>
+                                                  <a:schemeClr val="tx1">
+                                                    <a:lumMod val="65000"/>
+                                                    <a:lumOff val="35000"/>
+                                                  </a:schemeClr>
+                                                </a:solidFill>
+                                                <a:latin typeface="Cambria Math" panose="02040503050406030204" pitchFamily="18" charset="0"/>
+                                              </a:rPr>
+                                              <m:t>𝑧𝑥</m:t>
+                                            </m:r>
+                                          </m:sub>
+                                        </m:sSub>
+                                      </m:e>
+                                      <m:e>
+                                        <m:sSub>
+                                          <m:sSubPr>
+                                            <m:ctrlPr>
+                                              <a:rPr lang="en-US" sz="2200" i="1">
+                                                <a:solidFill>
+                                                  <a:schemeClr val="tx1">
+                                                    <a:lumMod val="65000"/>
+                                                    <a:lumOff val="35000"/>
+                                                  </a:schemeClr>
+                                                </a:solidFill>
+                                                <a:latin typeface="Cambria Math" panose="02040503050406030204" pitchFamily="18" charset="0"/>
+                                              </a:rPr>
+                                            </m:ctrlPr>
+                                          </m:sSubPr>
+                                          <m:e>
+                                            <m:r>
+                                              <a:rPr lang="en-US" sz="2200" i="1">
+                                                <a:solidFill>
+                                                  <a:schemeClr val="tx1">
+                                                    <a:lumMod val="65000"/>
+                                                    <a:lumOff val="35000"/>
+                                                  </a:schemeClr>
+                                                </a:solidFill>
+                                                <a:latin typeface="Cambria Math" panose="02040503050406030204" pitchFamily="18" charset="0"/>
+                                              </a:rPr>
+                                              <m:t>𝑀</m:t>
+                                            </m:r>
+                                          </m:e>
+                                          <m:sub>
+                                            <m:r>
+                                              <a:rPr lang="en-US" sz="2200" i="1">
+                                                <a:solidFill>
+                                                  <a:schemeClr val="tx1">
+                                                    <a:lumMod val="65000"/>
+                                                    <a:lumOff val="35000"/>
+                                                  </a:schemeClr>
+                                                </a:solidFill>
+                                                <a:latin typeface="Cambria Math" panose="02040503050406030204" pitchFamily="18" charset="0"/>
+                                              </a:rPr>
+                                              <m:t>𝑧𝑦</m:t>
+                                            </m:r>
+                                          </m:sub>
+                                        </m:sSub>
+                                      </m:e>
+                                      <m:e>
+                                        <m:sSub>
+                                          <m:sSubPr>
+                                            <m:ctrlPr>
+                                              <a:rPr lang="en-US" sz="2200" i="1">
+                                                <a:solidFill>
+                                                  <a:schemeClr val="tx1">
+                                                    <a:lumMod val="65000"/>
+                                                    <a:lumOff val="35000"/>
+                                                  </a:schemeClr>
+                                                </a:solidFill>
+                                                <a:latin typeface="Cambria Math" panose="02040503050406030204" pitchFamily="18" charset="0"/>
+                                              </a:rPr>
+                                            </m:ctrlPr>
+                                          </m:sSubPr>
+                                          <m:e>
+                                            <m:r>
+                                              <a:rPr lang="en-US" sz="2200" i="1">
+                                                <a:solidFill>
+                                                  <a:schemeClr val="tx1">
+                                                    <a:lumMod val="65000"/>
+                                                    <a:lumOff val="35000"/>
+                                                  </a:schemeClr>
+                                                </a:solidFill>
+                                                <a:latin typeface="Cambria Math" panose="02040503050406030204" pitchFamily="18" charset="0"/>
+                                              </a:rPr>
+                                              <m:t>𝑀</m:t>
+                                            </m:r>
+                                          </m:e>
+                                          <m:sub>
+                                            <m:r>
+                                              <a:rPr lang="en-US" sz="2200" i="1">
+                                                <a:solidFill>
+                                                  <a:schemeClr val="tx1">
+                                                    <a:lumMod val="65000"/>
+                                                    <a:lumOff val="35000"/>
+                                                  </a:schemeClr>
+                                                </a:solidFill>
+                                                <a:latin typeface="Cambria Math" panose="02040503050406030204" pitchFamily="18" charset="0"/>
+                                              </a:rPr>
+                                              <m:t>𝑧𝑧</m:t>
+                                            </m:r>
+                                          </m:sub>
+                                        </m:sSub>
+                                      </m:e>
+                                    </m:mr>
+                                  </m:m>
                                 </m:e>
-                                <m:sub>
-                                  <m:r>
-                                    <a:rPr lang="en-US" i="1">
-                                      <a:solidFill>
-                                        <a:schemeClr val="tx1">
-                                          <a:lumMod val="65000"/>
-                                          <a:lumOff val="35000"/>
-                                        </a:schemeClr>
-                                      </a:solidFill>
-                                      <a:latin typeface="Cambria Math" panose="02040503050406030204" pitchFamily="18" charset="0"/>
-                                    </a:rPr>
-                                    <m:t>𝑥𝑥</m:t>
-                                  </m:r>
-                                </m:sub>
-                              </m:sSub>
+                              </m:d>
                             </m:e>
-                            <m:e>
-                              <m:sSub>
-                                <m:sSubPr>
-                                  <m:ctrlPr>
-                                    <a:rPr lang="en-US" i="1">
-                                      <a:solidFill>
-                                        <a:schemeClr val="tx1">
-                                          <a:lumMod val="65000"/>
-                                          <a:lumOff val="35000"/>
-                                        </a:schemeClr>
-                                      </a:solidFill>
-                                      <a:latin typeface="Cambria Math" panose="02040503050406030204" pitchFamily="18" charset="0"/>
-                                    </a:rPr>
-                                  </m:ctrlPr>
-                                </m:sSubPr>
-                                <m:e>
-                                  <m:r>
-                                    <a:rPr lang="en-US" i="1">
-                                      <a:solidFill>
-                                        <a:schemeClr val="tx1">
-                                          <a:lumMod val="65000"/>
-                                          <a:lumOff val="35000"/>
-                                        </a:schemeClr>
-                                      </a:solidFill>
-                                      <a:latin typeface="Cambria Math" panose="02040503050406030204" pitchFamily="18" charset="0"/>
-                                    </a:rPr>
-                                    <m:t>𝑀</m:t>
-                                  </m:r>
-                                </m:e>
-                                <m:sub>
-                                  <m:r>
-                                    <a:rPr lang="en-US" i="1">
-                                      <a:solidFill>
-                                        <a:schemeClr val="tx1">
-                                          <a:lumMod val="65000"/>
-                                          <a:lumOff val="35000"/>
-                                        </a:schemeClr>
-                                      </a:solidFill>
-                                      <a:latin typeface="Cambria Math" panose="02040503050406030204" pitchFamily="18" charset="0"/>
-                                    </a:rPr>
-                                    <m:t>𝑥𝑦</m:t>
-                                  </m:r>
-                                </m:sub>
-                              </m:sSub>
-                            </m:e>
-                            <m:e>
-                              <m:sSub>
-                                <m:sSubPr>
-                                  <m:ctrlPr>
-                                    <a:rPr lang="en-US" i="1">
-                                      <a:solidFill>
-                                        <a:schemeClr val="tx1">
-                                          <a:lumMod val="65000"/>
-                                          <a:lumOff val="35000"/>
-                                        </a:schemeClr>
-                                      </a:solidFill>
-                                      <a:latin typeface="Cambria Math" panose="02040503050406030204" pitchFamily="18" charset="0"/>
-                                    </a:rPr>
-                                  </m:ctrlPr>
-                                </m:sSubPr>
-                                <m:e>
-                                  <m:r>
-                                    <a:rPr lang="en-US" i="1">
-                                      <a:solidFill>
-                                        <a:schemeClr val="tx1">
-                                          <a:lumMod val="65000"/>
-                                          <a:lumOff val="35000"/>
-                                        </a:schemeClr>
-                                      </a:solidFill>
-                                      <a:latin typeface="Cambria Math" panose="02040503050406030204" pitchFamily="18" charset="0"/>
-                                    </a:rPr>
-                                    <m:t>𝑀</m:t>
-                                  </m:r>
-                                </m:e>
-                                <m:sub>
-                                  <m:r>
-                                    <a:rPr lang="en-US" i="1">
-                                      <a:solidFill>
-                                        <a:schemeClr val="tx1">
-                                          <a:lumMod val="65000"/>
-                                          <a:lumOff val="35000"/>
-                                        </a:schemeClr>
-                                      </a:solidFill>
-                                      <a:latin typeface="Cambria Math" panose="02040503050406030204" pitchFamily="18" charset="0"/>
-                                    </a:rPr>
-                                    <m:t>𝑥𝑧</m:t>
-                                  </m:r>
-                                </m:sub>
-                              </m:sSub>
-                            </m:e>
-                          </m:mr>
-                          <m:mr>
-                            <m:e>
-                              <m:sSub>
-                                <m:sSubPr>
-                                  <m:ctrlPr>
-                                    <a:rPr lang="en-US" i="1">
-                                      <a:solidFill>
-                                        <a:schemeClr val="tx1">
-                                          <a:lumMod val="65000"/>
-                                          <a:lumOff val="35000"/>
-                                        </a:schemeClr>
-                                      </a:solidFill>
-                                      <a:latin typeface="Cambria Math" panose="02040503050406030204" pitchFamily="18" charset="0"/>
-                                    </a:rPr>
-                                  </m:ctrlPr>
-                                </m:sSubPr>
-                                <m:e>
-                                  <m:r>
-                                    <a:rPr lang="en-US" i="1">
-                                      <a:solidFill>
-                                        <a:schemeClr val="tx1">
-                                          <a:lumMod val="65000"/>
-                                          <a:lumOff val="35000"/>
-                                        </a:schemeClr>
-                                      </a:solidFill>
-                                      <a:latin typeface="Cambria Math" panose="02040503050406030204" pitchFamily="18" charset="0"/>
-                                    </a:rPr>
-                                    <m:t>𝑀</m:t>
-                                  </m:r>
-                                </m:e>
-                                <m:sub>
-                                  <m:r>
-                                    <a:rPr lang="en-US" i="1">
-                                      <a:solidFill>
-                                        <a:schemeClr val="tx1">
-                                          <a:lumMod val="65000"/>
-                                          <a:lumOff val="35000"/>
-                                        </a:schemeClr>
-                                      </a:solidFill>
-                                      <a:latin typeface="Cambria Math" panose="02040503050406030204" pitchFamily="18" charset="0"/>
-                                    </a:rPr>
-                                    <m:t>𝑦𝑥</m:t>
-                                  </m:r>
-                                </m:sub>
-                              </m:sSub>
-                            </m:e>
-                            <m:e>
-                              <m:sSub>
-                                <m:sSubPr>
-                                  <m:ctrlPr>
-                                    <a:rPr lang="en-US" i="1">
-                                      <a:solidFill>
-                                        <a:schemeClr val="tx1">
-                                          <a:lumMod val="65000"/>
-                                          <a:lumOff val="35000"/>
-                                        </a:schemeClr>
-                                      </a:solidFill>
-                                      <a:latin typeface="Cambria Math" panose="02040503050406030204" pitchFamily="18" charset="0"/>
-                                    </a:rPr>
-                                  </m:ctrlPr>
-                                </m:sSubPr>
-                                <m:e>
-                                  <m:r>
-                                    <a:rPr lang="en-US" i="1">
-                                      <a:solidFill>
-                                        <a:schemeClr val="tx1">
-                                          <a:lumMod val="65000"/>
-                                          <a:lumOff val="35000"/>
-                                        </a:schemeClr>
-                                      </a:solidFill>
-                                      <a:latin typeface="Cambria Math" panose="02040503050406030204" pitchFamily="18" charset="0"/>
-                                    </a:rPr>
-                                    <m:t>𝑀</m:t>
-                                  </m:r>
-                                </m:e>
-                                <m:sub>
-                                  <m:r>
-                                    <a:rPr lang="en-US" i="1">
-                                      <a:solidFill>
-                                        <a:schemeClr val="tx1">
-                                          <a:lumMod val="65000"/>
-                                          <a:lumOff val="35000"/>
-                                        </a:schemeClr>
-                                      </a:solidFill>
-                                      <a:latin typeface="Cambria Math" panose="02040503050406030204" pitchFamily="18" charset="0"/>
-                                    </a:rPr>
-                                    <m:t>𝑦𝑦</m:t>
-                                  </m:r>
-                                </m:sub>
-                              </m:sSub>
-                            </m:e>
-                            <m:e>
-                              <m:sSub>
-                                <m:sSubPr>
-                                  <m:ctrlPr>
-                                    <a:rPr lang="en-US" i="1">
-                                      <a:solidFill>
-                                        <a:schemeClr val="tx1">
-                                          <a:lumMod val="65000"/>
-                                          <a:lumOff val="35000"/>
-                                        </a:schemeClr>
-                                      </a:solidFill>
-                                      <a:latin typeface="Cambria Math" panose="02040503050406030204" pitchFamily="18" charset="0"/>
-                                    </a:rPr>
-                                  </m:ctrlPr>
-                                </m:sSubPr>
-                                <m:e>
-                                  <m:r>
-                                    <a:rPr lang="en-US" i="1">
-                                      <a:solidFill>
-                                        <a:schemeClr val="tx1">
-                                          <a:lumMod val="65000"/>
-                                          <a:lumOff val="35000"/>
-                                        </a:schemeClr>
-                                      </a:solidFill>
-                                      <a:latin typeface="Cambria Math" panose="02040503050406030204" pitchFamily="18" charset="0"/>
-                                    </a:rPr>
-                                    <m:t>𝑀</m:t>
-                                  </m:r>
-                                </m:e>
-                                <m:sub>
-                                  <m:r>
-                                    <a:rPr lang="en-US" i="1">
-                                      <a:solidFill>
-                                        <a:schemeClr val="tx1">
-                                          <a:lumMod val="65000"/>
-                                          <a:lumOff val="35000"/>
-                                        </a:schemeClr>
-                                      </a:solidFill>
-                                      <a:latin typeface="Cambria Math" panose="02040503050406030204" pitchFamily="18" charset="0"/>
-                                    </a:rPr>
-                                    <m:t>𝑦𝑧</m:t>
-                                  </m:r>
-                                </m:sub>
-                              </m:sSub>
-                            </m:e>
-                          </m:mr>
-                          <m:mr>
-                            <m:e>
-                              <m:sSub>
-                                <m:sSubPr>
-                                  <m:ctrlPr>
-                                    <a:rPr lang="en-US" i="1">
-                                      <a:solidFill>
-                                        <a:schemeClr val="tx1">
-                                          <a:lumMod val="65000"/>
-                                          <a:lumOff val="35000"/>
-                                        </a:schemeClr>
-                                      </a:solidFill>
-                                      <a:latin typeface="Cambria Math" panose="02040503050406030204" pitchFamily="18" charset="0"/>
-                                    </a:rPr>
-                                  </m:ctrlPr>
-                                </m:sSubPr>
-                                <m:e>
-                                  <m:r>
-                                    <a:rPr lang="en-US" i="1">
-                                      <a:solidFill>
-                                        <a:schemeClr val="tx1">
-                                          <a:lumMod val="65000"/>
-                                          <a:lumOff val="35000"/>
-                                        </a:schemeClr>
-                                      </a:solidFill>
-                                      <a:latin typeface="Cambria Math" panose="02040503050406030204" pitchFamily="18" charset="0"/>
-                                    </a:rPr>
-                                    <m:t>𝑀</m:t>
-                                  </m:r>
-                                </m:e>
-                                <m:sub>
-                                  <m:r>
-                                    <a:rPr lang="en-US" i="1">
-                                      <a:solidFill>
-                                        <a:schemeClr val="tx1">
-                                          <a:lumMod val="65000"/>
-                                          <a:lumOff val="35000"/>
-                                        </a:schemeClr>
-                                      </a:solidFill>
-                                      <a:latin typeface="Cambria Math" panose="02040503050406030204" pitchFamily="18" charset="0"/>
-                                    </a:rPr>
-                                    <m:t>𝑧𝑥</m:t>
-                                  </m:r>
-                                </m:sub>
-                              </m:sSub>
-                            </m:e>
-                            <m:e>
-                              <m:sSub>
-                                <m:sSubPr>
-                                  <m:ctrlPr>
-                                    <a:rPr lang="en-US" i="1">
-                                      <a:solidFill>
-                                        <a:schemeClr val="tx1">
-                                          <a:lumMod val="65000"/>
-                                          <a:lumOff val="35000"/>
-                                        </a:schemeClr>
-                                      </a:solidFill>
-                                      <a:latin typeface="Cambria Math" panose="02040503050406030204" pitchFamily="18" charset="0"/>
-                                    </a:rPr>
-                                  </m:ctrlPr>
-                                </m:sSubPr>
-                                <m:e>
-                                  <m:r>
-                                    <a:rPr lang="en-US" i="1">
-                                      <a:solidFill>
-                                        <a:schemeClr val="tx1">
-                                          <a:lumMod val="65000"/>
-                                          <a:lumOff val="35000"/>
-                                        </a:schemeClr>
-                                      </a:solidFill>
-                                      <a:latin typeface="Cambria Math" panose="02040503050406030204" pitchFamily="18" charset="0"/>
-                                    </a:rPr>
-                                    <m:t>𝑀</m:t>
-                                  </m:r>
-                                </m:e>
-                                <m:sub>
-                                  <m:r>
-                                    <a:rPr lang="en-US" i="1">
-                                      <a:solidFill>
-                                        <a:schemeClr val="tx1">
-                                          <a:lumMod val="65000"/>
-                                          <a:lumOff val="35000"/>
-                                        </a:schemeClr>
-                                      </a:solidFill>
-                                      <a:latin typeface="Cambria Math" panose="02040503050406030204" pitchFamily="18" charset="0"/>
-                                    </a:rPr>
-                                    <m:t>𝑧𝑦</m:t>
-                                  </m:r>
-                                </m:sub>
-                              </m:sSub>
-                            </m:e>
-                            <m:e>
-                              <m:sSub>
-                                <m:sSubPr>
-                                  <m:ctrlPr>
-                                    <a:rPr lang="en-US" i="1">
-                                      <a:solidFill>
-                                        <a:schemeClr val="tx1">
-                                          <a:lumMod val="65000"/>
-                                          <a:lumOff val="35000"/>
-                                        </a:schemeClr>
-                                      </a:solidFill>
-                                      <a:latin typeface="Cambria Math" panose="02040503050406030204" pitchFamily="18" charset="0"/>
-                                    </a:rPr>
-                                  </m:ctrlPr>
-                                </m:sSubPr>
-                                <m:e>
-                                  <m:r>
-                                    <a:rPr lang="en-US" i="1">
-                                      <a:solidFill>
-                                        <a:schemeClr val="tx1">
-                                          <a:lumMod val="65000"/>
-                                          <a:lumOff val="35000"/>
-                                        </a:schemeClr>
-                                      </a:solidFill>
-                                      <a:latin typeface="Cambria Math" panose="02040503050406030204" pitchFamily="18" charset="0"/>
-                                    </a:rPr>
-                                    <m:t>𝑀</m:t>
-                                  </m:r>
-                                </m:e>
-                                <m:sub>
-                                  <m:r>
-                                    <a:rPr lang="en-US" i="1">
-                                      <a:solidFill>
-                                        <a:schemeClr val="tx1">
-                                          <a:lumMod val="65000"/>
-                                          <a:lumOff val="35000"/>
-                                        </a:schemeClr>
-                                      </a:solidFill>
-                                      <a:latin typeface="Cambria Math" panose="02040503050406030204" pitchFamily="18" charset="0"/>
-                                    </a:rPr>
-                                    <m:t>𝑧𝑧</m:t>
-                                  </m:r>
-                                </m:sub>
-                              </m:sSub>
-                            </m:e>
-                          </m:mr>
-                        </m:m>
-                      </m:e>
-                    </m:d>
+                          </m:groupChr>
+                        </m:e>
+                      </m:mr>
+                      <m:mr>
+                        <m:e>
+                          <m:r>
+                            <a:rPr lang="en-US" sz="2200" b="0" i="1" smtClean="0">
+                              <a:solidFill>
+                                <a:schemeClr val="tx1">
+                                  <a:lumMod val="65000"/>
+                                  <a:lumOff val="35000"/>
+                                </a:schemeClr>
+                              </a:solidFill>
+                              <a:latin typeface="Cambria Math" panose="02040503050406030204" pitchFamily="18" charset="0"/>
+                            </a:rPr>
+                            <m:t>𝑀</m:t>
+                          </m:r>
+                        </m:e>
+                      </m:mr>
+                    </m:m>
                     <m:r>
-                      <a:rPr lang="en-US" i="1">
+                      <a:rPr lang="en-US" sz="2200" i="1">
                         <a:solidFill>
                           <a:schemeClr val="tx1">
                             <a:lumMod val="65000"/>
@@ -6843,7 +7677,7 @@
                     <m:d>
                       <m:dPr>
                         <m:ctrlPr>
-                          <a:rPr lang="en-US" i="1">
+                          <a:rPr lang="en-US" sz="2200" i="1">
                             <a:solidFill>
                               <a:schemeClr val="tx1">
                                 <a:lumMod val="65000"/>
@@ -6866,7 +7700,7 @@
                               </m:mc>
                             </m:mcs>
                             <m:ctrlPr>
-                              <a:rPr lang="en-US" i="1">
+                              <a:rPr lang="en-US" sz="2200" i="1">
                                 <a:solidFill>
                                   <a:schemeClr val="tx1">
                                     <a:lumMod val="65000"/>
@@ -6883,7 +7717,7 @@
                                 <m:accPr>
                                   <m:chr m:val="̂"/>
                                   <m:ctrlPr>
-                                    <a:rPr lang="en-US" i="1">
+                                    <a:rPr lang="en-US" sz="2200" i="1">
                                       <a:solidFill>
                                         <a:schemeClr val="tx1">
                                           <a:lumMod val="65000"/>
@@ -6896,7 +7730,7 @@
                                 </m:accPr>
                                 <m:e>
                                   <m:r>
-                                    <a:rPr lang="en-US" i="1">
+                                    <a:rPr lang="en-US" sz="2200" i="1">
                                       <a:solidFill>
                                         <a:schemeClr val="tx1">
                                           <a:lumMod val="65000"/>
@@ -6917,7 +7751,7 @@
                                 <m:accPr>
                                   <m:chr m:val="̂"/>
                                   <m:ctrlPr>
-                                    <a:rPr lang="en-US" i="1">
+                                    <a:rPr lang="en-US" sz="2200" i="1">
                                       <a:solidFill>
                                         <a:schemeClr val="tx1">
                                           <a:lumMod val="65000"/>
@@ -6930,7 +7764,7 @@
                                 </m:accPr>
                                 <m:e>
                                   <m:r>
-                                    <a:rPr lang="en-US" i="1">
+                                    <a:rPr lang="en-US" sz="2200" i="1">
                                       <a:solidFill>
                                         <a:schemeClr val="tx1">
                                           <a:lumMod val="65000"/>
@@ -6951,7 +7785,7 @@
                                 <m:accPr>
                                   <m:chr m:val="̂"/>
                                   <m:ctrlPr>
-                                    <a:rPr lang="en-US" i="1">
+                                    <a:rPr lang="en-US" sz="2200" i="1">
                                       <a:solidFill>
                                         <a:schemeClr val="tx1">
                                           <a:lumMod val="65000"/>
@@ -6964,7 +7798,7 @@
                                 </m:accPr>
                                 <m:e>
                                   <m:r>
-                                    <a:rPr lang="en-US" i="1">
+                                    <a:rPr lang="en-US" sz="2200" i="1">
                                       <a:solidFill>
                                         <a:schemeClr val="tx1">
                                           <a:lumMod val="65000"/>
@@ -6983,7 +7817,7 @@
                       </m:e>
                     </m:d>
                     <m:r>
-                      <a:rPr lang="bg-BG" b="0" i="1" smtClean="0">
+                      <a:rPr lang="bg-BG" sz="2200" b="0" i="1" smtClean="0">
                         <a:solidFill>
                           <a:schemeClr val="tx1">
                             <a:lumMod val="65000"/>
@@ -6994,10 +7828,18 @@
                       </a:rPr>
                       <m:t>+</m:t>
                     </m:r>
-                    <m:d>
-                      <m:dPr>
+                    <m:m>
+                      <m:mPr>
+                        <m:mcs>
+                          <m:mc>
+                            <m:mcPr>
+                              <m:count m:val="1"/>
+                              <m:mcJc m:val="center"/>
+                            </m:mcPr>
+                          </m:mc>
+                        </m:mcs>
                         <m:ctrlPr>
-                          <a:rPr lang="en-US" i="1">
+                          <a:rPr lang="bg-BG" sz="2200" b="0" i="1" smtClean="0">
                             <a:solidFill>
                               <a:schemeClr val="tx1">
                                 <a:lumMod val="65000"/>
@@ -7007,36 +7849,29 @@
                             <a:latin typeface="Cambria Math" panose="02040503050406030204" pitchFamily="18" charset="0"/>
                           </a:rPr>
                         </m:ctrlPr>
-                      </m:dPr>
-                      <m:e>
-                        <m:m>
-                          <m:mPr>
-                            <m:mcs>
-                              <m:mc>
-                                <m:mcPr>
-                                  <m:count m:val="1"/>
-                                  <m:mcJc m:val="center"/>
-                                </m:mcPr>
-                              </m:mc>
-                            </m:mcs>
-                            <m:ctrlPr>
-                              <a:rPr lang="en-US" i="1">
-                                <a:solidFill>
-                                  <a:schemeClr val="tx1">
-                                    <a:lumMod val="65000"/>
-                                    <a:lumOff val="35000"/>
-                                  </a:schemeClr>
-                                </a:solidFill>
-                                <a:latin typeface="Cambria Math" panose="02040503050406030204" pitchFamily="18" charset="0"/>
-                              </a:rPr>
-                            </m:ctrlPr>
-                          </m:mPr>
-                          <m:mr>
+                      </m:mPr>
+                      <m:mr>
+                        <m:e>
+                          <m:d>
+                            <m:dPr>
+                              <m:ctrlPr>
+                                <a:rPr lang="bg-BG" sz="2200" b="0" i="1" smtClean="0">
+                                  <a:solidFill>
+                                    <a:schemeClr val="tx1">
+                                      <a:lumMod val="65000"/>
+                                      <a:lumOff val="35000"/>
+                                    </a:schemeClr>
+                                  </a:solidFill>
+                                  <a:latin typeface="Cambria Math" panose="02040503050406030204" pitchFamily="18" charset="0"/>
+                                </a:rPr>
+                              </m:ctrlPr>
+                            </m:dPr>
                             <m:e>
-                              <m:sSub>
-                                <m:sSubPr>
+                              <m:groupChr>
+                                <m:groupChrPr>
+                                  <m:chr m:val="⏟"/>
                                   <m:ctrlPr>
-                                    <a:rPr lang="en-US" i="1">
+                                    <a:rPr lang="en-US" sz="2200" b="0" i="1" smtClean="0">
                                       <a:solidFill>
                                         <a:schemeClr val="tx1">
                                           <a:lumMod val="65000"/>
@@ -7046,138 +7881,198 @@
                                       <a:latin typeface="Cambria Math" panose="02040503050406030204" pitchFamily="18" charset="0"/>
                                     </a:rPr>
                                   </m:ctrlPr>
-                                </m:sSubPr>
+                                </m:groupChrPr>
                                 <m:e>
-                                  <m:r>
-                                    <a:rPr lang="en-US" i="1">
-                                      <a:solidFill>
-                                        <a:schemeClr val="tx1">
-                                          <a:lumMod val="65000"/>
-                                          <a:lumOff val="35000"/>
-                                        </a:schemeClr>
-                                      </a:solidFill>
-                                      <a:latin typeface="Cambria Math" panose="02040503050406030204" pitchFamily="18" charset="0"/>
-                                    </a:rPr>
-                                    <m:t>𝐵</m:t>
-                                  </m:r>
+                                  <m:m>
+                                    <m:mPr>
+                                      <m:mcs>
+                                        <m:mc>
+                                          <m:mcPr>
+                                            <m:count m:val="1"/>
+                                            <m:mcJc m:val="center"/>
+                                          </m:mcPr>
+                                        </m:mc>
+                                      </m:mcs>
+                                      <m:ctrlPr>
+                                        <a:rPr lang="en-US" sz="2200" i="1">
+                                          <a:solidFill>
+                                            <a:schemeClr val="tx1">
+                                              <a:lumMod val="65000"/>
+                                              <a:lumOff val="35000"/>
+                                            </a:schemeClr>
+                                          </a:solidFill>
+                                          <a:latin typeface="Cambria Math" panose="02040503050406030204" pitchFamily="18" charset="0"/>
+                                        </a:rPr>
+                                      </m:ctrlPr>
+                                    </m:mPr>
+                                    <m:mr>
+                                      <m:e>
+                                        <m:sSub>
+                                          <m:sSubPr>
+                                            <m:ctrlPr>
+                                              <a:rPr lang="en-US" sz="2200" i="1">
+                                                <a:solidFill>
+                                                  <a:schemeClr val="tx1">
+                                                    <a:lumMod val="65000"/>
+                                                    <a:lumOff val="35000"/>
+                                                  </a:schemeClr>
+                                                </a:solidFill>
+                                                <a:latin typeface="Cambria Math" panose="02040503050406030204" pitchFamily="18" charset="0"/>
+                                              </a:rPr>
+                                            </m:ctrlPr>
+                                          </m:sSubPr>
+                                          <m:e>
+                                            <m:r>
+                                              <a:rPr lang="en-US" sz="2200" i="1">
+                                                <a:solidFill>
+                                                  <a:schemeClr val="tx1">
+                                                    <a:lumMod val="65000"/>
+                                                    <a:lumOff val="35000"/>
+                                                  </a:schemeClr>
+                                                </a:solidFill>
+                                                <a:latin typeface="Cambria Math" panose="02040503050406030204" pitchFamily="18" charset="0"/>
+                                              </a:rPr>
+                                              <m:t>𝐵</m:t>
+                                            </m:r>
+                                          </m:e>
+                                          <m:sub>
+                                            <m:r>
+                                              <a:rPr lang="en-US" sz="2200" i="1">
+                                                <a:solidFill>
+                                                  <a:schemeClr val="tx1">
+                                                    <a:lumMod val="65000"/>
+                                                    <a:lumOff val="35000"/>
+                                                  </a:schemeClr>
+                                                </a:solidFill>
+                                                <a:latin typeface="Cambria Math" panose="02040503050406030204" pitchFamily="18" charset="0"/>
+                                              </a:rPr>
+                                              <m:t>𝑥</m:t>
+                                            </m:r>
+                                          </m:sub>
+                                        </m:sSub>
+                                      </m:e>
+                                    </m:mr>
+                                    <m:mr>
+                                      <m:e>
+                                        <m:sSub>
+                                          <m:sSubPr>
+                                            <m:ctrlPr>
+                                              <a:rPr lang="en-US" sz="2200" i="1">
+                                                <a:solidFill>
+                                                  <a:schemeClr val="tx1">
+                                                    <a:lumMod val="65000"/>
+                                                    <a:lumOff val="35000"/>
+                                                  </a:schemeClr>
+                                                </a:solidFill>
+                                                <a:latin typeface="Cambria Math" panose="02040503050406030204" pitchFamily="18" charset="0"/>
+                                              </a:rPr>
+                                            </m:ctrlPr>
+                                          </m:sSubPr>
+                                          <m:e>
+                                            <m:r>
+                                              <a:rPr lang="en-US" sz="2200" i="1">
+                                                <a:solidFill>
+                                                  <a:schemeClr val="tx1">
+                                                    <a:lumMod val="65000"/>
+                                                    <a:lumOff val="35000"/>
+                                                  </a:schemeClr>
+                                                </a:solidFill>
+                                                <a:latin typeface="Cambria Math" panose="02040503050406030204" pitchFamily="18" charset="0"/>
+                                              </a:rPr>
+                                              <m:t>𝐵</m:t>
+                                            </m:r>
+                                          </m:e>
+                                          <m:sub>
+                                            <m:r>
+                                              <a:rPr lang="en-US" sz="2200" i="1">
+                                                <a:solidFill>
+                                                  <a:schemeClr val="tx1">
+                                                    <a:lumMod val="65000"/>
+                                                    <a:lumOff val="35000"/>
+                                                  </a:schemeClr>
+                                                </a:solidFill>
+                                                <a:latin typeface="Cambria Math" panose="02040503050406030204" pitchFamily="18" charset="0"/>
+                                              </a:rPr>
+                                              <m:t>𝑦</m:t>
+                                            </m:r>
+                                          </m:sub>
+                                        </m:sSub>
+                                      </m:e>
+                                    </m:mr>
+                                    <m:mr>
+                                      <m:e>
+                                        <m:sSub>
+                                          <m:sSubPr>
+                                            <m:ctrlPr>
+                                              <a:rPr lang="en-US" sz="2200" i="1">
+                                                <a:solidFill>
+                                                  <a:schemeClr val="tx1">
+                                                    <a:lumMod val="65000"/>
+                                                    <a:lumOff val="35000"/>
+                                                  </a:schemeClr>
+                                                </a:solidFill>
+                                                <a:latin typeface="Cambria Math" panose="02040503050406030204" pitchFamily="18" charset="0"/>
+                                              </a:rPr>
+                                            </m:ctrlPr>
+                                          </m:sSubPr>
+                                          <m:e>
+                                            <m:r>
+                                              <a:rPr lang="en-US" sz="2200" i="1">
+                                                <a:solidFill>
+                                                  <a:schemeClr val="tx1">
+                                                    <a:lumMod val="65000"/>
+                                                    <a:lumOff val="35000"/>
+                                                  </a:schemeClr>
+                                                </a:solidFill>
+                                                <a:latin typeface="Cambria Math" panose="02040503050406030204" pitchFamily="18" charset="0"/>
+                                              </a:rPr>
+                                              <m:t>𝐵</m:t>
+                                            </m:r>
+                                          </m:e>
+                                          <m:sub>
+                                            <m:r>
+                                              <a:rPr lang="en-US" sz="2200" i="1">
+                                                <a:solidFill>
+                                                  <a:schemeClr val="tx1">
+                                                    <a:lumMod val="65000"/>
+                                                    <a:lumOff val="35000"/>
+                                                  </a:schemeClr>
+                                                </a:solidFill>
+                                                <a:latin typeface="Cambria Math" panose="02040503050406030204" pitchFamily="18" charset="0"/>
+                                              </a:rPr>
+                                              <m:t>𝑧</m:t>
+                                            </m:r>
+                                          </m:sub>
+                                        </m:sSub>
+                                      </m:e>
+                                    </m:mr>
+                                  </m:m>
                                 </m:e>
-                                <m:sub>
-                                  <m:r>
-                                    <a:rPr lang="en-US" i="1">
-                                      <a:solidFill>
-                                        <a:schemeClr val="tx1">
-                                          <a:lumMod val="65000"/>
-                                          <a:lumOff val="35000"/>
-                                        </a:schemeClr>
-                                      </a:solidFill>
-                                      <a:latin typeface="Cambria Math" panose="02040503050406030204" pitchFamily="18" charset="0"/>
-                                    </a:rPr>
-                                    <m:t>𝑥</m:t>
-                                  </m:r>
-                                </m:sub>
-                              </m:sSub>
+                              </m:groupChr>
                             </m:e>
-                          </m:mr>
-                          <m:mr>
-                            <m:e>
-                              <m:sSub>
-                                <m:sSubPr>
-                                  <m:ctrlPr>
-                                    <a:rPr lang="en-US" i="1">
-                                      <a:solidFill>
-                                        <a:schemeClr val="tx1">
-                                          <a:lumMod val="65000"/>
-                                          <a:lumOff val="35000"/>
-                                        </a:schemeClr>
-                                      </a:solidFill>
-                                      <a:latin typeface="Cambria Math" panose="02040503050406030204" pitchFamily="18" charset="0"/>
-                                    </a:rPr>
-                                  </m:ctrlPr>
-                                </m:sSubPr>
-                                <m:e>
-                                  <m:r>
-                                    <a:rPr lang="en-US" i="1">
-                                      <a:solidFill>
-                                        <a:schemeClr val="tx1">
-                                          <a:lumMod val="65000"/>
-                                          <a:lumOff val="35000"/>
-                                        </a:schemeClr>
-                                      </a:solidFill>
-                                      <a:latin typeface="Cambria Math" panose="02040503050406030204" pitchFamily="18" charset="0"/>
-                                    </a:rPr>
-                                    <m:t>𝐵</m:t>
-                                  </m:r>
-                                </m:e>
-                                <m:sub>
-                                  <m:r>
-                                    <a:rPr lang="en-US" i="1">
-                                      <a:solidFill>
-                                        <a:schemeClr val="tx1">
-                                          <a:lumMod val="65000"/>
-                                          <a:lumOff val="35000"/>
-                                        </a:schemeClr>
-                                      </a:solidFill>
-                                      <a:latin typeface="Cambria Math" panose="02040503050406030204" pitchFamily="18" charset="0"/>
-                                    </a:rPr>
-                                    <m:t>𝑦</m:t>
-                                  </m:r>
-                                </m:sub>
-                              </m:sSub>
-                            </m:e>
-                          </m:mr>
-                          <m:mr>
-                            <m:e>
-                              <m:sSub>
-                                <m:sSubPr>
-                                  <m:ctrlPr>
-                                    <a:rPr lang="en-US" i="1">
-                                      <a:solidFill>
-                                        <a:schemeClr val="tx1">
-                                          <a:lumMod val="65000"/>
-                                          <a:lumOff val="35000"/>
-                                        </a:schemeClr>
-                                      </a:solidFill>
-                                      <a:latin typeface="Cambria Math" panose="02040503050406030204" pitchFamily="18" charset="0"/>
-                                    </a:rPr>
-                                  </m:ctrlPr>
-                                </m:sSubPr>
-                                <m:e>
-                                  <m:r>
-                                    <a:rPr lang="en-US" i="1">
-                                      <a:solidFill>
-                                        <a:schemeClr val="tx1">
-                                          <a:lumMod val="65000"/>
-                                          <a:lumOff val="35000"/>
-                                        </a:schemeClr>
-                                      </a:solidFill>
-                                      <a:latin typeface="Cambria Math" panose="02040503050406030204" pitchFamily="18" charset="0"/>
-                                    </a:rPr>
-                                    <m:t>𝐵</m:t>
-                                  </m:r>
-                                </m:e>
-                                <m:sub>
-                                  <m:r>
-                                    <a:rPr lang="en-US" i="1">
-                                      <a:solidFill>
-                                        <a:schemeClr val="tx1">
-                                          <a:lumMod val="65000"/>
-                                          <a:lumOff val="35000"/>
-                                        </a:schemeClr>
-                                      </a:solidFill>
-                                      <a:latin typeface="Cambria Math" panose="02040503050406030204" pitchFamily="18" charset="0"/>
-                                    </a:rPr>
-                                    <m:t>𝑧</m:t>
-                                  </m:r>
-                                </m:sub>
-                              </m:sSub>
-                            </m:e>
-                          </m:mr>
-                        </m:m>
-                      </m:e>
-                    </m:d>
+                          </m:d>
+                        </m:e>
+                      </m:mr>
+                      <m:mr>
+                        <m:e>
+                          <m:r>
+                            <a:rPr lang="en-US" sz="2200" b="0" i="1" smtClean="0">
+                              <a:solidFill>
+                                <a:schemeClr val="tx1">
+                                  <a:lumMod val="65000"/>
+                                  <a:lumOff val="35000"/>
+                                </a:schemeClr>
+                              </a:solidFill>
+                              <a:latin typeface="Cambria Math" panose="02040503050406030204" pitchFamily="18" charset="0"/>
+                            </a:rPr>
+                            <m:t>𝐵</m:t>
+                          </m:r>
+                        </m:e>
+                      </m:mr>
+                    </m:m>
                   </m:oMath>
                 </a14:m>
-                <a:endParaRPr lang="en-US" b="1" dirty="0">
+                <a:endParaRPr lang="en-US" sz="2200" b="1" dirty="0">
                   <a:solidFill>
                     <a:schemeClr val="tx1">
                       <a:lumMod val="65000"/>
@@ -7203,7 +8098,7 @@
               </a:p>
               <a:p>
                 <a:r>
-                  <a:rPr lang="bg-BG" sz="2600" dirty="0">
+                  <a:rPr lang="en-US" sz="2000" dirty="0">
                     <a:solidFill>
                       <a:schemeClr val="tx1">
                         <a:lumMod val="65000"/>
@@ -7212,10 +8107,15 @@
                     </a:solidFill>
                     <a:latin typeface="Montserrat" panose="00000500000000000000" pitchFamily="2" charset="0"/>
                   </a:rPr>
-                  <a:t>Знаем, че правилно сме калибрирали данните когато: </a:t>
+                  <a:t>We can say that the sensor data is calibrated when </a:t>
                 </a:r>
-                <a:br>
-                  <a:rPr lang="bg-BG" sz="2600" dirty="0">
+              </a:p>
+              <a:p>
+                <a:pPr marL="0" indent="0">
+                  <a:buNone/>
+                </a:pPr>
+                <a:r>
+                  <a:rPr lang="en-US" sz="2000" dirty="0">
                     <a:solidFill>
                       <a:schemeClr val="tx1">
                         <a:lumMod val="65000"/>
@@ -7224,49 +8124,14 @@
                     </a:solidFill>
                     <a:latin typeface="Montserrat" panose="00000500000000000000" pitchFamily="2" charset="0"/>
                   </a:rPr>
-                </a:br>
-                <a:r>
-                  <a:rPr lang="bg-BG" sz="2600" dirty="0">
-                    <a:solidFill>
-                      <a:schemeClr val="tx1">
-                        <a:lumMod val="65000"/>
-                        <a:lumOff val="35000"/>
-                      </a:schemeClr>
-                    </a:solidFill>
-                    <a:latin typeface="Montserrat" panose="00000500000000000000" pitchFamily="2" charset="0"/>
-                  </a:rPr>
-                  <a:t>(</a:t>
-                </a:r>
-                <a:r>
-                  <a:rPr lang="bg-BG" sz="2600" dirty="0" err="1">
-                    <a:solidFill>
-                      <a:schemeClr val="tx1">
-                        <a:lumMod val="65000"/>
-                        <a:lumOff val="35000"/>
-                      </a:schemeClr>
-                    </a:solidFill>
-                    <a:latin typeface="Montserrat" panose="00000500000000000000" pitchFamily="2" charset="0"/>
-                  </a:rPr>
-                  <a:t>нормамта</a:t>
-                </a:r>
-                <a:r>
-                  <a:rPr lang="bg-BG" sz="2600" dirty="0">
-                    <a:solidFill>
-                      <a:schemeClr val="tx1">
-                        <a:lumMod val="65000"/>
-                        <a:lumOff val="35000"/>
-                      </a:schemeClr>
-                    </a:solidFill>
-                    <a:latin typeface="Montserrat" panose="00000500000000000000" pitchFamily="2" charset="0"/>
-                  </a:rPr>
-                  <a:t> на вектора на ускорението)-</a:t>
+                  <a:t>   (the norm of the acceleration vector) –  </a:t>
                 </a:r>
                 <a14:m>
                   <m:oMath xmlns:m="http://schemas.openxmlformats.org/officeDocument/2006/math">
                     <m:sSup>
                       <m:sSupPr>
                         <m:ctrlPr>
-                          <a:rPr lang="en-US" sz="2600" b="0" i="1" smtClean="0">
+                          <a:rPr lang="en-US" sz="2000" b="0" i="1" smtClean="0">
                             <a:solidFill>
                               <a:schemeClr val="tx1">
                                 <a:lumMod val="65000"/>
@@ -7279,7 +8144,7 @@
                       </m:sSupPr>
                       <m:e>
                         <m:r>
-                          <a:rPr lang="en-US" sz="2600" b="0" i="1" smtClean="0">
+                          <a:rPr lang="en-US" sz="2000" b="0" i="1" smtClean="0">
                             <a:solidFill>
                               <a:schemeClr val="tx1">
                                 <a:lumMod val="65000"/>
@@ -7293,7 +8158,7 @@
                       </m:e>
                       <m:sup>
                         <m:r>
-                          <a:rPr lang="en-US" sz="2600" b="0" i="1" smtClean="0">
+                          <a:rPr lang="en-US" sz="2000" b="0" i="1" smtClean="0">
                             <a:solidFill>
                               <a:schemeClr val="tx1">
                                 <a:lumMod val="65000"/>
@@ -7307,7 +8172,7 @@
                       </m:sup>
                     </m:sSup>
                     <m:r>
-                      <a:rPr lang="en-US" sz="2600" b="0" i="1" smtClean="0">
+                      <a:rPr lang="en-US" sz="2000" b="0" i="1" smtClean="0">
                         <a:solidFill>
                           <a:schemeClr val="tx1">
                             <a:lumMod val="65000"/>
@@ -7321,6 +8186,21 @@
                     </m:r>
                   </m:oMath>
                 </a14:m>
+                <a:endParaRPr lang="en-US" sz="2000" b="0" dirty="0">
+                  <a:solidFill>
+                    <a:schemeClr val="tx1">
+                      <a:lumMod val="65000"/>
+                      <a:lumOff val="35000"/>
+                    </a:schemeClr>
+                  </a:solidFill>
+                  <a:latin typeface="Montserrat" panose="00000500000000000000" pitchFamily="2" charset="0"/>
+                  <a:ea typeface="Cambria Math" panose="02040503050406030204" pitchFamily="18" charset="0"/>
+                </a:endParaRPr>
+              </a:p>
+              <a:p>
+                <a:pPr marL="0" indent="0">
+                  <a:buNone/>
+                </a:pPr>
                 <a:endParaRPr lang="en-US" sz="2600" b="0" dirty="0">
                   <a:solidFill>
                     <a:schemeClr val="tx1">
@@ -7334,7 +8214,7 @@
               </a:p>
               <a:p>
                 <a:r>
-                  <a:rPr lang="bg-BG" sz="2600" dirty="0">
+                  <a:rPr lang="en-US" sz="2400" dirty="0">
                     <a:solidFill>
                       <a:schemeClr val="tx1">
                         <a:lumMod val="65000"/>
@@ -7343,195 +8223,10 @@
                     </a:solidFill>
                     <a:latin typeface="Montserrat" panose="00000500000000000000" pitchFamily="2" charset="0"/>
                   </a:rPr>
-                  <a:t>Трябва да намерим за кои </a:t>
-                </a:r>
-                <a14:m>
-                  <m:oMath xmlns:m="http://schemas.openxmlformats.org/officeDocument/2006/math">
-                    <m:sSub>
-                      <m:sSubPr>
-                        <m:ctrlPr>
-                          <a:rPr lang="en-US" sz="2600" i="1">
-                            <a:solidFill>
-                              <a:schemeClr val="tx1">
-                                <a:lumMod val="65000"/>
-                                <a:lumOff val="35000"/>
-                              </a:schemeClr>
-                            </a:solidFill>
-                            <a:latin typeface="Cambria Math" panose="02040503050406030204" pitchFamily="18" charset="0"/>
-                          </a:rPr>
-                        </m:ctrlPr>
-                      </m:sSubPr>
-                      <m:e>
-                        <m:r>
-                          <a:rPr lang="en-US" sz="2600" b="0" i="1" smtClean="0">
-                            <a:solidFill>
-                              <a:schemeClr val="tx1">
-                                <a:lumMod val="65000"/>
-                                <a:lumOff val="35000"/>
-                              </a:schemeClr>
-                            </a:solidFill>
-                            <a:latin typeface="Cambria Math" panose="02040503050406030204" pitchFamily="18" charset="0"/>
-                          </a:rPr>
-                          <m:t>𝑀</m:t>
-                        </m:r>
-                      </m:e>
-                      <m:sub>
-                        <m:r>
-                          <a:rPr lang="en-US" sz="2600" b="0" i="1" smtClean="0">
-                            <a:solidFill>
-                              <a:schemeClr val="tx1">
-                                <a:lumMod val="65000"/>
-                                <a:lumOff val="35000"/>
-                              </a:schemeClr>
-                            </a:solidFill>
-                            <a:latin typeface="Cambria Math" panose="02040503050406030204" pitchFamily="18" charset="0"/>
-                          </a:rPr>
-                          <m:t>𝑥</m:t>
-                        </m:r>
-                        <m:r>
-                          <a:rPr lang="en-US" sz="2600" i="1">
-                            <a:solidFill>
-                              <a:schemeClr val="tx1">
-                                <a:lumMod val="65000"/>
-                                <a:lumOff val="35000"/>
-                              </a:schemeClr>
-                            </a:solidFill>
-                            <a:latin typeface="Cambria Math" panose="02040503050406030204" pitchFamily="18" charset="0"/>
-                          </a:rPr>
-                          <m:t>𝑥</m:t>
-                        </m:r>
-                      </m:sub>
-                    </m:sSub>
-                    <m:r>
-                      <a:rPr lang="en-US" sz="2600" b="0" i="1" smtClean="0">
-                        <a:solidFill>
-                          <a:schemeClr val="tx1">
-                            <a:lumMod val="65000"/>
-                            <a:lumOff val="35000"/>
-                          </a:schemeClr>
-                        </a:solidFill>
-                        <a:latin typeface="Cambria Math" panose="02040503050406030204" pitchFamily="18" charset="0"/>
-                      </a:rPr>
-                      <m:t>−</m:t>
-                    </m:r>
-                    <m:sSub>
-                      <m:sSubPr>
-                        <m:ctrlPr>
-                          <a:rPr lang="en-US" sz="2600" i="1">
-                            <a:solidFill>
-                              <a:schemeClr val="tx1">
-                                <a:lumMod val="65000"/>
-                                <a:lumOff val="35000"/>
-                              </a:schemeClr>
-                            </a:solidFill>
-                            <a:latin typeface="Cambria Math" panose="02040503050406030204" pitchFamily="18" charset="0"/>
-                          </a:rPr>
-                        </m:ctrlPr>
-                      </m:sSubPr>
-                      <m:e>
-                        <m:r>
-                          <a:rPr lang="en-US" sz="2600" b="0" i="1" smtClean="0">
-                            <a:solidFill>
-                              <a:schemeClr val="tx1">
-                                <a:lumMod val="65000"/>
-                                <a:lumOff val="35000"/>
-                              </a:schemeClr>
-                            </a:solidFill>
-                            <a:latin typeface="Cambria Math" panose="02040503050406030204" pitchFamily="18" charset="0"/>
-                          </a:rPr>
-                          <m:t>𝑀</m:t>
-                        </m:r>
-                      </m:e>
-                      <m:sub>
-                        <m:r>
-                          <a:rPr lang="en-US" sz="2600" b="0" i="1" smtClean="0">
-                            <a:solidFill>
-                              <a:schemeClr val="tx1">
-                                <a:lumMod val="65000"/>
-                                <a:lumOff val="35000"/>
-                              </a:schemeClr>
-                            </a:solidFill>
-                            <a:latin typeface="Cambria Math" panose="02040503050406030204" pitchFamily="18" charset="0"/>
-                          </a:rPr>
-                          <m:t>𝑧𝑧</m:t>
-                        </m:r>
-                      </m:sub>
-                    </m:sSub>
-                  </m:oMath>
-                </a14:m>
-                <a:r>
-                  <a:rPr lang="bg-BG" sz="2600" dirty="0">
-                    <a:solidFill>
-                      <a:schemeClr val="tx1">
-                        <a:lumMod val="65000"/>
-                        <a:lumOff val="35000"/>
-                      </a:schemeClr>
-                    </a:solidFill>
-                    <a:latin typeface="Montserrat" panose="00000500000000000000" pitchFamily="2" charset="0"/>
-                  </a:rPr>
-                  <a:t> и </a:t>
-                </a:r>
-                <a14:m>
-                  <m:oMath xmlns:m="http://schemas.openxmlformats.org/officeDocument/2006/math">
-                    <m:sSub>
-                      <m:sSubPr>
-                        <m:ctrlPr>
-                          <a:rPr lang="en-US" sz="2600" i="1">
-                            <a:solidFill>
-                              <a:schemeClr val="tx1">
-                                <a:lumMod val="65000"/>
-                                <a:lumOff val="35000"/>
-                              </a:schemeClr>
-                            </a:solidFill>
-                            <a:latin typeface="Cambria Math" panose="02040503050406030204" pitchFamily="18" charset="0"/>
-                          </a:rPr>
-                        </m:ctrlPr>
-                      </m:sSubPr>
-                      <m:e>
-                        <m:r>
-                          <a:rPr lang="en-US" sz="2600" i="1">
-                            <a:solidFill>
-                              <a:schemeClr val="tx1">
-                                <a:lumMod val="65000"/>
-                                <a:lumOff val="35000"/>
-                              </a:schemeClr>
-                            </a:solidFill>
-                            <a:latin typeface="Cambria Math" panose="02040503050406030204" pitchFamily="18" charset="0"/>
-                          </a:rPr>
-                          <m:t>𝐵</m:t>
-                        </m:r>
-                      </m:e>
-                      <m:sub>
-                        <m:r>
-                          <a:rPr lang="en-US" sz="2600" i="1">
-                            <a:solidFill>
-                              <a:schemeClr val="tx1">
-                                <a:lumMod val="65000"/>
-                                <a:lumOff val="35000"/>
-                              </a:schemeClr>
-                            </a:solidFill>
-                            <a:latin typeface="Cambria Math" panose="02040503050406030204" pitchFamily="18" charset="0"/>
-                          </a:rPr>
-                          <m:t>𝑥</m:t>
-                        </m:r>
-                      </m:sub>
-                    </m:sSub>
-                  </m:oMath>
-                </a14:m>
-                <a:r>
-                  <a:rPr lang="bg-BG" sz="2600" dirty="0">
-                    <a:solidFill>
-                      <a:schemeClr val="tx1">
-                        <a:lumMod val="65000"/>
-                        <a:lumOff val="35000"/>
-                      </a:schemeClr>
-                    </a:solidFill>
-                    <a:latin typeface="Montserrat" panose="00000500000000000000" pitchFamily="2" charset="0"/>
-                  </a:rPr>
-                  <a:t>-</a:t>
+                  <a:t>We need to find for which </a:t>
                 </a:r>
                 <a:r>
-                  <a:rPr lang="en-US" sz="2600" dirty="0">
+                  <a:rPr lang="bg-BG" sz="2400" dirty="0">
                     <a:solidFill>
                       <a:schemeClr val="tx1">
                         <a:lumMod val="65000"/>
@@ -7547,7 +8242,476 @@
                     <m:sSub>
                       <m:sSubPr>
                         <m:ctrlPr>
-                          <a:rPr lang="en-US" sz="2600" i="1">
+                          <a:rPr lang="en-US" sz="2400" i="1" smtClean="0">
+                            <a:solidFill>
+                              <a:srgbClr val="FFA161"/>
+                            </a:solidFill>
+                            <a:latin typeface="Cambria Math" panose="02040503050406030204" pitchFamily="18" charset="0"/>
+                          </a:rPr>
+                        </m:ctrlPr>
+                      </m:sSubPr>
+                      <m:e>
+                        <m:r>
+                          <a:rPr lang="en-US" sz="2400" b="0" i="1" smtClean="0">
+                            <a:solidFill>
+                              <a:srgbClr val="FFA161"/>
+                            </a:solidFill>
+                            <a:latin typeface="Cambria Math" panose="02040503050406030204" pitchFamily="18" charset="0"/>
+                          </a:rPr>
+                          <m:t>𝑀</m:t>
+                        </m:r>
+                      </m:e>
+                      <m:sub>
+                        <m:r>
+                          <a:rPr lang="en-US" sz="2400" b="0" i="1" smtClean="0">
+                            <a:solidFill>
+                              <a:srgbClr val="FFA161"/>
+                            </a:solidFill>
+                            <a:latin typeface="Cambria Math" panose="02040503050406030204" pitchFamily="18" charset="0"/>
+                          </a:rPr>
+                          <m:t>𝑥</m:t>
+                        </m:r>
+                        <m:r>
+                          <a:rPr lang="en-US" sz="2400" i="1">
+                            <a:solidFill>
+                              <a:srgbClr val="FFA161"/>
+                            </a:solidFill>
+                            <a:latin typeface="Cambria Math" panose="02040503050406030204" pitchFamily="18" charset="0"/>
+                          </a:rPr>
+                          <m:t>𝑥</m:t>
+                        </m:r>
+                      </m:sub>
+                    </m:sSub>
+                    <m:r>
+                      <a:rPr lang="en-US" sz="2400" b="0" i="1" smtClean="0">
+                        <a:solidFill>
+                          <a:srgbClr val="FFA161"/>
+                        </a:solidFill>
+                        <a:latin typeface="Cambria Math" panose="02040503050406030204" pitchFamily="18" charset="0"/>
+                      </a:rPr>
+                      <m:t>,</m:t>
+                    </m:r>
+                    <m:sSub>
+                      <m:sSubPr>
+                        <m:ctrlPr>
+                          <a:rPr lang="en-US" sz="2400" i="1">
+                            <a:solidFill>
+                              <a:srgbClr val="FFA161"/>
+                            </a:solidFill>
+                            <a:latin typeface="Cambria Math" panose="02040503050406030204" pitchFamily="18" charset="0"/>
+                          </a:rPr>
+                        </m:ctrlPr>
+                      </m:sSubPr>
+                      <m:e>
+                        <m:r>
+                          <a:rPr lang="en-US" sz="2400" i="1">
+                            <a:solidFill>
+                              <a:srgbClr val="FFA161"/>
+                            </a:solidFill>
+                            <a:latin typeface="Cambria Math" panose="02040503050406030204" pitchFamily="18" charset="0"/>
+                          </a:rPr>
+                          <m:t>𝑀</m:t>
+                        </m:r>
+                      </m:e>
+                      <m:sub>
+                        <m:r>
+                          <a:rPr lang="en-US" sz="2400" i="1">
+                            <a:solidFill>
+                              <a:srgbClr val="FFA161"/>
+                            </a:solidFill>
+                            <a:latin typeface="Cambria Math" panose="02040503050406030204" pitchFamily="18" charset="0"/>
+                          </a:rPr>
+                          <m:t>𝑥</m:t>
+                        </m:r>
+                        <m:r>
+                          <a:rPr lang="en-US" sz="2400" b="0" i="1" smtClean="0">
+                            <a:solidFill>
+                              <a:srgbClr val="FFA161"/>
+                            </a:solidFill>
+                            <a:latin typeface="Cambria Math" panose="02040503050406030204" pitchFamily="18" charset="0"/>
+                          </a:rPr>
+                          <m:t>𝑦</m:t>
+                        </m:r>
+                      </m:sub>
+                    </m:sSub>
+                    <m:r>
+                      <a:rPr lang="en-US" sz="2400" b="0" i="1" smtClean="0">
+                        <a:solidFill>
+                          <a:srgbClr val="FFA161"/>
+                        </a:solidFill>
+                        <a:latin typeface="Cambria Math" panose="02040503050406030204" pitchFamily="18" charset="0"/>
+                      </a:rPr>
+                      <m:t>,</m:t>
+                    </m:r>
+                    <m:sSub>
+                      <m:sSubPr>
+                        <m:ctrlPr>
+                          <a:rPr lang="en-US" sz="2400" i="1">
+                            <a:solidFill>
+                              <a:srgbClr val="FFA161"/>
+                            </a:solidFill>
+                            <a:latin typeface="Cambria Math" panose="02040503050406030204" pitchFamily="18" charset="0"/>
+                          </a:rPr>
+                        </m:ctrlPr>
+                      </m:sSubPr>
+                      <m:e>
+                        <m:r>
+                          <a:rPr lang="en-US" sz="2400" b="0" i="1" smtClean="0">
+                            <a:solidFill>
+                              <a:srgbClr val="FFA161"/>
+                            </a:solidFill>
+                            <a:latin typeface="Cambria Math" panose="02040503050406030204" pitchFamily="18" charset="0"/>
+                          </a:rPr>
+                          <m:t>𝑀</m:t>
+                        </m:r>
+                      </m:e>
+                      <m:sub>
+                        <m:r>
+                          <a:rPr lang="en-US" sz="2400" b="0" i="1" smtClean="0">
+                            <a:solidFill>
+                              <a:srgbClr val="FFA161"/>
+                            </a:solidFill>
+                            <a:latin typeface="Cambria Math" panose="02040503050406030204" pitchFamily="18" charset="0"/>
+                          </a:rPr>
+                          <m:t>𝑧𝑧</m:t>
+                        </m:r>
+                        <m:r>
+                          <a:rPr lang="en-US" sz="2400" i="1" smtClean="0">
+                            <a:solidFill>
+                              <a:srgbClr val="FFA161"/>
+                            </a:solidFill>
+                            <a:latin typeface="Cambria Math" panose="02040503050406030204" pitchFamily="18" charset="0"/>
+                          </a:rPr>
+                          <m:t> </m:t>
+                        </m:r>
+                      </m:sub>
+                    </m:sSub>
+                    <m:r>
+                      <a:rPr lang="en-US" sz="2400" b="0" i="1" smtClean="0">
+                        <a:solidFill>
+                          <a:schemeClr val="tx1">
+                            <a:lumMod val="65000"/>
+                            <a:lumOff val="35000"/>
+                          </a:schemeClr>
+                        </a:solidFill>
+                        <a:latin typeface="Cambria Math" panose="02040503050406030204" pitchFamily="18" charset="0"/>
+                      </a:rPr>
+                      <m:t>,</m:t>
+                    </m:r>
+                    <m:sSub>
+                      <m:sSubPr>
+                        <m:ctrlPr>
+                          <a:rPr lang="en-US" sz="2400" i="1" smtClean="0">
+                            <a:solidFill>
+                              <a:srgbClr val="FF8000"/>
+                            </a:solidFill>
+                            <a:latin typeface="Cambria Math" panose="02040503050406030204" pitchFamily="18" charset="0"/>
+                          </a:rPr>
+                        </m:ctrlPr>
+                      </m:sSubPr>
+                      <m:e>
+                        <m:r>
+                          <a:rPr lang="en-US" sz="2400" i="1">
+                            <a:solidFill>
+                              <a:srgbClr val="FF8000"/>
+                            </a:solidFill>
+                            <a:latin typeface="Cambria Math" panose="02040503050406030204" pitchFamily="18" charset="0"/>
+                          </a:rPr>
+                          <m:t>𝑀</m:t>
+                        </m:r>
+                      </m:e>
+                      <m:sub>
+                        <m:r>
+                          <a:rPr lang="en-US" sz="2400" b="0" i="1" smtClean="0">
+                            <a:solidFill>
+                              <a:srgbClr val="FF8000"/>
+                            </a:solidFill>
+                            <a:latin typeface="Cambria Math" panose="02040503050406030204" pitchFamily="18" charset="0"/>
+                          </a:rPr>
+                          <m:t>𝑦</m:t>
+                        </m:r>
+                        <m:r>
+                          <a:rPr lang="en-US" sz="2400" i="1">
+                            <a:solidFill>
+                              <a:srgbClr val="FF8000"/>
+                            </a:solidFill>
+                            <a:latin typeface="Cambria Math" panose="02040503050406030204" pitchFamily="18" charset="0"/>
+                          </a:rPr>
+                          <m:t>𝑥</m:t>
+                        </m:r>
+                        <m:r>
+                          <a:rPr lang="en-US" sz="2400" b="0" i="1" smtClean="0">
+                            <a:solidFill>
+                              <a:srgbClr val="FF8000"/>
+                            </a:solidFill>
+                            <a:latin typeface="Cambria Math" panose="02040503050406030204" pitchFamily="18" charset="0"/>
+                          </a:rPr>
+                          <m:t> </m:t>
+                        </m:r>
+                      </m:sub>
+                    </m:sSub>
+                    <m:sSub>
+                      <m:sSubPr>
+                        <m:ctrlPr>
+                          <a:rPr lang="en-US" sz="2400" i="1">
+                            <a:solidFill>
+                              <a:srgbClr val="FF8000"/>
+                            </a:solidFill>
+                            <a:latin typeface="Cambria Math" panose="02040503050406030204" pitchFamily="18" charset="0"/>
+                          </a:rPr>
+                        </m:ctrlPr>
+                      </m:sSubPr>
+                      <m:e>
+                        <m:r>
+                          <a:rPr lang="en-US" sz="2400" i="1">
+                            <a:solidFill>
+                              <a:srgbClr val="FF8000"/>
+                            </a:solidFill>
+                            <a:latin typeface="Cambria Math" panose="02040503050406030204" pitchFamily="18" charset="0"/>
+                          </a:rPr>
+                          <m:t>𝑀</m:t>
+                        </m:r>
+                      </m:e>
+                      <m:sub>
+                        <m:r>
+                          <a:rPr lang="en-US" sz="2400" b="0" i="1" smtClean="0">
+                            <a:solidFill>
+                              <a:srgbClr val="FF8000"/>
+                            </a:solidFill>
+                            <a:latin typeface="Cambria Math" panose="02040503050406030204" pitchFamily="18" charset="0"/>
+                          </a:rPr>
+                          <m:t>𝑦𝑦</m:t>
+                        </m:r>
+                      </m:sub>
+                    </m:sSub>
+                    <m:r>
+                      <a:rPr lang="en-US" sz="2400" i="1">
+                        <a:solidFill>
+                          <a:srgbClr val="FF8000"/>
+                        </a:solidFill>
+                        <a:latin typeface="Cambria Math" panose="02040503050406030204" pitchFamily="18" charset="0"/>
+                      </a:rPr>
+                      <m:t> </m:t>
+                    </m:r>
+                    <m:sSub>
+                      <m:sSubPr>
+                        <m:ctrlPr>
+                          <a:rPr lang="en-US" sz="2400" i="1">
+                            <a:solidFill>
+                              <a:srgbClr val="FF8000"/>
+                            </a:solidFill>
+                            <a:latin typeface="Cambria Math" panose="02040503050406030204" pitchFamily="18" charset="0"/>
+                          </a:rPr>
+                        </m:ctrlPr>
+                      </m:sSubPr>
+                      <m:e>
+                        <m:r>
+                          <a:rPr lang="en-US" sz="2400" i="1">
+                            <a:solidFill>
+                              <a:srgbClr val="FF8000"/>
+                            </a:solidFill>
+                            <a:latin typeface="Cambria Math" panose="02040503050406030204" pitchFamily="18" charset="0"/>
+                          </a:rPr>
+                          <m:t>𝑀</m:t>
+                        </m:r>
+                      </m:e>
+                      <m:sub>
+                        <m:r>
+                          <a:rPr lang="en-US" sz="2400" b="0" i="1" smtClean="0">
+                            <a:solidFill>
+                              <a:srgbClr val="FF8000"/>
+                            </a:solidFill>
+                            <a:latin typeface="Cambria Math" panose="02040503050406030204" pitchFamily="18" charset="0"/>
+                          </a:rPr>
+                          <m:t>𝑦𝑧</m:t>
+                        </m:r>
+                      </m:sub>
+                    </m:sSub>
+                    <m:r>
+                      <a:rPr lang="en-US" sz="2400" b="0" i="1" smtClean="0">
+                        <a:solidFill>
+                          <a:schemeClr val="tx1">
+                            <a:lumMod val="65000"/>
+                            <a:lumOff val="35000"/>
+                          </a:schemeClr>
+                        </a:solidFill>
+                        <a:latin typeface="Cambria Math" panose="02040503050406030204" pitchFamily="18" charset="0"/>
+                      </a:rPr>
+                      <m:t>, </m:t>
+                    </m:r>
+                    <m:sSub>
+                      <m:sSubPr>
+                        <m:ctrlPr>
+                          <a:rPr lang="en-US" sz="2400" i="1" smtClean="0">
+                            <a:solidFill>
+                              <a:srgbClr val="FF6A00"/>
+                            </a:solidFill>
+                            <a:latin typeface="Cambria Math" panose="02040503050406030204" pitchFamily="18" charset="0"/>
+                          </a:rPr>
+                        </m:ctrlPr>
+                      </m:sSubPr>
+                      <m:e>
+                        <m:r>
+                          <a:rPr lang="en-US" sz="2400" i="1">
+                            <a:solidFill>
+                              <a:srgbClr val="FF6A00"/>
+                            </a:solidFill>
+                            <a:latin typeface="Cambria Math" panose="02040503050406030204" pitchFamily="18" charset="0"/>
+                          </a:rPr>
+                          <m:t>𝑀</m:t>
+                        </m:r>
+                      </m:e>
+                      <m:sub>
+                        <m:r>
+                          <a:rPr lang="en-US" sz="2400" b="0" i="1" smtClean="0">
+                            <a:solidFill>
+                              <a:srgbClr val="FF6A00"/>
+                            </a:solidFill>
+                            <a:latin typeface="Cambria Math" panose="02040503050406030204" pitchFamily="18" charset="0"/>
+                          </a:rPr>
+                          <m:t>𝑧</m:t>
+                        </m:r>
+                        <m:r>
+                          <a:rPr lang="en-US" sz="2400" i="1">
+                            <a:solidFill>
+                              <a:srgbClr val="FF6A00"/>
+                            </a:solidFill>
+                            <a:latin typeface="Cambria Math" panose="02040503050406030204" pitchFamily="18" charset="0"/>
+                          </a:rPr>
+                          <m:t>𝑥</m:t>
+                        </m:r>
+                      </m:sub>
+                    </m:sSub>
+                    <m:r>
+                      <a:rPr lang="en-US" sz="2400" i="1">
+                        <a:solidFill>
+                          <a:srgbClr val="FF6A00"/>
+                        </a:solidFill>
+                        <a:latin typeface="Cambria Math" panose="02040503050406030204" pitchFamily="18" charset="0"/>
+                      </a:rPr>
+                      <m:t> </m:t>
+                    </m:r>
+                    <m:sSub>
+                      <m:sSubPr>
+                        <m:ctrlPr>
+                          <a:rPr lang="en-US" sz="2400" i="1">
+                            <a:solidFill>
+                              <a:srgbClr val="FF6A00"/>
+                            </a:solidFill>
+                            <a:latin typeface="Cambria Math" panose="02040503050406030204" pitchFamily="18" charset="0"/>
+                          </a:rPr>
+                        </m:ctrlPr>
+                      </m:sSubPr>
+                      <m:e>
+                        <m:r>
+                          <a:rPr lang="en-US" sz="2400" i="1">
+                            <a:solidFill>
+                              <a:srgbClr val="FF6A00"/>
+                            </a:solidFill>
+                            <a:latin typeface="Cambria Math" panose="02040503050406030204" pitchFamily="18" charset="0"/>
+                          </a:rPr>
+                          <m:t>𝑀</m:t>
+                        </m:r>
+                      </m:e>
+                      <m:sub>
+                        <m:r>
+                          <a:rPr lang="en-US" sz="2400" b="0" i="1" smtClean="0">
+                            <a:solidFill>
+                              <a:srgbClr val="FF6A00"/>
+                            </a:solidFill>
+                            <a:latin typeface="Cambria Math" panose="02040503050406030204" pitchFamily="18" charset="0"/>
+                          </a:rPr>
+                          <m:t>𝑧𝑦</m:t>
+                        </m:r>
+                      </m:sub>
+                    </m:sSub>
+                    <m:r>
+                      <a:rPr lang="en-US" sz="2400" i="1">
+                        <a:solidFill>
+                          <a:srgbClr val="FF6A00"/>
+                        </a:solidFill>
+                        <a:latin typeface="Cambria Math" panose="02040503050406030204" pitchFamily="18" charset="0"/>
+                      </a:rPr>
+                      <m:t> </m:t>
+                    </m:r>
+                    <m:sSub>
+                      <m:sSubPr>
+                        <m:ctrlPr>
+                          <a:rPr lang="en-US" sz="2400" i="1">
+                            <a:solidFill>
+                              <a:srgbClr val="FF6A00"/>
+                            </a:solidFill>
+                            <a:latin typeface="Cambria Math" panose="02040503050406030204" pitchFamily="18" charset="0"/>
+                          </a:rPr>
+                        </m:ctrlPr>
+                      </m:sSubPr>
+                      <m:e>
+                        <m:r>
+                          <a:rPr lang="en-US" sz="2400" i="1">
+                            <a:solidFill>
+                              <a:srgbClr val="FF6A00"/>
+                            </a:solidFill>
+                            <a:latin typeface="Cambria Math" panose="02040503050406030204" pitchFamily="18" charset="0"/>
+                          </a:rPr>
+                          <m:t>𝑀</m:t>
+                        </m:r>
+                      </m:e>
+                      <m:sub>
+                        <m:r>
+                          <a:rPr lang="en-US" sz="2400" b="0" i="1" smtClean="0">
+                            <a:solidFill>
+                              <a:srgbClr val="FF6A00"/>
+                            </a:solidFill>
+                            <a:latin typeface="Cambria Math" panose="02040503050406030204" pitchFamily="18" charset="0"/>
+                          </a:rPr>
+                          <m:t>𝑧𝑧</m:t>
+                        </m:r>
+                      </m:sub>
+                    </m:sSub>
+                    <m:r>
+                      <a:rPr lang="en-US" sz="2400" i="1">
+                        <a:solidFill>
+                          <a:schemeClr val="tx1">
+                            <a:lumMod val="65000"/>
+                            <a:lumOff val="35000"/>
+                          </a:schemeClr>
+                        </a:solidFill>
+                        <a:latin typeface="Cambria Math" panose="02040503050406030204" pitchFamily="18" charset="0"/>
+                      </a:rPr>
+                      <m:t> </m:t>
+                    </m:r>
+                  </m:oMath>
+                </a14:m>
+                <a:r>
+                  <a:rPr lang="en-US" sz="2400" dirty="0">
+                    <a:solidFill>
+                      <a:schemeClr val="tx1">
+                        <a:lumMod val="65000"/>
+                        <a:lumOff val="35000"/>
+                      </a:schemeClr>
+                    </a:solidFill>
+                    <a:latin typeface="Montserrat" panose="00000500000000000000" pitchFamily="2" charset="0"/>
+                  </a:rPr>
+                  <a:t>and</a:t>
+                </a:r>
+                <a:r>
+                  <a:rPr lang="bg-BG" sz="2400" dirty="0">
+                    <a:solidFill>
+                      <a:schemeClr val="tx1">
+                        <a:lumMod val="65000"/>
+                        <a:lumOff val="35000"/>
+                      </a:schemeClr>
+                    </a:solidFill>
+                    <a:latin typeface="Montserrat" panose="00000500000000000000" pitchFamily="2" charset="0"/>
+                  </a:rPr>
+                  <a:t> </a:t>
+                </a:r>
+                <a14:m>
+                  <m:oMath xmlns:m="http://schemas.openxmlformats.org/officeDocument/2006/math">
+                    <m:sSub>
+                      <m:sSubPr>
+                        <m:ctrlPr>
+                          <a:rPr lang="en-US" sz="2400" i="1">
                             <a:solidFill>
                               <a:schemeClr val="tx1">
                                 <a:lumMod val="65000"/>
@@ -7560,7 +8724,7 @@
                       </m:sSubPr>
                       <m:e>
                         <m:r>
-                          <a:rPr lang="en-US" sz="2600" i="1">
+                          <a:rPr lang="en-US" sz="2400" i="1">
                             <a:solidFill>
                               <a:schemeClr val="tx1">
                                 <a:lumMod val="65000"/>
@@ -7574,7 +8738,121 @@
                       </m:e>
                       <m:sub>
                         <m:r>
-                          <a:rPr lang="en-US" sz="2600" b="0" i="1" smtClean="0">
+                          <a:rPr lang="en-US" sz="2400" i="1">
+                            <a:solidFill>
+                              <a:schemeClr val="tx1">
+                                <a:lumMod val="65000"/>
+                                <a:lumOff val="35000"/>
+                              </a:schemeClr>
+                            </a:solidFill>
+                            <a:latin typeface="Cambria Math" panose="02040503050406030204" pitchFamily="18" charset="0"/>
+                          </a:rPr>
+                          <m:t>𝑥</m:t>
+                        </m:r>
+                      </m:sub>
+                    </m:sSub>
+                    <m:r>
+                      <a:rPr lang="en-US" sz="2400" b="0" i="1" smtClean="0">
+                        <a:solidFill>
+                          <a:schemeClr val="tx1">
+                            <a:lumMod val="65000"/>
+                            <a:lumOff val="35000"/>
+                          </a:schemeClr>
+                        </a:solidFill>
+                        <a:latin typeface="Cambria Math" panose="02040503050406030204" pitchFamily="18" charset="0"/>
+                      </a:rPr>
+                      <m:t>,</m:t>
+                    </m:r>
+                    <m:sSub>
+                      <m:sSubPr>
+                        <m:ctrlPr>
+                          <a:rPr lang="en-US" sz="2400" i="1">
+                            <a:solidFill>
+                              <a:schemeClr val="tx1">
+                                <a:lumMod val="65000"/>
+                                <a:lumOff val="35000"/>
+                              </a:schemeClr>
+                            </a:solidFill>
+                            <a:latin typeface="Cambria Math" panose="02040503050406030204" pitchFamily="18" charset="0"/>
+                          </a:rPr>
+                        </m:ctrlPr>
+                      </m:sSubPr>
+                      <m:e>
+                        <m:r>
+                          <a:rPr lang="en-US" sz="2400" i="1">
+                            <a:solidFill>
+                              <a:schemeClr val="tx1">
+                                <a:lumMod val="65000"/>
+                                <a:lumOff val="35000"/>
+                              </a:schemeClr>
+                            </a:solidFill>
+                            <a:latin typeface="Cambria Math" panose="02040503050406030204" pitchFamily="18" charset="0"/>
+                          </a:rPr>
+                          <m:t>𝐵</m:t>
+                        </m:r>
+                      </m:e>
+                      <m:sub>
+                        <m:r>
+                          <a:rPr lang="en-US" sz="2400" b="0" i="1" smtClean="0">
+                            <a:solidFill>
+                              <a:schemeClr val="tx1">
+                                <a:lumMod val="65000"/>
+                                <a:lumOff val="35000"/>
+                              </a:schemeClr>
+                            </a:solidFill>
+                            <a:latin typeface="Cambria Math" panose="02040503050406030204" pitchFamily="18" charset="0"/>
+                          </a:rPr>
+                          <m:t>𝑦</m:t>
+                        </m:r>
+                      </m:sub>
+                    </m:sSub>
+                  </m:oMath>
+                </a14:m>
+                <a:r>
+                  <a:rPr lang="en-US" sz="2400" dirty="0">
+                    <a:solidFill>
+                      <a:schemeClr val="tx1">
+                        <a:lumMod val="65000"/>
+                        <a:lumOff val="35000"/>
+                      </a:schemeClr>
+                    </a:solidFill>
+                    <a:latin typeface="Montserrat" panose="00000500000000000000" pitchFamily="2" charset="0"/>
+                  </a:rPr>
+                  <a:t>,</a:t>
+                </a:r>
+                <a14:m>
+                  <m:oMath xmlns:m="http://schemas.openxmlformats.org/officeDocument/2006/math">
+                    <m:sSub>
+                      <m:sSubPr>
+                        <m:ctrlPr>
+                          <a:rPr lang="en-US" sz="2400" i="1">
+                            <a:solidFill>
+                              <a:schemeClr val="tx1">
+                                <a:lumMod val="65000"/>
+                                <a:lumOff val="35000"/>
+                              </a:schemeClr>
+                            </a:solidFill>
+                            <a:latin typeface="Cambria Math" panose="02040503050406030204" pitchFamily="18" charset="0"/>
+                          </a:rPr>
+                        </m:ctrlPr>
+                      </m:sSubPr>
+                      <m:e>
+                        <m:r>
+                          <a:rPr lang="en-US" sz="2400" i="1">
+                            <a:solidFill>
+                              <a:schemeClr val="tx1">
+                                <a:lumMod val="65000"/>
+                                <a:lumOff val="35000"/>
+                              </a:schemeClr>
+                            </a:solidFill>
+                            <a:latin typeface="Cambria Math" panose="02040503050406030204" pitchFamily="18" charset="0"/>
+                          </a:rPr>
+                          <m:t>𝐵</m:t>
+                        </m:r>
+                      </m:e>
+                      <m:sub>
+                        <m:r>
+                          <a:rPr lang="en-US" sz="2400" b="0" i="1" smtClean="0">
                             <a:solidFill>
                               <a:schemeClr val="tx1">
                                 <a:lumMod val="65000"/>
@@ -7590,7 +8868,7 @@
                   </m:oMath>
                 </a14:m>
                 <a:r>
-                  <a:rPr lang="bg-BG" sz="2600" dirty="0">
+                  <a:rPr lang="en-US" sz="2400" dirty="0">
                     <a:solidFill>
                       <a:schemeClr val="tx1">
                         <a:lumMod val="65000"/>
@@ -7599,382 +8877,10 @@
                     </a:solidFill>
                     <a:latin typeface="Montserrat" panose="00000500000000000000" pitchFamily="2" charset="0"/>
                   </a:rPr>
-                  <a:t> имаме най-малка грешка. Започваме от начално приближение:</a:t>
+                  <a:t> we have the smallest error</a:t>
                 </a:r>
-              </a:p>
-              <a:p>
-                <a:pPr marL="0" indent="0">
-                  <a:buNone/>
-                </a:pPr>
-                <a:endParaRPr lang="en-US" b="0" i="1" dirty="0">
-                  <a:solidFill>
-                    <a:schemeClr val="tx1">
-                      <a:lumMod val="65000"/>
-                      <a:lumOff val="35000"/>
-                    </a:schemeClr>
-                  </a:solidFill>
-                  <a:latin typeface="Cambria Math" panose="02040503050406030204" pitchFamily="18" charset="0"/>
-                </a:endParaRPr>
-              </a:p>
-              <a:p>
-                <a:pPr marL="0" indent="0">
-                  <a:buNone/>
-                </a:pPr>
-                <a14:m>
-                  <m:oMathPara xmlns:m="http://schemas.openxmlformats.org/officeDocument/2006/math">
-                    <m:oMathParaPr>
-                      <m:jc m:val="centerGroup"/>
-                    </m:oMathParaPr>
-                    <m:oMath xmlns:m="http://schemas.openxmlformats.org/officeDocument/2006/math">
-                      <m:r>
-                        <a:rPr lang="en-US" b="0" i="1" smtClean="0">
-                          <a:solidFill>
-                            <a:schemeClr val="tx1">
-                              <a:lumMod val="65000"/>
-                              <a:lumOff val="35000"/>
-                            </a:schemeClr>
-                          </a:solidFill>
-                          <a:latin typeface="Cambria Math" panose="02040503050406030204" pitchFamily="18" charset="0"/>
-                        </a:rPr>
-                        <m:t>𝑀</m:t>
-                      </m:r>
-                      <m:r>
-                        <a:rPr lang="en-US" b="0" i="1" smtClean="0">
-                          <a:solidFill>
-                            <a:schemeClr val="tx1">
-                              <a:lumMod val="65000"/>
-                              <a:lumOff val="35000"/>
-                            </a:schemeClr>
-                          </a:solidFill>
-                          <a:latin typeface="Cambria Math" panose="02040503050406030204" pitchFamily="18" charset="0"/>
-                        </a:rPr>
-                        <m:t>=</m:t>
-                      </m:r>
-                      <m:d>
-                        <m:dPr>
-                          <m:ctrlPr>
-                            <a:rPr lang="en-US" i="1">
-                              <a:solidFill>
-                                <a:schemeClr val="tx1">
-                                  <a:lumMod val="65000"/>
-                                  <a:lumOff val="35000"/>
-                                </a:schemeClr>
-                              </a:solidFill>
-                              <a:latin typeface="Cambria Math" panose="02040503050406030204" pitchFamily="18" charset="0"/>
-                            </a:rPr>
-                          </m:ctrlPr>
-                        </m:dPr>
-                        <m:e>
-                          <m:m>
-                            <m:mPr>
-                              <m:mcs>
-                                <m:mc>
-                                  <m:mcPr>
-                                    <m:count m:val="3"/>
-                                    <m:mcJc m:val="center"/>
-                                  </m:mcPr>
-                                </m:mc>
-                              </m:mcs>
-                              <m:ctrlPr>
-                                <a:rPr lang="en-US" i="1">
-                                  <a:solidFill>
-                                    <a:schemeClr val="tx1">
-                                      <a:lumMod val="65000"/>
-                                      <a:lumOff val="35000"/>
-                                    </a:schemeClr>
-                                  </a:solidFill>
-                                  <a:latin typeface="Cambria Math" panose="02040503050406030204" pitchFamily="18" charset="0"/>
-                                </a:rPr>
-                              </m:ctrlPr>
-                            </m:mPr>
-                            <m:mr>
-                              <m:e>
-                                <m:r>
-                                  <a:rPr lang="bg-BG" b="0" i="1" smtClean="0">
-                                    <a:solidFill>
-                                      <a:schemeClr val="tx1">
-                                        <a:lumMod val="65000"/>
-                                        <a:lumOff val="35000"/>
-                                      </a:schemeClr>
-                                    </a:solidFill>
-                                    <a:latin typeface="Cambria Math" panose="02040503050406030204" pitchFamily="18" charset="0"/>
-                                  </a:rPr>
-                                  <m:t>1</m:t>
-                                </m:r>
-                              </m:e>
-                              <m:e>
-                                <m:r>
-                                  <a:rPr lang="bg-BG" b="0" i="1" smtClean="0">
-                                    <a:solidFill>
-                                      <a:schemeClr val="tx1">
-                                        <a:lumMod val="65000"/>
-                                        <a:lumOff val="35000"/>
-                                      </a:schemeClr>
-                                    </a:solidFill>
-                                    <a:latin typeface="Cambria Math" panose="02040503050406030204" pitchFamily="18" charset="0"/>
-                                  </a:rPr>
-                                  <m:t>0</m:t>
-                                </m:r>
-                              </m:e>
-                              <m:e>
-                                <m:r>
-                                  <a:rPr lang="bg-BG" b="0" i="1" smtClean="0">
-                                    <a:solidFill>
-                                      <a:schemeClr val="tx1">
-                                        <a:lumMod val="65000"/>
-                                        <a:lumOff val="35000"/>
-                                      </a:schemeClr>
-                                    </a:solidFill>
-                                    <a:latin typeface="Cambria Math" panose="02040503050406030204" pitchFamily="18" charset="0"/>
-                                  </a:rPr>
-                                  <m:t>0</m:t>
-                                </m:r>
-                              </m:e>
-                            </m:mr>
-                            <m:mr>
-                              <m:e>
-                                <m:r>
-                                  <a:rPr lang="bg-BG" b="0" i="1" smtClean="0">
-                                    <a:solidFill>
-                                      <a:schemeClr val="tx1">
-                                        <a:lumMod val="65000"/>
-                                        <a:lumOff val="35000"/>
-                                      </a:schemeClr>
-                                    </a:solidFill>
-                                    <a:latin typeface="Cambria Math" panose="02040503050406030204" pitchFamily="18" charset="0"/>
-                                  </a:rPr>
-                                  <m:t>0</m:t>
-                                </m:r>
-                              </m:e>
-                              <m:e>
-                                <m:r>
-                                  <a:rPr lang="bg-BG" b="0" i="1" smtClean="0">
-                                    <a:solidFill>
-                                      <a:schemeClr val="tx1">
-                                        <a:lumMod val="65000"/>
-                                        <a:lumOff val="35000"/>
-                                      </a:schemeClr>
-                                    </a:solidFill>
-                                    <a:latin typeface="Cambria Math" panose="02040503050406030204" pitchFamily="18" charset="0"/>
-                                  </a:rPr>
-                                  <m:t>1</m:t>
-                                </m:r>
-                              </m:e>
-                              <m:e>
-                                <m:r>
-                                  <a:rPr lang="bg-BG" b="0" i="1" smtClean="0">
-                                    <a:solidFill>
-                                      <a:schemeClr val="tx1">
-                                        <a:lumMod val="65000"/>
-                                        <a:lumOff val="35000"/>
-                                      </a:schemeClr>
-                                    </a:solidFill>
-                                    <a:latin typeface="Cambria Math" panose="02040503050406030204" pitchFamily="18" charset="0"/>
-                                  </a:rPr>
-                                  <m:t>0</m:t>
-                                </m:r>
-                              </m:e>
-                            </m:mr>
-                            <m:mr>
-                              <m:e>
-                                <m:r>
-                                  <a:rPr lang="bg-BG" b="0" i="1" smtClean="0">
-                                    <a:solidFill>
-                                      <a:schemeClr val="tx1">
-                                        <a:lumMod val="65000"/>
-                                        <a:lumOff val="35000"/>
-                                      </a:schemeClr>
-                                    </a:solidFill>
-                                    <a:latin typeface="Cambria Math" panose="02040503050406030204" pitchFamily="18" charset="0"/>
-                                  </a:rPr>
-                                  <m:t>0</m:t>
-                                </m:r>
-                              </m:e>
-                              <m:e>
-                                <m:r>
-                                  <a:rPr lang="bg-BG" b="0" i="1" smtClean="0">
-                                    <a:solidFill>
-                                      <a:schemeClr val="tx1">
-                                        <a:lumMod val="65000"/>
-                                        <a:lumOff val="35000"/>
-                                      </a:schemeClr>
-                                    </a:solidFill>
-                                    <a:latin typeface="Cambria Math" panose="02040503050406030204" pitchFamily="18" charset="0"/>
-                                  </a:rPr>
-                                  <m:t>0</m:t>
-                                </m:r>
-                              </m:e>
-                              <m:e>
-                                <m:r>
-                                  <a:rPr lang="bg-BG" b="0" i="1" smtClean="0">
-                                    <a:solidFill>
-                                      <a:schemeClr val="tx1">
-                                        <a:lumMod val="65000"/>
-                                        <a:lumOff val="35000"/>
-                                      </a:schemeClr>
-                                    </a:solidFill>
-                                    <a:latin typeface="Cambria Math" panose="02040503050406030204" pitchFamily="18" charset="0"/>
-                                  </a:rPr>
-                                  <m:t>1</m:t>
-                                </m:r>
-                              </m:e>
-                            </m:mr>
-                          </m:m>
-                        </m:e>
-                      </m:d>
-                      <m:r>
-                        <a:rPr lang="en-US" b="0" i="1" smtClean="0">
-                          <a:solidFill>
-                            <a:schemeClr val="tx1">
-                              <a:lumMod val="65000"/>
-                              <a:lumOff val="35000"/>
-                            </a:schemeClr>
-                          </a:solidFill>
-                          <a:latin typeface="Cambria Math" panose="02040503050406030204" pitchFamily="18" charset="0"/>
-                        </a:rPr>
-                        <m:t>,</m:t>
-                      </m:r>
-                      <m:r>
-                        <a:rPr lang="bg-BG" b="0" i="1" smtClean="0">
-                          <a:solidFill>
-                            <a:schemeClr val="tx1">
-                              <a:lumMod val="65000"/>
-                              <a:lumOff val="35000"/>
-                            </a:schemeClr>
-                          </a:solidFill>
-                          <a:latin typeface="Cambria Math" panose="02040503050406030204" pitchFamily="18" charset="0"/>
-                        </a:rPr>
-                        <m:t> </m:t>
-                      </m:r>
-                      <m:r>
-                        <a:rPr lang="en-US" b="0" i="1" smtClean="0">
-                          <a:solidFill>
-                            <a:schemeClr val="tx1">
-                              <a:lumMod val="65000"/>
-                              <a:lumOff val="35000"/>
-                            </a:schemeClr>
-                          </a:solidFill>
-                          <a:latin typeface="Cambria Math" panose="02040503050406030204" pitchFamily="18" charset="0"/>
-                        </a:rPr>
-                        <m:t> </m:t>
-                      </m:r>
-                      <m:r>
-                        <a:rPr lang="en-US" b="0" i="1" smtClean="0">
-                          <a:solidFill>
-                            <a:schemeClr val="tx1">
-                              <a:lumMod val="65000"/>
-                              <a:lumOff val="35000"/>
-                            </a:schemeClr>
-                          </a:solidFill>
-                          <a:latin typeface="Cambria Math" panose="02040503050406030204" pitchFamily="18" charset="0"/>
-                        </a:rPr>
-                        <m:t>𝐵</m:t>
-                      </m:r>
-                      <m:r>
-                        <a:rPr lang="en-US" b="0" i="1" smtClean="0">
-                          <a:solidFill>
-                            <a:schemeClr val="tx1">
-                              <a:lumMod val="65000"/>
-                              <a:lumOff val="35000"/>
-                            </a:schemeClr>
-                          </a:solidFill>
-                          <a:latin typeface="Cambria Math" panose="02040503050406030204" pitchFamily="18" charset="0"/>
-                        </a:rPr>
-                        <m:t>=</m:t>
-                      </m:r>
-                      <m:d>
-                        <m:dPr>
-                          <m:ctrlPr>
-                            <a:rPr lang="en-US" i="1">
-                              <a:solidFill>
-                                <a:schemeClr val="tx1">
-                                  <a:lumMod val="65000"/>
-                                  <a:lumOff val="35000"/>
-                                </a:schemeClr>
-                              </a:solidFill>
-                              <a:latin typeface="Cambria Math" panose="02040503050406030204" pitchFamily="18" charset="0"/>
-                            </a:rPr>
-                          </m:ctrlPr>
-                        </m:dPr>
-                        <m:e>
-                          <m:m>
-                            <m:mPr>
-                              <m:mcs>
-                                <m:mc>
-                                  <m:mcPr>
-                                    <m:count m:val="1"/>
-                                    <m:mcJc m:val="center"/>
-                                  </m:mcPr>
-                                </m:mc>
-                              </m:mcs>
-                              <m:ctrlPr>
-                                <a:rPr lang="en-US" i="1" smtClean="0">
-                                  <a:solidFill>
-                                    <a:schemeClr val="tx1">
-                                      <a:lumMod val="65000"/>
-                                      <a:lumOff val="35000"/>
-                                    </a:schemeClr>
-                                  </a:solidFill>
-                                  <a:latin typeface="Cambria Math" panose="02040503050406030204" pitchFamily="18" charset="0"/>
-                                </a:rPr>
-                              </m:ctrlPr>
-                            </m:mPr>
-                            <m:mr>
-                              <m:e>
-                                <m:r>
-                                  <a:rPr lang="en-US" b="0" i="1" smtClean="0">
-                                    <a:solidFill>
-                                      <a:schemeClr val="tx1">
-                                        <a:lumMod val="65000"/>
-                                        <a:lumOff val="35000"/>
-                                      </a:schemeClr>
-                                    </a:solidFill>
-                                    <a:latin typeface="Cambria Math" panose="02040503050406030204" pitchFamily="18" charset="0"/>
-                                  </a:rPr>
-                                  <m:t>0</m:t>
-                                </m:r>
-                              </m:e>
-                            </m:mr>
-                            <m:mr>
-                              <m:e>
-                                <m:r>
-                                  <a:rPr lang="en-US" b="0" i="1" smtClean="0">
-                                    <a:solidFill>
-                                      <a:schemeClr val="tx1">
-                                        <a:lumMod val="65000"/>
-                                        <a:lumOff val="35000"/>
-                                      </a:schemeClr>
-                                    </a:solidFill>
-                                    <a:latin typeface="Cambria Math" panose="02040503050406030204" pitchFamily="18" charset="0"/>
-                                  </a:rPr>
-                                  <m:t>0</m:t>
-                                </m:r>
-                              </m:e>
-                            </m:mr>
-                            <m:mr>
-                              <m:e>
-                                <m:r>
-                                  <a:rPr lang="en-US" b="0" i="1" smtClean="0">
-                                    <a:solidFill>
-                                      <a:schemeClr val="tx1">
-                                        <a:lumMod val="65000"/>
-                                        <a:lumOff val="35000"/>
-                                      </a:schemeClr>
-                                    </a:solidFill>
-                                    <a:latin typeface="Cambria Math" panose="02040503050406030204" pitchFamily="18" charset="0"/>
-                                  </a:rPr>
-                                  <m:t>0</m:t>
-                                </m:r>
-                              </m:e>
-                            </m:mr>
-                          </m:m>
-                        </m:e>
-                      </m:d>
-                    </m:oMath>
-                  </m:oMathPara>
-                </a14:m>
-                <a:br>
-                  <a:rPr lang="bg-BG" dirty="0">
+                <a:r>
+                  <a:rPr lang="bg-BG" sz="2400" dirty="0">
                     <a:solidFill>
                       <a:schemeClr val="tx1">
                         <a:lumMod val="65000"/>
@@ -7983,8 +8889,9 @@
                     </a:solidFill>
                     <a:latin typeface="Montserrat" panose="00000500000000000000" pitchFamily="2" charset="0"/>
                   </a:rPr>
-                </a:br>
-                <a:endParaRPr lang="en-US" dirty="0">
+                  <a:t>.</a:t>
+                </a:r>
+                <a:endParaRPr lang="en-US" sz="2400" dirty="0">
                   <a:solidFill>
                     <a:schemeClr val="tx1">
                       <a:lumMod val="65000"/>
@@ -7998,7 +8905,1463 @@
                 <a:pPr marL="0" indent="0">
                   <a:buNone/>
                 </a:pPr>
-                <a:endParaRPr lang="bg-BG" dirty="0">
+                <a:endParaRPr lang="en-US" sz="1800" dirty="0">
+                  <a:solidFill>
+                    <a:schemeClr val="tx1">
+                      <a:lumMod val="65000"/>
+                      <a:lumOff val="35000"/>
+                    </a:schemeClr>
+                  </a:solidFill>
+                  <a:latin typeface="Montserrat" panose="00000500000000000000" pitchFamily="2" charset="0"/>
+                </a:endParaRPr>
+              </a:p>
+              <a:p>
+                <a:pPr marL="0" indent="0">
+                  <a:buNone/>
+                </a:pPr>
+                <a14:m>
+                  <m:oMath xmlns:m="http://schemas.openxmlformats.org/officeDocument/2006/math">
+                    <m:r>
+                      <a:rPr lang="en-US" sz="1800" b="0" i="1" smtClean="0">
+                        <a:solidFill>
+                          <a:schemeClr val="tx1">
+                            <a:lumMod val="65000"/>
+                            <a:lumOff val="35000"/>
+                          </a:schemeClr>
+                        </a:solidFill>
+                        <a:latin typeface="Cambria Math" panose="02040503050406030204" pitchFamily="18" charset="0"/>
+                      </a:rPr>
+                      <m:t>𝐸𝑟𝑟</m:t>
+                    </m:r>
+                    <m:r>
+                      <a:rPr lang="en-US" sz="1800" b="0" i="1" smtClean="0">
+                        <a:solidFill>
+                          <a:schemeClr val="tx1">
+                            <a:lumMod val="65000"/>
+                            <a:lumOff val="35000"/>
+                          </a:schemeClr>
+                        </a:solidFill>
+                        <a:latin typeface="Cambria Math" panose="02040503050406030204" pitchFamily="18" charset="0"/>
+                      </a:rPr>
+                      <m:t>(</m:t>
+                    </m:r>
+                    <m:r>
+                      <a:rPr lang="en-US" sz="1800" b="0" i="1" smtClean="0">
+                        <a:solidFill>
+                          <a:schemeClr val="tx1">
+                            <a:lumMod val="65000"/>
+                            <a:lumOff val="35000"/>
+                          </a:schemeClr>
+                        </a:solidFill>
+                        <a:latin typeface="Cambria Math" panose="02040503050406030204" pitchFamily="18" charset="0"/>
+                      </a:rPr>
+                      <m:t>𝑀</m:t>
+                    </m:r>
+                    <m:r>
+                      <a:rPr lang="en-US" sz="1800" b="0" i="1" smtClean="0">
+                        <a:solidFill>
+                          <a:schemeClr val="tx1">
+                            <a:lumMod val="65000"/>
+                            <a:lumOff val="35000"/>
+                          </a:schemeClr>
+                        </a:solidFill>
+                        <a:latin typeface="Cambria Math" panose="02040503050406030204" pitchFamily="18" charset="0"/>
+                      </a:rPr>
+                      <m:t>,</m:t>
+                    </m:r>
+                    <m:r>
+                      <a:rPr lang="en-US" sz="1800" b="0" i="1" smtClean="0">
+                        <a:solidFill>
+                          <a:schemeClr val="tx1">
+                            <a:lumMod val="65000"/>
+                            <a:lumOff val="35000"/>
+                          </a:schemeClr>
+                        </a:solidFill>
+                        <a:latin typeface="Cambria Math" panose="02040503050406030204" pitchFamily="18" charset="0"/>
+                      </a:rPr>
+                      <m:t>𝐵</m:t>
+                    </m:r>
+                    <m:r>
+                      <a:rPr lang="en-US" sz="1800" b="0" i="1" smtClean="0">
+                        <a:solidFill>
+                          <a:schemeClr val="tx1">
+                            <a:lumMod val="65000"/>
+                            <a:lumOff val="35000"/>
+                          </a:schemeClr>
+                        </a:solidFill>
+                        <a:latin typeface="Cambria Math" panose="02040503050406030204" pitchFamily="18" charset="0"/>
+                      </a:rPr>
+                      <m:t>)=</m:t>
+                    </m:r>
+                    <m:sSup>
+                      <m:sSupPr>
+                        <m:ctrlPr>
+                          <a:rPr lang="en-US" sz="1800" i="1" smtClean="0">
+                            <a:solidFill>
+                              <a:schemeClr val="tx1">
+                                <a:lumMod val="65000"/>
+                                <a:lumOff val="35000"/>
+                              </a:schemeClr>
+                            </a:solidFill>
+                            <a:latin typeface="Cambria Math" panose="02040503050406030204" pitchFamily="18" charset="0"/>
+                          </a:rPr>
+                        </m:ctrlPr>
+                      </m:sSupPr>
+                      <m:e>
+                        <m:d>
+                          <m:dPr>
+                            <m:ctrlPr>
+                              <a:rPr lang="en-US" sz="1800" i="1" smtClean="0">
+                                <a:solidFill>
+                                  <a:schemeClr val="tx1">
+                                    <a:lumMod val="65000"/>
+                                    <a:lumOff val="35000"/>
+                                  </a:schemeClr>
+                                </a:solidFill>
+                                <a:latin typeface="Cambria Math" panose="02040503050406030204" pitchFamily="18" charset="0"/>
+                              </a:rPr>
+                            </m:ctrlPr>
+                          </m:dPr>
+                          <m:e>
+                            <m:sSub>
+                              <m:sSubPr>
+                                <m:ctrlPr>
+                                  <a:rPr lang="en-US" sz="1800" i="1">
+                                    <a:solidFill>
+                                      <a:schemeClr val="tx1">
+                                        <a:lumMod val="65000"/>
+                                        <a:lumOff val="35000"/>
+                                      </a:schemeClr>
+                                    </a:solidFill>
+                                    <a:latin typeface="Cambria Math" panose="02040503050406030204" pitchFamily="18" charset="0"/>
+                                  </a:rPr>
+                                </m:ctrlPr>
+                              </m:sSubPr>
+                              <m:e>
+                                <m:r>
+                                  <a:rPr lang="en-US" sz="1800" i="1">
+                                    <a:solidFill>
+                                      <a:schemeClr val="tx1">
+                                        <a:lumMod val="65000"/>
+                                        <a:lumOff val="35000"/>
+                                      </a:schemeClr>
+                                    </a:solidFill>
+                                    <a:latin typeface="Cambria Math" panose="02040503050406030204" pitchFamily="18" charset="0"/>
+                                  </a:rPr>
+                                  <m:t>𝑀</m:t>
+                                </m:r>
+                              </m:e>
+                              <m:sub>
+                                <m:r>
+                                  <a:rPr lang="en-US" sz="1800" i="1">
+                                    <a:solidFill>
+                                      <a:schemeClr val="tx1">
+                                        <a:lumMod val="65000"/>
+                                        <a:lumOff val="35000"/>
+                                      </a:schemeClr>
+                                    </a:solidFill>
+                                    <a:latin typeface="Cambria Math" panose="02040503050406030204" pitchFamily="18" charset="0"/>
+                                  </a:rPr>
+                                  <m:t>𝑥𝑥</m:t>
+                                </m:r>
+                              </m:sub>
+                            </m:sSub>
+                            <m:sSub>
+                              <m:sSubPr>
+                                <m:ctrlPr>
+                                  <a:rPr lang="en-US" sz="1800" i="1" smtClean="0">
+                                    <a:solidFill>
+                                      <a:schemeClr val="tx1">
+                                        <a:lumMod val="65000"/>
+                                        <a:lumOff val="35000"/>
+                                      </a:schemeClr>
+                                    </a:solidFill>
+                                    <a:latin typeface="Cambria Math" panose="02040503050406030204" pitchFamily="18" charset="0"/>
+                                  </a:rPr>
+                                </m:ctrlPr>
+                              </m:sSubPr>
+                              <m:e>
+                                <m:r>
+                                  <a:rPr lang="en-US" sz="1800" b="0" i="1" smtClean="0">
+                                    <a:solidFill>
+                                      <a:schemeClr val="tx1">
+                                        <a:lumMod val="65000"/>
+                                        <a:lumOff val="35000"/>
+                                      </a:schemeClr>
+                                    </a:solidFill>
+                                    <a:latin typeface="Cambria Math" panose="02040503050406030204" pitchFamily="18" charset="0"/>
+                                  </a:rPr>
+                                  <m:t>𝑥</m:t>
+                                </m:r>
+                              </m:e>
+                              <m:sub>
+                                <m:r>
+                                  <a:rPr lang="en-US" sz="1800" b="0" i="1" smtClean="0">
+                                    <a:solidFill>
+                                      <a:schemeClr val="tx1">
+                                        <a:lumMod val="65000"/>
+                                        <a:lumOff val="35000"/>
+                                      </a:schemeClr>
+                                    </a:solidFill>
+                                    <a:latin typeface="Cambria Math" panose="02040503050406030204" pitchFamily="18" charset="0"/>
+                                  </a:rPr>
+                                  <m:t>𝑖</m:t>
+                                </m:r>
+                              </m:sub>
+                            </m:sSub>
+                            <m:r>
+                              <a:rPr lang="en-US" sz="1800" i="1">
+                                <a:solidFill>
+                                  <a:schemeClr val="tx1">
+                                    <a:lumMod val="65000"/>
+                                    <a:lumOff val="35000"/>
+                                  </a:schemeClr>
+                                </a:solidFill>
+                                <a:latin typeface="Cambria Math" panose="02040503050406030204" pitchFamily="18" charset="0"/>
+                              </a:rPr>
+                              <m:t>+</m:t>
+                            </m:r>
+                            <m:sSub>
+                              <m:sSubPr>
+                                <m:ctrlPr>
+                                  <a:rPr lang="en-US" sz="1800" i="1">
+                                    <a:solidFill>
+                                      <a:schemeClr val="tx1">
+                                        <a:lumMod val="65000"/>
+                                        <a:lumOff val="35000"/>
+                                      </a:schemeClr>
+                                    </a:solidFill>
+                                    <a:latin typeface="Cambria Math" panose="02040503050406030204" pitchFamily="18" charset="0"/>
+                                  </a:rPr>
+                                </m:ctrlPr>
+                              </m:sSubPr>
+                              <m:e>
+                                <m:r>
+                                  <a:rPr lang="en-US" sz="1800" i="1">
+                                    <a:solidFill>
+                                      <a:schemeClr val="tx1">
+                                        <a:lumMod val="65000"/>
+                                        <a:lumOff val="35000"/>
+                                      </a:schemeClr>
+                                    </a:solidFill>
+                                    <a:latin typeface="Cambria Math" panose="02040503050406030204" pitchFamily="18" charset="0"/>
+                                  </a:rPr>
+                                  <m:t>𝑀</m:t>
+                                </m:r>
+                              </m:e>
+                              <m:sub>
+                                <m:r>
+                                  <a:rPr lang="en-US" sz="1800" i="1">
+                                    <a:solidFill>
+                                      <a:schemeClr val="tx1">
+                                        <a:lumMod val="65000"/>
+                                        <a:lumOff val="35000"/>
+                                      </a:schemeClr>
+                                    </a:solidFill>
+                                    <a:latin typeface="Cambria Math" panose="02040503050406030204" pitchFamily="18" charset="0"/>
+                                  </a:rPr>
+                                  <m:t>𝑥𝑦</m:t>
+                                </m:r>
+                              </m:sub>
+                            </m:sSub>
+                            <m:sSub>
+                              <m:sSubPr>
+                                <m:ctrlPr>
+                                  <a:rPr lang="en-US" sz="1800" i="1">
+                                    <a:solidFill>
+                                      <a:schemeClr val="tx1">
+                                        <a:lumMod val="65000"/>
+                                        <a:lumOff val="35000"/>
+                                      </a:schemeClr>
+                                    </a:solidFill>
+                                    <a:latin typeface="Cambria Math" panose="02040503050406030204" pitchFamily="18" charset="0"/>
+                                  </a:rPr>
+                                </m:ctrlPr>
+                              </m:sSubPr>
+                              <m:e>
+                                <m:r>
+                                  <a:rPr lang="en-US" sz="1800" i="1">
+                                    <a:solidFill>
+                                      <a:schemeClr val="tx1">
+                                        <a:lumMod val="65000"/>
+                                        <a:lumOff val="35000"/>
+                                      </a:schemeClr>
+                                    </a:solidFill>
+                                    <a:latin typeface="Cambria Math" panose="02040503050406030204" pitchFamily="18" charset="0"/>
+                                  </a:rPr>
+                                  <m:t>𝑥</m:t>
+                                </m:r>
+                              </m:e>
+                              <m:sub>
+                                <m:r>
+                                  <a:rPr lang="en-US" sz="1800" i="1">
+                                    <a:solidFill>
+                                      <a:schemeClr val="tx1">
+                                        <a:lumMod val="65000"/>
+                                        <a:lumOff val="35000"/>
+                                      </a:schemeClr>
+                                    </a:solidFill>
+                                    <a:latin typeface="Cambria Math" panose="02040503050406030204" pitchFamily="18" charset="0"/>
+                                  </a:rPr>
+                                  <m:t>𝑖</m:t>
+                                </m:r>
+                              </m:sub>
+                            </m:sSub>
+                            <m:r>
+                              <a:rPr lang="en-US" sz="1800" i="1">
+                                <a:solidFill>
+                                  <a:schemeClr val="tx1">
+                                    <a:lumMod val="65000"/>
+                                    <a:lumOff val="35000"/>
+                                  </a:schemeClr>
+                                </a:solidFill>
+                                <a:latin typeface="Cambria Math" panose="02040503050406030204" pitchFamily="18" charset="0"/>
+                              </a:rPr>
+                              <m:t>+</m:t>
+                            </m:r>
+                            <m:sSub>
+                              <m:sSubPr>
+                                <m:ctrlPr>
+                                  <a:rPr lang="en-US" sz="1800" i="1">
+                                    <a:solidFill>
+                                      <a:schemeClr val="tx1">
+                                        <a:lumMod val="65000"/>
+                                        <a:lumOff val="35000"/>
+                                      </a:schemeClr>
+                                    </a:solidFill>
+                                    <a:latin typeface="Cambria Math" panose="02040503050406030204" pitchFamily="18" charset="0"/>
+                                  </a:rPr>
+                                </m:ctrlPr>
+                              </m:sSubPr>
+                              <m:e>
+                                <m:r>
+                                  <a:rPr lang="en-US" sz="1800" i="1">
+                                    <a:solidFill>
+                                      <a:schemeClr val="tx1">
+                                        <a:lumMod val="65000"/>
+                                        <a:lumOff val="35000"/>
+                                      </a:schemeClr>
+                                    </a:solidFill>
+                                    <a:latin typeface="Cambria Math" panose="02040503050406030204" pitchFamily="18" charset="0"/>
+                                  </a:rPr>
+                                  <m:t>𝑀</m:t>
+                                </m:r>
+                              </m:e>
+                              <m:sub>
+                                <m:r>
+                                  <a:rPr lang="en-US" sz="1800" i="1">
+                                    <a:solidFill>
+                                      <a:schemeClr val="tx1">
+                                        <a:lumMod val="65000"/>
+                                        <a:lumOff val="35000"/>
+                                      </a:schemeClr>
+                                    </a:solidFill>
+                                    <a:latin typeface="Cambria Math" panose="02040503050406030204" pitchFamily="18" charset="0"/>
+                                  </a:rPr>
+                                  <m:t>𝑥𝑧</m:t>
+                                </m:r>
+                                <m:r>
+                                  <a:rPr lang="en-US" sz="1800" i="1">
+                                    <a:solidFill>
+                                      <a:schemeClr val="tx1">
+                                        <a:lumMod val="65000"/>
+                                        <a:lumOff val="35000"/>
+                                      </a:schemeClr>
+                                    </a:solidFill>
+                                    <a:latin typeface="Cambria Math" panose="02040503050406030204" pitchFamily="18" charset="0"/>
+                                  </a:rPr>
+                                  <m:t> </m:t>
+                                </m:r>
+                              </m:sub>
+                            </m:sSub>
+                            <m:sSub>
+                              <m:sSubPr>
+                                <m:ctrlPr>
+                                  <a:rPr lang="en-US" sz="1800" i="1">
+                                    <a:solidFill>
+                                      <a:schemeClr val="tx1">
+                                        <a:lumMod val="65000"/>
+                                        <a:lumOff val="35000"/>
+                                      </a:schemeClr>
+                                    </a:solidFill>
+                                    <a:latin typeface="Cambria Math" panose="02040503050406030204" pitchFamily="18" charset="0"/>
+                                  </a:rPr>
+                                </m:ctrlPr>
+                              </m:sSubPr>
+                              <m:e>
+                                <m:r>
+                                  <a:rPr lang="en-US" sz="1800" i="1">
+                                    <a:solidFill>
+                                      <a:schemeClr val="tx1">
+                                        <a:lumMod val="65000"/>
+                                        <a:lumOff val="35000"/>
+                                      </a:schemeClr>
+                                    </a:solidFill>
+                                    <a:latin typeface="Cambria Math" panose="02040503050406030204" pitchFamily="18" charset="0"/>
+                                  </a:rPr>
+                                  <m:t>𝑥</m:t>
+                                </m:r>
+                              </m:e>
+                              <m:sub>
+                                <m:r>
+                                  <a:rPr lang="en-US" sz="1800" i="1">
+                                    <a:solidFill>
+                                      <a:schemeClr val="tx1">
+                                        <a:lumMod val="65000"/>
+                                        <a:lumOff val="35000"/>
+                                      </a:schemeClr>
+                                    </a:solidFill>
+                                    <a:latin typeface="Cambria Math" panose="02040503050406030204" pitchFamily="18" charset="0"/>
+                                  </a:rPr>
+                                  <m:t>𝑖</m:t>
+                                </m:r>
+                              </m:sub>
+                            </m:sSub>
+                            <m:r>
+                              <a:rPr lang="en-US" sz="1800" i="1">
+                                <a:solidFill>
+                                  <a:schemeClr val="tx1">
+                                    <a:lumMod val="65000"/>
+                                    <a:lumOff val="35000"/>
+                                  </a:schemeClr>
+                                </a:solidFill>
+                                <a:latin typeface="Cambria Math" panose="02040503050406030204" pitchFamily="18" charset="0"/>
+                              </a:rPr>
+                              <m:t>+</m:t>
+                            </m:r>
+                            <m:sSub>
+                              <m:sSubPr>
+                                <m:ctrlPr>
+                                  <a:rPr lang="en-US" sz="1800" i="1">
+                                    <a:solidFill>
+                                      <a:schemeClr val="tx1">
+                                        <a:lumMod val="65000"/>
+                                        <a:lumOff val="35000"/>
+                                      </a:schemeClr>
+                                    </a:solidFill>
+                                    <a:latin typeface="Cambria Math" panose="02040503050406030204" pitchFamily="18" charset="0"/>
+                                  </a:rPr>
+                                </m:ctrlPr>
+                              </m:sSubPr>
+                              <m:e>
+                                <m:r>
+                                  <a:rPr lang="en-US" sz="1800" i="1">
+                                    <a:solidFill>
+                                      <a:schemeClr val="tx1">
+                                        <a:lumMod val="65000"/>
+                                        <a:lumOff val="35000"/>
+                                      </a:schemeClr>
+                                    </a:solidFill>
+                                    <a:latin typeface="Cambria Math" panose="02040503050406030204" pitchFamily="18" charset="0"/>
+                                  </a:rPr>
+                                  <m:t>𝐵</m:t>
+                                </m:r>
+                              </m:e>
+                              <m:sub>
+                                <m:r>
+                                  <a:rPr lang="en-US" sz="1800" i="1">
+                                    <a:solidFill>
+                                      <a:schemeClr val="tx1">
+                                        <a:lumMod val="65000"/>
+                                        <a:lumOff val="35000"/>
+                                      </a:schemeClr>
+                                    </a:solidFill>
+                                    <a:latin typeface="Cambria Math" panose="02040503050406030204" pitchFamily="18" charset="0"/>
+                                  </a:rPr>
+                                  <m:t>𝑥</m:t>
+                                </m:r>
+                                <m:r>
+                                  <a:rPr lang="en-US" sz="1800" i="1">
+                                    <a:solidFill>
+                                      <a:schemeClr val="tx1">
+                                        <a:lumMod val="65000"/>
+                                        <a:lumOff val="35000"/>
+                                      </a:schemeClr>
+                                    </a:solidFill>
+                                    <a:latin typeface="Cambria Math" panose="02040503050406030204" pitchFamily="18" charset="0"/>
+                                  </a:rPr>
+                                  <m:t> </m:t>
+                                </m:r>
+                              </m:sub>
+                            </m:sSub>
+                          </m:e>
+                        </m:d>
+                      </m:e>
+                      <m:sup>
+                        <m:r>
+                          <a:rPr lang="en-US" sz="1800" b="0" i="1" smtClean="0">
+                            <a:solidFill>
+                              <a:schemeClr val="tx1">
+                                <a:lumMod val="65000"/>
+                                <a:lumOff val="35000"/>
+                              </a:schemeClr>
+                            </a:solidFill>
+                            <a:latin typeface="Cambria Math" panose="02040503050406030204" pitchFamily="18" charset="0"/>
+                          </a:rPr>
+                          <m:t>2</m:t>
+                        </m:r>
+                      </m:sup>
+                    </m:sSup>
+                    <m:r>
+                      <a:rPr lang="en-US" sz="1800" b="0" i="1" smtClean="0">
+                        <a:solidFill>
+                          <a:schemeClr val="tx1">
+                            <a:lumMod val="65000"/>
+                            <a:lumOff val="35000"/>
+                          </a:schemeClr>
+                        </a:solidFill>
+                        <a:latin typeface="Cambria Math" panose="02040503050406030204" pitchFamily="18" charset="0"/>
+                      </a:rPr>
+                      <m:t>+</m:t>
+                    </m:r>
+                    <m:sSup>
+                      <m:sSupPr>
+                        <m:ctrlPr>
+                          <a:rPr lang="en-US" sz="1800" i="1">
+                            <a:solidFill>
+                              <a:schemeClr val="tx1">
+                                <a:lumMod val="65000"/>
+                                <a:lumOff val="35000"/>
+                              </a:schemeClr>
+                            </a:solidFill>
+                            <a:latin typeface="Cambria Math" panose="02040503050406030204" pitchFamily="18" charset="0"/>
+                          </a:rPr>
+                        </m:ctrlPr>
+                      </m:sSupPr>
+                      <m:e>
+                        <m:d>
+                          <m:dPr>
+                            <m:ctrlPr>
+                              <a:rPr lang="en-US" sz="1800" i="1">
+                                <a:solidFill>
+                                  <a:schemeClr val="tx1">
+                                    <a:lumMod val="65000"/>
+                                    <a:lumOff val="35000"/>
+                                  </a:schemeClr>
+                                </a:solidFill>
+                                <a:latin typeface="Cambria Math" panose="02040503050406030204" pitchFamily="18" charset="0"/>
+                              </a:rPr>
+                            </m:ctrlPr>
+                          </m:dPr>
+                          <m:e>
+                            <m:sSub>
+                              <m:sSubPr>
+                                <m:ctrlPr>
+                                  <a:rPr lang="en-US" sz="1800" i="1">
+                                    <a:solidFill>
+                                      <a:schemeClr val="tx1">
+                                        <a:lumMod val="65000"/>
+                                        <a:lumOff val="35000"/>
+                                      </a:schemeClr>
+                                    </a:solidFill>
+                                    <a:latin typeface="Cambria Math" panose="02040503050406030204" pitchFamily="18" charset="0"/>
+                                  </a:rPr>
+                                </m:ctrlPr>
+                              </m:sSubPr>
+                              <m:e>
+                                <m:r>
+                                  <a:rPr lang="en-US" sz="1800" i="1">
+                                    <a:solidFill>
+                                      <a:schemeClr val="tx1">
+                                        <a:lumMod val="65000"/>
+                                        <a:lumOff val="35000"/>
+                                      </a:schemeClr>
+                                    </a:solidFill>
+                                    <a:latin typeface="Cambria Math" panose="02040503050406030204" pitchFamily="18" charset="0"/>
+                                  </a:rPr>
+                                  <m:t>𝑀</m:t>
+                                </m:r>
+                              </m:e>
+                              <m:sub>
+                                <m:r>
+                                  <a:rPr lang="en-US" sz="1800" b="0" i="1" smtClean="0">
+                                    <a:solidFill>
+                                      <a:schemeClr val="tx1">
+                                        <a:lumMod val="65000"/>
+                                        <a:lumOff val="35000"/>
+                                      </a:schemeClr>
+                                    </a:solidFill>
+                                    <a:latin typeface="Cambria Math" panose="02040503050406030204" pitchFamily="18" charset="0"/>
+                                  </a:rPr>
+                                  <m:t>𝑦</m:t>
+                                </m:r>
+                                <m:r>
+                                  <a:rPr lang="en-US" sz="1800" i="1">
+                                    <a:solidFill>
+                                      <a:schemeClr val="tx1">
+                                        <a:lumMod val="65000"/>
+                                        <a:lumOff val="35000"/>
+                                      </a:schemeClr>
+                                    </a:solidFill>
+                                    <a:latin typeface="Cambria Math" panose="02040503050406030204" pitchFamily="18" charset="0"/>
+                                  </a:rPr>
+                                  <m:t>𝑥</m:t>
+                                </m:r>
+                              </m:sub>
+                            </m:sSub>
+                            <m:sSub>
+                              <m:sSubPr>
+                                <m:ctrlPr>
+                                  <a:rPr lang="en-US" sz="1800" i="1">
+                                    <a:solidFill>
+                                      <a:schemeClr val="tx1">
+                                        <a:lumMod val="65000"/>
+                                        <a:lumOff val="35000"/>
+                                      </a:schemeClr>
+                                    </a:solidFill>
+                                    <a:latin typeface="Cambria Math" panose="02040503050406030204" pitchFamily="18" charset="0"/>
+                                  </a:rPr>
+                                </m:ctrlPr>
+                              </m:sSubPr>
+                              <m:e>
+                                <m:r>
+                                  <a:rPr lang="en-US" sz="1800" b="0" i="1" smtClean="0">
+                                    <a:solidFill>
+                                      <a:schemeClr val="tx1">
+                                        <a:lumMod val="65000"/>
+                                        <a:lumOff val="35000"/>
+                                      </a:schemeClr>
+                                    </a:solidFill>
+                                    <a:latin typeface="Cambria Math" panose="02040503050406030204" pitchFamily="18" charset="0"/>
+                                  </a:rPr>
+                                  <m:t>𝑦</m:t>
+                                </m:r>
+                              </m:e>
+                              <m:sub>
+                                <m:r>
+                                  <a:rPr lang="en-US" sz="1800" i="1">
+                                    <a:solidFill>
+                                      <a:schemeClr val="tx1">
+                                        <a:lumMod val="65000"/>
+                                        <a:lumOff val="35000"/>
+                                      </a:schemeClr>
+                                    </a:solidFill>
+                                    <a:latin typeface="Cambria Math" panose="02040503050406030204" pitchFamily="18" charset="0"/>
+                                  </a:rPr>
+                                  <m:t>𝑖</m:t>
+                                </m:r>
+                              </m:sub>
+                            </m:sSub>
+                            <m:r>
+                              <a:rPr lang="en-US" sz="1800" i="1">
+                                <a:solidFill>
+                                  <a:schemeClr val="tx1">
+                                    <a:lumMod val="65000"/>
+                                    <a:lumOff val="35000"/>
+                                  </a:schemeClr>
+                                </a:solidFill>
+                                <a:latin typeface="Cambria Math" panose="02040503050406030204" pitchFamily="18" charset="0"/>
+                              </a:rPr>
+                              <m:t>+</m:t>
+                            </m:r>
+                            <m:sSub>
+                              <m:sSubPr>
+                                <m:ctrlPr>
+                                  <a:rPr lang="en-US" sz="1800" i="1">
+                                    <a:solidFill>
+                                      <a:schemeClr val="tx1">
+                                        <a:lumMod val="65000"/>
+                                        <a:lumOff val="35000"/>
+                                      </a:schemeClr>
+                                    </a:solidFill>
+                                    <a:latin typeface="Cambria Math" panose="02040503050406030204" pitchFamily="18" charset="0"/>
+                                  </a:rPr>
+                                </m:ctrlPr>
+                              </m:sSubPr>
+                              <m:e>
+                                <m:r>
+                                  <a:rPr lang="en-US" sz="1800" i="1">
+                                    <a:solidFill>
+                                      <a:schemeClr val="tx1">
+                                        <a:lumMod val="65000"/>
+                                        <a:lumOff val="35000"/>
+                                      </a:schemeClr>
+                                    </a:solidFill>
+                                    <a:latin typeface="Cambria Math" panose="02040503050406030204" pitchFamily="18" charset="0"/>
+                                  </a:rPr>
+                                  <m:t>𝑀</m:t>
+                                </m:r>
+                              </m:e>
+                              <m:sub>
+                                <m:r>
+                                  <a:rPr lang="en-US" sz="1800" b="0" i="1" smtClean="0">
+                                    <a:solidFill>
+                                      <a:schemeClr val="tx1">
+                                        <a:lumMod val="65000"/>
+                                        <a:lumOff val="35000"/>
+                                      </a:schemeClr>
+                                    </a:solidFill>
+                                    <a:latin typeface="Cambria Math" panose="02040503050406030204" pitchFamily="18" charset="0"/>
+                                  </a:rPr>
+                                  <m:t>𝑦</m:t>
+                                </m:r>
+                                <m:r>
+                                  <a:rPr lang="en-US" sz="1800" i="1">
+                                    <a:solidFill>
+                                      <a:schemeClr val="tx1">
+                                        <a:lumMod val="65000"/>
+                                        <a:lumOff val="35000"/>
+                                      </a:schemeClr>
+                                    </a:solidFill>
+                                    <a:latin typeface="Cambria Math" panose="02040503050406030204" pitchFamily="18" charset="0"/>
+                                  </a:rPr>
+                                  <m:t>𝑦</m:t>
+                                </m:r>
+                              </m:sub>
+                            </m:sSub>
+                            <m:sSub>
+                              <m:sSubPr>
+                                <m:ctrlPr>
+                                  <a:rPr lang="en-US" sz="1800" i="1">
+                                    <a:solidFill>
+                                      <a:schemeClr val="tx1">
+                                        <a:lumMod val="65000"/>
+                                        <a:lumOff val="35000"/>
+                                      </a:schemeClr>
+                                    </a:solidFill>
+                                    <a:latin typeface="Cambria Math" panose="02040503050406030204" pitchFamily="18" charset="0"/>
+                                  </a:rPr>
+                                </m:ctrlPr>
+                              </m:sSubPr>
+                              <m:e>
+                                <m:r>
+                                  <a:rPr lang="en-US" sz="1800" i="1">
+                                    <a:solidFill>
+                                      <a:schemeClr val="tx1">
+                                        <a:lumMod val="65000"/>
+                                        <a:lumOff val="35000"/>
+                                      </a:schemeClr>
+                                    </a:solidFill>
+                                    <a:latin typeface="Cambria Math" panose="02040503050406030204" pitchFamily="18" charset="0"/>
+                                  </a:rPr>
+                                  <m:t>𝑦</m:t>
+                                </m:r>
+                              </m:e>
+                              <m:sub>
+                                <m:r>
+                                  <a:rPr lang="en-US" sz="1800" i="1">
+                                    <a:solidFill>
+                                      <a:schemeClr val="tx1">
+                                        <a:lumMod val="65000"/>
+                                        <a:lumOff val="35000"/>
+                                      </a:schemeClr>
+                                    </a:solidFill>
+                                    <a:latin typeface="Cambria Math" panose="02040503050406030204" pitchFamily="18" charset="0"/>
+                                  </a:rPr>
+                                  <m:t>𝑖</m:t>
+                                </m:r>
+                              </m:sub>
+                            </m:sSub>
+                            <m:r>
+                              <a:rPr lang="en-US" sz="1800" i="1">
+                                <a:solidFill>
+                                  <a:schemeClr val="tx1">
+                                    <a:lumMod val="65000"/>
+                                    <a:lumOff val="35000"/>
+                                  </a:schemeClr>
+                                </a:solidFill>
+                                <a:latin typeface="Cambria Math" panose="02040503050406030204" pitchFamily="18" charset="0"/>
+                              </a:rPr>
+                              <m:t>+</m:t>
+                            </m:r>
+                            <m:sSub>
+                              <m:sSubPr>
+                                <m:ctrlPr>
+                                  <a:rPr lang="en-US" sz="1800" i="1">
+                                    <a:solidFill>
+                                      <a:schemeClr val="tx1">
+                                        <a:lumMod val="65000"/>
+                                        <a:lumOff val="35000"/>
+                                      </a:schemeClr>
+                                    </a:solidFill>
+                                    <a:latin typeface="Cambria Math" panose="02040503050406030204" pitchFamily="18" charset="0"/>
+                                  </a:rPr>
+                                </m:ctrlPr>
+                              </m:sSubPr>
+                              <m:e>
+                                <m:r>
+                                  <a:rPr lang="en-US" sz="1800" i="1">
+                                    <a:solidFill>
+                                      <a:schemeClr val="tx1">
+                                        <a:lumMod val="65000"/>
+                                        <a:lumOff val="35000"/>
+                                      </a:schemeClr>
+                                    </a:solidFill>
+                                    <a:latin typeface="Cambria Math" panose="02040503050406030204" pitchFamily="18" charset="0"/>
+                                  </a:rPr>
+                                  <m:t>𝑀</m:t>
+                                </m:r>
+                              </m:e>
+                              <m:sub>
+                                <m:r>
+                                  <a:rPr lang="en-US" sz="1800" b="0" i="1" smtClean="0">
+                                    <a:solidFill>
+                                      <a:schemeClr val="tx1">
+                                        <a:lumMod val="65000"/>
+                                        <a:lumOff val="35000"/>
+                                      </a:schemeClr>
+                                    </a:solidFill>
+                                    <a:latin typeface="Cambria Math" panose="02040503050406030204" pitchFamily="18" charset="0"/>
+                                  </a:rPr>
+                                  <m:t>𝑦</m:t>
+                                </m:r>
+                                <m:r>
+                                  <a:rPr lang="en-US" sz="1800" i="1">
+                                    <a:solidFill>
+                                      <a:schemeClr val="tx1">
+                                        <a:lumMod val="65000"/>
+                                        <a:lumOff val="35000"/>
+                                      </a:schemeClr>
+                                    </a:solidFill>
+                                    <a:latin typeface="Cambria Math" panose="02040503050406030204" pitchFamily="18" charset="0"/>
+                                  </a:rPr>
+                                  <m:t>𝑧</m:t>
+                                </m:r>
+                                <m:r>
+                                  <a:rPr lang="en-US" sz="1800" i="1" smtClean="0">
+                                    <a:solidFill>
+                                      <a:schemeClr val="tx1">
+                                        <a:lumMod val="65000"/>
+                                        <a:lumOff val="35000"/>
+                                      </a:schemeClr>
+                                    </a:solidFill>
+                                    <a:latin typeface="Cambria Math" panose="02040503050406030204" pitchFamily="18" charset="0"/>
+                                  </a:rPr>
+                                  <m:t> </m:t>
+                                </m:r>
+                              </m:sub>
+                            </m:sSub>
+                            <m:sSub>
+                              <m:sSubPr>
+                                <m:ctrlPr>
+                                  <a:rPr lang="en-US" sz="1800" i="1">
+                                    <a:solidFill>
+                                      <a:schemeClr val="tx1">
+                                        <a:lumMod val="65000"/>
+                                        <a:lumOff val="35000"/>
+                                      </a:schemeClr>
+                                    </a:solidFill>
+                                    <a:latin typeface="Cambria Math" panose="02040503050406030204" pitchFamily="18" charset="0"/>
+                                  </a:rPr>
+                                </m:ctrlPr>
+                              </m:sSubPr>
+                              <m:e>
+                                <m:r>
+                                  <a:rPr lang="en-US" sz="1800" i="1">
+                                    <a:solidFill>
+                                      <a:schemeClr val="tx1">
+                                        <a:lumMod val="65000"/>
+                                        <a:lumOff val="35000"/>
+                                      </a:schemeClr>
+                                    </a:solidFill>
+                                    <a:latin typeface="Cambria Math" panose="02040503050406030204" pitchFamily="18" charset="0"/>
+                                  </a:rPr>
+                                  <m:t>𝑦</m:t>
+                                </m:r>
+                              </m:e>
+                              <m:sub>
+                                <m:r>
+                                  <a:rPr lang="en-US" sz="1800" i="1">
+                                    <a:solidFill>
+                                      <a:schemeClr val="tx1">
+                                        <a:lumMod val="65000"/>
+                                        <a:lumOff val="35000"/>
+                                      </a:schemeClr>
+                                    </a:solidFill>
+                                    <a:latin typeface="Cambria Math" panose="02040503050406030204" pitchFamily="18" charset="0"/>
+                                  </a:rPr>
+                                  <m:t>𝑖</m:t>
+                                </m:r>
+                              </m:sub>
+                            </m:sSub>
+                            <m:r>
+                              <a:rPr lang="en-US" sz="1800" i="1">
+                                <a:solidFill>
+                                  <a:schemeClr val="tx1">
+                                    <a:lumMod val="65000"/>
+                                    <a:lumOff val="35000"/>
+                                  </a:schemeClr>
+                                </a:solidFill>
+                                <a:latin typeface="Cambria Math" panose="02040503050406030204" pitchFamily="18" charset="0"/>
+                              </a:rPr>
+                              <m:t>+</m:t>
+                            </m:r>
+                            <m:sSub>
+                              <m:sSubPr>
+                                <m:ctrlPr>
+                                  <a:rPr lang="en-US" sz="1800" i="1">
+                                    <a:solidFill>
+                                      <a:schemeClr val="tx1">
+                                        <a:lumMod val="65000"/>
+                                        <a:lumOff val="35000"/>
+                                      </a:schemeClr>
+                                    </a:solidFill>
+                                    <a:latin typeface="Cambria Math" panose="02040503050406030204" pitchFamily="18" charset="0"/>
+                                  </a:rPr>
+                                </m:ctrlPr>
+                              </m:sSubPr>
+                              <m:e>
+                                <m:r>
+                                  <a:rPr lang="en-US" sz="1800" i="1">
+                                    <a:solidFill>
+                                      <a:schemeClr val="tx1">
+                                        <a:lumMod val="65000"/>
+                                        <a:lumOff val="35000"/>
+                                      </a:schemeClr>
+                                    </a:solidFill>
+                                    <a:latin typeface="Cambria Math" panose="02040503050406030204" pitchFamily="18" charset="0"/>
+                                  </a:rPr>
+                                  <m:t>𝐵</m:t>
+                                </m:r>
+                              </m:e>
+                              <m:sub>
+                                <m:r>
+                                  <a:rPr lang="en-US" sz="1800" b="0" i="1" smtClean="0">
+                                    <a:solidFill>
+                                      <a:schemeClr val="tx1">
+                                        <a:lumMod val="65000"/>
+                                        <a:lumOff val="35000"/>
+                                      </a:schemeClr>
+                                    </a:solidFill>
+                                    <a:latin typeface="Cambria Math" panose="02040503050406030204" pitchFamily="18" charset="0"/>
+                                  </a:rPr>
+                                  <m:t>𝑦</m:t>
+                                </m:r>
+                              </m:sub>
+                            </m:sSub>
+                          </m:e>
+                        </m:d>
+                      </m:e>
+                      <m:sup>
+                        <m:r>
+                          <a:rPr lang="en-US" sz="1800" i="1">
+                            <a:solidFill>
+                              <a:schemeClr val="tx1">
+                                <a:lumMod val="65000"/>
+                                <a:lumOff val="35000"/>
+                              </a:schemeClr>
+                            </a:solidFill>
+                            <a:latin typeface="Cambria Math" panose="02040503050406030204" pitchFamily="18" charset="0"/>
+                          </a:rPr>
+                          <m:t>2</m:t>
+                        </m:r>
+                      </m:sup>
+                    </m:sSup>
+                    <m:r>
+                      <a:rPr lang="en-US" sz="1800" b="0" i="1" smtClean="0">
+                        <a:solidFill>
+                          <a:schemeClr val="tx1">
+                            <a:lumMod val="65000"/>
+                            <a:lumOff val="35000"/>
+                          </a:schemeClr>
+                        </a:solidFill>
+                        <a:latin typeface="Cambria Math" panose="02040503050406030204" pitchFamily="18" charset="0"/>
+                      </a:rPr>
+                      <m:t>+</m:t>
+                    </m:r>
+                    <m:sSup>
+                      <m:sSupPr>
+                        <m:ctrlPr>
+                          <a:rPr lang="en-US" sz="1800" i="1">
+                            <a:solidFill>
+                              <a:schemeClr val="tx1">
+                                <a:lumMod val="65000"/>
+                                <a:lumOff val="35000"/>
+                              </a:schemeClr>
+                            </a:solidFill>
+                            <a:latin typeface="Cambria Math" panose="02040503050406030204" pitchFamily="18" charset="0"/>
+                          </a:rPr>
+                        </m:ctrlPr>
+                      </m:sSupPr>
+                      <m:e>
+                        <m:d>
+                          <m:dPr>
+                            <m:ctrlPr>
+                              <a:rPr lang="en-US" sz="1800" i="1">
+                                <a:solidFill>
+                                  <a:schemeClr val="tx1">
+                                    <a:lumMod val="65000"/>
+                                    <a:lumOff val="35000"/>
+                                  </a:schemeClr>
+                                </a:solidFill>
+                                <a:latin typeface="Cambria Math" panose="02040503050406030204" pitchFamily="18" charset="0"/>
+                              </a:rPr>
+                            </m:ctrlPr>
+                          </m:dPr>
+                          <m:e>
+                            <m:sSub>
+                              <m:sSubPr>
+                                <m:ctrlPr>
+                                  <a:rPr lang="en-US" sz="1800" i="1">
+                                    <a:solidFill>
+                                      <a:schemeClr val="tx1">
+                                        <a:lumMod val="65000"/>
+                                        <a:lumOff val="35000"/>
+                                      </a:schemeClr>
+                                    </a:solidFill>
+                                    <a:latin typeface="Cambria Math" panose="02040503050406030204" pitchFamily="18" charset="0"/>
+                                  </a:rPr>
+                                </m:ctrlPr>
+                              </m:sSubPr>
+                              <m:e>
+                                <m:r>
+                                  <a:rPr lang="en-US" sz="1800" i="1">
+                                    <a:solidFill>
+                                      <a:schemeClr val="tx1">
+                                        <a:lumMod val="65000"/>
+                                        <a:lumOff val="35000"/>
+                                      </a:schemeClr>
+                                    </a:solidFill>
+                                    <a:latin typeface="Cambria Math" panose="02040503050406030204" pitchFamily="18" charset="0"/>
+                                  </a:rPr>
+                                  <m:t>𝑀</m:t>
+                                </m:r>
+                              </m:e>
+                              <m:sub>
+                                <m:r>
+                                  <a:rPr lang="en-US" sz="1800" b="0" i="1" smtClean="0">
+                                    <a:solidFill>
+                                      <a:schemeClr val="tx1">
+                                        <a:lumMod val="65000"/>
+                                        <a:lumOff val="35000"/>
+                                      </a:schemeClr>
+                                    </a:solidFill>
+                                    <a:latin typeface="Cambria Math" panose="02040503050406030204" pitchFamily="18" charset="0"/>
+                                  </a:rPr>
+                                  <m:t>𝑧</m:t>
+                                </m:r>
+                                <m:r>
+                                  <a:rPr lang="en-US" sz="1800" i="1">
+                                    <a:solidFill>
+                                      <a:schemeClr val="tx1">
+                                        <a:lumMod val="65000"/>
+                                        <a:lumOff val="35000"/>
+                                      </a:schemeClr>
+                                    </a:solidFill>
+                                    <a:latin typeface="Cambria Math" panose="02040503050406030204" pitchFamily="18" charset="0"/>
+                                  </a:rPr>
+                                  <m:t>𝑥</m:t>
+                                </m:r>
+                              </m:sub>
+                            </m:sSub>
+                            <m:sSub>
+                              <m:sSubPr>
+                                <m:ctrlPr>
+                                  <a:rPr lang="en-US" sz="1800" i="1">
+                                    <a:solidFill>
+                                      <a:schemeClr val="tx1">
+                                        <a:lumMod val="65000"/>
+                                        <a:lumOff val="35000"/>
+                                      </a:schemeClr>
+                                    </a:solidFill>
+                                    <a:latin typeface="Cambria Math" panose="02040503050406030204" pitchFamily="18" charset="0"/>
+                                  </a:rPr>
+                                </m:ctrlPr>
+                              </m:sSubPr>
+                              <m:e>
+                                <m:r>
+                                  <a:rPr lang="en-US" sz="1800" b="0" i="1" smtClean="0">
+                                    <a:solidFill>
+                                      <a:schemeClr val="tx1">
+                                        <a:lumMod val="65000"/>
+                                        <a:lumOff val="35000"/>
+                                      </a:schemeClr>
+                                    </a:solidFill>
+                                    <a:latin typeface="Cambria Math" panose="02040503050406030204" pitchFamily="18" charset="0"/>
+                                  </a:rPr>
+                                  <m:t>𝑧</m:t>
+                                </m:r>
+                              </m:e>
+                              <m:sub>
+                                <m:r>
+                                  <a:rPr lang="en-US" sz="1800" i="1">
+                                    <a:solidFill>
+                                      <a:schemeClr val="tx1">
+                                        <a:lumMod val="65000"/>
+                                        <a:lumOff val="35000"/>
+                                      </a:schemeClr>
+                                    </a:solidFill>
+                                    <a:latin typeface="Cambria Math" panose="02040503050406030204" pitchFamily="18" charset="0"/>
+                                  </a:rPr>
+                                  <m:t>𝑖</m:t>
+                                </m:r>
+                              </m:sub>
+                            </m:sSub>
+                            <m:r>
+                              <a:rPr lang="en-US" sz="1800" i="1">
+                                <a:solidFill>
+                                  <a:schemeClr val="tx1">
+                                    <a:lumMod val="65000"/>
+                                    <a:lumOff val="35000"/>
+                                  </a:schemeClr>
+                                </a:solidFill>
+                                <a:latin typeface="Cambria Math" panose="02040503050406030204" pitchFamily="18" charset="0"/>
+                              </a:rPr>
+                              <m:t>+</m:t>
+                            </m:r>
+                            <m:sSub>
+                              <m:sSubPr>
+                                <m:ctrlPr>
+                                  <a:rPr lang="en-US" sz="1800" i="1">
+                                    <a:solidFill>
+                                      <a:schemeClr val="tx1">
+                                        <a:lumMod val="65000"/>
+                                        <a:lumOff val="35000"/>
+                                      </a:schemeClr>
+                                    </a:solidFill>
+                                    <a:latin typeface="Cambria Math" panose="02040503050406030204" pitchFamily="18" charset="0"/>
+                                  </a:rPr>
+                                </m:ctrlPr>
+                              </m:sSubPr>
+                              <m:e>
+                                <m:r>
+                                  <a:rPr lang="en-US" sz="1800" i="1">
+                                    <a:solidFill>
+                                      <a:schemeClr val="tx1">
+                                        <a:lumMod val="65000"/>
+                                        <a:lumOff val="35000"/>
+                                      </a:schemeClr>
+                                    </a:solidFill>
+                                    <a:latin typeface="Cambria Math" panose="02040503050406030204" pitchFamily="18" charset="0"/>
+                                  </a:rPr>
+                                  <m:t>𝑀</m:t>
+                                </m:r>
+                              </m:e>
+                              <m:sub>
+                                <m:r>
+                                  <a:rPr lang="en-US" sz="1800" b="0" i="1" smtClean="0">
+                                    <a:solidFill>
+                                      <a:schemeClr val="tx1">
+                                        <a:lumMod val="65000"/>
+                                        <a:lumOff val="35000"/>
+                                      </a:schemeClr>
+                                    </a:solidFill>
+                                    <a:latin typeface="Cambria Math" panose="02040503050406030204" pitchFamily="18" charset="0"/>
+                                  </a:rPr>
+                                  <m:t>𝑧</m:t>
+                                </m:r>
+                                <m:r>
+                                  <a:rPr lang="en-US" sz="1800" i="1">
+                                    <a:solidFill>
+                                      <a:schemeClr val="tx1">
+                                        <a:lumMod val="65000"/>
+                                        <a:lumOff val="35000"/>
+                                      </a:schemeClr>
+                                    </a:solidFill>
+                                    <a:latin typeface="Cambria Math" panose="02040503050406030204" pitchFamily="18" charset="0"/>
+                                  </a:rPr>
+                                  <m:t>𝑦</m:t>
+                                </m:r>
+                              </m:sub>
+                            </m:sSub>
+                            <m:sSub>
+                              <m:sSubPr>
+                                <m:ctrlPr>
+                                  <a:rPr lang="en-US" sz="1800" i="1">
+                                    <a:solidFill>
+                                      <a:schemeClr val="tx1">
+                                        <a:lumMod val="65000"/>
+                                        <a:lumOff val="35000"/>
+                                      </a:schemeClr>
+                                    </a:solidFill>
+                                    <a:latin typeface="Cambria Math" panose="02040503050406030204" pitchFamily="18" charset="0"/>
+                                  </a:rPr>
+                                </m:ctrlPr>
+                              </m:sSubPr>
+                              <m:e>
+                                <m:r>
+                                  <a:rPr lang="en-US" sz="1800" i="1">
+                                    <a:solidFill>
+                                      <a:schemeClr val="tx1">
+                                        <a:lumMod val="65000"/>
+                                        <a:lumOff val="35000"/>
+                                      </a:schemeClr>
+                                    </a:solidFill>
+                                    <a:latin typeface="Cambria Math" panose="02040503050406030204" pitchFamily="18" charset="0"/>
+                                  </a:rPr>
+                                  <m:t>𝑧</m:t>
+                                </m:r>
+                              </m:e>
+                              <m:sub>
+                                <m:r>
+                                  <a:rPr lang="en-US" sz="1800" i="1">
+                                    <a:solidFill>
+                                      <a:schemeClr val="tx1">
+                                        <a:lumMod val="65000"/>
+                                        <a:lumOff val="35000"/>
+                                      </a:schemeClr>
+                                    </a:solidFill>
+                                    <a:latin typeface="Cambria Math" panose="02040503050406030204" pitchFamily="18" charset="0"/>
+                                  </a:rPr>
+                                  <m:t>𝑖</m:t>
+                                </m:r>
+                              </m:sub>
+                            </m:sSub>
+                            <m:r>
+                              <a:rPr lang="en-US" sz="1800" i="1">
+                                <a:solidFill>
+                                  <a:schemeClr val="tx1">
+                                    <a:lumMod val="65000"/>
+                                    <a:lumOff val="35000"/>
+                                  </a:schemeClr>
+                                </a:solidFill>
+                                <a:latin typeface="Cambria Math" panose="02040503050406030204" pitchFamily="18" charset="0"/>
+                              </a:rPr>
+                              <m:t>+</m:t>
+                            </m:r>
+                            <m:sSub>
+                              <m:sSubPr>
+                                <m:ctrlPr>
+                                  <a:rPr lang="en-US" sz="1800" i="1">
+                                    <a:solidFill>
+                                      <a:schemeClr val="tx1">
+                                        <a:lumMod val="65000"/>
+                                        <a:lumOff val="35000"/>
+                                      </a:schemeClr>
+                                    </a:solidFill>
+                                    <a:latin typeface="Cambria Math" panose="02040503050406030204" pitchFamily="18" charset="0"/>
+                                  </a:rPr>
+                                </m:ctrlPr>
+                              </m:sSubPr>
+                              <m:e>
+                                <m:r>
+                                  <a:rPr lang="en-US" sz="1800" i="1">
+                                    <a:solidFill>
+                                      <a:schemeClr val="tx1">
+                                        <a:lumMod val="65000"/>
+                                        <a:lumOff val="35000"/>
+                                      </a:schemeClr>
+                                    </a:solidFill>
+                                    <a:latin typeface="Cambria Math" panose="02040503050406030204" pitchFamily="18" charset="0"/>
+                                  </a:rPr>
+                                  <m:t>𝑀</m:t>
+                                </m:r>
+                              </m:e>
+                              <m:sub>
+                                <m:r>
+                                  <a:rPr lang="en-US" sz="1800" i="1">
+                                    <a:solidFill>
+                                      <a:schemeClr val="tx1">
+                                        <a:lumMod val="65000"/>
+                                        <a:lumOff val="35000"/>
+                                      </a:schemeClr>
+                                    </a:solidFill>
+                                    <a:latin typeface="Cambria Math" panose="02040503050406030204" pitchFamily="18" charset="0"/>
+                                  </a:rPr>
+                                  <m:t>𝑥𝑧</m:t>
+                                </m:r>
+                                <m:r>
+                                  <a:rPr lang="en-US" sz="1800" i="1" smtClean="0">
+                                    <a:solidFill>
+                                      <a:schemeClr val="tx1">
+                                        <a:lumMod val="65000"/>
+                                        <a:lumOff val="35000"/>
+                                      </a:schemeClr>
+                                    </a:solidFill>
+                                    <a:latin typeface="Cambria Math" panose="02040503050406030204" pitchFamily="18" charset="0"/>
+                                  </a:rPr>
+                                  <m:t> </m:t>
+                                </m:r>
+                              </m:sub>
+                            </m:sSub>
+                            <m:sSub>
+                              <m:sSubPr>
+                                <m:ctrlPr>
+                                  <a:rPr lang="en-US" sz="1800" i="1">
+                                    <a:solidFill>
+                                      <a:schemeClr val="tx1">
+                                        <a:lumMod val="65000"/>
+                                        <a:lumOff val="35000"/>
+                                      </a:schemeClr>
+                                    </a:solidFill>
+                                    <a:latin typeface="Cambria Math" panose="02040503050406030204" pitchFamily="18" charset="0"/>
+                                  </a:rPr>
+                                </m:ctrlPr>
+                              </m:sSubPr>
+                              <m:e>
+                                <m:r>
+                                  <a:rPr lang="en-US" sz="1800" i="1">
+                                    <a:solidFill>
+                                      <a:schemeClr val="tx1">
+                                        <a:lumMod val="65000"/>
+                                        <a:lumOff val="35000"/>
+                                      </a:schemeClr>
+                                    </a:solidFill>
+                                    <a:latin typeface="Cambria Math" panose="02040503050406030204" pitchFamily="18" charset="0"/>
+                                  </a:rPr>
+                                  <m:t>𝑧</m:t>
+                                </m:r>
+                              </m:e>
+                              <m:sub>
+                                <m:r>
+                                  <a:rPr lang="en-US" sz="1800" i="1">
+                                    <a:solidFill>
+                                      <a:schemeClr val="tx1">
+                                        <a:lumMod val="65000"/>
+                                        <a:lumOff val="35000"/>
+                                      </a:schemeClr>
+                                    </a:solidFill>
+                                    <a:latin typeface="Cambria Math" panose="02040503050406030204" pitchFamily="18" charset="0"/>
+                                  </a:rPr>
+                                  <m:t>𝑖</m:t>
+                                </m:r>
+                              </m:sub>
+                            </m:sSub>
+                            <m:r>
+                              <a:rPr lang="en-US" sz="1800" i="1">
+                                <a:solidFill>
+                                  <a:schemeClr val="tx1">
+                                    <a:lumMod val="65000"/>
+                                    <a:lumOff val="35000"/>
+                                  </a:schemeClr>
+                                </a:solidFill>
+                                <a:latin typeface="Cambria Math" panose="02040503050406030204" pitchFamily="18" charset="0"/>
+                              </a:rPr>
+                              <m:t>+</m:t>
+                            </m:r>
+                            <m:sSub>
+                              <m:sSubPr>
+                                <m:ctrlPr>
+                                  <a:rPr lang="en-US" sz="1800" i="1">
+                                    <a:solidFill>
+                                      <a:schemeClr val="tx1">
+                                        <a:lumMod val="65000"/>
+                                        <a:lumOff val="35000"/>
+                                      </a:schemeClr>
+                                    </a:solidFill>
+                                    <a:latin typeface="Cambria Math" panose="02040503050406030204" pitchFamily="18" charset="0"/>
+                                  </a:rPr>
+                                </m:ctrlPr>
+                              </m:sSubPr>
+                              <m:e>
+                                <m:r>
+                                  <a:rPr lang="en-US" sz="1800" i="1">
+                                    <a:solidFill>
+                                      <a:schemeClr val="tx1">
+                                        <a:lumMod val="65000"/>
+                                        <a:lumOff val="35000"/>
+                                      </a:schemeClr>
+                                    </a:solidFill>
+                                    <a:latin typeface="Cambria Math" panose="02040503050406030204" pitchFamily="18" charset="0"/>
+                                  </a:rPr>
+                                  <m:t>𝐵</m:t>
+                                </m:r>
+                              </m:e>
+                              <m:sub>
+                                <m:r>
+                                  <a:rPr lang="en-US" sz="1800" b="0" i="1" smtClean="0">
+                                    <a:solidFill>
+                                      <a:schemeClr val="tx1">
+                                        <a:lumMod val="65000"/>
+                                        <a:lumOff val="35000"/>
+                                      </a:schemeClr>
+                                    </a:solidFill>
+                                    <a:latin typeface="Cambria Math" panose="02040503050406030204" pitchFamily="18" charset="0"/>
+                                  </a:rPr>
+                                  <m:t>𝑧</m:t>
+                                </m:r>
+                                <m:r>
+                                  <a:rPr lang="en-US" sz="1800" i="1">
+                                    <a:solidFill>
+                                      <a:schemeClr val="tx1">
+                                        <a:lumMod val="65000"/>
+                                        <a:lumOff val="35000"/>
+                                      </a:schemeClr>
+                                    </a:solidFill>
+                                    <a:latin typeface="Cambria Math" panose="02040503050406030204" pitchFamily="18" charset="0"/>
+                                  </a:rPr>
+                                  <m:t> </m:t>
+                                </m:r>
+                              </m:sub>
+                            </m:sSub>
+                          </m:e>
+                        </m:d>
+                      </m:e>
+                      <m:sup>
+                        <m:r>
+                          <a:rPr lang="en-US" sz="1800" i="1">
+                            <a:solidFill>
+                              <a:schemeClr val="tx1">
+                                <a:lumMod val="65000"/>
+                                <a:lumOff val="35000"/>
+                              </a:schemeClr>
+                            </a:solidFill>
+                            <a:latin typeface="Cambria Math" panose="02040503050406030204" pitchFamily="18" charset="0"/>
+                          </a:rPr>
+                          <m:t>2</m:t>
+                        </m:r>
+                      </m:sup>
+                    </m:sSup>
+                    <m:r>
+                      <a:rPr lang="en-US" sz="1800" b="0" i="1" smtClean="0">
+                        <a:solidFill>
+                          <a:schemeClr val="tx1">
+                            <a:lumMod val="65000"/>
+                            <a:lumOff val="35000"/>
+                          </a:schemeClr>
+                        </a:solidFill>
+                        <a:latin typeface="Cambria Math" panose="02040503050406030204" pitchFamily="18" charset="0"/>
+                      </a:rPr>
+                      <m:t>−</m:t>
+                    </m:r>
+                    <m:sSup>
+                      <m:sSupPr>
+                        <m:ctrlPr>
+                          <a:rPr lang="en-US" sz="1800" b="0" i="1" smtClean="0">
+                            <a:solidFill>
+                              <a:schemeClr val="tx1">
+                                <a:lumMod val="65000"/>
+                                <a:lumOff val="35000"/>
+                              </a:schemeClr>
+                            </a:solidFill>
+                            <a:latin typeface="Cambria Math" panose="02040503050406030204" pitchFamily="18" charset="0"/>
+                          </a:rPr>
+                        </m:ctrlPr>
+                      </m:sSupPr>
+                      <m:e>
+                        <m:r>
+                          <a:rPr lang="en-US" sz="1800" b="0" i="1" smtClean="0">
+                            <a:solidFill>
+                              <a:schemeClr val="tx1">
+                                <a:lumMod val="65000"/>
+                                <a:lumOff val="35000"/>
+                              </a:schemeClr>
+                            </a:solidFill>
+                            <a:latin typeface="Cambria Math" panose="02040503050406030204" pitchFamily="18" charset="0"/>
+                          </a:rPr>
+                          <m:t>𝑔</m:t>
+                        </m:r>
+                      </m:e>
+                      <m:sup>
+                        <m:r>
+                          <a:rPr lang="en-US" sz="1800" b="0" i="1" smtClean="0">
+                            <a:solidFill>
+                              <a:schemeClr val="tx1">
+                                <a:lumMod val="65000"/>
+                                <a:lumOff val="35000"/>
+                              </a:schemeClr>
+                            </a:solidFill>
+                            <a:latin typeface="Cambria Math" panose="02040503050406030204" pitchFamily="18" charset="0"/>
+                          </a:rPr>
+                          <m:t>2</m:t>
+                        </m:r>
+                      </m:sup>
+                    </m:sSup>
+                  </m:oMath>
+                </a14:m>
+                <a:r>
+                  <a:rPr lang="en-US" sz="1800" dirty="0">
+                    <a:solidFill>
+                      <a:schemeClr val="tx1">
+                        <a:lumMod val="65000"/>
+                        <a:lumOff val="35000"/>
+                      </a:schemeClr>
+                    </a:solidFill>
+                    <a:latin typeface="Montserrat" panose="00000500000000000000" pitchFamily="2" charset="0"/>
+                  </a:rPr>
+                  <a:t> </a:t>
+                </a:r>
+                <a:endParaRPr lang="bg-BG" sz="1800" dirty="0">
                   <a:solidFill>
                     <a:schemeClr val="tx1">
                       <a:lumMod val="65000"/>
@@ -8041,13 +10404,13 @@
             </p:nvSpPr>
             <p:spPr>
               <a:xfrm>
-                <a:off x="247651" y="1825625"/>
-                <a:ext cx="11858624" cy="4351338"/>
+                <a:off x="0" y="1346200"/>
+                <a:ext cx="12106275" cy="5001846"/>
               </a:xfrm>
               <a:blipFill>
                 <a:blip r:embed="rId3"/>
                 <a:stretch>
-                  <a:fillRect l="-720"/>
+                  <a:fillRect l="-655" t="-854"/>
                 </a:stretch>
               </a:blipFill>
             </p:spPr>
@@ -8118,33 +10481,54 @@
           <a:lstStyle/>
           <a:p>
             <a:r>
-              <a:rPr lang="bg-BG" dirty="0">
+              <a:rPr lang="en-US" dirty="0">
                 <a:solidFill>
                   <a:srgbClr val="FFA161"/>
                 </a:solidFill>
                 <a:latin typeface="Montserrat Black" panose="00000A00000000000000" pitchFamily="2" charset="0"/>
               </a:rPr>
-              <a:t>Първоначално решение </a:t>
-            </a:r>
-            <a:br>
-              <a:rPr lang="bg-BG" dirty="0">
-                <a:solidFill>
-                  <a:srgbClr val="FFA161"/>
-                </a:solidFill>
-                <a:latin typeface="Montserrat Black" panose="00000A00000000000000" pitchFamily="2" charset="0"/>
-              </a:rPr>
-            </a:br>
-            <a:endParaRPr lang="en-US" dirty="0">
-              <a:solidFill>
-                <a:srgbClr val="FFA161"/>
-              </a:solidFill>
-              <a:latin typeface="Montserrat Black" panose="00000A00000000000000" pitchFamily="2" charset="0"/>
-            </a:endParaRPr>
+              <a:t>Data calibration methods</a:t>
+            </a:r>
           </a:p>
         </p:txBody>
       </p:sp>
-      <mc:AlternateContent xmlns:mc="http://schemas.openxmlformats.org/markup-compatibility/2006">
-        <mc:Choice xmlns:a14="http://schemas.microsoft.com/office/drawing/2010/main" Requires="a14">
+      <p:pic>
+        <p:nvPicPr>
+          <p:cNvPr id="20" name="Content Placeholder 19" descr="A picture containing sitting, light, table, laptop&#10;&#10;Description automatically generated">
+            <a:extLst>
+              <a:ext uri="{FF2B5EF4-FFF2-40B4-BE49-F238E27FC236}">
+                <a16:creationId xmlns:a16="http://schemas.microsoft.com/office/drawing/2014/main" id="{08AE8A4E-01D5-4E4D-8FD5-1FD82A7D2307}"/>
+              </a:ext>
+            </a:extLst>
+          </p:cNvPr>
+          <p:cNvPicPr>
+            <a:picLocks noGrp="1" noChangeAspect="1"/>
+          </p:cNvPicPr>
+          <p:nvPr>
+            <p:ph idx="1"/>
+          </p:nvPr>
+        </p:nvPicPr>
+        <p:blipFill>
+          <a:blip r:embed="rId3">
+            <a:extLst>
+              <a:ext uri="{28A0092B-C50C-407E-A947-70E740481C1C}">
+                <a14:useLocalDpi xmlns:a14="http://schemas.microsoft.com/office/drawing/2010/main" val="0"/>
+              </a:ext>
+            </a:extLst>
+          </a:blip>
+          <a:stretch>
+            <a:fillRect/>
+          </a:stretch>
+        </p:blipFill>
+        <p:spPr>
+          <a:xfrm>
+            <a:off x="6172201" y="2731683"/>
+            <a:ext cx="5297024" cy="3504864"/>
+          </a:xfrm>
+        </p:spPr>
+      </p:pic>
+      <mc:AlternateContent xmlns:mc="http://schemas.openxmlformats.org/markup-compatibility/2006" xmlns:a14="http://schemas.microsoft.com/office/drawing/2010/main">
+        <mc:Choice Requires="a14">
           <p:sp>
             <p:nvSpPr>
               <p:cNvPr id="6" name="TextBox 5">
@@ -8160,7 +10544,7 @@
             <p:spPr>
               <a:xfrm>
                 <a:off x="923925" y="1390650"/>
-                <a:ext cx="10325100" cy="954107"/>
+                <a:ext cx="10325100" cy="2955296"/>
               </a:xfrm>
               <a:prstGeom prst="rect">
                 <a:avLst/>
@@ -8174,8 +10558,16 @@
               <a:lstStyle/>
               <a:p>
                 <a:r>
-                  <a:rPr lang="bg-BG" sz="2800" dirty="0"/>
-                  <a:t>Използвам метода на най-малките квадрати да намеря за кои </a:t>
+                  <a:rPr lang="bg-BG" sz="2800" dirty="0">
+                    <a:latin typeface="Montserrat" panose="00000500000000000000" pitchFamily="2" charset="0"/>
+                  </a:rPr>
+                  <a:t> </a:t>
+                </a:r>
+                <a:r>
+                  <a:rPr lang="en-US" sz="2800" dirty="0">
+                    <a:latin typeface="Montserrat" panose="00000500000000000000" pitchFamily="2" charset="0"/>
+                  </a:rPr>
+                  <a:t>I use the least squares method in order to find for which </a:t>
                 </a:r>
                 <a14:m>
                   <m:oMath xmlns:m="http://schemas.openxmlformats.org/officeDocument/2006/math">
@@ -8200,13 +10592,7 @@
                           <a:rPr lang="en-US" sz="2800" i="1">
                             <a:latin typeface="Cambria Math" panose="02040503050406030204" pitchFamily="18" charset="0"/>
                           </a:rPr>
-                          <m:t>𝑥</m:t>
-                        </m:r>
-                        <m:r>
-                          <a:rPr lang="en-US" sz="2800" i="1">
-                            <a:latin typeface="Cambria Math" panose="02040503050406030204" pitchFamily="18" charset="0"/>
-                          </a:rPr>
-                          <m:t>𝑥</m:t>
+                          <m:t>𝑥𝑥</m:t>
                         </m:r>
                       </m:sub>
                     </m:sSub>
@@ -8244,8 +10630,16 @@
                   </m:oMath>
                 </a14:m>
                 <a:r>
-                  <a:rPr lang="bg-BG" sz="2800" dirty="0"/>
-                  <a:t>и </a:t>
+                  <a:rPr lang="en-US" sz="2800" dirty="0">
+                    <a:latin typeface="Montserrat" panose="00000500000000000000" pitchFamily="2" charset="0"/>
+                  </a:rPr>
+                  <a:t> &amp;</a:t>
+                </a:r>
+                <a:r>
+                  <a:rPr lang="bg-BG" sz="2800" dirty="0">
+                    <a:latin typeface="Montserrat" panose="00000500000000000000" pitchFamily="2" charset="0"/>
+                  </a:rPr>
+                  <a:t> </a:t>
                 </a:r>
                 <a14:m>
                   <m:oMath xmlns:m="http://schemas.openxmlformats.org/officeDocument/2006/math">
@@ -8277,11 +10671,15 @@
                   </m:oMath>
                 </a14:m>
                 <a:r>
-                  <a:rPr lang="bg-BG" sz="2800" dirty="0"/>
+                  <a:rPr lang="bg-BG" sz="2800" dirty="0">
+                    <a:latin typeface="Montserrat" panose="00000500000000000000" pitchFamily="2" charset="0"/>
+                  </a:rPr>
                   <a:t>-</a:t>
                 </a:r>
                 <a:r>
-                  <a:rPr lang="en-US" sz="2800" dirty="0"/>
+                  <a:rPr lang="en-US" sz="2800" dirty="0">
+                    <a:latin typeface="Montserrat" panose="00000500000000000000" pitchFamily="2" charset="0"/>
+                  </a:rPr>
                   <a:t> </a:t>
                 </a:r>
                 <a14:m>
@@ -8314,15 +10712,386 @@
                   </m:oMath>
                 </a14:m>
                 <a:r>
-                  <a:rPr lang="bg-BG" sz="2800" dirty="0"/>
-                  <a:t> имаме най-малка грешка  за дадени данни.</a:t>
+                  <a:rPr lang="bg-BG" sz="2800" dirty="0">
+                    <a:latin typeface="Montserrat" panose="00000500000000000000" pitchFamily="2" charset="0"/>
+                  </a:rPr>
+                  <a:t> </a:t>
                 </a:r>
-                <a:endParaRPr lang="en-US" sz="2800" dirty="0"/>
+                <a:r>
+                  <a:rPr lang="en-US" sz="2800" dirty="0">
+                    <a:latin typeface="Montserrat" panose="00000500000000000000" pitchFamily="2" charset="0"/>
+                  </a:rPr>
+                  <a:t>I have the smallest error for the given data.</a:t>
+                </a:r>
+              </a:p>
+              <a:p>
+                <a:endParaRPr lang="en-US" sz="2800" dirty="0">
+                  <a:latin typeface="Montserrat" panose="00000500000000000000" pitchFamily="2" charset="0"/>
+                </a:endParaRPr>
+              </a:p>
+              <a:p>
+                <a:pPr/>
+                <a14:m>
+                  <m:oMathPara xmlns:m="http://schemas.openxmlformats.org/officeDocument/2006/math">
+                    <m:oMathParaPr>
+                      <m:jc m:val="left"/>
+                    </m:oMathParaPr>
+                    <m:oMath xmlns:m="http://schemas.openxmlformats.org/officeDocument/2006/math">
+                      <m:r>
+                        <a:rPr lang="en-US" sz="2800" i="1">
+                          <a:solidFill>
+                            <a:schemeClr val="tx1">
+                              <a:lumMod val="65000"/>
+                              <a:lumOff val="35000"/>
+                            </a:schemeClr>
+                          </a:solidFill>
+                          <a:latin typeface="Cambria Math" panose="02040503050406030204" pitchFamily="18" charset="0"/>
+                        </a:rPr>
+                        <m:t>𝑀</m:t>
+                      </m:r>
+                      <m:r>
+                        <a:rPr lang="en-US" sz="2800" i="1">
+                          <a:solidFill>
+                            <a:schemeClr val="tx1">
+                              <a:lumMod val="65000"/>
+                              <a:lumOff val="35000"/>
+                            </a:schemeClr>
+                          </a:solidFill>
+                          <a:latin typeface="Cambria Math" panose="02040503050406030204" pitchFamily="18" charset="0"/>
+                        </a:rPr>
+                        <m:t>=</m:t>
+                      </m:r>
+                      <m:d>
+                        <m:dPr>
+                          <m:ctrlPr>
+                            <a:rPr lang="en-US" sz="2800" i="1">
+                              <a:solidFill>
+                                <a:schemeClr val="tx1">
+                                  <a:lumMod val="65000"/>
+                                  <a:lumOff val="35000"/>
+                                </a:schemeClr>
+                              </a:solidFill>
+                              <a:latin typeface="Cambria Math" panose="02040503050406030204" pitchFamily="18" charset="0"/>
+                            </a:rPr>
+                          </m:ctrlPr>
+                        </m:dPr>
+                        <m:e>
+                          <m:m>
+                            <m:mPr>
+                              <m:mcs>
+                                <m:mc>
+                                  <m:mcPr>
+                                    <m:count m:val="3"/>
+                                    <m:mcJc m:val="center"/>
+                                  </m:mcPr>
+                                </m:mc>
+                              </m:mcs>
+                              <m:ctrlPr>
+                                <a:rPr lang="en-US" sz="2800" i="1">
+                                  <a:solidFill>
+                                    <a:schemeClr val="tx1">
+                                      <a:lumMod val="65000"/>
+                                      <a:lumOff val="35000"/>
+                                    </a:schemeClr>
+                                  </a:solidFill>
+                                  <a:latin typeface="Cambria Math" panose="02040503050406030204" pitchFamily="18" charset="0"/>
+                                </a:rPr>
+                              </m:ctrlPr>
+                            </m:mPr>
+                            <m:mr>
+                              <m:e>
+                                <m:r>
+                                  <a:rPr lang="bg-BG" sz="2800" i="1">
+                                    <a:solidFill>
+                                      <a:schemeClr val="tx1">
+                                        <a:lumMod val="65000"/>
+                                        <a:lumOff val="35000"/>
+                                      </a:schemeClr>
+                                    </a:solidFill>
+                                    <a:latin typeface="Cambria Math" panose="02040503050406030204" pitchFamily="18" charset="0"/>
+                                  </a:rPr>
+                                  <m:t>1</m:t>
+                                </m:r>
+                              </m:e>
+                              <m:e>
+                                <m:r>
+                                  <a:rPr lang="bg-BG" sz="2800" i="1">
+                                    <a:solidFill>
+                                      <a:schemeClr val="tx1">
+                                        <a:lumMod val="65000"/>
+                                        <a:lumOff val="35000"/>
+                                      </a:schemeClr>
+                                    </a:solidFill>
+                                    <a:latin typeface="Cambria Math" panose="02040503050406030204" pitchFamily="18" charset="0"/>
+                                  </a:rPr>
+                                  <m:t>0</m:t>
+                                </m:r>
+                              </m:e>
+                              <m:e>
+                                <m:r>
+                                  <a:rPr lang="bg-BG" sz="2800" i="1">
+                                    <a:solidFill>
+                                      <a:schemeClr val="tx1">
+                                        <a:lumMod val="65000"/>
+                                        <a:lumOff val="35000"/>
+                                      </a:schemeClr>
+                                    </a:solidFill>
+                                    <a:latin typeface="Cambria Math" panose="02040503050406030204" pitchFamily="18" charset="0"/>
+                                  </a:rPr>
+                                  <m:t>0</m:t>
+                                </m:r>
+                              </m:e>
+                            </m:mr>
+                            <m:mr>
+                              <m:e>
+                                <m:r>
+                                  <a:rPr lang="bg-BG" sz="2800" i="1">
+                                    <a:solidFill>
+                                      <a:schemeClr val="tx1">
+                                        <a:lumMod val="65000"/>
+                                        <a:lumOff val="35000"/>
+                                      </a:schemeClr>
+                                    </a:solidFill>
+                                    <a:latin typeface="Cambria Math" panose="02040503050406030204" pitchFamily="18" charset="0"/>
+                                  </a:rPr>
+                                  <m:t>0</m:t>
+                                </m:r>
+                              </m:e>
+                              <m:e>
+                                <m:r>
+                                  <a:rPr lang="bg-BG" sz="2800" i="1">
+                                    <a:solidFill>
+                                      <a:schemeClr val="tx1">
+                                        <a:lumMod val="65000"/>
+                                        <a:lumOff val="35000"/>
+                                      </a:schemeClr>
+                                    </a:solidFill>
+                                    <a:latin typeface="Cambria Math" panose="02040503050406030204" pitchFamily="18" charset="0"/>
+                                  </a:rPr>
+                                  <m:t>1</m:t>
+                                </m:r>
+                              </m:e>
+                              <m:e>
+                                <m:r>
+                                  <a:rPr lang="bg-BG" sz="2800" i="1">
+                                    <a:solidFill>
+                                      <a:schemeClr val="tx1">
+                                        <a:lumMod val="65000"/>
+                                        <a:lumOff val="35000"/>
+                                      </a:schemeClr>
+                                    </a:solidFill>
+                                    <a:latin typeface="Cambria Math" panose="02040503050406030204" pitchFamily="18" charset="0"/>
+                                  </a:rPr>
+                                  <m:t>0</m:t>
+                                </m:r>
+                              </m:e>
+                            </m:mr>
+                            <m:mr>
+                              <m:e>
+                                <m:r>
+                                  <a:rPr lang="bg-BG" sz="2800" i="1">
+                                    <a:solidFill>
+                                      <a:schemeClr val="tx1">
+                                        <a:lumMod val="65000"/>
+                                        <a:lumOff val="35000"/>
+                                      </a:schemeClr>
+                                    </a:solidFill>
+                                    <a:latin typeface="Cambria Math" panose="02040503050406030204" pitchFamily="18" charset="0"/>
+                                  </a:rPr>
+                                  <m:t>0</m:t>
+                                </m:r>
+                              </m:e>
+                              <m:e>
+                                <m:r>
+                                  <a:rPr lang="bg-BG" sz="2800" i="1">
+                                    <a:solidFill>
+                                      <a:schemeClr val="tx1">
+                                        <a:lumMod val="65000"/>
+                                        <a:lumOff val="35000"/>
+                                      </a:schemeClr>
+                                    </a:solidFill>
+                                    <a:latin typeface="Cambria Math" panose="02040503050406030204" pitchFamily="18" charset="0"/>
+                                  </a:rPr>
+                                  <m:t>0</m:t>
+                                </m:r>
+                              </m:e>
+                              <m:e>
+                                <m:r>
+                                  <a:rPr lang="bg-BG" sz="2800" i="1">
+                                    <a:solidFill>
+                                      <a:schemeClr val="tx1">
+                                        <a:lumMod val="65000"/>
+                                        <a:lumOff val="35000"/>
+                                      </a:schemeClr>
+                                    </a:solidFill>
+                                    <a:latin typeface="Cambria Math" panose="02040503050406030204" pitchFamily="18" charset="0"/>
+                                  </a:rPr>
+                                  <m:t>1</m:t>
+                                </m:r>
+                              </m:e>
+                            </m:mr>
+                          </m:m>
+                        </m:e>
+                      </m:d>
+                      <m:r>
+                        <a:rPr lang="en-US" sz="2800" i="1">
+                          <a:solidFill>
+                            <a:schemeClr val="tx1">
+                              <a:lumMod val="65000"/>
+                              <a:lumOff val="35000"/>
+                            </a:schemeClr>
+                          </a:solidFill>
+                          <a:latin typeface="Cambria Math" panose="02040503050406030204" pitchFamily="18" charset="0"/>
+                        </a:rPr>
+                        <m:t>,</m:t>
+                      </m:r>
+                      <m:r>
+                        <a:rPr lang="bg-BG" sz="2800" i="1">
+                          <a:solidFill>
+                            <a:schemeClr val="tx1">
+                              <a:lumMod val="65000"/>
+                              <a:lumOff val="35000"/>
+                            </a:schemeClr>
+                          </a:solidFill>
+                          <a:latin typeface="Cambria Math" panose="02040503050406030204" pitchFamily="18" charset="0"/>
+                        </a:rPr>
+                        <m:t> </m:t>
+                      </m:r>
+                      <m:r>
+                        <a:rPr lang="en-US" sz="2800" i="1">
+                          <a:solidFill>
+                            <a:schemeClr val="tx1">
+                              <a:lumMod val="65000"/>
+                              <a:lumOff val="35000"/>
+                            </a:schemeClr>
+                          </a:solidFill>
+                          <a:latin typeface="Cambria Math" panose="02040503050406030204" pitchFamily="18" charset="0"/>
+                        </a:rPr>
+                        <m:t> </m:t>
+                      </m:r>
+                      <m:r>
+                        <a:rPr lang="en-US" sz="2800" i="1">
+                          <a:solidFill>
+                            <a:schemeClr val="tx1">
+                              <a:lumMod val="65000"/>
+                              <a:lumOff val="35000"/>
+                            </a:schemeClr>
+                          </a:solidFill>
+                          <a:latin typeface="Cambria Math" panose="02040503050406030204" pitchFamily="18" charset="0"/>
+                        </a:rPr>
+                        <m:t>𝐵</m:t>
+                      </m:r>
+                      <m:r>
+                        <a:rPr lang="en-US" sz="2800" i="1">
+                          <a:solidFill>
+                            <a:schemeClr val="tx1">
+                              <a:lumMod val="65000"/>
+                              <a:lumOff val="35000"/>
+                            </a:schemeClr>
+                          </a:solidFill>
+                          <a:latin typeface="Cambria Math" panose="02040503050406030204" pitchFamily="18" charset="0"/>
+                        </a:rPr>
+                        <m:t>=</m:t>
+                      </m:r>
+                      <m:d>
+                        <m:dPr>
+                          <m:ctrlPr>
+                            <a:rPr lang="en-US" sz="2800" i="1">
+                              <a:solidFill>
+                                <a:schemeClr val="tx1">
+                                  <a:lumMod val="65000"/>
+                                  <a:lumOff val="35000"/>
+                                </a:schemeClr>
+                              </a:solidFill>
+                              <a:latin typeface="Cambria Math" panose="02040503050406030204" pitchFamily="18" charset="0"/>
+                            </a:rPr>
+                          </m:ctrlPr>
+                        </m:dPr>
+                        <m:e>
+                          <m:m>
+                            <m:mPr>
+                              <m:mcs>
+                                <m:mc>
+                                  <m:mcPr>
+                                    <m:count m:val="1"/>
+                                    <m:mcJc m:val="center"/>
+                                  </m:mcPr>
+                                </m:mc>
+                              </m:mcs>
+                              <m:ctrlPr>
+                                <a:rPr lang="en-US" sz="2800" i="1">
+                                  <a:solidFill>
+                                    <a:schemeClr val="tx1">
+                                      <a:lumMod val="65000"/>
+                                      <a:lumOff val="35000"/>
+                                    </a:schemeClr>
+                                  </a:solidFill>
+                                  <a:latin typeface="Cambria Math" panose="02040503050406030204" pitchFamily="18" charset="0"/>
+                                </a:rPr>
+                              </m:ctrlPr>
+                            </m:mPr>
+                            <m:mr>
+                              <m:e>
+                                <m:r>
+                                  <a:rPr lang="en-US" sz="2800" i="1">
+                                    <a:solidFill>
+                                      <a:schemeClr val="tx1">
+                                        <a:lumMod val="65000"/>
+                                        <a:lumOff val="35000"/>
+                                      </a:schemeClr>
+                                    </a:solidFill>
+                                    <a:latin typeface="Cambria Math" panose="02040503050406030204" pitchFamily="18" charset="0"/>
+                                  </a:rPr>
+                                  <m:t>0</m:t>
+                                </m:r>
+                              </m:e>
+                            </m:mr>
+                            <m:mr>
+                              <m:e>
+                                <m:r>
+                                  <a:rPr lang="en-US" sz="2800" i="1">
+                                    <a:solidFill>
+                                      <a:schemeClr val="tx1">
+                                        <a:lumMod val="65000"/>
+                                        <a:lumOff val="35000"/>
+                                      </a:schemeClr>
+                                    </a:solidFill>
+                                    <a:latin typeface="Cambria Math" panose="02040503050406030204" pitchFamily="18" charset="0"/>
+                                  </a:rPr>
+                                  <m:t>0</m:t>
+                                </m:r>
+                              </m:e>
+                            </m:mr>
+                            <m:mr>
+                              <m:e>
+                                <m:r>
+                                  <a:rPr lang="en-US" sz="2800" i="1">
+                                    <a:solidFill>
+                                      <a:schemeClr val="tx1">
+                                        <a:lumMod val="65000"/>
+                                        <a:lumOff val="35000"/>
+                                      </a:schemeClr>
+                                    </a:solidFill>
+                                    <a:latin typeface="Cambria Math" panose="02040503050406030204" pitchFamily="18" charset="0"/>
+                                  </a:rPr>
+                                  <m:t>0</m:t>
+                                </m:r>
+                              </m:e>
+                            </m:mr>
+                          </m:m>
+                        </m:e>
+                      </m:d>
+                    </m:oMath>
+                  </m:oMathPara>
+                </a14:m>
+                <a:endParaRPr lang="en-US" sz="2800" dirty="0">
+                  <a:latin typeface="Montserrat" panose="00000500000000000000" pitchFamily="2" charset="0"/>
+                </a:endParaRPr>
               </a:p>
             </p:txBody>
           </p:sp>
         </mc:Choice>
-        <mc:Fallback>
+        <mc:Fallback xmlns="">
           <p:sp>
             <p:nvSpPr>
               <p:cNvPr id="6" name="TextBox 5">
@@ -8340,15 +11109,15 @@
             <p:spPr>
               <a:xfrm>
                 <a:off x="923925" y="1390650"/>
-                <a:ext cx="10325100" cy="954107"/>
+                <a:ext cx="10325100" cy="2955296"/>
               </a:xfrm>
               <a:prstGeom prst="rect">
                 <a:avLst/>
               </a:prstGeom>
               <a:blipFill>
-                <a:blip r:embed="rId3"/>
+                <a:blip r:embed="rId4"/>
                 <a:stretch>
-                  <a:fillRect l="-1240" t="-5732" b="-17197"/>
+                  <a:fillRect l="-1240" t="-1856" r="-532"/>
                 </a:stretch>
               </a:blipFill>
             </p:spPr>
@@ -8367,77 +11136,6 @@
           </p:sp>
         </mc:Fallback>
       </mc:AlternateContent>
-      <p:pic>
-        <p:nvPicPr>
-          <p:cNvPr id="12" name="Content Placeholder 11" descr="A screenshot of a cell phone&#10;&#10;Description automatically generated">
-            <a:extLst>
-              <a:ext uri="{FF2B5EF4-FFF2-40B4-BE49-F238E27FC236}">
-                <a16:creationId xmlns:a16="http://schemas.microsoft.com/office/drawing/2014/main" id="{25CE33A7-706E-4E70-BCA8-72774471B044}"/>
-              </a:ext>
-            </a:extLst>
-          </p:cNvPr>
-          <p:cNvPicPr>
-            <a:picLocks noGrp="1" noChangeAspect="1"/>
-          </p:cNvPicPr>
-          <p:nvPr>
-            <p:ph idx="1"/>
-          </p:nvPr>
-        </p:nvPicPr>
-        <p:blipFill>
-          <a:blip r:embed="rId4">
-            <a:extLst>
-              <a:ext uri="{28A0092B-C50C-407E-A947-70E740481C1C}">
-                <a14:useLocalDpi xmlns:a14="http://schemas.microsoft.com/office/drawing/2010/main" val="0"/>
-              </a:ext>
-            </a:extLst>
-          </a:blip>
-          <a:stretch>
-            <a:fillRect/>
-          </a:stretch>
-        </p:blipFill>
-        <p:spPr>
-          <a:xfrm>
-            <a:off x="1790099" y="2716213"/>
-            <a:ext cx="8611802" cy="1476581"/>
-          </a:xfrm>
-        </p:spPr>
-      </p:pic>
-      <p:pic>
-        <p:nvPicPr>
-          <p:cNvPr id="16" name="Picture 15" descr="A screenshot of a cell phone&#10;&#10;Description automatically generated">
-            <a:extLst>
-              <a:ext uri="{FF2B5EF4-FFF2-40B4-BE49-F238E27FC236}">
-                <a16:creationId xmlns:a16="http://schemas.microsoft.com/office/drawing/2014/main" id="{E4E86B56-6221-4F06-96D9-140F7B19FCEB}"/>
-              </a:ext>
-            </a:extLst>
-          </p:cNvPr>
-          <p:cNvPicPr>
-            <a:picLocks noChangeAspect="1"/>
-          </p:cNvPicPr>
-          <p:nvPr/>
-        </p:nvPicPr>
-        <p:blipFill>
-          <a:blip r:embed="rId5">
-            <a:extLst>
-              <a:ext uri="{28A0092B-C50C-407E-A947-70E740481C1C}">
-                <a14:useLocalDpi xmlns:a14="http://schemas.microsoft.com/office/drawing/2010/main" val="0"/>
-              </a:ext>
-            </a:extLst>
-          </a:blip>
-          <a:stretch>
-            <a:fillRect/>
-          </a:stretch>
-        </p:blipFill>
-        <p:spPr>
-          <a:xfrm>
-            <a:off x="2752481" y="4564250"/>
-            <a:ext cx="6667988" cy="1589779"/>
-          </a:xfrm>
-          <a:prstGeom prst="rect">
-            <a:avLst/>
-          </a:prstGeom>
-        </p:spPr>
-      </p:pic>
     </p:spTree>
     <p:extLst>
       <p:ext uri="{BB962C8B-B14F-4D97-AF65-F5344CB8AC3E}">
@@ -8468,12 +11166,84 @@
           <a:chExt cx="0" cy="0"/>
         </a:xfrm>
       </p:grpSpPr>
-      <p:sp>
-        <p:nvSpPr>
-          <p:cNvPr id="2" name="Title 1">
+      <p:pic>
+        <p:nvPicPr>
+          <p:cNvPr id="4" name="Content Placeholder 11" descr="A screenshot of a cell phone&#10;&#10;Description automatically generated">
             <a:extLst>
               <a:ext uri="{FF2B5EF4-FFF2-40B4-BE49-F238E27FC236}">
-                <a16:creationId xmlns:a16="http://schemas.microsoft.com/office/drawing/2014/main" id="{CB27A2B1-E2C3-49A5-8CC4-8404AB9E59E9}"/>
+                <a16:creationId xmlns:a16="http://schemas.microsoft.com/office/drawing/2014/main" id="{077F7C6E-AD07-4A7A-BBBE-D334F971A49D}"/>
+              </a:ext>
+            </a:extLst>
+          </p:cNvPr>
+          <p:cNvPicPr>
+            <a:picLocks noChangeAspect="1"/>
+          </p:cNvPicPr>
+          <p:nvPr/>
+        </p:nvPicPr>
+        <p:blipFill>
+          <a:blip r:embed="rId3">
+            <a:extLst>
+              <a:ext uri="{28A0092B-C50C-407E-A947-70E740481C1C}">
+                <a14:useLocalDpi xmlns:a14="http://schemas.microsoft.com/office/drawing/2010/main" val="0"/>
+              </a:ext>
+            </a:extLst>
+          </a:blip>
+          <a:stretch>
+            <a:fillRect/>
+          </a:stretch>
+        </p:blipFill>
+        <p:spPr>
+          <a:xfrm>
+            <a:off x="991546" y="2087482"/>
+            <a:ext cx="10208908" cy="1750421"/>
+          </a:xfrm>
+          <a:prstGeom prst="rect">
+            <a:avLst/>
+          </a:prstGeom>
+        </p:spPr>
+      </p:pic>
+      <p:pic>
+        <p:nvPicPr>
+          <p:cNvPr id="5" name="Picture 4" descr="A screenshot of a cell phone&#10;&#10;Description automatically generated">
+            <a:extLst>
+              <a:ext uri="{FF2B5EF4-FFF2-40B4-BE49-F238E27FC236}">
+                <a16:creationId xmlns:a16="http://schemas.microsoft.com/office/drawing/2014/main" id="{9D0A9A7E-2A4C-49D4-AA55-92F62D53FF74}"/>
+              </a:ext>
+            </a:extLst>
+          </p:cNvPr>
+          <p:cNvPicPr>
+            <a:picLocks noChangeAspect="1"/>
+          </p:cNvPicPr>
+          <p:nvPr/>
+        </p:nvPicPr>
+        <p:blipFill>
+          <a:blip r:embed="rId4">
+            <a:extLst>
+              <a:ext uri="{28A0092B-C50C-407E-A947-70E740481C1C}">
+                <a14:useLocalDpi xmlns:a14="http://schemas.microsoft.com/office/drawing/2010/main" val="0"/>
+              </a:ext>
+            </a:extLst>
+          </a:blip>
+          <a:stretch>
+            <a:fillRect/>
+          </a:stretch>
+        </p:blipFill>
+        <p:spPr>
+          <a:xfrm>
+            <a:off x="1927014" y="4286189"/>
+            <a:ext cx="8337972" cy="1987936"/>
+          </a:xfrm>
+          <a:prstGeom prst="rect">
+            <a:avLst/>
+          </a:prstGeom>
+        </p:spPr>
+      </p:pic>
+      <p:sp>
+        <p:nvSpPr>
+          <p:cNvPr id="6" name="Title 1">
+            <a:extLst>
+              <a:ext uri="{FF2B5EF4-FFF2-40B4-BE49-F238E27FC236}">
+                <a16:creationId xmlns:a16="http://schemas.microsoft.com/office/drawing/2014/main" id="{9F6974EE-9B3D-4AF9-A5DC-912823A2EC0A}"/>
               </a:ext>
             </a:extLst>
           </p:cNvPr>
@@ -8484,168 +11254,32 @@
             <p:ph type="title"/>
           </p:nvPr>
         </p:nvSpPr>
-        <p:spPr/>
+        <p:spPr>
+          <a:xfrm>
+            <a:off x="838200" y="365125"/>
+            <a:ext cx="10515600" cy="1325563"/>
+          </a:xfrm>
+        </p:spPr>
         <p:txBody>
-          <a:bodyPr>
-            <a:normAutofit/>
-          </a:bodyPr>
+          <a:bodyPr/>
           <a:lstStyle/>
           <a:p>
             <a:r>
-              <a:rPr lang="bg-BG" dirty="0">
-                <a:solidFill>
-                  <a:srgbClr val="FFA161"/>
-                </a:solidFill>
-                <a:latin typeface="Montserrat Black" panose="00000A00000000000000" pitchFamily="2" charset="0"/>
-              </a:rPr>
-              <a:t>Бъдещо развитие на проекта</a:t>
-            </a:r>
-            <a:br>
               <a:rPr lang="en-US" dirty="0">
                 <a:solidFill>
                   <a:srgbClr val="FFA161"/>
                 </a:solidFill>
                 <a:latin typeface="Montserrat Black" panose="00000A00000000000000" pitchFamily="2" charset="0"/>
               </a:rPr>
-            </a:br>
-            <a:endParaRPr lang="en-US" dirty="0">
-              <a:solidFill>
-                <a:srgbClr val="FFA161"/>
-              </a:solidFill>
-              <a:latin typeface="Montserrat Black" panose="00000A00000000000000" pitchFamily="2" charset="0"/>
-            </a:endParaRPr>
-          </a:p>
-        </p:txBody>
-      </p:sp>
-      <p:sp>
-        <p:nvSpPr>
-          <p:cNvPr id="3" name="Content Placeholder 2">
-            <a:extLst>
-              <a:ext uri="{FF2B5EF4-FFF2-40B4-BE49-F238E27FC236}">
-                <a16:creationId xmlns:a16="http://schemas.microsoft.com/office/drawing/2014/main" id="{53D9E26B-0A4B-4BF1-A021-04068BC6C3F0}"/>
-              </a:ext>
-            </a:extLst>
-          </p:cNvPr>
-          <p:cNvSpPr>
-            <a:spLocks noGrp="1"/>
-          </p:cNvSpPr>
-          <p:nvPr>
-            <p:ph idx="1"/>
-          </p:nvPr>
-        </p:nvSpPr>
-        <p:spPr/>
-        <p:txBody>
-          <a:bodyPr/>
-          <a:lstStyle/>
-          <a:p>
-            <a:r>
-              <a:rPr lang="bg-BG" dirty="0">
-                <a:solidFill>
-                  <a:schemeClr val="tx1">
-                    <a:lumMod val="65000"/>
-                    <a:lumOff val="35000"/>
-                  </a:schemeClr>
-                </a:solidFill>
-                <a:latin typeface="Montserrat" panose="00000500000000000000" pitchFamily="2" charset="0"/>
-              </a:rPr>
-              <a:t>Метода на нютон Създаване на собствена функция за минимизация.</a:t>
-            </a:r>
-          </a:p>
-          <a:p>
-            <a:pPr marL="0" indent="0">
-              <a:buNone/>
-            </a:pPr>
-            <a:endParaRPr lang="bg-BG" dirty="0">
-              <a:solidFill>
-                <a:schemeClr val="tx1">
-                  <a:lumMod val="65000"/>
-                  <a:lumOff val="35000"/>
-                </a:schemeClr>
-              </a:solidFill>
-              <a:latin typeface="Montserrat" panose="00000500000000000000" pitchFamily="2" charset="0"/>
-            </a:endParaRPr>
-          </a:p>
-          <a:p>
-            <a:r>
-              <a:rPr lang="bg-BG" dirty="0">
-                <a:solidFill>
-                  <a:schemeClr val="tx1">
-                    <a:lumMod val="65000"/>
-                    <a:lumOff val="35000"/>
-                  </a:schemeClr>
-                </a:solidFill>
-                <a:latin typeface="Montserrat" panose="00000500000000000000" pitchFamily="2" charset="0"/>
-              </a:rPr>
-              <a:t>Извличане на повече данни от собствен сензор.</a:t>
-            </a:r>
-          </a:p>
-          <a:p>
-            <a:pPr marL="0" indent="0">
-              <a:buNone/>
-            </a:pPr>
-            <a:endParaRPr lang="bg-BG" dirty="0">
-              <a:solidFill>
-                <a:schemeClr val="tx1">
-                  <a:lumMod val="65000"/>
-                  <a:lumOff val="35000"/>
-                </a:schemeClr>
-              </a:solidFill>
-              <a:latin typeface="Montserrat" panose="00000500000000000000" pitchFamily="2" charset="0"/>
-            </a:endParaRPr>
-          </a:p>
-          <a:p>
-            <a:r>
-              <a:rPr lang="bg-BG" dirty="0">
-                <a:solidFill>
-                  <a:schemeClr val="tx1">
-                    <a:lumMod val="65000"/>
-                    <a:lumOff val="35000"/>
-                  </a:schemeClr>
-                </a:solidFill>
-                <a:latin typeface="Montserrat" panose="00000500000000000000" pitchFamily="2" charset="0"/>
-              </a:rPr>
-              <a:t>Използване на сензора и алгоритъма за </a:t>
-            </a:r>
-            <a:r>
-              <a:rPr lang="bg-BG" dirty="0" err="1">
-                <a:solidFill>
-                  <a:schemeClr val="tx1">
-                    <a:lumMod val="65000"/>
-                    <a:lumOff val="35000"/>
-                  </a:schemeClr>
-                </a:solidFill>
-                <a:latin typeface="Montserrat" panose="00000500000000000000" pitchFamily="2" charset="0"/>
-              </a:rPr>
-              <a:t>калибрация</a:t>
-            </a:r>
-            <a:r>
-              <a:rPr lang="bg-BG" dirty="0">
-                <a:solidFill>
-                  <a:schemeClr val="tx1">
-                    <a:lumMod val="65000"/>
-                    <a:lumOff val="35000"/>
-                  </a:schemeClr>
-                </a:solidFill>
-                <a:latin typeface="Montserrat" panose="00000500000000000000" pitchFamily="2" charset="0"/>
-              </a:rPr>
-              <a:t> в робот.</a:t>
-            </a:r>
-            <a:endParaRPr lang="en-US" dirty="0">
-              <a:solidFill>
-                <a:schemeClr val="tx1">
-                  <a:lumMod val="65000"/>
-                  <a:lumOff val="35000"/>
-                </a:schemeClr>
-              </a:solidFill>
-              <a:latin typeface="Montserrat" panose="00000500000000000000" pitchFamily="2" charset="0"/>
-            </a:endParaRPr>
+              <a:t>Result Comparison</a:t>
+            </a:r>
           </a:p>
         </p:txBody>
       </p:sp>
     </p:spTree>
     <p:extLst>
       <p:ext uri="{BB962C8B-B14F-4D97-AF65-F5344CB8AC3E}">
-        <p14:creationId xmlns:p14="http://schemas.microsoft.com/office/powerpoint/2010/main" val="3871061468"/>
+        <p14:creationId xmlns:p14="http://schemas.microsoft.com/office/powerpoint/2010/main" val="1895030988"/>
       </p:ext>
     </p:extLst>
   </p:cSld>

--- a/Presentation Materials/Калибриране на MEMS Акселерометри.pptx
+++ b/Presentation Materials/Калибриране на MEMS Акселерометри.pptx
@@ -5,7 +5,7 @@
     <p:sldMasterId id="2147483648" r:id="rId1"/>
   </p:sldMasterIdLst>
   <p:notesMasterIdLst>
-    <p:notesMasterId r:id="rId15"/>
+    <p:notesMasterId r:id="rId17"/>
   </p:notesMasterIdLst>
   <p:sldIdLst>
     <p:sldId id="256" r:id="rId2"/>
@@ -16,11 +16,13 @@
     <p:sldId id="264" r:id="rId7"/>
     <p:sldId id="265" r:id="rId8"/>
     <p:sldId id="260" r:id="rId9"/>
-    <p:sldId id="268" r:id="rId10"/>
-    <p:sldId id="267" r:id="rId11"/>
-    <p:sldId id="262" r:id="rId12"/>
-    <p:sldId id="266" r:id="rId13"/>
-    <p:sldId id="261" r:id="rId14"/>
+    <p:sldId id="269" r:id="rId10"/>
+    <p:sldId id="268" r:id="rId11"/>
+    <p:sldId id="267" r:id="rId12"/>
+    <p:sldId id="262" r:id="rId13"/>
+    <p:sldId id="270" r:id="rId14"/>
+    <p:sldId id="266" r:id="rId15"/>
+    <p:sldId id="261" r:id="rId16"/>
   </p:sldIdLst>
   <p:sldSz cx="12192000" cy="6858000"/>
   <p:notesSz cx="6858000" cy="9144000"/>
@@ -209,7 +211,7 @@
           <a:p>
             <a:fld id="{8449EA60-A591-44F6-9F11-4791ABA57160}" type="datetimeFigureOut">
               <a:rPr lang="en-US" smtClean="0"/>
-              <a:t>5/11/2020</a:t>
+              <a:t>6/13/2020</a:t>
             </a:fld>
             <a:endParaRPr lang="en-US"/>
           </a:p>
@@ -665,7 +667,7 @@
           <a:p>
             <a:fld id="{BDBC6066-D6A3-4C80-8781-30F360945BB1}" type="slidenum">
               <a:rPr lang="en-US" smtClean="0"/>
-              <a:t>10</a:t>
+              <a:t>11</a:t>
             </a:fld>
             <a:endParaRPr lang="en-US"/>
           </a:p>
@@ -779,7 +781,7 @@
           <a:p>
             <a:fld id="{BDBC6066-D6A3-4C80-8781-30F360945BB1}" type="slidenum">
               <a:rPr lang="en-US" smtClean="0"/>
-              <a:t>11</a:t>
+              <a:t>12</a:t>
             </a:fld>
             <a:endParaRPr lang="en-US"/>
           </a:p>
@@ -1950,7 +1952,7 @@
           <a:p>
             <a:fld id="{BDBC6066-D6A3-4C80-8781-30F360945BB1}" type="slidenum">
               <a:rPr lang="en-US" smtClean="0"/>
-              <a:t>9</a:t>
+              <a:t>10</a:t>
             </a:fld>
             <a:endParaRPr lang="en-US"/>
           </a:p>
@@ -2116,7 +2118,7 @@
           <a:p>
             <a:fld id="{76C7AF64-6987-4AAD-A506-BDC8B5CCFD58}" type="datetimeFigureOut">
               <a:rPr lang="en-US" smtClean="0"/>
-              <a:t>5/11/2020</a:t>
+              <a:t>6/13/2020</a:t>
             </a:fld>
             <a:endParaRPr lang="en-US"/>
           </a:p>
@@ -2314,7 +2316,7 @@
           <a:p>
             <a:fld id="{76C7AF64-6987-4AAD-A506-BDC8B5CCFD58}" type="datetimeFigureOut">
               <a:rPr lang="en-US" smtClean="0"/>
-              <a:t>5/11/2020</a:t>
+              <a:t>6/13/2020</a:t>
             </a:fld>
             <a:endParaRPr lang="en-US"/>
           </a:p>
@@ -2522,7 +2524,7 @@
           <a:p>
             <a:fld id="{76C7AF64-6987-4AAD-A506-BDC8B5CCFD58}" type="datetimeFigureOut">
               <a:rPr lang="en-US" smtClean="0"/>
-              <a:t>5/11/2020</a:t>
+              <a:t>6/13/2020</a:t>
             </a:fld>
             <a:endParaRPr lang="en-US"/>
           </a:p>
@@ -2720,7 +2722,7 @@
           <a:p>
             <a:fld id="{76C7AF64-6987-4AAD-A506-BDC8B5CCFD58}" type="datetimeFigureOut">
               <a:rPr lang="en-US" smtClean="0"/>
-              <a:t>5/11/2020</a:t>
+              <a:t>6/13/2020</a:t>
             </a:fld>
             <a:endParaRPr lang="en-US"/>
           </a:p>
@@ -2995,7 +2997,7 @@
           <a:p>
             <a:fld id="{76C7AF64-6987-4AAD-A506-BDC8B5CCFD58}" type="datetimeFigureOut">
               <a:rPr lang="en-US" smtClean="0"/>
-              <a:t>5/11/2020</a:t>
+              <a:t>6/13/2020</a:t>
             </a:fld>
             <a:endParaRPr lang="en-US"/>
           </a:p>
@@ -3260,7 +3262,7 @@
           <a:p>
             <a:fld id="{76C7AF64-6987-4AAD-A506-BDC8B5CCFD58}" type="datetimeFigureOut">
               <a:rPr lang="en-US" smtClean="0"/>
-              <a:t>5/11/2020</a:t>
+              <a:t>6/13/2020</a:t>
             </a:fld>
             <a:endParaRPr lang="en-US"/>
           </a:p>
@@ -3672,7 +3674,7 @@
           <a:p>
             <a:fld id="{76C7AF64-6987-4AAD-A506-BDC8B5CCFD58}" type="datetimeFigureOut">
               <a:rPr lang="en-US" smtClean="0"/>
-              <a:t>5/11/2020</a:t>
+              <a:t>6/13/2020</a:t>
             </a:fld>
             <a:endParaRPr lang="en-US"/>
           </a:p>
@@ -3813,7 +3815,7 @@
           <a:p>
             <a:fld id="{76C7AF64-6987-4AAD-A506-BDC8B5CCFD58}" type="datetimeFigureOut">
               <a:rPr lang="en-US" smtClean="0"/>
-              <a:t>5/11/2020</a:t>
+              <a:t>6/13/2020</a:t>
             </a:fld>
             <a:endParaRPr lang="en-US"/>
           </a:p>
@@ -3926,7 +3928,7 @@
           <a:p>
             <a:fld id="{76C7AF64-6987-4AAD-A506-BDC8B5CCFD58}" type="datetimeFigureOut">
               <a:rPr lang="en-US" smtClean="0"/>
-              <a:t>5/11/2020</a:t>
+              <a:t>6/13/2020</a:t>
             </a:fld>
             <a:endParaRPr lang="en-US"/>
           </a:p>
@@ -4237,7 +4239,7 @@
           <a:p>
             <a:fld id="{76C7AF64-6987-4AAD-A506-BDC8B5CCFD58}" type="datetimeFigureOut">
               <a:rPr lang="en-US" smtClean="0"/>
-              <a:t>5/11/2020</a:t>
+              <a:t>6/13/2020</a:t>
             </a:fld>
             <a:endParaRPr lang="en-US"/>
           </a:p>
@@ -4525,7 +4527,7 @@
           <a:p>
             <a:fld id="{76C7AF64-6987-4AAD-A506-BDC8B5CCFD58}" type="datetimeFigureOut">
               <a:rPr lang="en-US" smtClean="0"/>
-              <a:t>5/11/2020</a:t>
+              <a:t>6/13/2020</a:t>
             </a:fld>
             <a:endParaRPr lang="en-US"/>
           </a:p>
@@ -4766,7 +4768,7 @@
           <a:p>
             <a:fld id="{76C7AF64-6987-4AAD-A506-BDC8B5CCFD58}" type="datetimeFigureOut">
               <a:rPr lang="en-US" smtClean="0"/>
-              <a:t>5/11/2020</a:t>
+              <a:t>6/13/2020</a:t>
             </a:fld>
             <a:endParaRPr lang="en-US"/>
           </a:p>
@@ -5231,6 +5233,100 @@
           </a:p>
         </p:txBody>
       </p:sp>
+      <p:sp>
+        <p:nvSpPr>
+          <p:cNvPr id="3" name="TextBox 2">
+            <a:extLst>
+              <a:ext uri="{FF2B5EF4-FFF2-40B4-BE49-F238E27FC236}">
+                <a16:creationId xmlns:a16="http://schemas.microsoft.com/office/drawing/2014/main" id="{97F22BBC-0FDB-4806-8A2C-8106D77236E0}"/>
+              </a:ext>
+            </a:extLst>
+          </p:cNvPr>
+          <p:cNvSpPr txBox="1"/>
+          <p:nvPr/>
+        </p:nvSpPr>
+        <p:spPr>
+          <a:xfrm>
+            <a:off x="1654419" y="5213838"/>
+            <a:ext cx="9013581" cy="1477328"/>
+          </a:xfrm>
+          <a:prstGeom prst="rect">
+            <a:avLst/>
+          </a:prstGeom>
+          <a:noFill/>
+        </p:spPr>
+        <p:txBody>
+          <a:bodyPr wrap="square" rtlCol="0">
+            <a:spAutoFit/>
+          </a:bodyPr>
+          <a:lstStyle/>
+          <a:p>
+            <a:pPr algn="ctr"/>
+            <a:r>
+              <a:rPr lang="en-US" i="1" dirty="0">
+                <a:solidFill>
+                  <a:schemeClr val="tx2">
+                    <a:lumMod val="10000"/>
+                  </a:schemeClr>
+                </a:solidFill>
+                <a:latin typeface="Montserrat Light" panose="00000400000000000000" pitchFamily="2" charset="0"/>
+              </a:rPr>
+              <a:t>Course project of Nikola Totev </a:t>
+            </a:r>
+          </a:p>
+          <a:p>
+            <a:pPr algn="ctr"/>
+            <a:r>
+              <a:rPr lang="en-US" i="1" dirty="0">
+                <a:solidFill>
+                  <a:schemeClr val="tx2">
+                    <a:lumMod val="10000"/>
+                  </a:schemeClr>
+                </a:solidFill>
+                <a:latin typeface="Montserrat Light" panose="00000400000000000000" pitchFamily="2" charset="0"/>
+              </a:rPr>
+              <a:t>for</a:t>
+            </a:r>
+          </a:p>
+          <a:p>
+            <a:pPr algn="ctr"/>
+            <a:r>
+              <a:rPr lang="en-US" i="1" dirty="0">
+                <a:solidFill>
+                  <a:schemeClr val="tx2">
+                    <a:lumMod val="10000"/>
+                  </a:schemeClr>
+                </a:solidFill>
+                <a:latin typeface="Montserrat Light" panose="00000400000000000000" pitchFamily="2" charset="0"/>
+              </a:rPr>
+              <a:t>Sofia University – Application of mathematics for modelling real processes</a:t>
+            </a:r>
+          </a:p>
+          <a:p>
+            <a:pPr algn="ctr"/>
+            <a:endParaRPr lang="en-US" dirty="0">
+              <a:solidFill>
+                <a:schemeClr val="tx2">
+                  <a:lumMod val="10000"/>
+                </a:schemeClr>
+              </a:solidFill>
+              <a:latin typeface="Montserrat" panose="00000500000000000000" pitchFamily="2" charset="0"/>
+            </a:endParaRPr>
+          </a:p>
+          <a:p>
+            <a:pPr algn="ctr"/>
+            <a:r>
+              <a:rPr lang="en-US" i="1" dirty="0">
+                <a:solidFill>
+                  <a:srgbClr val="FFA161"/>
+                </a:solidFill>
+                <a:latin typeface="Montserrat" panose="00000500000000000000" pitchFamily="2" charset="0"/>
+              </a:rPr>
+              <a:t>June 2020</a:t>
+            </a:r>
+          </a:p>
+        </p:txBody>
+      </p:sp>
     </p:spTree>
     <p:extLst>
       <p:ext uri="{BB962C8B-B14F-4D97-AF65-F5344CB8AC3E}">
@@ -5245,6 +5341,146 @@
 </file>
 
 <file path=ppt/slides/slide10.xml><?xml version="1.0" encoding="utf-8"?>
+<p:sld xmlns:a="http://schemas.openxmlformats.org/drawingml/2006/main" xmlns:r="http://schemas.openxmlformats.org/officeDocument/2006/relationships" xmlns:p="http://schemas.openxmlformats.org/presentationml/2006/main">
+  <p:cSld>
+    <p:spTree>
+      <p:nvGrpSpPr>
+        <p:cNvPr id="1" name=""/>
+        <p:cNvGrpSpPr/>
+        <p:nvPr/>
+      </p:nvGrpSpPr>
+      <p:grpSpPr>
+        <a:xfrm>
+          <a:off x="0" y="0"/>
+          <a:ext cx="0" cy="0"/>
+          <a:chOff x="0" y="0"/>
+          <a:chExt cx="0" cy="0"/>
+        </a:xfrm>
+      </p:grpSpPr>
+      <p:pic>
+        <p:nvPicPr>
+          <p:cNvPr id="4" name="Content Placeholder 11" descr="A screenshot of a cell phone&#10;&#10;Description automatically generated">
+            <a:extLst>
+              <a:ext uri="{FF2B5EF4-FFF2-40B4-BE49-F238E27FC236}">
+                <a16:creationId xmlns:a16="http://schemas.microsoft.com/office/drawing/2014/main" id="{077F7C6E-AD07-4A7A-BBBE-D334F971A49D}"/>
+              </a:ext>
+            </a:extLst>
+          </p:cNvPr>
+          <p:cNvPicPr>
+            <a:picLocks noChangeAspect="1"/>
+          </p:cNvPicPr>
+          <p:nvPr/>
+        </p:nvPicPr>
+        <p:blipFill>
+          <a:blip r:embed="rId3">
+            <a:extLst>
+              <a:ext uri="{28A0092B-C50C-407E-A947-70E740481C1C}">
+                <a14:useLocalDpi xmlns:a14="http://schemas.microsoft.com/office/drawing/2010/main" val="0"/>
+              </a:ext>
+            </a:extLst>
+          </a:blip>
+          <a:stretch>
+            <a:fillRect/>
+          </a:stretch>
+        </p:blipFill>
+        <p:spPr>
+          <a:xfrm>
+            <a:off x="991546" y="2087482"/>
+            <a:ext cx="10208908" cy="1750421"/>
+          </a:xfrm>
+          <a:prstGeom prst="rect">
+            <a:avLst/>
+          </a:prstGeom>
+        </p:spPr>
+      </p:pic>
+      <p:pic>
+        <p:nvPicPr>
+          <p:cNvPr id="5" name="Picture 4" descr="A screenshot of a cell phone&#10;&#10;Description automatically generated">
+            <a:extLst>
+              <a:ext uri="{FF2B5EF4-FFF2-40B4-BE49-F238E27FC236}">
+                <a16:creationId xmlns:a16="http://schemas.microsoft.com/office/drawing/2014/main" id="{9D0A9A7E-2A4C-49D4-AA55-92F62D53FF74}"/>
+              </a:ext>
+            </a:extLst>
+          </p:cNvPr>
+          <p:cNvPicPr>
+            <a:picLocks noChangeAspect="1"/>
+          </p:cNvPicPr>
+          <p:nvPr/>
+        </p:nvPicPr>
+        <p:blipFill>
+          <a:blip r:embed="rId4">
+            <a:extLst>
+              <a:ext uri="{28A0092B-C50C-407E-A947-70E740481C1C}">
+                <a14:useLocalDpi xmlns:a14="http://schemas.microsoft.com/office/drawing/2010/main" val="0"/>
+              </a:ext>
+            </a:extLst>
+          </a:blip>
+          <a:stretch>
+            <a:fillRect/>
+          </a:stretch>
+        </p:blipFill>
+        <p:spPr>
+          <a:xfrm>
+            <a:off x="1927014" y="4286189"/>
+            <a:ext cx="8337972" cy="1987936"/>
+          </a:xfrm>
+          <a:prstGeom prst="rect">
+            <a:avLst/>
+          </a:prstGeom>
+        </p:spPr>
+      </p:pic>
+      <p:sp>
+        <p:nvSpPr>
+          <p:cNvPr id="6" name="Title 1">
+            <a:extLst>
+              <a:ext uri="{FF2B5EF4-FFF2-40B4-BE49-F238E27FC236}">
+                <a16:creationId xmlns:a16="http://schemas.microsoft.com/office/drawing/2014/main" id="{9F6974EE-9B3D-4AF9-A5DC-912823A2EC0A}"/>
+              </a:ext>
+            </a:extLst>
+          </p:cNvPr>
+          <p:cNvSpPr>
+            <a:spLocks noGrp="1"/>
+          </p:cNvSpPr>
+          <p:nvPr>
+            <p:ph type="title"/>
+          </p:nvPr>
+        </p:nvSpPr>
+        <p:spPr>
+          <a:xfrm>
+            <a:off x="838200" y="365125"/>
+            <a:ext cx="10515600" cy="1325563"/>
+          </a:xfrm>
+        </p:spPr>
+        <p:txBody>
+          <a:bodyPr/>
+          <a:lstStyle/>
+          <a:p>
+            <a:r>
+              <a:rPr lang="en-US" dirty="0">
+                <a:solidFill>
+                  <a:srgbClr val="FFA161"/>
+                </a:solidFill>
+                <a:latin typeface="Montserrat Black" panose="00000A00000000000000" pitchFamily="2" charset="0"/>
+              </a:rPr>
+              <a:t>Result Comparison</a:t>
+            </a:r>
+          </a:p>
+        </p:txBody>
+      </p:sp>
+    </p:spTree>
+    <p:extLst>
+      <p:ext uri="{BB962C8B-B14F-4D97-AF65-F5344CB8AC3E}">
+        <p14:creationId xmlns:p14="http://schemas.microsoft.com/office/powerpoint/2010/main" val="1895030988"/>
+      </p:ext>
+    </p:extLst>
+  </p:cSld>
+  <p:clrMapOvr>
+    <a:masterClrMapping/>
+  </p:clrMapOvr>
+</p:sld>
+</file>
+
+<file path=ppt/slides/slide11.xml><?xml version="1.0" encoding="utf-8"?>
 <p:sld xmlns:a="http://schemas.openxmlformats.org/drawingml/2006/main" xmlns:r="http://schemas.openxmlformats.org/officeDocument/2006/relationships" xmlns:p="http://schemas.openxmlformats.org/presentationml/2006/main">
   <p:cSld>
     <p:spTree>
@@ -5487,7 +5723,7 @@
 </p:sld>
 </file>
 
-<file path=ppt/slides/slide11.xml><?xml version="1.0" encoding="utf-8"?>
+<file path=ppt/slides/slide12.xml><?xml version="1.0" encoding="utf-8"?>
 <p:sld xmlns:a="http://schemas.openxmlformats.org/drawingml/2006/main" xmlns:r="http://schemas.openxmlformats.org/officeDocument/2006/relationships" xmlns:p="http://schemas.openxmlformats.org/presentationml/2006/main">
   <p:cSld>
     <p:spTree>
@@ -5528,20 +5764,14 @@
           <a:lstStyle/>
           <a:p>
             <a:r>
-              <a:rPr lang="en-US">
+              <a:rPr lang="en-US" dirty="0">
                 <a:solidFill>
                   <a:srgbClr val="FFA161"/>
                 </a:solidFill>
                 <a:latin typeface="Montserrat Black" panose="00000A00000000000000" pitchFamily="2" charset="0"/>
               </a:rPr>
-              <a:t>Future development </a:t>
-            </a:r>
-            <a:endParaRPr lang="en-US" dirty="0">
-              <a:solidFill>
-                <a:srgbClr val="FFA161"/>
-              </a:solidFill>
-              <a:latin typeface="Montserrat Black" panose="00000A00000000000000" pitchFamily="2" charset="0"/>
-            </a:endParaRPr>
+              <a:t>Practical Applications</a:t>
+            </a:r>
           </a:p>
         </p:txBody>
       </p:sp>
@@ -5573,20 +5803,6 @@
           </a:bodyPr>
           <a:lstStyle/>
           <a:p>
-            <a:r>
-              <a:rPr lang="en-US" dirty="0">
-                <a:solidFill>
-                  <a:schemeClr val="tx1">
-                    <a:lumMod val="65000"/>
-                    <a:lumOff val="35000"/>
-                  </a:schemeClr>
-                </a:solidFill>
-                <a:latin typeface="Montserrat" panose="00000500000000000000" pitchFamily="2" charset="0"/>
-              </a:rPr>
-              <a:t>Implementing Newtons Method for 12 variables.</a:t>
-            </a:r>
-          </a:p>
-          <a:p>
             <a:pPr marL="0" indent="0">
               <a:buNone/>
             </a:pPr>
@@ -5611,23 +5827,14 @@
                 </a:solidFill>
                 <a:latin typeface="Montserrat" panose="00000500000000000000" pitchFamily="2" charset="0"/>
               </a:rPr>
-              <a:t>Extracting and calibrating data from my own sensor.</a:t>
-            </a:r>
-            <a:endParaRPr lang="bg-BG" dirty="0">
-              <a:solidFill>
-                <a:schemeClr val="tx1">
-                  <a:lumMod val="65000"/>
-                  <a:lumOff val="35000"/>
-                </a:schemeClr>
-              </a:solidFill>
-              <a:latin typeface="Montserrat" panose="00000500000000000000" pitchFamily="2" charset="0"/>
-            </a:endParaRPr>
+              <a:t>Sensing applications in industrial settings.</a:t>
+            </a:r>
           </a:p>
           <a:p>
             <a:pPr marL="0" indent="0">
               <a:buNone/>
             </a:pPr>
-            <a:endParaRPr lang="bg-BG" dirty="0">
+            <a:endParaRPr lang="en-US" dirty="0">
               <a:solidFill>
                 <a:schemeClr val="tx1">
                   <a:lumMod val="65000"/>
@@ -5648,17 +5855,45 @@
                 </a:solidFill>
                 <a:latin typeface="Montserrat" panose="00000500000000000000" pitchFamily="2" charset="0"/>
               </a:rPr>
-              <a:t>Using my sensor on a robot for tracking position and acceleration.</a:t>
+              <a:t>Robotics</a:t>
+            </a:r>
+          </a:p>
+          <a:p>
+            <a:pPr marL="0" indent="0">
+              <a:buNone/>
+            </a:pPr>
+            <a:endParaRPr lang="en-US" dirty="0">
+              <a:solidFill>
+                <a:schemeClr val="tx1">
+                  <a:lumMod val="65000"/>
+                  <a:lumOff val="35000"/>
+                </a:schemeClr>
+              </a:solidFill>
+              <a:latin typeface="Montserrat" panose="00000500000000000000" pitchFamily="2" charset="0"/>
+            </a:endParaRPr>
+          </a:p>
+          <a:p>
+            <a:r>
+              <a:rPr lang="en-US" dirty="0">
+                <a:solidFill>
+                  <a:schemeClr val="tx1">
+                    <a:lumMod val="65000"/>
+                    <a:lumOff val="35000"/>
+                  </a:schemeClr>
+                </a:solidFill>
+                <a:latin typeface="Montserrat" panose="00000500000000000000" pitchFamily="2" charset="0"/>
+              </a:rPr>
+              <a:t>Drones/Aircraft</a:t>
             </a:r>
           </a:p>
         </p:txBody>
       </p:sp>
       <p:pic>
         <p:nvPicPr>
-          <p:cNvPr id="5" name="Picture 4" descr="A picture containing table, hydrant, sitting, toy&#10;&#10;Description automatically generated">
+          <p:cNvPr id="6" name="Picture 5" descr="A picture containing table, sitting, man, blue&#10;&#10;Description automatically generated">
             <a:extLst>
               <a:ext uri="{FF2B5EF4-FFF2-40B4-BE49-F238E27FC236}">
-                <a16:creationId xmlns:a16="http://schemas.microsoft.com/office/drawing/2014/main" id="{8E023DFD-EDED-4DD3-9378-F1EF47D9007E}"/>
+                <a16:creationId xmlns:a16="http://schemas.microsoft.com/office/drawing/2014/main" id="{BAE16B96-13B4-4B23-A0D6-6EDEA1E51C37}"/>
               </a:ext>
             </a:extLst>
           </p:cNvPr>
@@ -5681,8 +5916,8 @@
         </p:blipFill>
         <p:spPr>
           <a:xfrm>
-            <a:off x="6630556" y="1453719"/>
-            <a:ext cx="4723244" cy="4723244"/>
+            <a:off x="8087804" y="639195"/>
+            <a:ext cx="3663209" cy="5579609"/>
           </a:xfrm>
           <a:prstGeom prst="rect">
             <a:avLst/>
@@ -5702,7 +5937,7 @@
 </p:sld>
 </file>
 
-<file path=ppt/slides/slide12.xml><?xml version="1.0" encoding="utf-8"?>
+<file path=ppt/slides/slide13.xml><?xml version="1.0" encoding="utf-8"?>
 <p:sld xmlns:a="http://schemas.openxmlformats.org/drawingml/2006/main" xmlns:r="http://schemas.openxmlformats.org/officeDocument/2006/relationships" xmlns:p="http://schemas.openxmlformats.org/presentationml/2006/main">
   <p:cSld>
     <p:spTree>
@@ -5724,6 +5959,92 @@
           <p:cNvPr id="2" name="Title 1">
             <a:extLst>
               <a:ext uri="{FF2B5EF4-FFF2-40B4-BE49-F238E27FC236}">
+                <a16:creationId xmlns:a16="http://schemas.microsoft.com/office/drawing/2014/main" id="{733035B8-CE26-4B4B-B34F-6D42EF83AD73}"/>
+              </a:ext>
+            </a:extLst>
+          </p:cNvPr>
+          <p:cNvSpPr>
+            <a:spLocks noGrp="1"/>
+          </p:cNvSpPr>
+          <p:nvPr>
+            <p:ph type="title"/>
+          </p:nvPr>
+        </p:nvSpPr>
+        <p:spPr/>
+        <p:txBody>
+          <a:bodyPr/>
+          <a:lstStyle/>
+          <a:p>
+            <a:r>
+              <a:rPr lang="en-US" dirty="0"/>
+              <a:t>Demo</a:t>
+            </a:r>
+          </a:p>
+        </p:txBody>
+      </p:sp>
+      <p:sp>
+        <p:nvSpPr>
+          <p:cNvPr id="3" name="Content Placeholder 2">
+            <a:extLst>
+              <a:ext uri="{FF2B5EF4-FFF2-40B4-BE49-F238E27FC236}">
+                <a16:creationId xmlns:a16="http://schemas.microsoft.com/office/drawing/2014/main" id="{53F15079-2A0A-44EB-99CA-F3DCC0EFA40A}"/>
+              </a:ext>
+            </a:extLst>
+          </p:cNvPr>
+          <p:cNvSpPr>
+            <a:spLocks noGrp="1"/>
+          </p:cNvSpPr>
+          <p:nvPr>
+            <p:ph idx="1"/>
+          </p:nvPr>
+        </p:nvSpPr>
+        <p:spPr/>
+        <p:txBody>
+          <a:bodyPr/>
+          <a:lstStyle/>
+          <a:p>
+            <a:r>
+              <a:rPr lang="en-US" dirty="0"/>
+              <a:t>&lt;Work in progress&gt;</a:t>
+            </a:r>
+          </a:p>
+        </p:txBody>
+      </p:sp>
+    </p:spTree>
+    <p:extLst>
+      <p:ext uri="{BB962C8B-B14F-4D97-AF65-F5344CB8AC3E}">
+        <p14:creationId xmlns:p14="http://schemas.microsoft.com/office/powerpoint/2010/main" val="3236935187"/>
+      </p:ext>
+    </p:extLst>
+  </p:cSld>
+  <p:clrMapOvr>
+    <a:masterClrMapping/>
+  </p:clrMapOvr>
+</p:sld>
+</file>
+
+<file path=ppt/slides/slide14.xml><?xml version="1.0" encoding="utf-8"?>
+<p:sld xmlns:a="http://schemas.openxmlformats.org/drawingml/2006/main" xmlns:r="http://schemas.openxmlformats.org/officeDocument/2006/relationships" xmlns:p="http://schemas.openxmlformats.org/presentationml/2006/main">
+  <p:cSld>
+    <p:spTree>
+      <p:nvGrpSpPr>
+        <p:cNvPr id="1" name=""/>
+        <p:cNvGrpSpPr/>
+        <p:nvPr/>
+      </p:nvGrpSpPr>
+      <p:grpSpPr>
+        <a:xfrm>
+          <a:off x="0" y="0"/>
+          <a:ext cx="0" cy="0"/>
+          <a:chOff x="0" y="0"/>
+          <a:chExt cx="0" cy="0"/>
+        </a:xfrm>
+      </p:grpSpPr>
+      <p:sp>
+        <p:nvSpPr>
+          <p:cNvPr id="2" name="Title 1">
+            <a:extLst>
+              <a:ext uri="{FF2B5EF4-FFF2-40B4-BE49-F238E27FC236}">
                 <a16:creationId xmlns:a16="http://schemas.microsoft.com/office/drawing/2014/main" id="{86203A77-C0D2-4F5E-A008-CBFFC572B178}"/>
               </a:ext>
             </a:extLst>
@@ -5773,7 +6094,7 @@
 </p:sld>
 </file>
 
-<file path=ppt/slides/slide13.xml><?xml version="1.0" encoding="utf-8"?>
+<file path=ppt/slides/slide15.xml><?xml version="1.0" encoding="utf-8"?>
 <p:sld xmlns:a="http://schemas.openxmlformats.org/drawingml/2006/main" xmlns:r="http://schemas.openxmlformats.org/officeDocument/2006/relationships" xmlns:p="http://schemas.openxmlformats.org/presentationml/2006/main" show="0">
   <p:cSld>
     <p:spTree>
@@ -7041,7 +7362,7 @@
             </p:spPr>
             <p:txBody>
               <a:bodyPr>
-                <a:normAutofit/>
+                <a:normAutofit fontScale="92500"/>
               </a:bodyPr>
               <a:lstStyle/>
               <a:p>
@@ -7232,12 +7553,9 @@
                                         <m:sSub>
                                           <m:sSubPr>
                                             <m:ctrlPr>
-                                              <a:rPr lang="en-US" sz="2200" i="1">
+                                              <a:rPr lang="en-US" sz="2200" i="1" smtClean="0">
                                                 <a:solidFill>
-                                                  <a:schemeClr val="tx1">
-                                                    <a:lumMod val="65000"/>
-                                                    <a:lumOff val="35000"/>
-                                                  </a:schemeClr>
+                                                  <a:srgbClr val="FFA630"/>
                                                 </a:solidFill>
                                                 <a:latin typeface="Cambria Math" panose="02040503050406030204" pitchFamily="18" charset="0"/>
                                               </a:rPr>
@@ -7247,10 +7565,7 @@
                                             <m:r>
                                               <a:rPr lang="en-US" sz="2200" i="1">
                                                 <a:solidFill>
-                                                  <a:schemeClr val="tx1">
-                                                    <a:lumMod val="65000"/>
-                                                    <a:lumOff val="35000"/>
-                                                  </a:schemeClr>
+                                                  <a:srgbClr val="FFA630"/>
                                                 </a:solidFill>
                                                 <a:latin typeface="Cambria Math" panose="02040503050406030204" pitchFamily="18" charset="0"/>
                                               </a:rPr>
@@ -7261,10 +7576,7 @@
                                             <m:r>
                                               <a:rPr lang="en-US" sz="2200" i="1">
                                                 <a:solidFill>
-                                                  <a:schemeClr val="tx1">
-                                                    <a:lumMod val="65000"/>
-                                                    <a:lumOff val="35000"/>
-                                                  </a:schemeClr>
+                                                  <a:srgbClr val="FFA630"/>
                                                 </a:solidFill>
                                                 <a:latin typeface="Cambria Math" panose="02040503050406030204" pitchFamily="18" charset="0"/>
                                               </a:rPr>
@@ -7277,12 +7589,9 @@
                                         <m:sSub>
                                           <m:sSubPr>
                                             <m:ctrlPr>
-                                              <a:rPr lang="en-US" sz="2200" i="1">
+                                              <a:rPr lang="en-US" sz="2200" i="1" smtClean="0">
                                                 <a:solidFill>
-                                                  <a:schemeClr val="tx1">
-                                                    <a:lumMod val="65000"/>
-                                                    <a:lumOff val="35000"/>
-                                                  </a:schemeClr>
+                                                  <a:srgbClr val="00A7E1"/>
                                                 </a:solidFill>
                                                 <a:latin typeface="Cambria Math" panose="02040503050406030204" pitchFamily="18" charset="0"/>
                                               </a:rPr>
@@ -7292,10 +7601,7 @@
                                             <m:r>
                                               <a:rPr lang="en-US" sz="2200" i="1">
                                                 <a:solidFill>
-                                                  <a:schemeClr val="tx1">
-                                                    <a:lumMod val="65000"/>
-                                                    <a:lumOff val="35000"/>
-                                                  </a:schemeClr>
+                                                  <a:srgbClr val="00A7E1"/>
                                                 </a:solidFill>
                                                 <a:latin typeface="Cambria Math" panose="02040503050406030204" pitchFamily="18" charset="0"/>
                                               </a:rPr>
@@ -7306,10 +7612,7 @@
                                             <m:r>
                                               <a:rPr lang="en-US" sz="2200" i="1">
                                                 <a:solidFill>
-                                                  <a:schemeClr val="tx1">
-                                                    <a:lumMod val="65000"/>
-                                                    <a:lumOff val="35000"/>
-                                                  </a:schemeClr>
+                                                  <a:srgbClr val="00A7E1"/>
                                                 </a:solidFill>
                                                 <a:latin typeface="Cambria Math" panose="02040503050406030204" pitchFamily="18" charset="0"/>
                                               </a:rPr>
@@ -7322,12 +7625,9 @@
                                         <m:sSub>
                                           <m:sSubPr>
                                             <m:ctrlPr>
-                                              <a:rPr lang="en-US" sz="2200" i="1">
+                                              <a:rPr lang="en-US" sz="2200" i="1" smtClean="0">
                                                 <a:solidFill>
-                                                  <a:schemeClr val="tx1">
-                                                    <a:lumMod val="65000"/>
-                                                    <a:lumOff val="35000"/>
-                                                  </a:schemeClr>
+                                                  <a:srgbClr val="00A7E1"/>
                                                 </a:solidFill>
                                                 <a:latin typeface="Cambria Math" panose="02040503050406030204" pitchFamily="18" charset="0"/>
                                               </a:rPr>
@@ -7337,10 +7637,7 @@
                                             <m:r>
                                               <a:rPr lang="en-US" sz="2200" i="1">
                                                 <a:solidFill>
-                                                  <a:schemeClr val="tx1">
-                                                    <a:lumMod val="65000"/>
-                                                    <a:lumOff val="35000"/>
-                                                  </a:schemeClr>
+                                                  <a:srgbClr val="00A7E1"/>
                                                 </a:solidFill>
                                                 <a:latin typeface="Cambria Math" panose="02040503050406030204" pitchFamily="18" charset="0"/>
                                               </a:rPr>
@@ -7351,10 +7648,7 @@
                                             <m:r>
                                               <a:rPr lang="en-US" sz="2200" i="1">
                                                 <a:solidFill>
-                                                  <a:schemeClr val="tx1">
-                                                    <a:lumMod val="65000"/>
-                                                    <a:lumOff val="35000"/>
-                                                  </a:schemeClr>
+                                                  <a:srgbClr val="00A7E1"/>
                                                 </a:solidFill>
                                                 <a:latin typeface="Cambria Math" panose="02040503050406030204" pitchFamily="18" charset="0"/>
                                               </a:rPr>
@@ -7369,12 +7663,9 @@
                                         <m:sSub>
                                           <m:sSubPr>
                                             <m:ctrlPr>
-                                              <a:rPr lang="en-US" sz="2200" i="1">
+                                              <a:rPr lang="en-US" sz="2200" i="1" smtClean="0">
                                                 <a:solidFill>
-                                                  <a:schemeClr val="tx1">
-                                                    <a:lumMod val="65000"/>
-                                                    <a:lumOff val="35000"/>
-                                                  </a:schemeClr>
+                                                  <a:srgbClr val="00A7E1"/>
                                                 </a:solidFill>
                                                 <a:latin typeface="Cambria Math" panose="02040503050406030204" pitchFamily="18" charset="0"/>
                                               </a:rPr>
@@ -7384,10 +7675,7 @@
                                             <m:r>
                                               <a:rPr lang="en-US" sz="2200" i="1">
                                                 <a:solidFill>
-                                                  <a:schemeClr val="tx1">
-                                                    <a:lumMod val="65000"/>
-                                                    <a:lumOff val="35000"/>
-                                                  </a:schemeClr>
+                                                  <a:srgbClr val="00A7E1"/>
                                                 </a:solidFill>
                                                 <a:latin typeface="Cambria Math" panose="02040503050406030204" pitchFamily="18" charset="0"/>
                                               </a:rPr>
@@ -7398,10 +7686,7 @@
                                             <m:r>
                                               <a:rPr lang="en-US" sz="2200" i="1">
                                                 <a:solidFill>
-                                                  <a:schemeClr val="tx1">
-                                                    <a:lumMod val="65000"/>
-                                                    <a:lumOff val="35000"/>
-                                                  </a:schemeClr>
+                                                  <a:srgbClr val="00A7E1"/>
                                                 </a:solidFill>
                                                 <a:latin typeface="Cambria Math" panose="02040503050406030204" pitchFamily="18" charset="0"/>
                                               </a:rPr>
@@ -7414,12 +7699,9 @@
                                         <m:sSub>
                                           <m:sSubPr>
                                             <m:ctrlPr>
-                                              <a:rPr lang="en-US" sz="2200" i="1">
+                                              <a:rPr lang="en-US" sz="2200" i="1" smtClean="0">
                                                 <a:solidFill>
-                                                  <a:schemeClr val="tx1">
-                                                    <a:lumMod val="65000"/>
-                                                    <a:lumOff val="35000"/>
-                                                  </a:schemeClr>
+                                                  <a:srgbClr val="FFA630"/>
                                                 </a:solidFill>
                                                 <a:latin typeface="Cambria Math" panose="02040503050406030204" pitchFamily="18" charset="0"/>
                                               </a:rPr>
@@ -7429,10 +7711,7 @@
                                             <m:r>
                                               <a:rPr lang="en-US" sz="2200" i="1">
                                                 <a:solidFill>
-                                                  <a:schemeClr val="tx1">
-                                                    <a:lumMod val="65000"/>
-                                                    <a:lumOff val="35000"/>
-                                                  </a:schemeClr>
+                                                  <a:srgbClr val="FFA630"/>
                                                 </a:solidFill>
                                                 <a:latin typeface="Cambria Math" panose="02040503050406030204" pitchFamily="18" charset="0"/>
                                               </a:rPr>
@@ -7443,10 +7722,7 @@
                                             <m:r>
                                               <a:rPr lang="en-US" sz="2200" i="1">
                                                 <a:solidFill>
-                                                  <a:schemeClr val="tx1">
-                                                    <a:lumMod val="65000"/>
-                                                    <a:lumOff val="35000"/>
-                                                  </a:schemeClr>
+                                                  <a:srgbClr val="FFA630"/>
                                                 </a:solidFill>
                                                 <a:latin typeface="Cambria Math" panose="02040503050406030204" pitchFamily="18" charset="0"/>
                                               </a:rPr>
@@ -7459,12 +7735,9 @@
                                         <m:sSub>
                                           <m:sSubPr>
                                             <m:ctrlPr>
-                                              <a:rPr lang="en-US" sz="2200" i="1">
+                                              <a:rPr lang="en-US" sz="2200" i="1" smtClean="0">
                                                 <a:solidFill>
-                                                  <a:schemeClr val="tx1">
-                                                    <a:lumMod val="65000"/>
-                                                    <a:lumOff val="35000"/>
-                                                  </a:schemeClr>
+                                                  <a:srgbClr val="00A7E1"/>
                                                 </a:solidFill>
                                                 <a:latin typeface="Cambria Math" panose="02040503050406030204" pitchFamily="18" charset="0"/>
                                               </a:rPr>
@@ -7474,10 +7747,7 @@
                                             <m:r>
                                               <a:rPr lang="en-US" sz="2200" i="1">
                                                 <a:solidFill>
-                                                  <a:schemeClr val="tx1">
-                                                    <a:lumMod val="65000"/>
-                                                    <a:lumOff val="35000"/>
-                                                  </a:schemeClr>
+                                                  <a:srgbClr val="00A7E1"/>
                                                 </a:solidFill>
                                                 <a:latin typeface="Cambria Math" panose="02040503050406030204" pitchFamily="18" charset="0"/>
                                               </a:rPr>
@@ -7488,10 +7758,7 @@
                                             <m:r>
                                               <a:rPr lang="en-US" sz="2200" i="1">
                                                 <a:solidFill>
-                                                  <a:schemeClr val="tx1">
-                                                    <a:lumMod val="65000"/>
-                                                    <a:lumOff val="35000"/>
-                                                  </a:schemeClr>
+                                                  <a:srgbClr val="00A7E1"/>
                                                 </a:solidFill>
                                                 <a:latin typeface="Cambria Math" panose="02040503050406030204" pitchFamily="18" charset="0"/>
                                               </a:rPr>
@@ -7506,12 +7773,9 @@
                                         <m:sSub>
                                           <m:sSubPr>
                                             <m:ctrlPr>
-                                              <a:rPr lang="en-US" sz="2200" i="1">
+                                              <a:rPr lang="en-US" sz="2200" i="1" smtClean="0">
                                                 <a:solidFill>
-                                                  <a:schemeClr val="tx1">
-                                                    <a:lumMod val="65000"/>
-                                                    <a:lumOff val="35000"/>
-                                                  </a:schemeClr>
+                                                  <a:srgbClr val="00A7E1"/>
                                                 </a:solidFill>
                                                 <a:latin typeface="Cambria Math" panose="02040503050406030204" pitchFamily="18" charset="0"/>
                                               </a:rPr>
@@ -7521,10 +7785,7 @@
                                             <m:r>
                                               <a:rPr lang="en-US" sz="2200" i="1">
                                                 <a:solidFill>
-                                                  <a:schemeClr val="tx1">
-                                                    <a:lumMod val="65000"/>
-                                                    <a:lumOff val="35000"/>
-                                                  </a:schemeClr>
+                                                  <a:srgbClr val="00A7E1"/>
                                                 </a:solidFill>
                                                 <a:latin typeface="Cambria Math" panose="02040503050406030204" pitchFamily="18" charset="0"/>
                                               </a:rPr>
@@ -7535,10 +7796,7 @@
                                             <m:r>
                                               <a:rPr lang="en-US" sz="2200" i="1">
                                                 <a:solidFill>
-                                                  <a:schemeClr val="tx1">
-                                                    <a:lumMod val="65000"/>
-                                                    <a:lumOff val="35000"/>
-                                                  </a:schemeClr>
+                                                  <a:srgbClr val="00A7E1"/>
                                                 </a:solidFill>
                                                 <a:latin typeface="Cambria Math" panose="02040503050406030204" pitchFamily="18" charset="0"/>
                                               </a:rPr>
@@ -7551,12 +7809,9 @@
                                         <m:sSub>
                                           <m:sSubPr>
                                             <m:ctrlPr>
-                                              <a:rPr lang="en-US" sz="2200" i="1">
+                                              <a:rPr lang="en-US" sz="2200" i="1" smtClean="0">
                                                 <a:solidFill>
-                                                  <a:schemeClr val="tx1">
-                                                    <a:lumMod val="65000"/>
-                                                    <a:lumOff val="35000"/>
-                                                  </a:schemeClr>
+                                                  <a:srgbClr val="00A7E1"/>
                                                 </a:solidFill>
                                                 <a:latin typeface="Cambria Math" panose="02040503050406030204" pitchFamily="18" charset="0"/>
                                               </a:rPr>
@@ -7566,10 +7821,7 @@
                                             <m:r>
                                               <a:rPr lang="en-US" sz="2200" i="1">
                                                 <a:solidFill>
-                                                  <a:schemeClr val="tx1">
-                                                    <a:lumMod val="65000"/>
-                                                    <a:lumOff val="35000"/>
-                                                  </a:schemeClr>
+                                                  <a:srgbClr val="00A7E1"/>
                                                 </a:solidFill>
                                                 <a:latin typeface="Cambria Math" panose="02040503050406030204" pitchFamily="18" charset="0"/>
                                               </a:rPr>
@@ -7580,10 +7832,7 @@
                                             <m:r>
                                               <a:rPr lang="en-US" sz="2200" i="1">
                                                 <a:solidFill>
-                                                  <a:schemeClr val="tx1">
-                                                    <a:lumMod val="65000"/>
-                                                    <a:lumOff val="35000"/>
-                                                  </a:schemeClr>
+                                                  <a:srgbClr val="00A7E1"/>
                                                 </a:solidFill>
                                                 <a:latin typeface="Cambria Math" panose="02040503050406030204" pitchFamily="18" charset="0"/>
                                               </a:rPr>
@@ -7596,12 +7845,9 @@
                                         <m:sSub>
                                           <m:sSubPr>
                                             <m:ctrlPr>
-                                              <a:rPr lang="en-US" sz="2200" i="1">
+                                              <a:rPr lang="en-US" sz="2200" i="1" smtClean="0">
                                                 <a:solidFill>
-                                                  <a:schemeClr val="tx1">
-                                                    <a:lumMod val="65000"/>
-                                                    <a:lumOff val="35000"/>
-                                                  </a:schemeClr>
+                                                  <a:srgbClr val="FFA630"/>
                                                 </a:solidFill>
                                                 <a:latin typeface="Cambria Math" panose="02040503050406030204" pitchFamily="18" charset="0"/>
                                               </a:rPr>
@@ -7611,10 +7857,7 @@
                                             <m:r>
                                               <a:rPr lang="en-US" sz="2200" i="1">
                                                 <a:solidFill>
-                                                  <a:schemeClr val="tx1">
-                                                    <a:lumMod val="65000"/>
-                                                    <a:lumOff val="35000"/>
-                                                  </a:schemeClr>
+                                                  <a:srgbClr val="FFA630"/>
                                                 </a:solidFill>
                                                 <a:latin typeface="Cambria Math" panose="02040503050406030204" pitchFamily="18" charset="0"/>
                                               </a:rPr>
@@ -7625,10 +7868,7 @@
                                             <m:r>
                                               <a:rPr lang="en-US" sz="2200" i="1">
                                                 <a:solidFill>
-                                                  <a:schemeClr val="tx1">
-                                                    <a:lumMod val="65000"/>
-                                                    <a:lumOff val="35000"/>
-                                                  </a:schemeClr>
+                                                  <a:srgbClr val="FFA630"/>
                                                 </a:solidFill>
                                                 <a:latin typeface="Cambria Math" panose="02040503050406030204" pitchFamily="18" charset="0"/>
                                               </a:rPr>
@@ -7910,12 +8150,9 @@
                                         <m:sSub>
                                           <m:sSubPr>
                                             <m:ctrlPr>
-                                              <a:rPr lang="en-US" sz="2200" i="1">
+                                              <a:rPr lang="en-US" sz="2200" i="1" smtClean="0">
                                                 <a:solidFill>
-                                                  <a:schemeClr val="tx1">
-                                                    <a:lumMod val="65000"/>
-                                                    <a:lumOff val="35000"/>
-                                                  </a:schemeClr>
+                                                  <a:srgbClr val="3E4E50"/>
                                                 </a:solidFill>
                                                 <a:latin typeface="Cambria Math" panose="02040503050406030204" pitchFamily="18" charset="0"/>
                                               </a:rPr>
@@ -7925,10 +8162,7 @@
                                             <m:r>
                                               <a:rPr lang="en-US" sz="2200" i="1">
                                                 <a:solidFill>
-                                                  <a:schemeClr val="tx1">
-                                                    <a:lumMod val="65000"/>
-                                                    <a:lumOff val="35000"/>
-                                                  </a:schemeClr>
+                                                  <a:srgbClr val="3E4E50"/>
                                                 </a:solidFill>
                                                 <a:latin typeface="Cambria Math" panose="02040503050406030204" pitchFamily="18" charset="0"/>
                                               </a:rPr>
@@ -7939,10 +8173,7 @@
                                             <m:r>
                                               <a:rPr lang="en-US" sz="2200" i="1">
                                                 <a:solidFill>
-                                                  <a:schemeClr val="tx1">
-                                                    <a:lumMod val="65000"/>
-                                                    <a:lumOff val="35000"/>
-                                                  </a:schemeClr>
+                                                  <a:srgbClr val="3E4E50"/>
                                                 </a:solidFill>
                                                 <a:latin typeface="Cambria Math" panose="02040503050406030204" pitchFamily="18" charset="0"/>
                                               </a:rPr>
@@ -7957,12 +8188,9 @@
                                         <m:sSub>
                                           <m:sSubPr>
                                             <m:ctrlPr>
-                                              <a:rPr lang="en-US" sz="2200" i="1">
+                                              <a:rPr lang="en-US" sz="2200" i="1" smtClean="0">
                                                 <a:solidFill>
-                                                  <a:schemeClr val="tx1">
-                                                    <a:lumMod val="65000"/>
-                                                    <a:lumOff val="35000"/>
-                                                  </a:schemeClr>
+                                                  <a:srgbClr val="62B6CB"/>
                                                 </a:solidFill>
                                                 <a:latin typeface="Cambria Math" panose="02040503050406030204" pitchFamily="18" charset="0"/>
                                               </a:rPr>
@@ -7972,10 +8200,7 @@
                                             <m:r>
                                               <a:rPr lang="en-US" sz="2200" i="1">
                                                 <a:solidFill>
-                                                  <a:schemeClr val="tx1">
-                                                    <a:lumMod val="65000"/>
-                                                    <a:lumOff val="35000"/>
-                                                  </a:schemeClr>
+                                                  <a:srgbClr val="62B6CB"/>
                                                 </a:solidFill>
                                                 <a:latin typeface="Cambria Math" panose="02040503050406030204" pitchFamily="18" charset="0"/>
                                               </a:rPr>
@@ -7986,10 +8211,7 @@
                                             <m:r>
                                               <a:rPr lang="en-US" sz="2200" i="1">
                                                 <a:solidFill>
-                                                  <a:schemeClr val="tx1">
-                                                    <a:lumMod val="65000"/>
-                                                    <a:lumOff val="35000"/>
-                                                  </a:schemeClr>
+                                                  <a:srgbClr val="62B6CB"/>
                                                 </a:solidFill>
                                                 <a:latin typeface="Cambria Math" panose="02040503050406030204" pitchFamily="18" charset="0"/>
                                               </a:rPr>
@@ -8004,12 +8226,9 @@
                                         <m:sSub>
                                           <m:sSubPr>
                                             <m:ctrlPr>
-                                              <a:rPr lang="en-US" sz="2200" i="1">
+                                              <a:rPr lang="en-US" sz="2200" i="1" smtClean="0">
                                                 <a:solidFill>
-                                                  <a:schemeClr val="tx1">
-                                                    <a:lumMod val="65000"/>
-                                                    <a:lumOff val="35000"/>
-                                                  </a:schemeClr>
+                                                  <a:srgbClr val="4E8098"/>
                                                 </a:solidFill>
                                                 <a:latin typeface="Cambria Math" panose="02040503050406030204" pitchFamily="18" charset="0"/>
                                               </a:rPr>
@@ -8019,10 +8238,7 @@
                                             <m:r>
                                               <a:rPr lang="en-US" sz="2200" i="1">
                                                 <a:solidFill>
-                                                  <a:schemeClr val="tx1">
-                                                    <a:lumMod val="65000"/>
-                                                    <a:lumOff val="35000"/>
-                                                  </a:schemeClr>
+                                                  <a:srgbClr val="4E8098"/>
                                                 </a:solidFill>
                                                 <a:latin typeface="Cambria Math" panose="02040503050406030204" pitchFamily="18" charset="0"/>
                                               </a:rPr>
@@ -8033,10 +8249,7 @@
                                             <m:r>
                                               <a:rPr lang="en-US" sz="2200" i="1">
                                                 <a:solidFill>
-                                                  <a:schemeClr val="tx1">
-                                                    <a:lumMod val="65000"/>
-                                                    <a:lumOff val="35000"/>
-                                                  </a:schemeClr>
+                                                  <a:srgbClr val="4E8098"/>
                                                 </a:solidFill>
                                                 <a:latin typeface="Cambria Math" panose="02040503050406030204" pitchFamily="18" charset="0"/>
                                               </a:rPr>
@@ -8244,7 +8457,7 @@
                         <m:ctrlPr>
                           <a:rPr lang="en-US" sz="2400" i="1" smtClean="0">
                             <a:solidFill>
-                              <a:srgbClr val="FFA161"/>
+                              <a:srgbClr val="FFA630"/>
                             </a:solidFill>
                             <a:latin typeface="Cambria Math" panose="02040503050406030204" pitchFamily="18" charset="0"/>
                           </a:rPr>
@@ -8254,7 +8467,7 @@
                         <m:r>
                           <a:rPr lang="en-US" sz="2400" b="0" i="1" smtClean="0">
                             <a:solidFill>
-                              <a:srgbClr val="FFA161"/>
+                              <a:srgbClr val="FFA630"/>
                             </a:solidFill>
                             <a:latin typeface="Cambria Math" panose="02040503050406030204" pitchFamily="18" charset="0"/>
                           </a:rPr>
@@ -8265,7 +8478,7 @@
                         <m:r>
                           <a:rPr lang="en-US" sz="2400" b="0" i="1" smtClean="0">
                             <a:solidFill>
-                              <a:srgbClr val="FFA161"/>
+                              <a:srgbClr val="FFA630"/>
                             </a:solidFill>
                             <a:latin typeface="Cambria Math" panose="02040503050406030204" pitchFamily="18" charset="0"/>
                           </a:rPr>
@@ -8274,7 +8487,7 @@
                         <m:r>
                           <a:rPr lang="en-US" sz="2400" i="1">
                             <a:solidFill>
-                              <a:srgbClr val="FFA161"/>
+                              <a:srgbClr val="FFA630"/>
                             </a:solidFill>
                             <a:latin typeface="Cambria Math" panose="02040503050406030204" pitchFamily="18" charset="0"/>
                           </a:rPr>
@@ -8294,9 +8507,9 @@
                     <m:sSub>
                       <m:sSubPr>
                         <m:ctrlPr>
-                          <a:rPr lang="en-US" sz="2400" i="1">
+                          <a:rPr lang="en-US" sz="2400" i="1" smtClean="0">
                             <a:solidFill>
-                              <a:srgbClr val="FFA161"/>
+                              <a:srgbClr val="00A7E1"/>
                             </a:solidFill>
                             <a:latin typeface="Cambria Math" panose="02040503050406030204" pitchFamily="18" charset="0"/>
                           </a:rPr>
@@ -8306,7 +8519,7 @@
                         <m:r>
                           <a:rPr lang="en-US" sz="2400" i="1">
                             <a:solidFill>
-                              <a:srgbClr val="FFA161"/>
+                              <a:srgbClr val="00A7E1"/>
                             </a:solidFill>
                             <a:latin typeface="Cambria Math" panose="02040503050406030204" pitchFamily="18" charset="0"/>
                           </a:rPr>
@@ -8317,7 +8530,7 @@
                         <m:r>
                           <a:rPr lang="en-US" sz="2400" i="1">
                             <a:solidFill>
-                              <a:srgbClr val="FFA161"/>
+                              <a:srgbClr val="00A7E1"/>
                             </a:solidFill>
                             <a:latin typeface="Cambria Math" panose="02040503050406030204" pitchFamily="18" charset="0"/>
                           </a:rPr>
@@ -8326,7 +8539,7 @@
                         <m:r>
                           <a:rPr lang="en-US" sz="2400" b="0" i="1" smtClean="0">
                             <a:solidFill>
-                              <a:srgbClr val="FFA161"/>
+                              <a:srgbClr val="00A7E1"/>
                             </a:solidFill>
                             <a:latin typeface="Cambria Math" panose="02040503050406030204" pitchFamily="18" charset="0"/>
                           </a:rPr>
@@ -8337,7 +8550,7 @@
                     <m:r>
                       <a:rPr lang="en-US" sz="2400" b="0" i="1" smtClean="0">
                         <a:solidFill>
-                          <a:srgbClr val="FFA161"/>
+                          <a:srgbClr val="00A7E1"/>
                         </a:solidFill>
                         <a:latin typeface="Cambria Math" panose="02040503050406030204" pitchFamily="18" charset="0"/>
                       </a:rPr>
@@ -8348,7 +8561,7 @@
                         <m:ctrlPr>
                           <a:rPr lang="en-US" sz="2400" i="1">
                             <a:solidFill>
-                              <a:srgbClr val="FFA161"/>
+                              <a:srgbClr val="00A7E1"/>
                             </a:solidFill>
                             <a:latin typeface="Cambria Math" panose="02040503050406030204" pitchFamily="18" charset="0"/>
                           </a:rPr>
@@ -8358,7 +8571,7 @@
                         <m:r>
                           <a:rPr lang="en-US" sz="2400" b="0" i="1" smtClean="0">
                             <a:solidFill>
-                              <a:srgbClr val="FFA161"/>
+                              <a:srgbClr val="00A7E1"/>
                             </a:solidFill>
                             <a:latin typeface="Cambria Math" panose="02040503050406030204" pitchFamily="18" charset="0"/>
                           </a:rPr>
@@ -8369,16 +8582,25 @@
                         <m:r>
                           <a:rPr lang="en-US" sz="2400" b="0" i="1" smtClean="0">
                             <a:solidFill>
-                              <a:srgbClr val="FFA161"/>
+                              <a:srgbClr val="00A7E1"/>
                             </a:solidFill>
                             <a:latin typeface="Cambria Math" panose="02040503050406030204" pitchFamily="18" charset="0"/>
                           </a:rPr>
-                          <m:t>𝑧𝑧</m:t>
+                          <m:t>𝑥</m:t>
+                        </m:r>
+                        <m:r>
+                          <a:rPr lang="en-US" sz="2400" b="0" i="1" smtClean="0">
+                            <a:solidFill>
+                              <a:srgbClr val="00A7E1"/>
+                            </a:solidFill>
+                            <a:latin typeface="Cambria Math" panose="02040503050406030204" pitchFamily="18" charset="0"/>
+                          </a:rPr>
+                          <m:t>𝑧</m:t>
                         </m:r>
                         <m:r>
                           <a:rPr lang="en-US" sz="2400" i="1" smtClean="0">
                             <a:solidFill>
-                              <a:srgbClr val="FFA161"/>
+                              <a:srgbClr val="00A7E1"/>
                             </a:solidFill>
                             <a:latin typeface="Cambria Math" panose="02040503050406030204" pitchFamily="18" charset="0"/>
                           </a:rPr>
@@ -8403,7 +8625,7 @@
                         <m:ctrlPr>
                           <a:rPr lang="en-US" sz="2400" i="1" smtClean="0">
                             <a:solidFill>
-                              <a:srgbClr val="FF8000"/>
+                              <a:srgbClr val="00A7E1"/>
                             </a:solidFill>
                             <a:latin typeface="Cambria Math" panose="02040503050406030204" pitchFamily="18" charset="0"/>
                           </a:rPr>
@@ -8413,7 +8635,7 @@
                         <m:r>
                           <a:rPr lang="en-US" sz="2400" i="1">
                             <a:solidFill>
-                              <a:srgbClr val="FF8000"/>
+                              <a:srgbClr val="00A7E1"/>
                             </a:solidFill>
                             <a:latin typeface="Cambria Math" panose="02040503050406030204" pitchFamily="18" charset="0"/>
                           </a:rPr>
@@ -8424,7 +8646,7 @@
                         <m:r>
                           <a:rPr lang="en-US" sz="2400" b="0" i="1" smtClean="0">
                             <a:solidFill>
-                              <a:srgbClr val="FF8000"/>
+                              <a:srgbClr val="00A7E1"/>
                             </a:solidFill>
                             <a:latin typeface="Cambria Math" panose="02040503050406030204" pitchFamily="18" charset="0"/>
                           </a:rPr>
@@ -8433,7 +8655,7 @@
                         <m:r>
                           <a:rPr lang="en-US" sz="2400" i="1">
                             <a:solidFill>
-                              <a:srgbClr val="FF8000"/>
+                              <a:srgbClr val="00A7E1"/>
                             </a:solidFill>
                             <a:latin typeface="Cambria Math" panose="02040503050406030204" pitchFamily="18" charset="0"/>
                           </a:rPr>
@@ -8442,7 +8664,7 @@
                         <m:r>
                           <a:rPr lang="en-US" sz="2400" b="0" i="1" smtClean="0">
                             <a:solidFill>
-                              <a:srgbClr val="FF8000"/>
+                              <a:srgbClr val="00A7E1"/>
                             </a:solidFill>
                             <a:latin typeface="Cambria Math" panose="02040503050406030204" pitchFamily="18" charset="0"/>
                           </a:rPr>
@@ -8453,9 +8675,9 @@
                     <m:sSub>
                       <m:sSubPr>
                         <m:ctrlPr>
-                          <a:rPr lang="en-US" sz="2400" i="1">
+                          <a:rPr lang="en-US" sz="2400" i="1" smtClean="0">
                             <a:solidFill>
-                              <a:srgbClr val="FF8000"/>
+                              <a:srgbClr val="FFA630"/>
                             </a:solidFill>
                             <a:latin typeface="Cambria Math" panose="02040503050406030204" pitchFamily="18" charset="0"/>
                           </a:rPr>
@@ -8463,9 +8685,18 @@
                       </m:sSubPr>
                       <m:e>
                         <m:r>
+                          <a:rPr lang="en-US" sz="2400" b="0" i="1" smtClean="0">
+                            <a:solidFill>
+                              <a:srgbClr val="4F4F4F"/>
+                            </a:solidFill>
+                            <a:latin typeface="Cambria Math" panose="02040503050406030204" pitchFamily="18" charset="0"/>
+                          </a:rPr>
+                          <m:t>,</m:t>
+                        </m:r>
+                        <m:r>
                           <a:rPr lang="en-US" sz="2400" i="1">
                             <a:solidFill>
-                              <a:srgbClr val="FF8000"/>
+                              <a:srgbClr val="FFA630"/>
                             </a:solidFill>
                             <a:latin typeface="Cambria Math" panose="02040503050406030204" pitchFamily="18" charset="0"/>
                           </a:rPr>
@@ -8476,7 +8707,7 @@
                         <m:r>
                           <a:rPr lang="en-US" sz="2400" b="0" i="1" smtClean="0">
                             <a:solidFill>
-                              <a:srgbClr val="FF8000"/>
+                              <a:srgbClr val="FFA630"/>
                             </a:solidFill>
                             <a:latin typeface="Cambria Math" panose="02040503050406030204" pitchFamily="18" charset="0"/>
                           </a:rPr>
@@ -8484,6 +8715,15 @@
                         </m:r>
                       </m:sub>
                     </m:sSub>
+                    <m:r>
+                      <a:rPr lang="en-US" sz="2400" b="0" i="1" smtClean="0">
+                        <a:solidFill>
+                          <a:srgbClr val="FF8000"/>
+                        </a:solidFill>
+                        <a:latin typeface="Cambria Math" panose="02040503050406030204" pitchFamily="18" charset="0"/>
+                      </a:rPr>
+                      <m:t>,</m:t>
+                    </m:r>
                     <m:r>
                       <a:rPr lang="en-US" sz="2400" i="1">
                         <a:solidFill>
@@ -8496,9 +8736,9 @@
                     <m:sSub>
                       <m:sSubPr>
                         <m:ctrlPr>
-                          <a:rPr lang="en-US" sz="2400" i="1">
+                          <a:rPr lang="en-US" sz="2400" i="1" smtClean="0">
                             <a:solidFill>
-                              <a:srgbClr val="FF8000"/>
+                              <a:srgbClr val="00A7E1"/>
                             </a:solidFill>
                             <a:latin typeface="Cambria Math" panose="02040503050406030204" pitchFamily="18" charset="0"/>
                           </a:rPr>
@@ -8508,7 +8748,7 @@
                         <m:r>
                           <a:rPr lang="en-US" sz="2400" i="1">
                             <a:solidFill>
-                              <a:srgbClr val="FF8000"/>
+                              <a:srgbClr val="00A7E1"/>
                             </a:solidFill>
                             <a:latin typeface="Cambria Math" panose="02040503050406030204" pitchFamily="18" charset="0"/>
                           </a:rPr>
@@ -8519,7 +8759,7 @@
                         <m:r>
                           <a:rPr lang="en-US" sz="2400" b="0" i="1" smtClean="0">
                             <a:solidFill>
-                              <a:srgbClr val="FF8000"/>
+                              <a:srgbClr val="00A7E1"/>
                             </a:solidFill>
                             <a:latin typeface="Cambria Math" panose="02040503050406030204" pitchFamily="18" charset="0"/>
                           </a:rPr>
@@ -8530,10 +8770,7 @@
                     <m:r>
                       <a:rPr lang="en-US" sz="2400" b="0" i="1" smtClean="0">
                         <a:solidFill>
-                          <a:schemeClr val="tx1">
-                            <a:lumMod val="65000"/>
-                            <a:lumOff val="35000"/>
-                          </a:schemeClr>
+                          <a:srgbClr val="00A7E1"/>
                         </a:solidFill>
                         <a:latin typeface="Cambria Math" panose="02040503050406030204" pitchFamily="18" charset="0"/>
                       </a:rPr>
@@ -8544,7 +8781,7 @@
                         <m:ctrlPr>
                           <a:rPr lang="en-US" sz="2400" i="1" smtClean="0">
                             <a:solidFill>
-                              <a:srgbClr val="FF6A00"/>
+                              <a:srgbClr val="00A7E1"/>
                             </a:solidFill>
                             <a:latin typeface="Cambria Math" panose="02040503050406030204" pitchFamily="18" charset="0"/>
                           </a:rPr>
@@ -8554,7 +8791,7 @@
                         <m:r>
                           <a:rPr lang="en-US" sz="2400" i="1">
                             <a:solidFill>
-                              <a:srgbClr val="FF6A00"/>
+                              <a:srgbClr val="00A7E1"/>
                             </a:solidFill>
                             <a:latin typeface="Cambria Math" panose="02040503050406030204" pitchFamily="18" charset="0"/>
                           </a:rPr>
@@ -8565,7 +8802,7 @@
                         <m:r>
                           <a:rPr lang="en-US" sz="2400" b="0" i="1" smtClean="0">
                             <a:solidFill>
-                              <a:srgbClr val="FF6A00"/>
+                              <a:srgbClr val="00A7E1"/>
                             </a:solidFill>
                             <a:latin typeface="Cambria Math" panose="02040503050406030204" pitchFamily="18" charset="0"/>
                           </a:rPr>
@@ -8574,7 +8811,7 @@
                         <m:r>
                           <a:rPr lang="en-US" sz="2400" i="1">
                             <a:solidFill>
-                              <a:srgbClr val="FF6A00"/>
+                              <a:srgbClr val="00A7E1"/>
                             </a:solidFill>
                             <a:latin typeface="Cambria Math" panose="02040503050406030204" pitchFamily="18" charset="0"/>
                           </a:rPr>
@@ -8582,6 +8819,67 @@
                         </m:r>
                       </m:sub>
                     </m:sSub>
+                    <m:r>
+                      <a:rPr lang="en-US" sz="2400" i="1">
+                        <a:solidFill>
+                          <a:srgbClr val="00A7E1"/>
+                        </a:solidFill>
+                        <a:latin typeface="Cambria Math" panose="02040503050406030204" pitchFamily="18" charset="0"/>
+                      </a:rPr>
+                      <m:t> </m:t>
+                    </m:r>
+                    <m:r>
+                      <a:rPr lang="en-US" sz="2400" b="0" i="1" smtClean="0">
+                        <a:solidFill>
+                          <a:srgbClr val="00A7E1"/>
+                        </a:solidFill>
+                        <a:latin typeface="Cambria Math" panose="02040503050406030204" pitchFamily="18" charset="0"/>
+                      </a:rPr>
+                      <m:t>,</m:t>
+                    </m:r>
+                    <m:sSub>
+                      <m:sSubPr>
+                        <m:ctrlPr>
+                          <a:rPr lang="en-US" sz="2400" i="1">
+                            <a:solidFill>
+                              <a:srgbClr val="00A7E1"/>
+                            </a:solidFill>
+                            <a:latin typeface="Cambria Math" panose="02040503050406030204" pitchFamily="18" charset="0"/>
+                          </a:rPr>
+                        </m:ctrlPr>
+                      </m:sSubPr>
+                      <m:e>
+                        <m:r>
+                          <a:rPr lang="en-US" sz="2400" i="1">
+                            <a:solidFill>
+                              <a:srgbClr val="00A7E1"/>
+                            </a:solidFill>
+                            <a:latin typeface="Cambria Math" panose="02040503050406030204" pitchFamily="18" charset="0"/>
+                          </a:rPr>
+                          <m:t>𝑀</m:t>
+                        </m:r>
+                      </m:e>
+                      <m:sub>
+                        <m:r>
+                          <a:rPr lang="en-US" sz="2400" b="0" i="1" smtClean="0">
+                            <a:solidFill>
+                              <a:srgbClr val="00A7E1"/>
+                            </a:solidFill>
+                            <a:latin typeface="Cambria Math" panose="02040503050406030204" pitchFamily="18" charset="0"/>
+                          </a:rPr>
+                          <m:t>𝑧𝑦</m:t>
+                        </m:r>
+                      </m:sub>
+                    </m:sSub>
+                    <m:r>
+                      <a:rPr lang="en-US" sz="2400" b="0" i="1" smtClean="0">
+                        <a:solidFill>
+                          <a:srgbClr val="FF6A00"/>
+                        </a:solidFill>
+                        <a:latin typeface="Cambria Math" panose="02040503050406030204" pitchFamily="18" charset="0"/>
+                      </a:rPr>
+                      <m:t>,</m:t>
+                    </m:r>
                     <m:r>
                       <a:rPr lang="en-US" sz="2400" i="1">
                         <a:solidFill>
@@ -8594,9 +8892,9 @@
                     <m:sSub>
                       <m:sSubPr>
                         <m:ctrlPr>
-                          <a:rPr lang="en-US" sz="2400" i="1">
+                          <a:rPr lang="en-US" sz="2400" i="1" smtClean="0">
                             <a:solidFill>
-                              <a:srgbClr val="FF6A00"/>
+                              <a:srgbClr val="FFA630"/>
                             </a:solidFill>
                             <a:latin typeface="Cambria Math" panose="02040503050406030204" pitchFamily="18" charset="0"/>
                           </a:rPr>
@@ -8606,7 +8904,7 @@
                         <m:r>
                           <a:rPr lang="en-US" sz="2400" i="1">
                             <a:solidFill>
-                              <a:srgbClr val="FF6A00"/>
+                              <a:srgbClr val="FFA630"/>
                             </a:solidFill>
                             <a:latin typeface="Cambria Math" panose="02040503050406030204" pitchFamily="18" charset="0"/>
                           </a:rPr>
@@ -8617,50 +8915,7 @@
                         <m:r>
                           <a:rPr lang="en-US" sz="2400" b="0" i="1" smtClean="0">
                             <a:solidFill>
-                              <a:srgbClr val="FF6A00"/>
-                            </a:solidFill>
-                            <a:latin typeface="Cambria Math" panose="02040503050406030204" pitchFamily="18" charset="0"/>
-                          </a:rPr>
-                          <m:t>𝑧𝑦</m:t>
-                        </m:r>
-                      </m:sub>
-                    </m:sSub>
-                    <m:r>
-                      <a:rPr lang="en-US" sz="2400" i="1">
-                        <a:solidFill>
-                          <a:srgbClr val="FF6A00"/>
-                        </a:solidFill>
-                        <a:latin typeface="Cambria Math" panose="02040503050406030204" pitchFamily="18" charset="0"/>
-                      </a:rPr>
-                      <m:t> </m:t>
-                    </m:r>
-                    <m:sSub>
-                      <m:sSubPr>
-                        <m:ctrlPr>
-                          <a:rPr lang="en-US" sz="2400" i="1">
-                            <a:solidFill>
-                              <a:srgbClr val="FF6A00"/>
-                            </a:solidFill>
-                            <a:latin typeface="Cambria Math" panose="02040503050406030204" pitchFamily="18" charset="0"/>
-                          </a:rPr>
-                        </m:ctrlPr>
-                      </m:sSubPr>
-                      <m:e>
-                        <m:r>
-                          <a:rPr lang="en-US" sz="2400" i="1">
-                            <a:solidFill>
-                              <a:srgbClr val="FF6A00"/>
-                            </a:solidFill>
-                            <a:latin typeface="Cambria Math" panose="02040503050406030204" pitchFamily="18" charset="0"/>
-                          </a:rPr>
-                          <m:t>𝑀</m:t>
-                        </m:r>
-                      </m:e>
-                      <m:sub>
-                        <m:r>
-                          <a:rPr lang="en-US" sz="2400" b="0" i="1" smtClean="0">
-                            <a:solidFill>
-                              <a:srgbClr val="FF6A00"/>
+                              <a:srgbClr val="FFA630"/>
                             </a:solidFill>
                             <a:latin typeface="Cambria Math" panose="02040503050406030204" pitchFamily="18" charset="0"/>
                           </a:rPr>
@@ -8711,12 +8966,9 @@
                     <m:sSub>
                       <m:sSubPr>
                         <m:ctrlPr>
-                          <a:rPr lang="en-US" sz="2400" i="1">
+                          <a:rPr lang="en-US" sz="2400" i="1" smtClean="0">
                             <a:solidFill>
-                              <a:schemeClr val="tx1">
-                                <a:lumMod val="65000"/>
-                                <a:lumOff val="35000"/>
-                              </a:schemeClr>
+                              <a:srgbClr val="3E4E50"/>
                             </a:solidFill>
                             <a:latin typeface="Cambria Math" panose="02040503050406030204" pitchFamily="18" charset="0"/>
                           </a:rPr>
@@ -8726,10 +8978,7 @@
                         <m:r>
                           <a:rPr lang="en-US" sz="2400" i="1">
                             <a:solidFill>
-                              <a:schemeClr val="tx1">
-                                <a:lumMod val="65000"/>
-                                <a:lumOff val="35000"/>
-                              </a:schemeClr>
+                              <a:srgbClr val="3E4E50"/>
                             </a:solidFill>
                             <a:latin typeface="Cambria Math" panose="02040503050406030204" pitchFamily="18" charset="0"/>
                           </a:rPr>
@@ -8740,10 +8989,7 @@
                         <m:r>
                           <a:rPr lang="en-US" sz="2400" i="1">
                             <a:solidFill>
-                              <a:schemeClr val="tx1">
-                                <a:lumMod val="65000"/>
-                                <a:lumOff val="35000"/>
-                              </a:schemeClr>
+                              <a:srgbClr val="3E4E50"/>
                             </a:solidFill>
                             <a:latin typeface="Cambria Math" panose="02040503050406030204" pitchFamily="18" charset="0"/>
                           </a:rPr>
@@ -8766,12 +9012,9 @@
                     <m:sSub>
                       <m:sSubPr>
                         <m:ctrlPr>
-                          <a:rPr lang="en-US" sz="2400" i="1">
+                          <a:rPr lang="en-US" sz="2400" i="1" smtClean="0">
                             <a:solidFill>
-                              <a:schemeClr val="tx1">
-                                <a:lumMod val="65000"/>
-                                <a:lumOff val="35000"/>
-                              </a:schemeClr>
+                              <a:srgbClr val="62B6CB"/>
                             </a:solidFill>
                             <a:latin typeface="Cambria Math" panose="02040503050406030204" pitchFamily="18" charset="0"/>
                           </a:rPr>
@@ -8781,10 +9024,7 @@
                         <m:r>
                           <a:rPr lang="en-US" sz="2400" i="1">
                             <a:solidFill>
-                              <a:schemeClr val="tx1">
-                                <a:lumMod val="65000"/>
-                                <a:lumOff val="35000"/>
-                              </a:schemeClr>
+                              <a:srgbClr val="62B6CB"/>
                             </a:solidFill>
                             <a:latin typeface="Cambria Math" panose="02040503050406030204" pitchFamily="18" charset="0"/>
                           </a:rPr>
@@ -8795,10 +9035,7 @@
                         <m:r>
                           <a:rPr lang="en-US" sz="2400" b="0" i="1" smtClean="0">
                             <a:solidFill>
-                              <a:schemeClr val="tx1">
-                                <a:lumMod val="65000"/>
-                                <a:lumOff val="35000"/>
-                              </a:schemeClr>
+                              <a:srgbClr val="62B6CB"/>
                             </a:solidFill>
                             <a:latin typeface="Cambria Math" panose="02040503050406030204" pitchFamily="18" charset="0"/>
                           </a:rPr>
@@ -8825,12 +9062,9 @@
                     <m:sSub>
                       <m:sSubPr>
                         <m:ctrlPr>
-                          <a:rPr lang="en-US" sz="2400" i="1">
+                          <a:rPr lang="en-US" sz="2400" i="1" smtClean="0">
                             <a:solidFill>
-                              <a:schemeClr val="tx1">
-                                <a:lumMod val="65000"/>
-                                <a:lumOff val="35000"/>
-                              </a:schemeClr>
+                              <a:srgbClr val="4E8098"/>
                             </a:solidFill>
                             <a:latin typeface="Cambria Math" panose="02040503050406030204" pitchFamily="18" charset="0"/>
                           </a:rPr>
@@ -8840,10 +9074,7 @@
                         <m:r>
                           <a:rPr lang="en-US" sz="2400" i="1">
                             <a:solidFill>
-                              <a:schemeClr val="tx1">
-                                <a:lumMod val="65000"/>
-                                <a:lumOff val="35000"/>
-                              </a:schemeClr>
+                              <a:srgbClr val="4E8098"/>
                             </a:solidFill>
                             <a:latin typeface="Cambria Math" panose="02040503050406030204" pitchFamily="18" charset="0"/>
                           </a:rPr>
@@ -8854,10 +9085,7 @@
                         <m:r>
                           <a:rPr lang="en-US" sz="2400" b="0" i="1" smtClean="0">
                             <a:solidFill>
-                              <a:schemeClr val="tx1">
-                                <a:lumMod val="65000"/>
-                                <a:lumOff val="35000"/>
-                              </a:schemeClr>
+                              <a:srgbClr val="4E8098"/>
                             </a:solidFill>
                             <a:latin typeface="Cambria Math" panose="02040503050406030204" pitchFamily="18" charset="0"/>
                           </a:rPr>
@@ -8870,6 +9098,15 @@
                 <a:r>
                   <a:rPr lang="en-US" sz="2400" dirty="0">
                     <a:solidFill>
+                      <a:srgbClr val="4E8098"/>
+                    </a:solidFill>
+                    <a:latin typeface="Montserrat" panose="00000500000000000000" pitchFamily="2" charset="0"/>
+                  </a:rPr>
+                  <a:t> </a:t>
+                </a:r>
+                <a:r>
+                  <a:rPr lang="en-US" sz="2400" dirty="0">
+                    <a:solidFill>
                       <a:schemeClr val="tx1">
                         <a:lumMod val="65000"/>
                         <a:lumOff val="35000"/>
@@ -8877,7 +9114,7 @@
                     </a:solidFill>
                     <a:latin typeface="Montserrat" panose="00000500000000000000" pitchFamily="2" charset="0"/>
                   </a:rPr>
-                  <a:t> we have the smallest error</a:t>
+                  <a:t>we have the smallest error</a:t>
                 </a:r>
                 <a:r>
                   <a:rPr lang="bg-BG" sz="2400" dirty="0">
@@ -8920,1447 +9157,1423 @@
                   <a:buNone/>
                 </a:pPr>
                 <a14:m>
-                  <m:oMath xmlns:m="http://schemas.openxmlformats.org/officeDocument/2006/math">
-                    <m:r>
-                      <a:rPr lang="en-US" sz="1800" b="0" i="1" smtClean="0">
-                        <a:solidFill>
-                          <a:schemeClr val="tx1">
-                            <a:lumMod val="65000"/>
-                            <a:lumOff val="35000"/>
-                          </a:schemeClr>
-                        </a:solidFill>
-                        <a:latin typeface="Cambria Math" panose="02040503050406030204" pitchFamily="18" charset="0"/>
-                      </a:rPr>
-                      <m:t>𝐸𝑟𝑟</m:t>
-                    </m:r>
-                    <m:r>
-                      <a:rPr lang="en-US" sz="1800" b="0" i="1" smtClean="0">
-                        <a:solidFill>
-                          <a:schemeClr val="tx1">
-                            <a:lumMod val="65000"/>
-                            <a:lumOff val="35000"/>
-                          </a:schemeClr>
-                        </a:solidFill>
-                        <a:latin typeface="Cambria Math" panose="02040503050406030204" pitchFamily="18" charset="0"/>
-                      </a:rPr>
-                      <m:t>(</m:t>
-                    </m:r>
-                    <m:r>
-                      <a:rPr lang="en-US" sz="1800" b="0" i="1" smtClean="0">
-                        <a:solidFill>
-                          <a:schemeClr val="tx1">
-                            <a:lumMod val="65000"/>
-                            <a:lumOff val="35000"/>
-                          </a:schemeClr>
-                        </a:solidFill>
-                        <a:latin typeface="Cambria Math" panose="02040503050406030204" pitchFamily="18" charset="0"/>
-                      </a:rPr>
-                      <m:t>𝑀</m:t>
-                    </m:r>
-                    <m:r>
-                      <a:rPr lang="en-US" sz="1800" b="0" i="1" smtClean="0">
-                        <a:solidFill>
-                          <a:schemeClr val="tx1">
-                            <a:lumMod val="65000"/>
-                            <a:lumOff val="35000"/>
-                          </a:schemeClr>
-                        </a:solidFill>
-                        <a:latin typeface="Cambria Math" panose="02040503050406030204" pitchFamily="18" charset="0"/>
-                      </a:rPr>
-                      <m:t>,</m:t>
-                    </m:r>
-                    <m:r>
-                      <a:rPr lang="en-US" sz="1800" b="0" i="1" smtClean="0">
-                        <a:solidFill>
-                          <a:schemeClr val="tx1">
-                            <a:lumMod val="65000"/>
-                            <a:lumOff val="35000"/>
-                          </a:schemeClr>
-                        </a:solidFill>
-                        <a:latin typeface="Cambria Math" panose="02040503050406030204" pitchFamily="18" charset="0"/>
-                      </a:rPr>
-                      <m:t>𝐵</m:t>
-                    </m:r>
-                    <m:r>
-                      <a:rPr lang="en-US" sz="1800" b="0" i="1" smtClean="0">
-                        <a:solidFill>
-                          <a:schemeClr val="tx1">
-                            <a:lumMod val="65000"/>
-                            <a:lumOff val="35000"/>
-                          </a:schemeClr>
-                        </a:solidFill>
-                        <a:latin typeface="Cambria Math" panose="02040503050406030204" pitchFamily="18" charset="0"/>
-                      </a:rPr>
-                      <m:t>)=</m:t>
-                    </m:r>
-                    <m:sSup>
-                      <m:sSupPr>
-                        <m:ctrlPr>
-                          <a:rPr lang="en-US" sz="1800" i="1" smtClean="0">
-                            <a:solidFill>
-                              <a:schemeClr val="tx1">
-                                <a:lumMod val="65000"/>
-                                <a:lumOff val="35000"/>
-                              </a:schemeClr>
-                            </a:solidFill>
-                            <a:latin typeface="Cambria Math" panose="02040503050406030204" pitchFamily="18" charset="0"/>
-                          </a:rPr>
-                        </m:ctrlPr>
-                      </m:sSupPr>
-                      <m:e>
-                        <m:d>
-                          <m:dPr>
-                            <m:ctrlPr>
-                              <a:rPr lang="en-US" sz="1800" i="1" smtClean="0">
-                                <a:solidFill>
-                                  <a:schemeClr val="tx1">
-                                    <a:lumMod val="65000"/>
-                                    <a:lumOff val="35000"/>
-                                  </a:schemeClr>
-                                </a:solidFill>
-                                <a:latin typeface="Cambria Math" panose="02040503050406030204" pitchFamily="18" charset="0"/>
-                              </a:rPr>
-                            </m:ctrlPr>
-                          </m:dPr>
-                          <m:e>
-                            <m:sSub>
-                              <m:sSubPr>
-                                <m:ctrlPr>
-                                  <a:rPr lang="en-US" sz="1800" i="1">
-                                    <a:solidFill>
-                                      <a:schemeClr val="tx1">
-                                        <a:lumMod val="65000"/>
-                                        <a:lumOff val="35000"/>
-                                      </a:schemeClr>
-                                    </a:solidFill>
-                                    <a:latin typeface="Cambria Math" panose="02040503050406030204" pitchFamily="18" charset="0"/>
-                                  </a:rPr>
-                                </m:ctrlPr>
-                              </m:sSubPr>
-                              <m:e>
-                                <m:r>
-                                  <a:rPr lang="en-US" sz="1800" i="1">
-                                    <a:solidFill>
-                                      <a:schemeClr val="tx1">
-                                        <a:lumMod val="65000"/>
-                                        <a:lumOff val="35000"/>
-                                      </a:schemeClr>
-                                    </a:solidFill>
-                                    <a:latin typeface="Cambria Math" panose="02040503050406030204" pitchFamily="18" charset="0"/>
-                                  </a:rPr>
-                                  <m:t>𝑀</m:t>
-                                </m:r>
-                              </m:e>
-                              <m:sub>
-                                <m:r>
-                                  <a:rPr lang="en-US" sz="1800" i="1">
-                                    <a:solidFill>
-                                      <a:schemeClr val="tx1">
-                                        <a:lumMod val="65000"/>
-                                        <a:lumOff val="35000"/>
-                                      </a:schemeClr>
-                                    </a:solidFill>
-                                    <a:latin typeface="Cambria Math" panose="02040503050406030204" pitchFamily="18" charset="0"/>
-                                  </a:rPr>
-                                  <m:t>𝑥𝑥</m:t>
-                                </m:r>
-                              </m:sub>
-                            </m:sSub>
-                            <m:sSub>
-                              <m:sSubPr>
-                                <m:ctrlPr>
-                                  <a:rPr lang="en-US" sz="1800" i="1" smtClean="0">
-                                    <a:solidFill>
-                                      <a:schemeClr val="tx1">
-                                        <a:lumMod val="65000"/>
-                                        <a:lumOff val="35000"/>
-                                      </a:schemeClr>
-                                    </a:solidFill>
-                                    <a:latin typeface="Cambria Math" panose="02040503050406030204" pitchFamily="18" charset="0"/>
-                                  </a:rPr>
-                                </m:ctrlPr>
-                              </m:sSubPr>
-                              <m:e>
-                                <m:r>
-                                  <a:rPr lang="en-US" sz="1800" b="0" i="1" smtClean="0">
-                                    <a:solidFill>
-                                      <a:schemeClr val="tx1">
-                                        <a:lumMod val="65000"/>
-                                        <a:lumOff val="35000"/>
-                                      </a:schemeClr>
-                                    </a:solidFill>
-                                    <a:latin typeface="Cambria Math" panose="02040503050406030204" pitchFamily="18" charset="0"/>
-                                  </a:rPr>
-                                  <m:t>𝑥</m:t>
-                                </m:r>
-                              </m:e>
-                              <m:sub>
-                                <m:r>
-                                  <a:rPr lang="en-US" sz="1800" b="0" i="1" smtClean="0">
-                                    <a:solidFill>
-                                      <a:schemeClr val="tx1">
-                                        <a:lumMod val="65000"/>
-                                        <a:lumOff val="35000"/>
-                                      </a:schemeClr>
-                                    </a:solidFill>
-                                    <a:latin typeface="Cambria Math" panose="02040503050406030204" pitchFamily="18" charset="0"/>
-                                  </a:rPr>
-                                  <m:t>𝑖</m:t>
-                                </m:r>
-                              </m:sub>
-                            </m:sSub>
-                            <m:r>
-                              <a:rPr lang="en-US" sz="1800" i="1">
-                                <a:solidFill>
-                                  <a:schemeClr val="tx1">
-                                    <a:lumMod val="65000"/>
-                                    <a:lumOff val="35000"/>
-                                  </a:schemeClr>
-                                </a:solidFill>
-                                <a:latin typeface="Cambria Math" panose="02040503050406030204" pitchFamily="18" charset="0"/>
-                              </a:rPr>
-                              <m:t>+</m:t>
-                            </m:r>
-                            <m:sSub>
-                              <m:sSubPr>
-                                <m:ctrlPr>
-                                  <a:rPr lang="en-US" sz="1800" i="1">
-                                    <a:solidFill>
-                                      <a:schemeClr val="tx1">
-                                        <a:lumMod val="65000"/>
-                                        <a:lumOff val="35000"/>
-                                      </a:schemeClr>
-                                    </a:solidFill>
-                                    <a:latin typeface="Cambria Math" panose="02040503050406030204" pitchFamily="18" charset="0"/>
-                                  </a:rPr>
-                                </m:ctrlPr>
-                              </m:sSubPr>
-                              <m:e>
-                                <m:r>
-                                  <a:rPr lang="en-US" sz="1800" i="1">
-                                    <a:solidFill>
-                                      <a:schemeClr val="tx1">
-                                        <a:lumMod val="65000"/>
-                                        <a:lumOff val="35000"/>
-                                      </a:schemeClr>
-                                    </a:solidFill>
-                                    <a:latin typeface="Cambria Math" panose="02040503050406030204" pitchFamily="18" charset="0"/>
-                                  </a:rPr>
-                                  <m:t>𝑀</m:t>
-                                </m:r>
-                              </m:e>
-                              <m:sub>
-                                <m:r>
-                                  <a:rPr lang="en-US" sz="1800" i="1">
-                                    <a:solidFill>
-                                      <a:schemeClr val="tx1">
-                                        <a:lumMod val="65000"/>
-                                        <a:lumOff val="35000"/>
-                                      </a:schemeClr>
-                                    </a:solidFill>
-                                    <a:latin typeface="Cambria Math" panose="02040503050406030204" pitchFamily="18" charset="0"/>
-                                  </a:rPr>
-                                  <m:t>𝑥𝑦</m:t>
-                                </m:r>
-                              </m:sub>
-                            </m:sSub>
-                            <m:sSub>
-                              <m:sSubPr>
-                                <m:ctrlPr>
-                                  <a:rPr lang="en-US" sz="1800" i="1">
-                                    <a:solidFill>
-                                      <a:schemeClr val="tx1">
-                                        <a:lumMod val="65000"/>
-                                        <a:lumOff val="35000"/>
-                                      </a:schemeClr>
-                                    </a:solidFill>
-                                    <a:latin typeface="Cambria Math" panose="02040503050406030204" pitchFamily="18" charset="0"/>
-                                  </a:rPr>
-                                </m:ctrlPr>
-                              </m:sSubPr>
-                              <m:e>
-                                <m:r>
-                                  <a:rPr lang="en-US" sz="1800" i="1">
-                                    <a:solidFill>
-                                      <a:schemeClr val="tx1">
-                                        <a:lumMod val="65000"/>
-                                        <a:lumOff val="35000"/>
-                                      </a:schemeClr>
-                                    </a:solidFill>
-                                    <a:latin typeface="Cambria Math" panose="02040503050406030204" pitchFamily="18" charset="0"/>
-                                  </a:rPr>
-                                  <m:t>𝑥</m:t>
-                                </m:r>
-                              </m:e>
-                              <m:sub>
-                                <m:r>
-                                  <a:rPr lang="en-US" sz="1800" i="1">
-                                    <a:solidFill>
-                                      <a:schemeClr val="tx1">
-                                        <a:lumMod val="65000"/>
-                                        <a:lumOff val="35000"/>
-                                      </a:schemeClr>
-                                    </a:solidFill>
-                                    <a:latin typeface="Cambria Math" panose="02040503050406030204" pitchFamily="18" charset="0"/>
-                                  </a:rPr>
-                                  <m:t>𝑖</m:t>
-                                </m:r>
-                              </m:sub>
-                            </m:sSub>
-                            <m:r>
-                              <a:rPr lang="en-US" sz="1800" i="1">
-                                <a:solidFill>
-                                  <a:schemeClr val="tx1">
-                                    <a:lumMod val="65000"/>
-                                    <a:lumOff val="35000"/>
-                                  </a:schemeClr>
-                                </a:solidFill>
-                                <a:latin typeface="Cambria Math" panose="02040503050406030204" pitchFamily="18" charset="0"/>
-                              </a:rPr>
-                              <m:t>+</m:t>
-                            </m:r>
-                            <m:sSub>
-                              <m:sSubPr>
-                                <m:ctrlPr>
-                                  <a:rPr lang="en-US" sz="1800" i="1">
-                                    <a:solidFill>
-                                      <a:schemeClr val="tx1">
-                                        <a:lumMod val="65000"/>
-                                        <a:lumOff val="35000"/>
-                                      </a:schemeClr>
-                                    </a:solidFill>
-                                    <a:latin typeface="Cambria Math" panose="02040503050406030204" pitchFamily="18" charset="0"/>
-                                  </a:rPr>
-                                </m:ctrlPr>
-                              </m:sSubPr>
-                              <m:e>
-                                <m:r>
-                                  <a:rPr lang="en-US" sz="1800" i="1">
-                                    <a:solidFill>
-                                      <a:schemeClr val="tx1">
-                                        <a:lumMod val="65000"/>
-                                        <a:lumOff val="35000"/>
-                                      </a:schemeClr>
-                                    </a:solidFill>
-                                    <a:latin typeface="Cambria Math" panose="02040503050406030204" pitchFamily="18" charset="0"/>
-                                  </a:rPr>
-                                  <m:t>𝑀</m:t>
-                                </m:r>
-                              </m:e>
-                              <m:sub>
-                                <m:r>
-                                  <a:rPr lang="en-US" sz="1800" i="1">
-                                    <a:solidFill>
-                                      <a:schemeClr val="tx1">
-                                        <a:lumMod val="65000"/>
-                                        <a:lumOff val="35000"/>
-                                      </a:schemeClr>
-                                    </a:solidFill>
-                                    <a:latin typeface="Cambria Math" panose="02040503050406030204" pitchFamily="18" charset="0"/>
-                                  </a:rPr>
-                                  <m:t>𝑥𝑧</m:t>
-                                </m:r>
-                                <m:r>
-                                  <a:rPr lang="en-US" sz="1800" i="1">
-                                    <a:solidFill>
-                                      <a:schemeClr val="tx1">
-                                        <a:lumMod val="65000"/>
-                                        <a:lumOff val="35000"/>
-                                      </a:schemeClr>
-                                    </a:solidFill>
-                                    <a:latin typeface="Cambria Math" panose="02040503050406030204" pitchFamily="18" charset="0"/>
-                                  </a:rPr>
-                                  <m:t> </m:t>
-                                </m:r>
-                              </m:sub>
-                            </m:sSub>
-                            <m:sSub>
-                              <m:sSubPr>
-                                <m:ctrlPr>
-                                  <a:rPr lang="en-US" sz="1800" i="1">
-                                    <a:solidFill>
-                                      <a:schemeClr val="tx1">
-                                        <a:lumMod val="65000"/>
-                                        <a:lumOff val="35000"/>
-                                      </a:schemeClr>
-                                    </a:solidFill>
-                                    <a:latin typeface="Cambria Math" panose="02040503050406030204" pitchFamily="18" charset="0"/>
-                                  </a:rPr>
-                                </m:ctrlPr>
-                              </m:sSubPr>
-                              <m:e>
-                                <m:r>
-                                  <a:rPr lang="en-US" sz="1800" i="1">
-                                    <a:solidFill>
-                                      <a:schemeClr val="tx1">
-                                        <a:lumMod val="65000"/>
-                                        <a:lumOff val="35000"/>
-                                      </a:schemeClr>
-                                    </a:solidFill>
-                                    <a:latin typeface="Cambria Math" panose="02040503050406030204" pitchFamily="18" charset="0"/>
-                                  </a:rPr>
-                                  <m:t>𝑥</m:t>
-                                </m:r>
-                              </m:e>
-                              <m:sub>
-                                <m:r>
-                                  <a:rPr lang="en-US" sz="1800" i="1">
-                                    <a:solidFill>
-                                      <a:schemeClr val="tx1">
-                                        <a:lumMod val="65000"/>
-                                        <a:lumOff val="35000"/>
-                                      </a:schemeClr>
-                                    </a:solidFill>
-                                    <a:latin typeface="Cambria Math" panose="02040503050406030204" pitchFamily="18" charset="0"/>
-                                  </a:rPr>
-                                  <m:t>𝑖</m:t>
-                                </m:r>
-                              </m:sub>
-                            </m:sSub>
-                            <m:r>
-                              <a:rPr lang="en-US" sz="1800" i="1">
-                                <a:solidFill>
-                                  <a:schemeClr val="tx1">
-                                    <a:lumMod val="65000"/>
-                                    <a:lumOff val="35000"/>
-                                  </a:schemeClr>
-                                </a:solidFill>
-                                <a:latin typeface="Cambria Math" panose="02040503050406030204" pitchFamily="18" charset="0"/>
-                              </a:rPr>
-                              <m:t>+</m:t>
-                            </m:r>
-                            <m:sSub>
-                              <m:sSubPr>
-                                <m:ctrlPr>
-                                  <a:rPr lang="en-US" sz="1800" i="1">
-                                    <a:solidFill>
-                                      <a:schemeClr val="tx1">
-                                        <a:lumMod val="65000"/>
-                                        <a:lumOff val="35000"/>
-                                      </a:schemeClr>
-                                    </a:solidFill>
-                                    <a:latin typeface="Cambria Math" panose="02040503050406030204" pitchFamily="18" charset="0"/>
-                                  </a:rPr>
-                                </m:ctrlPr>
-                              </m:sSubPr>
-                              <m:e>
-                                <m:r>
-                                  <a:rPr lang="en-US" sz="1800" i="1">
-                                    <a:solidFill>
-                                      <a:schemeClr val="tx1">
-                                        <a:lumMod val="65000"/>
-                                        <a:lumOff val="35000"/>
-                                      </a:schemeClr>
-                                    </a:solidFill>
-                                    <a:latin typeface="Cambria Math" panose="02040503050406030204" pitchFamily="18" charset="0"/>
-                                  </a:rPr>
-                                  <m:t>𝐵</m:t>
-                                </m:r>
-                              </m:e>
-                              <m:sub>
-                                <m:r>
-                                  <a:rPr lang="en-US" sz="1800" i="1">
-                                    <a:solidFill>
-                                      <a:schemeClr val="tx1">
-                                        <a:lumMod val="65000"/>
-                                        <a:lumOff val="35000"/>
-                                      </a:schemeClr>
-                                    </a:solidFill>
-                                    <a:latin typeface="Cambria Math" panose="02040503050406030204" pitchFamily="18" charset="0"/>
-                                  </a:rPr>
-                                  <m:t>𝑥</m:t>
-                                </m:r>
-                                <m:r>
-                                  <a:rPr lang="en-US" sz="1800" i="1">
-                                    <a:solidFill>
-                                      <a:schemeClr val="tx1">
-                                        <a:lumMod val="65000"/>
-                                        <a:lumOff val="35000"/>
-                                      </a:schemeClr>
-                                    </a:solidFill>
-                                    <a:latin typeface="Cambria Math" panose="02040503050406030204" pitchFamily="18" charset="0"/>
-                                  </a:rPr>
-                                  <m:t> </m:t>
-                                </m:r>
-                              </m:sub>
-                            </m:sSub>
-                          </m:e>
-                        </m:d>
-                      </m:e>
-                      <m:sup>
-                        <m:r>
-                          <a:rPr lang="en-US" sz="1800" b="0" i="1" smtClean="0">
-                            <a:solidFill>
-                              <a:schemeClr val="tx1">
-                                <a:lumMod val="65000"/>
-                                <a:lumOff val="35000"/>
-                              </a:schemeClr>
-                            </a:solidFill>
-                            <a:latin typeface="Cambria Math" panose="02040503050406030204" pitchFamily="18" charset="0"/>
-                          </a:rPr>
-                          <m:t>2</m:t>
-                        </m:r>
-                      </m:sup>
-                    </m:sSup>
-                    <m:r>
-                      <a:rPr lang="en-US" sz="1800" b="0" i="1" smtClean="0">
-                        <a:solidFill>
-                          <a:schemeClr val="tx1">
-                            <a:lumMod val="65000"/>
-                            <a:lumOff val="35000"/>
-                          </a:schemeClr>
-                        </a:solidFill>
-                        <a:latin typeface="Cambria Math" panose="02040503050406030204" pitchFamily="18" charset="0"/>
-                      </a:rPr>
-                      <m:t>+</m:t>
-                    </m:r>
-                    <m:sSup>
-                      <m:sSupPr>
-                        <m:ctrlPr>
-                          <a:rPr lang="en-US" sz="1800" i="1">
-                            <a:solidFill>
-                              <a:schemeClr val="tx1">
-                                <a:lumMod val="65000"/>
-                                <a:lumOff val="35000"/>
-                              </a:schemeClr>
-                            </a:solidFill>
-                            <a:latin typeface="Cambria Math" panose="02040503050406030204" pitchFamily="18" charset="0"/>
-                          </a:rPr>
-                        </m:ctrlPr>
-                      </m:sSupPr>
-                      <m:e>
-                        <m:d>
-                          <m:dPr>
-                            <m:ctrlPr>
-                              <a:rPr lang="en-US" sz="1800" i="1">
-                                <a:solidFill>
-                                  <a:schemeClr val="tx1">
-                                    <a:lumMod val="65000"/>
-                                    <a:lumOff val="35000"/>
-                                  </a:schemeClr>
-                                </a:solidFill>
-                                <a:latin typeface="Cambria Math" panose="02040503050406030204" pitchFamily="18" charset="0"/>
-                              </a:rPr>
-                            </m:ctrlPr>
-                          </m:dPr>
-                          <m:e>
-                            <m:sSub>
-                              <m:sSubPr>
-                                <m:ctrlPr>
-                                  <a:rPr lang="en-US" sz="1800" i="1">
-                                    <a:solidFill>
-                                      <a:schemeClr val="tx1">
-                                        <a:lumMod val="65000"/>
-                                        <a:lumOff val="35000"/>
-                                      </a:schemeClr>
-                                    </a:solidFill>
-                                    <a:latin typeface="Cambria Math" panose="02040503050406030204" pitchFamily="18" charset="0"/>
-                                  </a:rPr>
-                                </m:ctrlPr>
-                              </m:sSubPr>
-                              <m:e>
-                                <m:r>
-                                  <a:rPr lang="en-US" sz="1800" i="1">
-                                    <a:solidFill>
-                                      <a:schemeClr val="tx1">
-                                        <a:lumMod val="65000"/>
-                                        <a:lumOff val="35000"/>
-                                      </a:schemeClr>
-                                    </a:solidFill>
-                                    <a:latin typeface="Cambria Math" panose="02040503050406030204" pitchFamily="18" charset="0"/>
-                                  </a:rPr>
-                                  <m:t>𝑀</m:t>
-                                </m:r>
-                              </m:e>
-                              <m:sub>
-                                <m:r>
-                                  <a:rPr lang="en-US" sz="1800" b="0" i="1" smtClean="0">
-                                    <a:solidFill>
-                                      <a:schemeClr val="tx1">
-                                        <a:lumMod val="65000"/>
-                                        <a:lumOff val="35000"/>
-                                      </a:schemeClr>
-                                    </a:solidFill>
-                                    <a:latin typeface="Cambria Math" panose="02040503050406030204" pitchFamily="18" charset="0"/>
-                                  </a:rPr>
-                                  <m:t>𝑦</m:t>
-                                </m:r>
-                                <m:r>
-                                  <a:rPr lang="en-US" sz="1800" i="1">
-                                    <a:solidFill>
-                                      <a:schemeClr val="tx1">
-                                        <a:lumMod val="65000"/>
-                                        <a:lumOff val="35000"/>
-                                      </a:schemeClr>
-                                    </a:solidFill>
-                                    <a:latin typeface="Cambria Math" panose="02040503050406030204" pitchFamily="18" charset="0"/>
-                                  </a:rPr>
-                                  <m:t>𝑥</m:t>
-                                </m:r>
-                              </m:sub>
-                            </m:sSub>
-                            <m:sSub>
-                              <m:sSubPr>
-                                <m:ctrlPr>
-                                  <a:rPr lang="en-US" sz="1800" i="1">
-                                    <a:solidFill>
-                                      <a:schemeClr val="tx1">
-                                        <a:lumMod val="65000"/>
-                                        <a:lumOff val="35000"/>
-                                      </a:schemeClr>
-                                    </a:solidFill>
-                                    <a:latin typeface="Cambria Math" panose="02040503050406030204" pitchFamily="18" charset="0"/>
-                                  </a:rPr>
-                                </m:ctrlPr>
-                              </m:sSubPr>
-                              <m:e>
-                                <m:r>
-                                  <a:rPr lang="en-US" sz="1800" b="0" i="1" smtClean="0">
-                                    <a:solidFill>
-                                      <a:schemeClr val="tx1">
-                                        <a:lumMod val="65000"/>
-                                        <a:lumOff val="35000"/>
-                                      </a:schemeClr>
-                                    </a:solidFill>
-                                    <a:latin typeface="Cambria Math" panose="02040503050406030204" pitchFamily="18" charset="0"/>
-                                  </a:rPr>
-                                  <m:t>𝑦</m:t>
-                                </m:r>
-                              </m:e>
-                              <m:sub>
-                                <m:r>
-                                  <a:rPr lang="en-US" sz="1800" i="1">
-                                    <a:solidFill>
-                                      <a:schemeClr val="tx1">
-                                        <a:lumMod val="65000"/>
-                                        <a:lumOff val="35000"/>
-                                      </a:schemeClr>
-                                    </a:solidFill>
-                                    <a:latin typeface="Cambria Math" panose="02040503050406030204" pitchFamily="18" charset="0"/>
-                                  </a:rPr>
-                                  <m:t>𝑖</m:t>
-                                </m:r>
-                              </m:sub>
-                            </m:sSub>
-                            <m:r>
-                              <a:rPr lang="en-US" sz="1800" i="1">
-                                <a:solidFill>
-                                  <a:schemeClr val="tx1">
-                                    <a:lumMod val="65000"/>
-                                    <a:lumOff val="35000"/>
-                                  </a:schemeClr>
-                                </a:solidFill>
-                                <a:latin typeface="Cambria Math" panose="02040503050406030204" pitchFamily="18" charset="0"/>
-                              </a:rPr>
-                              <m:t>+</m:t>
-                            </m:r>
-                            <m:sSub>
-                              <m:sSubPr>
-                                <m:ctrlPr>
-                                  <a:rPr lang="en-US" sz="1800" i="1">
-                                    <a:solidFill>
-                                      <a:schemeClr val="tx1">
-                                        <a:lumMod val="65000"/>
-                                        <a:lumOff val="35000"/>
-                                      </a:schemeClr>
-                                    </a:solidFill>
-                                    <a:latin typeface="Cambria Math" panose="02040503050406030204" pitchFamily="18" charset="0"/>
-                                  </a:rPr>
-                                </m:ctrlPr>
-                              </m:sSubPr>
-                              <m:e>
-                                <m:r>
-                                  <a:rPr lang="en-US" sz="1800" i="1">
-                                    <a:solidFill>
-                                      <a:schemeClr val="tx1">
-                                        <a:lumMod val="65000"/>
-                                        <a:lumOff val="35000"/>
-                                      </a:schemeClr>
-                                    </a:solidFill>
-                                    <a:latin typeface="Cambria Math" panose="02040503050406030204" pitchFamily="18" charset="0"/>
-                                  </a:rPr>
-                                  <m:t>𝑀</m:t>
-                                </m:r>
-                              </m:e>
-                              <m:sub>
-                                <m:r>
-                                  <a:rPr lang="en-US" sz="1800" b="0" i="1" smtClean="0">
-                                    <a:solidFill>
-                                      <a:schemeClr val="tx1">
-                                        <a:lumMod val="65000"/>
-                                        <a:lumOff val="35000"/>
-                                      </a:schemeClr>
-                                    </a:solidFill>
-                                    <a:latin typeface="Cambria Math" panose="02040503050406030204" pitchFamily="18" charset="0"/>
-                                  </a:rPr>
-                                  <m:t>𝑦</m:t>
-                                </m:r>
-                                <m:r>
-                                  <a:rPr lang="en-US" sz="1800" i="1">
-                                    <a:solidFill>
-                                      <a:schemeClr val="tx1">
-                                        <a:lumMod val="65000"/>
-                                        <a:lumOff val="35000"/>
-                                      </a:schemeClr>
-                                    </a:solidFill>
-                                    <a:latin typeface="Cambria Math" panose="02040503050406030204" pitchFamily="18" charset="0"/>
-                                  </a:rPr>
-                                  <m:t>𝑦</m:t>
-                                </m:r>
-                              </m:sub>
-                            </m:sSub>
-                            <m:sSub>
-                              <m:sSubPr>
-                                <m:ctrlPr>
-                                  <a:rPr lang="en-US" sz="1800" i="1">
-                                    <a:solidFill>
-                                      <a:schemeClr val="tx1">
-                                        <a:lumMod val="65000"/>
-                                        <a:lumOff val="35000"/>
-                                      </a:schemeClr>
-                                    </a:solidFill>
-                                    <a:latin typeface="Cambria Math" panose="02040503050406030204" pitchFamily="18" charset="0"/>
-                                  </a:rPr>
-                                </m:ctrlPr>
-                              </m:sSubPr>
-                              <m:e>
-                                <m:r>
-                                  <a:rPr lang="en-US" sz="1800" i="1">
-                                    <a:solidFill>
-                                      <a:schemeClr val="tx1">
-                                        <a:lumMod val="65000"/>
-                                        <a:lumOff val="35000"/>
-                                      </a:schemeClr>
-                                    </a:solidFill>
-                                    <a:latin typeface="Cambria Math" panose="02040503050406030204" pitchFamily="18" charset="0"/>
-                                  </a:rPr>
-                                  <m:t>𝑦</m:t>
-                                </m:r>
-                              </m:e>
-                              <m:sub>
-                                <m:r>
-                                  <a:rPr lang="en-US" sz="1800" i="1">
-                                    <a:solidFill>
-                                      <a:schemeClr val="tx1">
-                                        <a:lumMod val="65000"/>
-                                        <a:lumOff val="35000"/>
-                                      </a:schemeClr>
-                                    </a:solidFill>
-                                    <a:latin typeface="Cambria Math" panose="02040503050406030204" pitchFamily="18" charset="0"/>
-                                  </a:rPr>
-                                  <m:t>𝑖</m:t>
-                                </m:r>
-                              </m:sub>
-                            </m:sSub>
-                            <m:r>
-                              <a:rPr lang="en-US" sz="1800" i="1">
-                                <a:solidFill>
-                                  <a:schemeClr val="tx1">
-                                    <a:lumMod val="65000"/>
-                                    <a:lumOff val="35000"/>
-                                  </a:schemeClr>
-                                </a:solidFill>
-                                <a:latin typeface="Cambria Math" panose="02040503050406030204" pitchFamily="18" charset="0"/>
-                              </a:rPr>
-                              <m:t>+</m:t>
-                            </m:r>
-                            <m:sSub>
-                              <m:sSubPr>
-                                <m:ctrlPr>
-                                  <a:rPr lang="en-US" sz="1800" i="1">
-                                    <a:solidFill>
-                                      <a:schemeClr val="tx1">
-                                        <a:lumMod val="65000"/>
-                                        <a:lumOff val="35000"/>
-                                      </a:schemeClr>
-                                    </a:solidFill>
-                                    <a:latin typeface="Cambria Math" panose="02040503050406030204" pitchFamily="18" charset="0"/>
-                                  </a:rPr>
-                                </m:ctrlPr>
-                              </m:sSubPr>
-                              <m:e>
-                                <m:r>
-                                  <a:rPr lang="en-US" sz="1800" i="1">
-                                    <a:solidFill>
-                                      <a:schemeClr val="tx1">
-                                        <a:lumMod val="65000"/>
-                                        <a:lumOff val="35000"/>
-                                      </a:schemeClr>
-                                    </a:solidFill>
-                                    <a:latin typeface="Cambria Math" panose="02040503050406030204" pitchFamily="18" charset="0"/>
-                                  </a:rPr>
-                                  <m:t>𝑀</m:t>
-                                </m:r>
-                              </m:e>
-                              <m:sub>
-                                <m:r>
-                                  <a:rPr lang="en-US" sz="1800" b="0" i="1" smtClean="0">
-                                    <a:solidFill>
-                                      <a:schemeClr val="tx1">
-                                        <a:lumMod val="65000"/>
-                                        <a:lumOff val="35000"/>
-                                      </a:schemeClr>
-                                    </a:solidFill>
-                                    <a:latin typeface="Cambria Math" panose="02040503050406030204" pitchFamily="18" charset="0"/>
-                                  </a:rPr>
-                                  <m:t>𝑦</m:t>
-                                </m:r>
-                                <m:r>
-                                  <a:rPr lang="en-US" sz="1800" i="1">
-                                    <a:solidFill>
-                                      <a:schemeClr val="tx1">
-                                        <a:lumMod val="65000"/>
-                                        <a:lumOff val="35000"/>
-                                      </a:schemeClr>
-                                    </a:solidFill>
-                                    <a:latin typeface="Cambria Math" panose="02040503050406030204" pitchFamily="18" charset="0"/>
-                                  </a:rPr>
-                                  <m:t>𝑧</m:t>
-                                </m:r>
-                                <m:r>
-                                  <a:rPr lang="en-US" sz="1800" i="1" smtClean="0">
-                                    <a:solidFill>
-                                      <a:schemeClr val="tx1">
-                                        <a:lumMod val="65000"/>
-                                        <a:lumOff val="35000"/>
-                                      </a:schemeClr>
-                                    </a:solidFill>
-                                    <a:latin typeface="Cambria Math" panose="02040503050406030204" pitchFamily="18" charset="0"/>
-                                  </a:rPr>
-                                  <m:t> </m:t>
-                                </m:r>
-                              </m:sub>
-                            </m:sSub>
-                            <m:sSub>
-                              <m:sSubPr>
-                                <m:ctrlPr>
-                                  <a:rPr lang="en-US" sz="1800" i="1">
-                                    <a:solidFill>
-                                      <a:schemeClr val="tx1">
-                                        <a:lumMod val="65000"/>
-                                        <a:lumOff val="35000"/>
-                                      </a:schemeClr>
-                                    </a:solidFill>
-                                    <a:latin typeface="Cambria Math" panose="02040503050406030204" pitchFamily="18" charset="0"/>
-                                  </a:rPr>
-                                </m:ctrlPr>
-                              </m:sSubPr>
-                              <m:e>
-                                <m:r>
-                                  <a:rPr lang="en-US" sz="1800" i="1">
-                                    <a:solidFill>
-                                      <a:schemeClr val="tx1">
-                                        <a:lumMod val="65000"/>
-                                        <a:lumOff val="35000"/>
-                                      </a:schemeClr>
-                                    </a:solidFill>
-                                    <a:latin typeface="Cambria Math" panose="02040503050406030204" pitchFamily="18" charset="0"/>
-                                  </a:rPr>
-                                  <m:t>𝑦</m:t>
-                                </m:r>
-                              </m:e>
-                              <m:sub>
-                                <m:r>
-                                  <a:rPr lang="en-US" sz="1800" i="1">
-                                    <a:solidFill>
-                                      <a:schemeClr val="tx1">
-                                        <a:lumMod val="65000"/>
-                                        <a:lumOff val="35000"/>
-                                      </a:schemeClr>
-                                    </a:solidFill>
-                                    <a:latin typeface="Cambria Math" panose="02040503050406030204" pitchFamily="18" charset="0"/>
-                                  </a:rPr>
-                                  <m:t>𝑖</m:t>
-                                </m:r>
-                              </m:sub>
-                            </m:sSub>
-                            <m:r>
-                              <a:rPr lang="en-US" sz="1800" i="1">
-                                <a:solidFill>
-                                  <a:schemeClr val="tx1">
-                                    <a:lumMod val="65000"/>
-                                    <a:lumOff val="35000"/>
-                                  </a:schemeClr>
-                                </a:solidFill>
-                                <a:latin typeface="Cambria Math" panose="02040503050406030204" pitchFamily="18" charset="0"/>
-                              </a:rPr>
-                              <m:t>+</m:t>
-                            </m:r>
-                            <m:sSub>
-                              <m:sSubPr>
-                                <m:ctrlPr>
-                                  <a:rPr lang="en-US" sz="1800" i="1">
-                                    <a:solidFill>
-                                      <a:schemeClr val="tx1">
-                                        <a:lumMod val="65000"/>
-                                        <a:lumOff val="35000"/>
-                                      </a:schemeClr>
-                                    </a:solidFill>
-                                    <a:latin typeface="Cambria Math" panose="02040503050406030204" pitchFamily="18" charset="0"/>
-                                  </a:rPr>
-                                </m:ctrlPr>
-                              </m:sSubPr>
-                              <m:e>
-                                <m:r>
-                                  <a:rPr lang="en-US" sz="1800" i="1">
-                                    <a:solidFill>
-                                      <a:schemeClr val="tx1">
-                                        <a:lumMod val="65000"/>
-                                        <a:lumOff val="35000"/>
-                                      </a:schemeClr>
-                                    </a:solidFill>
-                                    <a:latin typeface="Cambria Math" panose="02040503050406030204" pitchFamily="18" charset="0"/>
-                                  </a:rPr>
-                                  <m:t>𝐵</m:t>
-                                </m:r>
-                              </m:e>
-                              <m:sub>
-                                <m:r>
-                                  <a:rPr lang="en-US" sz="1800" b="0" i="1" smtClean="0">
-                                    <a:solidFill>
-                                      <a:schemeClr val="tx1">
-                                        <a:lumMod val="65000"/>
-                                        <a:lumOff val="35000"/>
-                                      </a:schemeClr>
-                                    </a:solidFill>
-                                    <a:latin typeface="Cambria Math" panose="02040503050406030204" pitchFamily="18" charset="0"/>
-                                  </a:rPr>
-                                  <m:t>𝑦</m:t>
-                                </m:r>
-                              </m:sub>
-                            </m:sSub>
-                          </m:e>
-                        </m:d>
-                      </m:e>
-                      <m:sup>
-                        <m:r>
-                          <a:rPr lang="en-US" sz="1800" i="1">
-                            <a:solidFill>
-                              <a:schemeClr val="tx1">
-                                <a:lumMod val="65000"/>
-                                <a:lumOff val="35000"/>
-                              </a:schemeClr>
-                            </a:solidFill>
-                            <a:latin typeface="Cambria Math" panose="02040503050406030204" pitchFamily="18" charset="0"/>
-                          </a:rPr>
-                          <m:t>2</m:t>
-                        </m:r>
-                      </m:sup>
-                    </m:sSup>
-                    <m:r>
-                      <a:rPr lang="en-US" sz="1800" b="0" i="1" smtClean="0">
-                        <a:solidFill>
-                          <a:schemeClr val="tx1">
-                            <a:lumMod val="65000"/>
-                            <a:lumOff val="35000"/>
-                          </a:schemeClr>
-                        </a:solidFill>
-                        <a:latin typeface="Cambria Math" panose="02040503050406030204" pitchFamily="18" charset="0"/>
-                      </a:rPr>
-                      <m:t>+</m:t>
-                    </m:r>
-                    <m:sSup>
-                      <m:sSupPr>
-                        <m:ctrlPr>
-                          <a:rPr lang="en-US" sz="1800" i="1">
-                            <a:solidFill>
-                              <a:schemeClr val="tx1">
-                                <a:lumMod val="65000"/>
-                                <a:lumOff val="35000"/>
-                              </a:schemeClr>
-                            </a:solidFill>
-                            <a:latin typeface="Cambria Math" panose="02040503050406030204" pitchFamily="18" charset="0"/>
-                          </a:rPr>
-                        </m:ctrlPr>
-                      </m:sSupPr>
-                      <m:e>
-                        <m:d>
-                          <m:dPr>
-                            <m:ctrlPr>
-                              <a:rPr lang="en-US" sz="1800" i="1">
-                                <a:solidFill>
-                                  <a:schemeClr val="tx1">
-                                    <a:lumMod val="65000"/>
-                                    <a:lumOff val="35000"/>
-                                  </a:schemeClr>
-                                </a:solidFill>
-                                <a:latin typeface="Cambria Math" panose="02040503050406030204" pitchFamily="18" charset="0"/>
-                              </a:rPr>
-                            </m:ctrlPr>
-                          </m:dPr>
-                          <m:e>
-                            <m:sSub>
-                              <m:sSubPr>
-                                <m:ctrlPr>
-                                  <a:rPr lang="en-US" sz="1800" i="1">
-                                    <a:solidFill>
-                                      <a:schemeClr val="tx1">
-                                        <a:lumMod val="65000"/>
-                                        <a:lumOff val="35000"/>
-                                      </a:schemeClr>
-                                    </a:solidFill>
-                                    <a:latin typeface="Cambria Math" panose="02040503050406030204" pitchFamily="18" charset="0"/>
-                                  </a:rPr>
-                                </m:ctrlPr>
-                              </m:sSubPr>
-                              <m:e>
-                                <m:r>
-                                  <a:rPr lang="en-US" sz="1800" i="1">
-                                    <a:solidFill>
-                                      <a:schemeClr val="tx1">
-                                        <a:lumMod val="65000"/>
-                                        <a:lumOff val="35000"/>
-                                      </a:schemeClr>
-                                    </a:solidFill>
-                                    <a:latin typeface="Cambria Math" panose="02040503050406030204" pitchFamily="18" charset="0"/>
-                                  </a:rPr>
-                                  <m:t>𝑀</m:t>
-                                </m:r>
-                              </m:e>
-                              <m:sub>
-                                <m:r>
-                                  <a:rPr lang="en-US" sz="1800" b="0" i="1" smtClean="0">
-                                    <a:solidFill>
-                                      <a:schemeClr val="tx1">
-                                        <a:lumMod val="65000"/>
-                                        <a:lumOff val="35000"/>
-                                      </a:schemeClr>
-                                    </a:solidFill>
-                                    <a:latin typeface="Cambria Math" panose="02040503050406030204" pitchFamily="18" charset="0"/>
-                                  </a:rPr>
-                                  <m:t>𝑧</m:t>
-                                </m:r>
-                                <m:r>
-                                  <a:rPr lang="en-US" sz="1800" i="1">
-                                    <a:solidFill>
-                                      <a:schemeClr val="tx1">
-                                        <a:lumMod val="65000"/>
-                                        <a:lumOff val="35000"/>
-                                      </a:schemeClr>
-                                    </a:solidFill>
-                                    <a:latin typeface="Cambria Math" panose="02040503050406030204" pitchFamily="18" charset="0"/>
-                                  </a:rPr>
-                                  <m:t>𝑥</m:t>
-                                </m:r>
-                              </m:sub>
-                            </m:sSub>
-                            <m:sSub>
-                              <m:sSubPr>
-                                <m:ctrlPr>
-                                  <a:rPr lang="en-US" sz="1800" i="1">
-                                    <a:solidFill>
-                                      <a:schemeClr val="tx1">
-                                        <a:lumMod val="65000"/>
-                                        <a:lumOff val="35000"/>
-                                      </a:schemeClr>
-                                    </a:solidFill>
-                                    <a:latin typeface="Cambria Math" panose="02040503050406030204" pitchFamily="18" charset="0"/>
-                                  </a:rPr>
-                                </m:ctrlPr>
-                              </m:sSubPr>
-                              <m:e>
-                                <m:r>
-                                  <a:rPr lang="en-US" sz="1800" b="0" i="1" smtClean="0">
-                                    <a:solidFill>
-                                      <a:schemeClr val="tx1">
-                                        <a:lumMod val="65000"/>
-                                        <a:lumOff val="35000"/>
-                                      </a:schemeClr>
-                                    </a:solidFill>
-                                    <a:latin typeface="Cambria Math" panose="02040503050406030204" pitchFamily="18" charset="0"/>
-                                  </a:rPr>
-                                  <m:t>𝑧</m:t>
-                                </m:r>
-                              </m:e>
-                              <m:sub>
-                                <m:r>
-                                  <a:rPr lang="en-US" sz="1800" i="1">
-                                    <a:solidFill>
-                                      <a:schemeClr val="tx1">
-                                        <a:lumMod val="65000"/>
-                                        <a:lumOff val="35000"/>
-                                      </a:schemeClr>
-                                    </a:solidFill>
-                                    <a:latin typeface="Cambria Math" panose="02040503050406030204" pitchFamily="18" charset="0"/>
-                                  </a:rPr>
-                                  <m:t>𝑖</m:t>
-                                </m:r>
-                              </m:sub>
-                            </m:sSub>
-                            <m:r>
-                              <a:rPr lang="en-US" sz="1800" i="1">
-                                <a:solidFill>
-                                  <a:schemeClr val="tx1">
-                                    <a:lumMod val="65000"/>
-                                    <a:lumOff val="35000"/>
-                                  </a:schemeClr>
-                                </a:solidFill>
-                                <a:latin typeface="Cambria Math" panose="02040503050406030204" pitchFamily="18" charset="0"/>
-                              </a:rPr>
-                              <m:t>+</m:t>
-                            </m:r>
-                            <m:sSub>
-                              <m:sSubPr>
-                                <m:ctrlPr>
-                                  <a:rPr lang="en-US" sz="1800" i="1">
-                                    <a:solidFill>
-                                      <a:schemeClr val="tx1">
-                                        <a:lumMod val="65000"/>
-                                        <a:lumOff val="35000"/>
-                                      </a:schemeClr>
-                                    </a:solidFill>
-                                    <a:latin typeface="Cambria Math" panose="02040503050406030204" pitchFamily="18" charset="0"/>
-                                  </a:rPr>
-                                </m:ctrlPr>
-                              </m:sSubPr>
-                              <m:e>
-                                <m:r>
-                                  <a:rPr lang="en-US" sz="1800" i="1">
-                                    <a:solidFill>
-                                      <a:schemeClr val="tx1">
-                                        <a:lumMod val="65000"/>
-                                        <a:lumOff val="35000"/>
-                                      </a:schemeClr>
-                                    </a:solidFill>
-                                    <a:latin typeface="Cambria Math" panose="02040503050406030204" pitchFamily="18" charset="0"/>
-                                  </a:rPr>
-                                  <m:t>𝑀</m:t>
-                                </m:r>
-                              </m:e>
-                              <m:sub>
-                                <m:r>
-                                  <a:rPr lang="en-US" sz="1800" b="0" i="1" smtClean="0">
-                                    <a:solidFill>
-                                      <a:schemeClr val="tx1">
-                                        <a:lumMod val="65000"/>
-                                        <a:lumOff val="35000"/>
-                                      </a:schemeClr>
-                                    </a:solidFill>
-                                    <a:latin typeface="Cambria Math" panose="02040503050406030204" pitchFamily="18" charset="0"/>
-                                  </a:rPr>
-                                  <m:t>𝑧</m:t>
-                                </m:r>
-                                <m:r>
-                                  <a:rPr lang="en-US" sz="1800" i="1">
-                                    <a:solidFill>
-                                      <a:schemeClr val="tx1">
-                                        <a:lumMod val="65000"/>
-                                        <a:lumOff val="35000"/>
-                                      </a:schemeClr>
-                                    </a:solidFill>
-                                    <a:latin typeface="Cambria Math" panose="02040503050406030204" pitchFamily="18" charset="0"/>
-                                  </a:rPr>
-                                  <m:t>𝑦</m:t>
-                                </m:r>
-                              </m:sub>
-                            </m:sSub>
-                            <m:sSub>
-                              <m:sSubPr>
-                                <m:ctrlPr>
-                                  <a:rPr lang="en-US" sz="1800" i="1">
-                                    <a:solidFill>
-                                      <a:schemeClr val="tx1">
-                                        <a:lumMod val="65000"/>
-                                        <a:lumOff val="35000"/>
-                                      </a:schemeClr>
-                                    </a:solidFill>
-                                    <a:latin typeface="Cambria Math" panose="02040503050406030204" pitchFamily="18" charset="0"/>
-                                  </a:rPr>
-                                </m:ctrlPr>
-                              </m:sSubPr>
-                              <m:e>
-                                <m:r>
-                                  <a:rPr lang="en-US" sz="1800" i="1">
-                                    <a:solidFill>
-                                      <a:schemeClr val="tx1">
-                                        <a:lumMod val="65000"/>
-                                        <a:lumOff val="35000"/>
-                                      </a:schemeClr>
-                                    </a:solidFill>
-                                    <a:latin typeface="Cambria Math" panose="02040503050406030204" pitchFamily="18" charset="0"/>
-                                  </a:rPr>
-                                  <m:t>𝑧</m:t>
-                                </m:r>
-                              </m:e>
-                              <m:sub>
-                                <m:r>
-                                  <a:rPr lang="en-US" sz="1800" i="1">
-                                    <a:solidFill>
-                                      <a:schemeClr val="tx1">
-                                        <a:lumMod val="65000"/>
-                                        <a:lumOff val="35000"/>
-                                      </a:schemeClr>
-                                    </a:solidFill>
-                                    <a:latin typeface="Cambria Math" panose="02040503050406030204" pitchFamily="18" charset="0"/>
-                                  </a:rPr>
-                                  <m:t>𝑖</m:t>
-                                </m:r>
-                              </m:sub>
-                            </m:sSub>
-                            <m:r>
-                              <a:rPr lang="en-US" sz="1800" i="1">
-                                <a:solidFill>
-                                  <a:schemeClr val="tx1">
-                                    <a:lumMod val="65000"/>
-                                    <a:lumOff val="35000"/>
-                                  </a:schemeClr>
-                                </a:solidFill>
-                                <a:latin typeface="Cambria Math" panose="02040503050406030204" pitchFamily="18" charset="0"/>
-                              </a:rPr>
-                              <m:t>+</m:t>
-                            </m:r>
-                            <m:sSub>
-                              <m:sSubPr>
-                                <m:ctrlPr>
-                                  <a:rPr lang="en-US" sz="1800" i="1">
-                                    <a:solidFill>
-                                      <a:schemeClr val="tx1">
-                                        <a:lumMod val="65000"/>
-                                        <a:lumOff val="35000"/>
-                                      </a:schemeClr>
-                                    </a:solidFill>
-                                    <a:latin typeface="Cambria Math" panose="02040503050406030204" pitchFamily="18" charset="0"/>
-                                  </a:rPr>
-                                </m:ctrlPr>
-                              </m:sSubPr>
-                              <m:e>
-                                <m:r>
-                                  <a:rPr lang="en-US" sz="1800" i="1">
-                                    <a:solidFill>
-                                      <a:schemeClr val="tx1">
-                                        <a:lumMod val="65000"/>
-                                        <a:lumOff val="35000"/>
-                                      </a:schemeClr>
-                                    </a:solidFill>
-                                    <a:latin typeface="Cambria Math" panose="02040503050406030204" pitchFamily="18" charset="0"/>
-                                  </a:rPr>
-                                  <m:t>𝑀</m:t>
-                                </m:r>
-                              </m:e>
-                              <m:sub>
-                                <m:r>
-                                  <a:rPr lang="en-US" sz="1800" i="1">
-                                    <a:solidFill>
-                                      <a:schemeClr val="tx1">
-                                        <a:lumMod val="65000"/>
-                                        <a:lumOff val="35000"/>
-                                      </a:schemeClr>
-                                    </a:solidFill>
-                                    <a:latin typeface="Cambria Math" panose="02040503050406030204" pitchFamily="18" charset="0"/>
-                                  </a:rPr>
-                                  <m:t>𝑥𝑧</m:t>
-                                </m:r>
-                                <m:r>
-                                  <a:rPr lang="en-US" sz="1800" i="1" smtClean="0">
-                                    <a:solidFill>
-                                      <a:schemeClr val="tx1">
-                                        <a:lumMod val="65000"/>
-                                        <a:lumOff val="35000"/>
-                                      </a:schemeClr>
-                                    </a:solidFill>
-                                    <a:latin typeface="Cambria Math" panose="02040503050406030204" pitchFamily="18" charset="0"/>
-                                  </a:rPr>
-                                  <m:t> </m:t>
-                                </m:r>
-                              </m:sub>
-                            </m:sSub>
-                            <m:sSub>
-                              <m:sSubPr>
-                                <m:ctrlPr>
-                                  <a:rPr lang="en-US" sz="1800" i="1">
-                                    <a:solidFill>
-                                      <a:schemeClr val="tx1">
-                                        <a:lumMod val="65000"/>
-                                        <a:lumOff val="35000"/>
-                                      </a:schemeClr>
-                                    </a:solidFill>
-                                    <a:latin typeface="Cambria Math" panose="02040503050406030204" pitchFamily="18" charset="0"/>
-                                  </a:rPr>
-                                </m:ctrlPr>
-                              </m:sSubPr>
-                              <m:e>
-                                <m:r>
-                                  <a:rPr lang="en-US" sz="1800" i="1">
-                                    <a:solidFill>
-                                      <a:schemeClr val="tx1">
-                                        <a:lumMod val="65000"/>
-                                        <a:lumOff val="35000"/>
-                                      </a:schemeClr>
-                                    </a:solidFill>
-                                    <a:latin typeface="Cambria Math" panose="02040503050406030204" pitchFamily="18" charset="0"/>
-                                  </a:rPr>
-                                  <m:t>𝑧</m:t>
-                                </m:r>
-                              </m:e>
-                              <m:sub>
-                                <m:r>
-                                  <a:rPr lang="en-US" sz="1800" i="1">
-                                    <a:solidFill>
-                                      <a:schemeClr val="tx1">
-                                        <a:lumMod val="65000"/>
-                                        <a:lumOff val="35000"/>
-                                      </a:schemeClr>
-                                    </a:solidFill>
-                                    <a:latin typeface="Cambria Math" panose="02040503050406030204" pitchFamily="18" charset="0"/>
-                                  </a:rPr>
-                                  <m:t>𝑖</m:t>
-                                </m:r>
-                              </m:sub>
-                            </m:sSub>
-                            <m:r>
-                              <a:rPr lang="en-US" sz="1800" i="1">
-                                <a:solidFill>
-                                  <a:schemeClr val="tx1">
-                                    <a:lumMod val="65000"/>
-                                    <a:lumOff val="35000"/>
-                                  </a:schemeClr>
-                                </a:solidFill>
-                                <a:latin typeface="Cambria Math" panose="02040503050406030204" pitchFamily="18" charset="0"/>
-                              </a:rPr>
-                              <m:t>+</m:t>
-                            </m:r>
-                            <m:sSub>
-                              <m:sSubPr>
-                                <m:ctrlPr>
-                                  <a:rPr lang="en-US" sz="1800" i="1">
-                                    <a:solidFill>
-                                      <a:schemeClr val="tx1">
-                                        <a:lumMod val="65000"/>
-                                        <a:lumOff val="35000"/>
-                                      </a:schemeClr>
-                                    </a:solidFill>
-                                    <a:latin typeface="Cambria Math" panose="02040503050406030204" pitchFamily="18" charset="0"/>
-                                  </a:rPr>
-                                </m:ctrlPr>
-                              </m:sSubPr>
-                              <m:e>
-                                <m:r>
-                                  <a:rPr lang="en-US" sz="1800" i="1">
-                                    <a:solidFill>
-                                      <a:schemeClr val="tx1">
-                                        <a:lumMod val="65000"/>
-                                        <a:lumOff val="35000"/>
-                                      </a:schemeClr>
-                                    </a:solidFill>
-                                    <a:latin typeface="Cambria Math" panose="02040503050406030204" pitchFamily="18" charset="0"/>
-                                  </a:rPr>
-                                  <m:t>𝐵</m:t>
-                                </m:r>
-                              </m:e>
-                              <m:sub>
-                                <m:r>
-                                  <a:rPr lang="en-US" sz="1800" b="0" i="1" smtClean="0">
-                                    <a:solidFill>
-                                      <a:schemeClr val="tx1">
-                                        <a:lumMod val="65000"/>
-                                        <a:lumOff val="35000"/>
-                                      </a:schemeClr>
-                                    </a:solidFill>
-                                    <a:latin typeface="Cambria Math" panose="02040503050406030204" pitchFamily="18" charset="0"/>
-                                  </a:rPr>
-                                  <m:t>𝑧</m:t>
-                                </m:r>
-                                <m:r>
-                                  <a:rPr lang="en-US" sz="1800" i="1">
-                                    <a:solidFill>
-                                      <a:schemeClr val="tx1">
-                                        <a:lumMod val="65000"/>
-                                        <a:lumOff val="35000"/>
-                                      </a:schemeClr>
-                                    </a:solidFill>
-                                    <a:latin typeface="Cambria Math" panose="02040503050406030204" pitchFamily="18" charset="0"/>
-                                  </a:rPr>
-                                  <m:t> </m:t>
-                                </m:r>
-                              </m:sub>
-                            </m:sSub>
-                          </m:e>
-                        </m:d>
-                      </m:e>
-                      <m:sup>
-                        <m:r>
-                          <a:rPr lang="en-US" sz="1800" i="1">
-                            <a:solidFill>
-                              <a:schemeClr val="tx1">
-                                <a:lumMod val="65000"/>
-                                <a:lumOff val="35000"/>
-                              </a:schemeClr>
-                            </a:solidFill>
-                            <a:latin typeface="Cambria Math" panose="02040503050406030204" pitchFamily="18" charset="0"/>
-                          </a:rPr>
-                          <m:t>2</m:t>
-                        </m:r>
-                      </m:sup>
-                    </m:sSup>
-                    <m:r>
-                      <a:rPr lang="en-US" sz="1800" b="0" i="1" smtClean="0">
-                        <a:solidFill>
-                          <a:schemeClr val="tx1">
-                            <a:lumMod val="65000"/>
-                            <a:lumOff val="35000"/>
-                          </a:schemeClr>
-                        </a:solidFill>
-                        <a:latin typeface="Cambria Math" panose="02040503050406030204" pitchFamily="18" charset="0"/>
-                      </a:rPr>
-                      <m:t>−</m:t>
-                    </m:r>
-                    <m:sSup>
-                      <m:sSupPr>
-                        <m:ctrlPr>
-                          <a:rPr lang="en-US" sz="1800" b="0" i="1" smtClean="0">
-                            <a:solidFill>
-                              <a:schemeClr val="tx1">
-                                <a:lumMod val="65000"/>
-                                <a:lumOff val="35000"/>
-                              </a:schemeClr>
-                            </a:solidFill>
-                            <a:latin typeface="Cambria Math" panose="02040503050406030204" pitchFamily="18" charset="0"/>
-                          </a:rPr>
-                        </m:ctrlPr>
-                      </m:sSupPr>
-                      <m:e>
-                        <m:r>
-                          <a:rPr lang="en-US" sz="1800" b="0" i="1" smtClean="0">
-                            <a:solidFill>
-                              <a:schemeClr val="tx1">
-                                <a:lumMod val="65000"/>
-                                <a:lumOff val="35000"/>
-                              </a:schemeClr>
-                            </a:solidFill>
-                            <a:latin typeface="Cambria Math" panose="02040503050406030204" pitchFamily="18" charset="0"/>
-                          </a:rPr>
-                          <m:t>𝑔</m:t>
-                        </m:r>
-                      </m:e>
-                      <m:sup>
-                        <m:r>
-                          <a:rPr lang="en-US" sz="1800" b="0" i="1" smtClean="0">
-                            <a:solidFill>
-                              <a:schemeClr val="tx1">
-                                <a:lumMod val="65000"/>
-                                <a:lumOff val="35000"/>
-                              </a:schemeClr>
-                            </a:solidFill>
-                            <a:latin typeface="Cambria Math" panose="02040503050406030204" pitchFamily="18" charset="0"/>
-                          </a:rPr>
-                          <m:t>2</m:t>
-                        </m:r>
-                      </m:sup>
-                    </m:sSup>
-                  </m:oMath>
+                  <m:oMathPara xmlns:m="http://schemas.openxmlformats.org/officeDocument/2006/math">
+                    <m:oMathParaPr>
+                      <m:jc m:val="centerGroup"/>
+                    </m:oMathParaPr>
+                    <m:oMath xmlns:m="http://schemas.openxmlformats.org/officeDocument/2006/math">
+                      <m:r>
+                        <a:rPr lang="en-US" sz="1800" b="0" i="1" smtClean="0">
+                          <a:solidFill>
+                            <a:srgbClr val="FF6A00"/>
+                          </a:solidFill>
+                          <a:latin typeface="Cambria Math" panose="02040503050406030204" pitchFamily="18" charset="0"/>
+                        </a:rPr>
+                        <m:t>𝐸𝑟𝑟</m:t>
+                      </m:r>
+                      <m:r>
+                        <a:rPr lang="en-US" sz="1800" b="0" i="1" smtClean="0">
+                          <a:solidFill>
+                            <a:srgbClr val="FF6A00"/>
+                          </a:solidFill>
+                          <a:latin typeface="Cambria Math" panose="02040503050406030204" pitchFamily="18" charset="0"/>
+                        </a:rPr>
+                        <m:t>(</m:t>
+                      </m:r>
+                      <m:r>
+                        <a:rPr lang="en-US" sz="1800" b="0" i="1" smtClean="0">
+                          <a:solidFill>
+                            <a:srgbClr val="FF6A00"/>
+                          </a:solidFill>
+                          <a:latin typeface="Cambria Math" panose="02040503050406030204" pitchFamily="18" charset="0"/>
+                        </a:rPr>
+                        <m:t>𝑀</m:t>
+                      </m:r>
+                      <m:r>
+                        <a:rPr lang="en-US" sz="1800" b="0" i="1" smtClean="0">
+                          <a:solidFill>
+                            <a:srgbClr val="FF6A00"/>
+                          </a:solidFill>
+                          <a:latin typeface="Cambria Math" panose="02040503050406030204" pitchFamily="18" charset="0"/>
+                        </a:rPr>
+                        <m:t>,</m:t>
+                      </m:r>
+                      <m:r>
+                        <a:rPr lang="en-US" sz="1800" b="0" i="1" smtClean="0">
+                          <a:solidFill>
+                            <a:srgbClr val="FF6A00"/>
+                          </a:solidFill>
+                          <a:latin typeface="Cambria Math" panose="02040503050406030204" pitchFamily="18" charset="0"/>
+                        </a:rPr>
+                        <m:t>𝐵</m:t>
+                      </m:r>
+                      <m:r>
+                        <a:rPr lang="en-US" sz="1800" b="0" i="1" smtClean="0">
+                          <a:solidFill>
+                            <a:srgbClr val="FF6A00"/>
+                          </a:solidFill>
+                          <a:latin typeface="Cambria Math" panose="02040503050406030204" pitchFamily="18" charset="0"/>
+                        </a:rPr>
+                        <m:t>)=</m:t>
+                      </m:r>
+                      <m:nary>
+                        <m:naryPr>
+                          <m:chr m:val="∑"/>
+                          <m:ctrlPr>
+                            <a:rPr lang="en-US" sz="1800" b="0" i="1" smtClean="0">
+                              <a:solidFill>
+                                <a:schemeClr val="tx1">
+                                  <a:lumMod val="65000"/>
+                                  <a:lumOff val="35000"/>
+                                </a:schemeClr>
+                              </a:solidFill>
+                              <a:latin typeface="Cambria Math" panose="02040503050406030204" pitchFamily="18" charset="0"/>
+                            </a:rPr>
+                          </m:ctrlPr>
+                        </m:naryPr>
+                        <m:sub>
+                          <m:r>
+                            <m:rPr>
+                              <m:brk m:alnAt="23"/>
+                            </m:rPr>
+                            <a:rPr lang="en-US" sz="1800" b="0" i="1" smtClean="0">
+                              <a:solidFill>
+                                <a:schemeClr val="tx1">
+                                  <a:lumMod val="65000"/>
+                                  <a:lumOff val="35000"/>
+                                </a:schemeClr>
+                              </a:solidFill>
+                              <a:latin typeface="Cambria Math" panose="02040503050406030204" pitchFamily="18" charset="0"/>
+                            </a:rPr>
+                            <m:t>𝑖</m:t>
+                          </m:r>
+                          <m:r>
+                            <a:rPr lang="en-US" sz="1800" b="0" i="1" smtClean="0">
+                              <a:solidFill>
+                                <a:schemeClr val="tx1">
+                                  <a:lumMod val="65000"/>
+                                  <a:lumOff val="35000"/>
+                                </a:schemeClr>
+                              </a:solidFill>
+                              <a:latin typeface="Cambria Math" panose="02040503050406030204" pitchFamily="18" charset="0"/>
+                            </a:rPr>
+                            <m:t>=1</m:t>
+                          </m:r>
+                        </m:sub>
+                        <m:sup>
+                          <m:r>
+                            <a:rPr lang="en-US" sz="1800" b="0" i="1" smtClean="0">
+                              <a:solidFill>
+                                <a:schemeClr val="tx1">
+                                  <a:lumMod val="65000"/>
+                                  <a:lumOff val="35000"/>
+                                </a:schemeClr>
+                              </a:solidFill>
+                              <a:latin typeface="Cambria Math" panose="02040503050406030204" pitchFamily="18" charset="0"/>
+                            </a:rPr>
+                            <m:t>𝑛</m:t>
+                          </m:r>
+                        </m:sup>
+                        <m:e>
+                          <m:sSup>
+                            <m:sSupPr>
+                              <m:ctrlPr>
+                                <a:rPr lang="en-US" sz="1800" i="1">
+                                  <a:solidFill>
+                                    <a:schemeClr val="tx1">
+                                      <a:lumMod val="65000"/>
+                                      <a:lumOff val="35000"/>
+                                    </a:schemeClr>
+                                  </a:solidFill>
+                                  <a:latin typeface="Cambria Math" panose="02040503050406030204" pitchFamily="18" charset="0"/>
+                                </a:rPr>
+                              </m:ctrlPr>
+                            </m:sSupPr>
+                            <m:e>
+                              <m:d>
+                                <m:dPr>
+                                  <m:ctrlPr>
+                                    <a:rPr lang="en-US" sz="1800" i="1">
+                                      <a:solidFill>
+                                        <a:schemeClr val="tx1">
+                                          <a:lumMod val="65000"/>
+                                          <a:lumOff val="35000"/>
+                                        </a:schemeClr>
+                                      </a:solidFill>
+                                      <a:latin typeface="Cambria Math" panose="02040503050406030204" pitchFamily="18" charset="0"/>
+                                    </a:rPr>
+                                  </m:ctrlPr>
+                                </m:dPr>
+                                <m:e>
+                                  <m:sSub>
+                                    <m:sSubPr>
+                                      <m:ctrlPr>
+                                        <a:rPr lang="en-US" sz="1800" i="1">
+                                          <a:solidFill>
+                                            <a:schemeClr val="tx1">
+                                              <a:lumMod val="65000"/>
+                                              <a:lumOff val="35000"/>
+                                            </a:schemeClr>
+                                          </a:solidFill>
+                                          <a:latin typeface="Cambria Math" panose="02040503050406030204" pitchFamily="18" charset="0"/>
+                                        </a:rPr>
+                                      </m:ctrlPr>
+                                    </m:sSubPr>
+                                    <m:e>
+                                      <m:r>
+                                        <a:rPr lang="en-US" sz="1800" i="1">
+                                          <a:solidFill>
+                                            <a:schemeClr val="tx1">
+                                              <a:lumMod val="65000"/>
+                                              <a:lumOff val="35000"/>
+                                            </a:schemeClr>
+                                          </a:solidFill>
+                                          <a:latin typeface="Cambria Math" panose="02040503050406030204" pitchFamily="18" charset="0"/>
+                                        </a:rPr>
+                                        <m:t>𝑀</m:t>
+                                      </m:r>
+                                    </m:e>
+                                    <m:sub>
+                                      <m:r>
+                                        <a:rPr lang="en-US" sz="1800" i="1">
+                                          <a:solidFill>
+                                            <a:schemeClr val="tx1">
+                                              <a:lumMod val="65000"/>
+                                              <a:lumOff val="35000"/>
+                                            </a:schemeClr>
+                                          </a:solidFill>
+                                          <a:latin typeface="Cambria Math" panose="02040503050406030204" pitchFamily="18" charset="0"/>
+                                        </a:rPr>
+                                        <m:t>𝑥𝑥</m:t>
+                                      </m:r>
+                                    </m:sub>
+                                  </m:sSub>
+                                  <m:sSub>
+                                    <m:sSubPr>
+                                      <m:ctrlPr>
+                                        <a:rPr lang="en-US" sz="1800" i="1">
+                                          <a:solidFill>
+                                            <a:schemeClr val="tx1">
+                                              <a:lumMod val="65000"/>
+                                              <a:lumOff val="35000"/>
+                                            </a:schemeClr>
+                                          </a:solidFill>
+                                          <a:latin typeface="Cambria Math" panose="02040503050406030204" pitchFamily="18" charset="0"/>
+                                        </a:rPr>
+                                      </m:ctrlPr>
+                                    </m:sSubPr>
+                                    <m:e>
+                                      <m:r>
+                                        <a:rPr lang="en-US" sz="1800" i="1">
+                                          <a:solidFill>
+                                            <a:schemeClr val="tx1">
+                                              <a:lumMod val="65000"/>
+                                              <a:lumOff val="35000"/>
+                                            </a:schemeClr>
+                                          </a:solidFill>
+                                          <a:latin typeface="Cambria Math" panose="02040503050406030204" pitchFamily="18" charset="0"/>
+                                        </a:rPr>
+                                        <m:t>𝑥</m:t>
+                                      </m:r>
+                                    </m:e>
+                                    <m:sub>
+                                      <m:r>
+                                        <a:rPr lang="en-US" sz="1800" i="1">
+                                          <a:solidFill>
+                                            <a:schemeClr val="tx1">
+                                              <a:lumMod val="65000"/>
+                                              <a:lumOff val="35000"/>
+                                            </a:schemeClr>
+                                          </a:solidFill>
+                                          <a:latin typeface="Cambria Math" panose="02040503050406030204" pitchFamily="18" charset="0"/>
+                                        </a:rPr>
+                                        <m:t>𝑖</m:t>
+                                      </m:r>
+                                    </m:sub>
+                                  </m:sSub>
+                                  <m:r>
+                                    <a:rPr lang="en-US" sz="1800" i="1">
+                                      <a:solidFill>
+                                        <a:schemeClr val="tx1">
+                                          <a:lumMod val="65000"/>
+                                          <a:lumOff val="35000"/>
+                                        </a:schemeClr>
+                                      </a:solidFill>
+                                      <a:latin typeface="Cambria Math" panose="02040503050406030204" pitchFamily="18" charset="0"/>
+                                    </a:rPr>
+                                    <m:t>+</m:t>
+                                  </m:r>
+                                  <m:sSub>
+                                    <m:sSubPr>
+                                      <m:ctrlPr>
+                                        <a:rPr lang="en-US" sz="1800" i="1">
+                                          <a:solidFill>
+                                            <a:schemeClr val="tx1">
+                                              <a:lumMod val="65000"/>
+                                              <a:lumOff val="35000"/>
+                                            </a:schemeClr>
+                                          </a:solidFill>
+                                          <a:latin typeface="Cambria Math" panose="02040503050406030204" pitchFamily="18" charset="0"/>
+                                        </a:rPr>
+                                      </m:ctrlPr>
+                                    </m:sSubPr>
+                                    <m:e>
+                                      <m:r>
+                                        <a:rPr lang="en-US" sz="1800" i="1">
+                                          <a:solidFill>
+                                            <a:schemeClr val="tx1">
+                                              <a:lumMod val="65000"/>
+                                              <a:lumOff val="35000"/>
+                                            </a:schemeClr>
+                                          </a:solidFill>
+                                          <a:latin typeface="Cambria Math" panose="02040503050406030204" pitchFamily="18" charset="0"/>
+                                        </a:rPr>
+                                        <m:t>𝑀</m:t>
+                                      </m:r>
+                                    </m:e>
+                                    <m:sub>
+                                      <m:r>
+                                        <a:rPr lang="en-US" sz="1800" i="1">
+                                          <a:solidFill>
+                                            <a:schemeClr val="tx1">
+                                              <a:lumMod val="65000"/>
+                                              <a:lumOff val="35000"/>
+                                            </a:schemeClr>
+                                          </a:solidFill>
+                                          <a:latin typeface="Cambria Math" panose="02040503050406030204" pitchFamily="18" charset="0"/>
+                                        </a:rPr>
+                                        <m:t>𝑥𝑦</m:t>
+                                      </m:r>
+                                    </m:sub>
+                                  </m:sSub>
+                                  <m:sSub>
+                                    <m:sSubPr>
+                                      <m:ctrlPr>
+                                        <a:rPr lang="en-US" sz="1800" i="1">
+                                          <a:solidFill>
+                                            <a:schemeClr val="tx1">
+                                              <a:lumMod val="65000"/>
+                                              <a:lumOff val="35000"/>
+                                            </a:schemeClr>
+                                          </a:solidFill>
+                                          <a:latin typeface="Cambria Math" panose="02040503050406030204" pitchFamily="18" charset="0"/>
+                                        </a:rPr>
+                                      </m:ctrlPr>
+                                    </m:sSubPr>
+                                    <m:e>
+                                      <m:r>
+                                        <a:rPr lang="en-US" sz="1800" i="1">
+                                          <a:solidFill>
+                                            <a:schemeClr val="tx1">
+                                              <a:lumMod val="65000"/>
+                                              <a:lumOff val="35000"/>
+                                            </a:schemeClr>
+                                          </a:solidFill>
+                                          <a:latin typeface="Cambria Math" panose="02040503050406030204" pitchFamily="18" charset="0"/>
+                                        </a:rPr>
+                                        <m:t>𝑦</m:t>
+                                      </m:r>
+                                    </m:e>
+                                    <m:sub>
+                                      <m:r>
+                                        <a:rPr lang="en-US" sz="1800" i="1">
+                                          <a:solidFill>
+                                            <a:schemeClr val="tx1">
+                                              <a:lumMod val="65000"/>
+                                              <a:lumOff val="35000"/>
+                                            </a:schemeClr>
+                                          </a:solidFill>
+                                          <a:latin typeface="Cambria Math" panose="02040503050406030204" pitchFamily="18" charset="0"/>
+                                        </a:rPr>
+                                        <m:t>𝑖</m:t>
+                                      </m:r>
+                                    </m:sub>
+                                  </m:sSub>
+                                  <m:r>
+                                    <a:rPr lang="en-US" sz="1800" i="1">
+                                      <a:solidFill>
+                                        <a:schemeClr val="tx1">
+                                          <a:lumMod val="65000"/>
+                                          <a:lumOff val="35000"/>
+                                        </a:schemeClr>
+                                      </a:solidFill>
+                                      <a:latin typeface="Cambria Math" panose="02040503050406030204" pitchFamily="18" charset="0"/>
+                                    </a:rPr>
+                                    <m:t>+</m:t>
+                                  </m:r>
+                                  <m:sSub>
+                                    <m:sSubPr>
+                                      <m:ctrlPr>
+                                        <a:rPr lang="en-US" sz="1800" i="1">
+                                          <a:solidFill>
+                                            <a:schemeClr val="tx1">
+                                              <a:lumMod val="65000"/>
+                                              <a:lumOff val="35000"/>
+                                            </a:schemeClr>
+                                          </a:solidFill>
+                                          <a:latin typeface="Cambria Math" panose="02040503050406030204" pitchFamily="18" charset="0"/>
+                                        </a:rPr>
+                                      </m:ctrlPr>
+                                    </m:sSubPr>
+                                    <m:e>
+                                      <m:r>
+                                        <a:rPr lang="en-US" sz="1800" i="1">
+                                          <a:solidFill>
+                                            <a:schemeClr val="tx1">
+                                              <a:lumMod val="65000"/>
+                                              <a:lumOff val="35000"/>
+                                            </a:schemeClr>
+                                          </a:solidFill>
+                                          <a:latin typeface="Cambria Math" panose="02040503050406030204" pitchFamily="18" charset="0"/>
+                                        </a:rPr>
+                                        <m:t>𝑀</m:t>
+                                      </m:r>
+                                    </m:e>
+                                    <m:sub>
+                                      <m:r>
+                                        <a:rPr lang="en-US" sz="1800" i="1">
+                                          <a:solidFill>
+                                            <a:schemeClr val="tx1">
+                                              <a:lumMod val="65000"/>
+                                              <a:lumOff val="35000"/>
+                                            </a:schemeClr>
+                                          </a:solidFill>
+                                          <a:latin typeface="Cambria Math" panose="02040503050406030204" pitchFamily="18" charset="0"/>
+                                        </a:rPr>
+                                        <m:t>𝑥𝑧</m:t>
+                                      </m:r>
+                                      <m:r>
+                                        <a:rPr lang="en-US" sz="1800" i="1">
+                                          <a:solidFill>
+                                            <a:schemeClr val="tx1">
+                                              <a:lumMod val="65000"/>
+                                              <a:lumOff val="35000"/>
+                                            </a:schemeClr>
+                                          </a:solidFill>
+                                          <a:latin typeface="Cambria Math" panose="02040503050406030204" pitchFamily="18" charset="0"/>
+                                        </a:rPr>
+                                        <m:t> </m:t>
+                                      </m:r>
+                                    </m:sub>
+                                  </m:sSub>
+                                  <m:sSub>
+                                    <m:sSubPr>
+                                      <m:ctrlPr>
+                                        <a:rPr lang="en-US" sz="1800" i="1">
+                                          <a:solidFill>
+                                            <a:schemeClr val="tx1">
+                                              <a:lumMod val="65000"/>
+                                              <a:lumOff val="35000"/>
+                                            </a:schemeClr>
+                                          </a:solidFill>
+                                          <a:latin typeface="Cambria Math" panose="02040503050406030204" pitchFamily="18" charset="0"/>
+                                        </a:rPr>
+                                      </m:ctrlPr>
+                                    </m:sSubPr>
+                                    <m:e>
+                                      <m:r>
+                                        <a:rPr lang="en-US" sz="1800" i="1">
+                                          <a:solidFill>
+                                            <a:schemeClr val="tx1">
+                                              <a:lumMod val="65000"/>
+                                              <a:lumOff val="35000"/>
+                                            </a:schemeClr>
+                                          </a:solidFill>
+                                          <a:latin typeface="Cambria Math" panose="02040503050406030204" pitchFamily="18" charset="0"/>
+                                        </a:rPr>
+                                        <m:t>𝑧</m:t>
+                                      </m:r>
+                                    </m:e>
+                                    <m:sub>
+                                      <m:r>
+                                        <a:rPr lang="en-US" sz="1800" i="1">
+                                          <a:solidFill>
+                                            <a:schemeClr val="tx1">
+                                              <a:lumMod val="65000"/>
+                                              <a:lumOff val="35000"/>
+                                            </a:schemeClr>
+                                          </a:solidFill>
+                                          <a:latin typeface="Cambria Math" panose="02040503050406030204" pitchFamily="18" charset="0"/>
+                                        </a:rPr>
+                                        <m:t>𝑖</m:t>
+                                      </m:r>
+                                    </m:sub>
+                                  </m:sSub>
+                                  <m:r>
+                                    <a:rPr lang="en-US" sz="1800" i="1">
+                                      <a:solidFill>
+                                        <a:schemeClr val="tx1">
+                                          <a:lumMod val="65000"/>
+                                          <a:lumOff val="35000"/>
+                                        </a:schemeClr>
+                                      </a:solidFill>
+                                      <a:latin typeface="Cambria Math" panose="02040503050406030204" pitchFamily="18" charset="0"/>
+                                    </a:rPr>
+                                    <m:t>+</m:t>
+                                  </m:r>
+                                  <m:sSub>
+                                    <m:sSubPr>
+                                      <m:ctrlPr>
+                                        <a:rPr lang="en-US" sz="1800" i="1">
+                                          <a:solidFill>
+                                            <a:schemeClr val="tx1">
+                                              <a:lumMod val="65000"/>
+                                              <a:lumOff val="35000"/>
+                                            </a:schemeClr>
+                                          </a:solidFill>
+                                          <a:latin typeface="Cambria Math" panose="02040503050406030204" pitchFamily="18" charset="0"/>
+                                        </a:rPr>
+                                      </m:ctrlPr>
+                                    </m:sSubPr>
+                                    <m:e>
+                                      <m:r>
+                                        <a:rPr lang="en-US" sz="1800" i="1">
+                                          <a:solidFill>
+                                            <a:schemeClr val="tx1">
+                                              <a:lumMod val="65000"/>
+                                              <a:lumOff val="35000"/>
+                                            </a:schemeClr>
+                                          </a:solidFill>
+                                          <a:latin typeface="Cambria Math" panose="02040503050406030204" pitchFamily="18" charset="0"/>
+                                        </a:rPr>
+                                        <m:t>𝐵</m:t>
+                                      </m:r>
+                                    </m:e>
+                                    <m:sub>
+                                      <m:r>
+                                        <a:rPr lang="en-US" sz="1800" i="1">
+                                          <a:solidFill>
+                                            <a:schemeClr val="tx1">
+                                              <a:lumMod val="65000"/>
+                                              <a:lumOff val="35000"/>
+                                            </a:schemeClr>
+                                          </a:solidFill>
+                                          <a:latin typeface="Cambria Math" panose="02040503050406030204" pitchFamily="18" charset="0"/>
+                                        </a:rPr>
+                                        <m:t>𝑥</m:t>
+                                      </m:r>
+                                      <m:r>
+                                        <a:rPr lang="en-US" sz="1800" i="1">
+                                          <a:solidFill>
+                                            <a:schemeClr val="tx1">
+                                              <a:lumMod val="65000"/>
+                                              <a:lumOff val="35000"/>
+                                            </a:schemeClr>
+                                          </a:solidFill>
+                                          <a:latin typeface="Cambria Math" panose="02040503050406030204" pitchFamily="18" charset="0"/>
+                                        </a:rPr>
+                                        <m:t> </m:t>
+                                      </m:r>
+                                    </m:sub>
+                                  </m:sSub>
+                                </m:e>
+                              </m:d>
+                            </m:e>
+                            <m:sup>
+                              <m:r>
+                                <a:rPr lang="en-US" sz="1800" i="1">
+                                  <a:solidFill>
+                                    <a:schemeClr val="tx1">
+                                      <a:lumMod val="65000"/>
+                                      <a:lumOff val="35000"/>
+                                    </a:schemeClr>
+                                  </a:solidFill>
+                                  <a:latin typeface="Cambria Math" panose="02040503050406030204" pitchFamily="18" charset="0"/>
+                                </a:rPr>
+                                <m:t>2</m:t>
+                              </m:r>
+                            </m:sup>
+                          </m:sSup>
+                          <m:r>
+                            <a:rPr lang="en-US" sz="1800" i="1">
+                              <a:solidFill>
+                                <a:schemeClr val="tx1">
+                                  <a:lumMod val="65000"/>
+                                  <a:lumOff val="35000"/>
+                                </a:schemeClr>
+                              </a:solidFill>
+                              <a:latin typeface="Cambria Math" panose="02040503050406030204" pitchFamily="18" charset="0"/>
+                            </a:rPr>
+                            <m:t>+</m:t>
+                          </m:r>
+                          <m:sSup>
+                            <m:sSupPr>
+                              <m:ctrlPr>
+                                <a:rPr lang="en-US" sz="1800" i="1">
+                                  <a:solidFill>
+                                    <a:schemeClr val="tx1">
+                                      <a:lumMod val="65000"/>
+                                      <a:lumOff val="35000"/>
+                                    </a:schemeClr>
+                                  </a:solidFill>
+                                  <a:latin typeface="Cambria Math" panose="02040503050406030204" pitchFamily="18" charset="0"/>
+                                </a:rPr>
+                              </m:ctrlPr>
+                            </m:sSupPr>
+                            <m:e>
+                              <m:d>
+                                <m:dPr>
+                                  <m:ctrlPr>
+                                    <a:rPr lang="en-US" sz="1800" i="1">
+                                      <a:solidFill>
+                                        <a:schemeClr val="tx1">
+                                          <a:lumMod val="65000"/>
+                                          <a:lumOff val="35000"/>
+                                        </a:schemeClr>
+                                      </a:solidFill>
+                                      <a:latin typeface="Cambria Math" panose="02040503050406030204" pitchFamily="18" charset="0"/>
+                                    </a:rPr>
+                                  </m:ctrlPr>
+                                </m:dPr>
+                                <m:e>
+                                  <m:sSub>
+                                    <m:sSubPr>
+                                      <m:ctrlPr>
+                                        <a:rPr lang="en-US" sz="1800" i="1">
+                                          <a:solidFill>
+                                            <a:schemeClr val="tx1">
+                                              <a:lumMod val="65000"/>
+                                              <a:lumOff val="35000"/>
+                                            </a:schemeClr>
+                                          </a:solidFill>
+                                          <a:latin typeface="Cambria Math" panose="02040503050406030204" pitchFamily="18" charset="0"/>
+                                        </a:rPr>
+                                      </m:ctrlPr>
+                                    </m:sSubPr>
+                                    <m:e>
+                                      <m:r>
+                                        <a:rPr lang="en-US" sz="1800" i="1">
+                                          <a:solidFill>
+                                            <a:schemeClr val="tx1">
+                                              <a:lumMod val="65000"/>
+                                              <a:lumOff val="35000"/>
+                                            </a:schemeClr>
+                                          </a:solidFill>
+                                          <a:latin typeface="Cambria Math" panose="02040503050406030204" pitchFamily="18" charset="0"/>
+                                        </a:rPr>
+                                        <m:t>𝑀</m:t>
+                                      </m:r>
+                                    </m:e>
+                                    <m:sub>
+                                      <m:r>
+                                        <a:rPr lang="en-US" sz="1800" i="1">
+                                          <a:solidFill>
+                                            <a:schemeClr val="tx1">
+                                              <a:lumMod val="65000"/>
+                                              <a:lumOff val="35000"/>
+                                            </a:schemeClr>
+                                          </a:solidFill>
+                                          <a:latin typeface="Cambria Math" panose="02040503050406030204" pitchFamily="18" charset="0"/>
+                                        </a:rPr>
+                                        <m:t>𝑦𝑥</m:t>
+                                      </m:r>
+                                    </m:sub>
+                                  </m:sSub>
+                                  <m:sSub>
+                                    <m:sSubPr>
+                                      <m:ctrlPr>
+                                        <a:rPr lang="en-US" sz="1800" i="1">
+                                          <a:solidFill>
+                                            <a:schemeClr val="tx1">
+                                              <a:lumMod val="65000"/>
+                                              <a:lumOff val="35000"/>
+                                            </a:schemeClr>
+                                          </a:solidFill>
+                                          <a:latin typeface="Cambria Math" panose="02040503050406030204" pitchFamily="18" charset="0"/>
+                                        </a:rPr>
+                                      </m:ctrlPr>
+                                    </m:sSubPr>
+                                    <m:e>
+                                      <m:r>
+                                        <a:rPr lang="en-US" sz="1800" i="1">
+                                          <a:solidFill>
+                                            <a:schemeClr val="tx1">
+                                              <a:lumMod val="65000"/>
+                                              <a:lumOff val="35000"/>
+                                            </a:schemeClr>
+                                          </a:solidFill>
+                                          <a:latin typeface="Cambria Math" panose="02040503050406030204" pitchFamily="18" charset="0"/>
+                                        </a:rPr>
+                                        <m:t>𝑥</m:t>
+                                      </m:r>
+                                    </m:e>
+                                    <m:sub>
+                                      <m:r>
+                                        <a:rPr lang="en-US" sz="1800" i="1">
+                                          <a:solidFill>
+                                            <a:schemeClr val="tx1">
+                                              <a:lumMod val="65000"/>
+                                              <a:lumOff val="35000"/>
+                                            </a:schemeClr>
+                                          </a:solidFill>
+                                          <a:latin typeface="Cambria Math" panose="02040503050406030204" pitchFamily="18" charset="0"/>
+                                        </a:rPr>
+                                        <m:t>𝑖</m:t>
+                                      </m:r>
+                                    </m:sub>
+                                  </m:sSub>
+                                  <m:r>
+                                    <a:rPr lang="en-US" sz="1800" i="1">
+                                      <a:solidFill>
+                                        <a:schemeClr val="tx1">
+                                          <a:lumMod val="65000"/>
+                                          <a:lumOff val="35000"/>
+                                        </a:schemeClr>
+                                      </a:solidFill>
+                                      <a:latin typeface="Cambria Math" panose="02040503050406030204" pitchFamily="18" charset="0"/>
+                                    </a:rPr>
+                                    <m:t>+</m:t>
+                                  </m:r>
+                                  <m:sSub>
+                                    <m:sSubPr>
+                                      <m:ctrlPr>
+                                        <a:rPr lang="en-US" sz="1800" i="1">
+                                          <a:solidFill>
+                                            <a:schemeClr val="tx1">
+                                              <a:lumMod val="65000"/>
+                                              <a:lumOff val="35000"/>
+                                            </a:schemeClr>
+                                          </a:solidFill>
+                                          <a:latin typeface="Cambria Math" panose="02040503050406030204" pitchFamily="18" charset="0"/>
+                                        </a:rPr>
+                                      </m:ctrlPr>
+                                    </m:sSubPr>
+                                    <m:e>
+                                      <m:r>
+                                        <a:rPr lang="en-US" sz="1800" i="1">
+                                          <a:solidFill>
+                                            <a:schemeClr val="tx1">
+                                              <a:lumMod val="65000"/>
+                                              <a:lumOff val="35000"/>
+                                            </a:schemeClr>
+                                          </a:solidFill>
+                                          <a:latin typeface="Cambria Math" panose="02040503050406030204" pitchFamily="18" charset="0"/>
+                                        </a:rPr>
+                                        <m:t>𝑀</m:t>
+                                      </m:r>
+                                    </m:e>
+                                    <m:sub>
+                                      <m:r>
+                                        <a:rPr lang="en-US" sz="1800" i="1">
+                                          <a:solidFill>
+                                            <a:schemeClr val="tx1">
+                                              <a:lumMod val="65000"/>
+                                              <a:lumOff val="35000"/>
+                                            </a:schemeClr>
+                                          </a:solidFill>
+                                          <a:latin typeface="Cambria Math" panose="02040503050406030204" pitchFamily="18" charset="0"/>
+                                        </a:rPr>
+                                        <m:t>𝑦𝑦</m:t>
+                                      </m:r>
+                                    </m:sub>
+                                  </m:sSub>
+                                  <m:sSub>
+                                    <m:sSubPr>
+                                      <m:ctrlPr>
+                                        <a:rPr lang="en-US" sz="1800" i="1">
+                                          <a:solidFill>
+                                            <a:schemeClr val="tx1">
+                                              <a:lumMod val="65000"/>
+                                              <a:lumOff val="35000"/>
+                                            </a:schemeClr>
+                                          </a:solidFill>
+                                          <a:latin typeface="Cambria Math" panose="02040503050406030204" pitchFamily="18" charset="0"/>
+                                        </a:rPr>
+                                      </m:ctrlPr>
+                                    </m:sSubPr>
+                                    <m:e>
+                                      <m:r>
+                                        <a:rPr lang="en-US" sz="1800" i="1">
+                                          <a:solidFill>
+                                            <a:schemeClr val="tx1">
+                                              <a:lumMod val="65000"/>
+                                              <a:lumOff val="35000"/>
+                                            </a:schemeClr>
+                                          </a:solidFill>
+                                          <a:latin typeface="Cambria Math" panose="02040503050406030204" pitchFamily="18" charset="0"/>
+                                        </a:rPr>
+                                        <m:t>𝑦</m:t>
+                                      </m:r>
+                                    </m:e>
+                                    <m:sub>
+                                      <m:r>
+                                        <a:rPr lang="en-US" sz="1800" i="1">
+                                          <a:solidFill>
+                                            <a:schemeClr val="tx1">
+                                              <a:lumMod val="65000"/>
+                                              <a:lumOff val="35000"/>
+                                            </a:schemeClr>
+                                          </a:solidFill>
+                                          <a:latin typeface="Cambria Math" panose="02040503050406030204" pitchFamily="18" charset="0"/>
+                                        </a:rPr>
+                                        <m:t>𝑖</m:t>
+                                      </m:r>
+                                    </m:sub>
+                                  </m:sSub>
+                                  <m:r>
+                                    <a:rPr lang="en-US" sz="1800" i="1">
+                                      <a:solidFill>
+                                        <a:schemeClr val="tx1">
+                                          <a:lumMod val="65000"/>
+                                          <a:lumOff val="35000"/>
+                                        </a:schemeClr>
+                                      </a:solidFill>
+                                      <a:latin typeface="Cambria Math" panose="02040503050406030204" pitchFamily="18" charset="0"/>
+                                    </a:rPr>
+                                    <m:t>+</m:t>
+                                  </m:r>
+                                  <m:sSub>
+                                    <m:sSubPr>
+                                      <m:ctrlPr>
+                                        <a:rPr lang="en-US" sz="1800" i="1">
+                                          <a:solidFill>
+                                            <a:schemeClr val="tx1">
+                                              <a:lumMod val="65000"/>
+                                              <a:lumOff val="35000"/>
+                                            </a:schemeClr>
+                                          </a:solidFill>
+                                          <a:latin typeface="Cambria Math" panose="02040503050406030204" pitchFamily="18" charset="0"/>
+                                        </a:rPr>
+                                      </m:ctrlPr>
+                                    </m:sSubPr>
+                                    <m:e>
+                                      <m:r>
+                                        <a:rPr lang="en-US" sz="1800" i="1">
+                                          <a:solidFill>
+                                            <a:schemeClr val="tx1">
+                                              <a:lumMod val="65000"/>
+                                              <a:lumOff val="35000"/>
+                                            </a:schemeClr>
+                                          </a:solidFill>
+                                          <a:latin typeface="Cambria Math" panose="02040503050406030204" pitchFamily="18" charset="0"/>
+                                        </a:rPr>
+                                        <m:t>𝑀</m:t>
+                                      </m:r>
+                                    </m:e>
+                                    <m:sub>
+                                      <m:r>
+                                        <a:rPr lang="en-US" sz="1800" i="1">
+                                          <a:solidFill>
+                                            <a:schemeClr val="tx1">
+                                              <a:lumMod val="65000"/>
+                                              <a:lumOff val="35000"/>
+                                            </a:schemeClr>
+                                          </a:solidFill>
+                                          <a:latin typeface="Cambria Math" panose="02040503050406030204" pitchFamily="18" charset="0"/>
+                                        </a:rPr>
+                                        <m:t>𝑦𝑧</m:t>
+                                      </m:r>
+                                      <m:r>
+                                        <a:rPr lang="en-US" sz="1800" i="1">
+                                          <a:solidFill>
+                                            <a:schemeClr val="tx1">
+                                              <a:lumMod val="65000"/>
+                                              <a:lumOff val="35000"/>
+                                            </a:schemeClr>
+                                          </a:solidFill>
+                                          <a:latin typeface="Cambria Math" panose="02040503050406030204" pitchFamily="18" charset="0"/>
+                                        </a:rPr>
+                                        <m:t> </m:t>
+                                      </m:r>
+                                    </m:sub>
+                                  </m:sSub>
+                                  <m:sSub>
+                                    <m:sSubPr>
+                                      <m:ctrlPr>
+                                        <a:rPr lang="en-US" sz="1800" i="1">
+                                          <a:solidFill>
+                                            <a:schemeClr val="tx1">
+                                              <a:lumMod val="65000"/>
+                                              <a:lumOff val="35000"/>
+                                            </a:schemeClr>
+                                          </a:solidFill>
+                                          <a:latin typeface="Cambria Math" panose="02040503050406030204" pitchFamily="18" charset="0"/>
+                                        </a:rPr>
+                                      </m:ctrlPr>
+                                    </m:sSubPr>
+                                    <m:e>
+                                      <m:r>
+                                        <a:rPr lang="en-US" sz="1800" i="1">
+                                          <a:solidFill>
+                                            <a:schemeClr val="tx1">
+                                              <a:lumMod val="65000"/>
+                                              <a:lumOff val="35000"/>
+                                            </a:schemeClr>
+                                          </a:solidFill>
+                                          <a:latin typeface="Cambria Math" panose="02040503050406030204" pitchFamily="18" charset="0"/>
+                                        </a:rPr>
+                                        <m:t>𝑧</m:t>
+                                      </m:r>
+                                    </m:e>
+                                    <m:sub>
+                                      <m:r>
+                                        <a:rPr lang="en-US" sz="1800" i="1">
+                                          <a:solidFill>
+                                            <a:schemeClr val="tx1">
+                                              <a:lumMod val="65000"/>
+                                              <a:lumOff val="35000"/>
+                                            </a:schemeClr>
+                                          </a:solidFill>
+                                          <a:latin typeface="Cambria Math" panose="02040503050406030204" pitchFamily="18" charset="0"/>
+                                        </a:rPr>
+                                        <m:t>𝑖</m:t>
+                                      </m:r>
+                                    </m:sub>
+                                  </m:sSub>
+                                  <m:r>
+                                    <a:rPr lang="en-US" sz="1800" i="1">
+                                      <a:solidFill>
+                                        <a:schemeClr val="tx1">
+                                          <a:lumMod val="65000"/>
+                                          <a:lumOff val="35000"/>
+                                        </a:schemeClr>
+                                      </a:solidFill>
+                                      <a:latin typeface="Cambria Math" panose="02040503050406030204" pitchFamily="18" charset="0"/>
+                                    </a:rPr>
+                                    <m:t>+</m:t>
+                                  </m:r>
+                                  <m:sSub>
+                                    <m:sSubPr>
+                                      <m:ctrlPr>
+                                        <a:rPr lang="en-US" sz="1800" i="1">
+                                          <a:solidFill>
+                                            <a:schemeClr val="tx1">
+                                              <a:lumMod val="65000"/>
+                                              <a:lumOff val="35000"/>
+                                            </a:schemeClr>
+                                          </a:solidFill>
+                                          <a:latin typeface="Cambria Math" panose="02040503050406030204" pitchFamily="18" charset="0"/>
+                                        </a:rPr>
+                                      </m:ctrlPr>
+                                    </m:sSubPr>
+                                    <m:e>
+                                      <m:r>
+                                        <a:rPr lang="en-US" sz="1800" i="1">
+                                          <a:solidFill>
+                                            <a:schemeClr val="tx1">
+                                              <a:lumMod val="65000"/>
+                                              <a:lumOff val="35000"/>
+                                            </a:schemeClr>
+                                          </a:solidFill>
+                                          <a:latin typeface="Cambria Math" panose="02040503050406030204" pitchFamily="18" charset="0"/>
+                                        </a:rPr>
+                                        <m:t>𝐵</m:t>
+                                      </m:r>
+                                    </m:e>
+                                    <m:sub>
+                                      <m:r>
+                                        <a:rPr lang="en-US" sz="1800" i="1">
+                                          <a:solidFill>
+                                            <a:schemeClr val="tx1">
+                                              <a:lumMod val="65000"/>
+                                              <a:lumOff val="35000"/>
+                                            </a:schemeClr>
+                                          </a:solidFill>
+                                          <a:latin typeface="Cambria Math" panose="02040503050406030204" pitchFamily="18" charset="0"/>
+                                        </a:rPr>
+                                        <m:t>𝑦</m:t>
+                                      </m:r>
+                                    </m:sub>
+                                  </m:sSub>
+                                </m:e>
+                              </m:d>
+                            </m:e>
+                            <m:sup>
+                              <m:r>
+                                <a:rPr lang="en-US" sz="1800" i="1">
+                                  <a:solidFill>
+                                    <a:schemeClr val="tx1">
+                                      <a:lumMod val="65000"/>
+                                      <a:lumOff val="35000"/>
+                                    </a:schemeClr>
+                                  </a:solidFill>
+                                  <a:latin typeface="Cambria Math" panose="02040503050406030204" pitchFamily="18" charset="0"/>
+                                </a:rPr>
+                                <m:t>2</m:t>
+                              </m:r>
+                            </m:sup>
+                          </m:sSup>
+                          <m:r>
+                            <a:rPr lang="en-US" sz="1800" i="1">
+                              <a:solidFill>
+                                <a:schemeClr val="tx1">
+                                  <a:lumMod val="65000"/>
+                                  <a:lumOff val="35000"/>
+                                </a:schemeClr>
+                              </a:solidFill>
+                              <a:latin typeface="Cambria Math" panose="02040503050406030204" pitchFamily="18" charset="0"/>
+                            </a:rPr>
+                            <m:t>+</m:t>
+                          </m:r>
+                          <m:sSup>
+                            <m:sSupPr>
+                              <m:ctrlPr>
+                                <a:rPr lang="en-US" sz="1800" i="1">
+                                  <a:solidFill>
+                                    <a:schemeClr val="tx1">
+                                      <a:lumMod val="65000"/>
+                                      <a:lumOff val="35000"/>
+                                    </a:schemeClr>
+                                  </a:solidFill>
+                                  <a:latin typeface="Cambria Math" panose="02040503050406030204" pitchFamily="18" charset="0"/>
+                                </a:rPr>
+                              </m:ctrlPr>
+                            </m:sSupPr>
+                            <m:e>
+                              <m:d>
+                                <m:dPr>
+                                  <m:ctrlPr>
+                                    <a:rPr lang="en-US" sz="1800" i="1">
+                                      <a:solidFill>
+                                        <a:schemeClr val="tx1">
+                                          <a:lumMod val="65000"/>
+                                          <a:lumOff val="35000"/>
+                                        </a:schemeClr>
+                                      </a:solidFill>
+                                      <a:latin typeface="Cambria Math" panose="02040503050406030204" pitchFamily="18" charset="0"/>
+                                    </a:rPr>
+                                  </m:ctrlPr>
+                                </m:dPr>
+                                <m:e>
+                                  <m:sSub>
+                                    <m:sSubPr>
+                                      <m:ctrlPr>
+                                        <a:rPr lang="en-US" sz="1800" i="1">
+                                          <a:solidFill>
+                                            <a:schemeClr val="tx1">
+                                              <a:lumMod val="65000"/>
+                                              <a:lumOff val="35000"/>
+                                            </a:schemeClr>
+                                          </a:solidFill>
+                                          <a:latin typeface="Cambria Math" panose="02040503050406030204" pitchFamily="18" charset="0"/>
+                                        </a:rPr>
+                                      </m:ctrlPr>
+                                    </m:sSubPr>
+                                    <m:e>
+                                      <m:r>
+                                        <a:rPr lang="en-US" sz="1800" i="1">
+                                          <a:solidFill>
+                                            <a:schemeClr val="tx1">
+                                              <a:lumMod val="65000"/>
+                                              <a:lumOff val="35000"/>
+                                            </a:schemeClr>
+                                          </a:solidFill>
+                                          <a:latin typeface="Cambria Math" panose="02040503050406030204" pitchFamily="18" charset="0"/>
+                                        </a:rPr>
+                                        <m:t>𝑀</m:t>
+                                      </m:r>
+                                    </m:e>
+                                    <m:sub>
+                                      <m:r>
+                                        <a:rPr lang="en-US" sz="1800" i="1">
+                                          <a:solidFill>
+                                            <a:schemeClr val="tx1">
+                                              <a:lumMod val="65000"/>
+                                              <a:lumOff val="35000"/>
+                                            </a:schemeClr>
+                                          </a:solidFill>
+                                          <a:latin typeface="Cambria Math" panose="02040503050406030204" pitchFamily="18" charset="0"/>
+                                        </a:rPr>
+                                        <m:t>𝑧𝑥</m:t>
+                                      </m:r>
+                                    </m:sub>
+                                  </m:sSub>
+                                  <m:sSub>
+                                    <m:sSubPr>
+                                      <m:ctrlPr>
+                                        <a:rPr lang="en-US" sz="1800" i="1">
+                                          <a:solidFill>
+                                            <a:schemeClr val="tx1">
+                                              <a:lumMod val="65000"/>
+                                              <a:lumOff val="35000"/>
+                                            </a:schemeClr>
+                                          </a:solidFill>
+                                          <a:latin typeface="Cambria Math" panose="02040503050406030204" pitchFamily="18" charset="0"/>
+                                        </a:rPr>
+                                      </m:ctrlPr>
+                                    </m:sSubPr>
+                                    <m:e>
+                                      <m:r>
+                                        <a:rPr lang="en-US" sz="1800" i="1">
+                                          <a:solidFill>
+                                            <a:schemeClr val="tx1">
+                                              <a:lumMod val="65000"/>
+                                              <a:lumOff val="35000"/>
+                                            </a:schemeClr>
+                                          </a:solidFill>
+                                          <a:latin typeface="Cambria Math" panose="02040503050406030204" pitchFamily="18" charset="0"/>
+                                        </a:rPr>
+                                        <m:t>𝑥</m:t>
+                                      </m:r>
+                                    </m:e>
+                                    <m:sub>
+                                      <m:r>
+                                        <a:rPr lang="en-US" sz="1800" i="1">
+                                          <a:solidFill>
+                                            <a:schemeClr val="tx1">
+                                              <a:lumMod val="65000"/>
+                                              <a:lumOff val="35000"/>
+                                            </a:schemeClr>
+                                          </a:solidFill>
+                                          <a:latin typeface="Cambria Math" panose="02040503050406030204" pitchFamily="18" charset="0"/>
+                                        </a:rPr>
+                                        <m:t>𝑖</m:t>
+                                      </m:r>
+                                    </m:sub>
+                                  </m:sSub>
+                                  <m:r>
+                                    <a:rPr lang="en-US" sz="1800" i="1">
+                                      <a:solidFill>
+                                        <a:schemeClr val="tx1">
+                                          <a:lumMod val="65000"/>
+                                          <a:lumOff val="35000"/>
+                                        </a:schemeClr>
+                                      </a:solidFill>
+                                      <a:latin typeface="Cambria Math" panose="02040503050406030204" pitchFamily="18" charset="0"/>
+                                    </a:rPr>
+                                    <m:t>+</m:t>
+                                  </m:r>
+                                  <m:sSub>
+                                    <m:sSubPr>
+                                      <m:ctrlPr>
+                                        <a:rPr lang="en-US" sz="1800" i="1">
+                                          <a:solidFill>
+                                            <a:schemeClr val="tx1">
+                                              <a:lumMod val="65000"/>
+                                              <a:lumOff val="35000"/>
+                                            </a:schemeClr>
+                                          </a:solidFill>
+                                          <a:latin typeface="Cambria Math" panose="02040503050406030204" pitchFamily="18" charset="0"/>
+                                        </a:rPr>
+                                      </m:ctrlPr>
+                                    </m:sSubPr>
+                                    <m:e>
+                                      <m:r>
+                                        <a:rPr lang="en-US" sz="1800" i="1">
+                                          <a:solidFill>
+                                            <a:schemeClr val="tx1">
+                                              <a:lumMod val="65000"/>
+                                              <a:lumOff val="35000"/>
+                                            </a:schemeClr>
+                                          </a:solidFill>
+                                          <a:latin typeface="Cambria Math" panose="02040503050406030204" pitchFamily="18" charset="0"/>
+                                        </a:rPr>
+                                        <m:t>𝑀</m:t>
+                                      </m:r>
+                                    </m:e>
+                                    <m:sub>
+                                      <m:r>
+                                        <a:rPr lang="en-US" sz="1800" i="1">
+                                          <a:solidFill>
+                                            <a:schemeClr val="tx1">
+                                              <a:lumMod val="65000"/>
+                                              <a:lumOff val="35000"/>
+                                            </a:schemeClr>
+                                          </a:solidFill>
+                                          <a:latin typeface="Cambria Math" panose="02040503050406030204" pitchFamily="18" charset="0"/>
+                                        </a:rPr>
+                                        <m:t>𝑧𝑦</m:t>
+                                      </m:r>
+                                    </m:sub>
+                                  </m:sSub>
+                                  <m:sSub>
+                                    <m:sSubPr>
+                                      <m:ctrlPr>
+                                        <a:rPr lang="en-US" sz="1800" i="1">
+                                          <a:solidFill>
+                                            <a:schemeClr val="tx1">
+                                              <a:lumMod val="65000"/>
+                                              <a:lumOff val="35000"/>
+                                            </a:schemeClr>
+                                          </a:solidFill>
+                                          <a:latin typeface="Cambria Math" panose="02040503050406030204" pitchFamily="18" charset="0"/>
+                                        </a:rPr>
+                                      </m:ctrlPr>
+                                    </m:sSubPr>
+                                    <m:e>
+                                      <m:r>
+                                        <a:rPr lang="en-US" sz="1800" i="1">
+                                          <a:solidFill>
+                                            <a:schemeClr val="tx1">
+                                              <a:lumMod val="65000"/>
+                                              <a:lumOff val="35000"/>
+                                            </a:schemeClr>
+                                          </a:solidFill>
+                                          <a:latin typeface="Cambria Math" panose="02040503050406030204" pitchFamily="18" charset="0"/>
+                                        </a:rPr>
+                                        <m:t>𝑦</m:t>
+                                      </m:r>
+                                    </m:e>
+                                    <m:sub>
+                                      <m:r>
+                                        <a:rPr lang="en-US" sz="1800" i="1">
+                                          <a:solidFill>
+                                            <a:schemeClr val="tx1">
+                                              <a:lumMod val="65000"/>
+                                              <a:lumOff val="35000"/>
+                                            </a:schemeClr>
+                                          </a:solidFill>
+                                          <a:latin typeface="Cambria Math" panose="02040503050406030204" pitchFamily="18" charset="0"/>
+                                        </a:rPr>
+                                        <m:t>𝑖</m:t>
+                                      </m:r>
+                                    </m:sub>
+                                  </m:sSub>
+                                  <m:r>
+                                    <a:rPr lang="en-US" sz="1800" i="1">
+                                      <a:solidFill>
+                                        <a:schemeClr val="tx1">
+                                          <a:lumMod val="65000"/>
+                                          <a:lumOff val="35000"/>
+                                        </a:schemeClr>
+                                      </a:solidFill>
+                                      <a:latin typeface="Cambria Math" panose="02040503050406030204" pitchFamily="18" charset="0"/>
+                                    </a:rPr>
+                                    <m:t>+</m:t>
+                                  </m:r>
+                                  <m:sSub>
+                                    <m:sSubPr>
+                                      <m:ctrlPr>
+                                        <a:rPr lang="en-US" sz="1800" i="1">
+                                          <a:solidFill>
+                                            <a:schemeClr val="tx1">
+                                              <a:lumMod val="65000"/>
+                                              <a:lumOff val="35000"/>
+                                            </a:schemeClr>
+                                          </a:solidFill>
+                                          <a:latin typeface="Cambria Math" panose="02040503050406030204" pitchFamily="18" charset="0"/>
+                                        </a:rPr>
+                                      </m:ctrlPr>
+                                    </m:sSubPr>
+                                    <m:e>
+                                      <m:r>
+                                        <a:rPr lang="en-US" sz="1800" i="1">
+                                          <a:solidFill>
+                                            <a:schemeClr val="tx1">
+                                              <a:lumMod val="65000"/>
+                                              <a:lumOff val="35000"/>
+                                            </a:schemeClr>
+                                          </a:solidFill>
+                                          <a:latin typeface="Cambria Math" panose="02040503050406030204" pitchFamily="18" charset="0"/>
+                                        </a:rPr>
+                                        <m:t>𝑀</m:t>
+                                      </m:r>
+                                    </m:e>
+                                    <m:sub>
+                                      <m:r>
+                                        <a:rPr lang="en-US" sz="1800" i="1">
+                                          <a:solidFill>
+                                            <a:schemeClr val="tx1">
+                                              <a:lumMod val="65000"/>
+                                              <a:lumOff val="35000"/>
+                                            </a:schemeClr>
+                                          </a:solidFill>
+                                          <a:latin typeface="Cambria Math" panose="02040503050406030204" pitchFamily="18" charset="0"/>
+                                        </a:rPr>
+                                        <m:t>𝑥𝑧</m:t>
+                                      </m:r>
+                                      <m:r>
+                                        <a:rPr lang="en-US" sz="1800" i="1">
+                                          <a:solidFill>
+                                            <a:schemeClr val="tx1">
+                                              <a:lumMod val="65000"/>
+                                              <a:lumOff val="35000"/>
+                                            </a:schemeClr>
+                                          </a:solidFill>
+                                          <a:latin typeface="Cambria Math" panose="02040503050406030204" pitchFamily="18" charset="0"/>
+                                        </a:rPr>
+                                        <m:t> </m:t>
+                                      </m:r>
+                                    </m:sub>
+                                  </m:sSub>
+                                  <m:sSub>
+                                    <m:sSubPr>
+                                      <m:ctrlPr>
+                                        <a:rPr lang="en-US" sz="1800" i="1">
+                                          <a:solidFill>
+                                            <a:schemeClr val="tx1">
+                                              <a:lumMod val="65000"/>
+                                              <a:lumOff val="35000"/>
+                                            </a:schemeClr>
+                                          </a:solidFill>
+                                          <a:latin typeface="Cambria Math" panose="02040503050406030204" pitchFamily="18" charset="0"/>
+                                        </a:rPr>
+                                      </m:ctrlPr>
+                                    </m:sSubPr>
+                                    <m:e>
+                                      <m:r>
+                                        <a:rPr lang="en-US" sz="1800" i="1">
+                                          <a:solidFill>
+                                            <a:schemeClr val="tx1">
+                                              <a:lumMod val="65000"/>
+                                              <a:lumOff val="35000"/>
+                                            </a:schemeClr>
+                                          </a:solidFill>
+                                          <a:latin typeface="Cambria Math" panose="02040503050406030204" pitchFamily="18" charset="0"/>
+                                        </a:rPr>
+                                        <m:t>𝑧</m:t>
+                                      </m:r>
+                                    </m:e>
+                                    <m:sub>
+                                      <m:r>
+                                        <a:rPr lang="en-US" sz="1800" i="1">
+                                          <a:solidFill>
+                                            <a:schemeClr val="tx1">
+                                              <a:lumMod val="65000"/>
+                                              <a:lumOff val="35000"/>
+                                            </a:schemeClr>
+                                          </a:solidFill>
+                                          <a:latin typeface="Cambria Math" panose="02040503050406030204" pitchFamily="18" charset="0"/>
+                                        </a:rPr>
+                                        <m:t>𝑖</m:t>
+                                      </m:r>
+                                    </m:sub>
+                                  </m:sSub>
+                                  <m:r>
+                                    <a:rPr lang="en-US" sz="1800" i="1">
+                                      <a:solidFill>
+                                        <a:schemeClr val="tx1">
+                                          <a:lumMod val="65000"/>
+                                          <a:lumOff val="35000"/>
+                                        </a:schemeClr>
+                                      </a:solidFill>
+                                      <a:latin typeface="Cambria Math" panose="02040503050406030204" pitchFamily="18" charset="0"/>
+                                    </a:rPr>
+                                    <m:t>+</m:t>
+                                  </m:r>
+                                  <m:sSub>
+                                    <m:sSubPr>
+                                      <m:ctrlPr>
+                                        <a:rPr lang="en-US" sz="1800" i="1">
+                                          <a:solidFill>
+                                            <a:schemeClr val="tx1">
+                                              <a:lumMod val="65000"/>
+                                              <a:lumOff val="35000"/>
+                                            </a:schemeClr>
+                                          </a:solidFill>
+                                          <a:latin typeface="Cambria Math" panose="02040503050406030204" pitchFamily="18" charset="0"/>
+                                        </a:rPr>
+                                      </m:ctrlPr>
+                                    </m:sSubPr>
+                                    <m:e>
+                                      <m:r>
+                                        <a:rPr lang="en-US" sz="1800" i="1">
+                                          <a:solidFill>
+                                            <a:schemeClr val="tx1">
+                                              <a:lumMod val="65000"/>
+                                              <a:lumOff val="35000"/>
+                                            </a:schemeClr>
+                                          </a:solidFill>
+                                          <a:latin typeface="Cambria Math" panose="02040503050406030204" pitchFamily="18" charset="0"/>
+                                        </a:rPr>
+                                        <m:t>𝐵</m:t>
+                                      </m:r>
+                                    </m:e>
+                                    <m:sub>
+                                      <m:r>
+                                        <a:rPr lang="en-US" sz="1800" i="1">
+                                          <a:solidFill>
+                                            <a:schemeClr val="tx1">
+                                              <a:lumMod val="65000"/>
+                                              <a:lumOff val="35000"/>
+                                            </a:schemeClr>
+                                          </a:solidFill>
+                                          <a:latin typeface="Cambria Math" panose="02040503050406030204" pitchFamily="18" charset="0"/>
+                                        </a:rPr>
+                                        <m:t>𝑧</m:t>
+                                      </m:r>
+                                      <m:r>
+                                        <a:rPr lang="en-US" sz="1800" i="1">
+                                          <a:solidFill>
+                                            <a:schemeClr val="tx1">
+                                              <a:lumMod val="65000"/>
+                                              <a:lumOff val="35000"/>
+                                            </a:schemeClr>
+                                          </a:solidFill>
+                                          <a:latin typeface="Cambria Math" panose="02040503050406030204" pitchFamily="18" charset="0"/>
+                                        </a:rPr>
+                                        <m:t> </m:t>
+                                      </m:r>
+                                    </m:sub>
+                                  </m:sSub>
+                                </m:e>
+                              </m:d>
+                            </m:e>
+                            <m:sup>
+                              <m:r>
+                                <a:rPr lang="en-US" sz="1800" i="1">
+                                  <a:solidFill>
+                                    <a:schemeClr val="tx1">
+                                      <a:lumMod val="65000"/>
+                                      <a:lumOff val="35000"/>
+                                    </a:schemeClr>
+                                  </a:solidFill>
+                                  <a:latin typeface="Cambria Math" panose="02040503050406030204" pitchFamily="18" charset="0"/>
+                                </a:rPr>
+                                <m:t>2</m:t>
+                              </m:r>
+                            </m:sup>
+                          </m:sSup>
+                          <m:r>
+                            <a:rPr lang="en-US" sz="1800" i="1">
+                              <a:solidFill>
+                                <a:schemeClr val="tx1">
+                                  <a:lumMod val="65000"/>
+                                  <a:lumOff val="35000"/>
+                                </a:schemeClr>
+                              </a:solidFill>
+                              <a:latin typeface="Cambria Math" panose="02040503050406030204" pitchFamily="18" charset="0"/>
+                            </a:rPr>
+                            <m:t>−</m:t>
+                          </m:r>
+                          <m:sSup>
+                            <m:sSupPr>
+                              <m:ctrlPr>
+                                <a:rPr lang="en-US" sz="1800" i="1">
+                                  <a:solidFill>
+                                    <a:schemeClr val="tx1">
+                                      <a:lumMod val="65000"/>
+                                      <a:lumOff val="35000"/>
+                                    </a:schemeClr>
+                                  </a:solidFill>
+                                  <a:latin typeface="Cambria Math" panose="02040503050406030204" pitchFamily="18" charset="0"/>
+                                </a:rPr>
+                              </m:ctrlPr>
+                            </m:sSupPr>
+                            <m:e>
+                              <m:r>
+                                <a:rPr lang="en-US" sz="1800" i="1">
+                                  <a:solidFill>
+                                    <a:schemeClr val="tx1">
+                                      <a:lumMod val="65000"/>
+                                      <a:lumOff val="35000"/>
+                                    </a:schemeClr>
+                                  </a:solidFill>
+                                  <a:latin typeface="Cambria Math" panose="02040503050406030204" pitchFamily="18" charset="0"/>
+                                </a:rPr>
+                                <m:t>𝑔</m:t>
+                              </m:r>
+                            </m:e>
+                            <m:sup>
+                              <m:r>
+                                <a:rPr lang="en-US" sz="1800" i="1">
+                                  <a:solidFill>
+                                    <a:schemeClr val="tx1">
+                                      <a:lumMod val="65000"/>
+                                      <a:lumOff val="35000"/>
+                                    </a:schemeClr>
+                                  </a:solidFill>
+                                  <a:latin typeface="Cambria Math" panose="02040503050406030204" pitchFamily="18" charset="0"/>
+                                </a:rPr>
+                                <m:t>2</m:t>
+                              </m:r>
+                            </m:sup>
+                          </m:sSup>
+                        </m:e>
+                      </m:nary>
+                    </m:oMath>
+                  </m:oMathPara>
                 </a14:m>
-                <a:r>
-                  <a:rPr lang="en-US" sz="1800" dirty="0">
-                    <a:solidFill>
-                      <a:schemeClr val="tx1">
-                        <a:lumMod val="65000"/>
-                        <a:lumOff val="35000"/>
-                      </a:schemeClr>
-                    </a:solidFill>
-                    <a:latin typeface="Montserrat" panose="00000500000000000000" pitchFamily="2" charset="0"/>
-                  </a:rPr>
-                  <a:t> </a:t>
-                </a:r>
                 <a:endParaRPr lang="bg-BG" sz="1800" dirty="0">
                   <a:solidFill>
                     <a:schemeClr val="tx1">
@@ -10410,7 +10623,7 @@
               <a:blipFill>
                 <a:blip r:embed="rId3"/>
                 <a:stretch>
-                  <a:fillRect l="-655" t="-854"/>
+                  <a:fillRect l="-554" t="-732"/>
                 </a:stretch>
               </a:blipFill>
             </p:spPr>
@@ -10527,8 +10740,8 @@
           </a:xfrm>
         </p:spPr>
       </p:pic>
-      <mc:AlternateContent xmlns:mc="http://schemas.openxmlformats.org/markup-compatibility/2006" xmlns:a14="http://schemas.microsoft.com/office/drawing/2010/main">
-        <mc:Choice Requires="a14">
+      <mc:AlternateContent xmlns:mc="http://schemas.openxmlformats.org/markup-compatibility/2006">
+        <mc:Choice xmlns:a14="http://schemas.microsoft.com/office/drawing/2010/main" Requires="a14">
           <p:sp>
             <p:nvSpPr>
               <p:cNvPr id="6" name="TextBox 5">
@@ -10544,7 +10757,7 @@
             <p:spPr>
               <a:xfrm>
                 <a:off x="923925" y="1390650"/>
-                <a:ext cx="10325100" cy="2955296"/>
+                <a:ext cx="10325100" cy="2989280"/>
               </a:xfrm>
               <a:prstGeom prst="rect">
                 <a:avLst/>
@@ -10558,16 +10771,16 @@
               <a:lstStyle/>
               <a:p>
                 <a:r>
-                  <a:rPr lang="bg-BG" sz="2800" dirty="0">
+                  <a:rPr lang="en-US" sz="2800">
                     <a:latin typeface="Montserrat" panose="00000500000000000000" pitchFamily="2" charset="0"/>
                   </a:rPr>
-                  <a:t> </a:t>
+                  <a:t>I </a:t>
                 </a:r>
                 <a:r>
                   <a:rPr lang="en-US" sz="2800" dirty="0">
                     <a:latin typeface="Montserrat" panose="00000500000000000000" pitchFamily="2" charset="0"/>
                   </a:rPr>
-                  <a:t>I use the least squares method in order to find for which </a:t>
+                  <a:t>use the least squares method in order to find for which </a:t>
                 </a:r>
                 <a14:m>
                   <m:oMath xmlns:m="http://schemas.openxmlformats.org/officeDocument/2006/math">
@@ -10575,6 +10788,9 @@
                       <m:sSubPr>
                         <m:ctrlPr>
                           <a:rPr lang="en-US" sz="2800" i="1">
+                            <a:solidFill>
+                              <a:srgbClr val="FFA630"/>
+                            </a:solidFill>
                             <a:latin typeface="Cambria Math" panose="02040503050406030204" pitchFamily="18" charset="0"/>
                           </a:rPr>
                         </m:ctrlPr>
@@ -10582,6 +10798,9 @@
                       <m:e>
                         <m:r>
                           <a:rPr lang="en-US" sz="2800" i="1">
+                            <a:solidFill>
+                              <a:srgbClr val="FFA630"/>
+                            </a:solidFill>
                             <a:latin typeface="Cambria Math" panose="02040503050406030204" pitchFamily="18" charset="0"/>
                           </a:rPr>
                           <m:t>𝑀</m:t>
@@ -10590,22 +10809,40 @@
                       <m:sub>
                         <m:r>
                           <a:rPr lang="en-US" sz="2800" i="1">
+                            <a:solidFill>
+                              <a:srgbClr val="FFA630"/>
+                            </a:solidFill>
                             <a:latin typeface="Cambria Math" panose="02040503050406030204" pitchFamily="18" charset="0"/>
                           </a:rPr>
-                          <m:t>𝑥𝑥</m:t>
+                          <m:t>𝑥</m:t>
+                        </m:r>
+                        <m:r>
+                          <a:rPr lang="en-US" sz="2800" i="1">
+                            <a:solidFill>
+                              <a:srgbClr val="FFA630"/>
+                            </a:solidFill>
+                            <a:latin typeface="Cambria Math" panose="02040503050406030204" pitchFamily="18" charset="0"/>
+                          </a:rPr>
+                          <m:t>𝑥</m:t>
                         </m:r>
                       </m:sub>
                     </m:sSub>
                     <m:r>
                       <a:rPr lang="en-US" sz="2800" i="1">
+                        <a:solidFill>
+                          <a:srgbClr val="FFA161"/>
+                        </a:solidFill>
                         <a:latin typeface="Cambria Math" panose="02040503050406030204" pitchFamily="18" charset="0"/>
                       </a:rPr>
-                      <m:t>−</m:t>
+                      <m:t>,</m:t>
                     </m:r>
                     <m:sSub>
                       <m:sSubPr>
                         <m:ctrlPr>
                           <a:rPr lang="en-US" sz="2800" i="1">
+                            <a:solidFill>
+                              <a:srgbClr val="00A7E1"/>
+                            </a:solidFill>
                             <a:latin typeface="Cambria Math" panose="02040503050406030204" pitchFamily="18" charset="0"/>
                           </a:rPr>
                         </m:ctrlPr>
@@ -10613,6 +10850,9 @@
                       <m:e>
                         <m:r>
                           <a:rPr lang="en-US" sz="2800" i="1">
+                            <a:solidFill>
+                              <a:srgbClr val="00A7E1"/>
+                            </a:solidFill>
                             <a:latin typeface="Cambria Math" panose="02040503050406030204" pitchFamily="18" charset="0"/>
                           </a:rPr>
                           <m:t>𝑀</m:t>
@@ -10621,22 +10861,425 @@
                       <m:sub>
                         <m:r>
                           <a:rPr lang="en-US" sz="2800" i="1">
+                            <a:solidFill>
+                              <a:srgbClr val="00A7E1"/>
+                            </a:solidFill>
+                            <a:latin typeface="Cambria Math" panose="02040503050406030204" pitchFamily="18" charset="0"/>
+                          </a:rPr>
+                          <m:t>𝑥</m:t>
+                        </m:r>
+                        <m:r>
+                          <a:rPr lang="en-US" sz="2800" i="1">
+                            <a:solidFill>
+                              <a:srgbClr val="00A7E1"/>
+                            </a:solidFill>
+                            <a:latin typeface="Cambria Math" panose="02040503050406030204" pitchFamily="18" charset="0"/>
+                          </a:rPr>
+                          <m:t>𝑦</m:t>
+                        </m:r>
+                      </m:sub>
+                    </m:sSub>
+                    <m:r>
+                      <a:rPr lang="en-US" sz="2800" i="1">
+                        <a:solidFill>
+                          <a:srgbClr val="00A7E1"/>
+                        </a:solidFill>
+                        <a:latin typeface="Cambria Math" panose="02040503050406030204" pitchFamily="18" charset="0"/>
+                      </a:rPr>
+                      <m:t>,</m:t>
+                    </m:r>
+                    <m:sSub>
+                      <m:sSubPr>
+                        <m:ctrlPr>
+                          <a:rPr lang="en-US" sz="2800" i="1">
+                            <a:solidFill>
+                              <a:srgbClr val="00A7E1"/>
+                            </a:solidFill>
+                            <a:latin typeface="Cambria Math" panose="02040503050406030204" pitchFamily="18" charset="0"/>
+                          </a:rPr>
+                        </m:ctrlPr>
+                      </m:sSubPr>
+                      <m:e>
+                        <m:r>
+                          <a:rPr lang="en-US" sz="2800" i="1">
+                            <a:solidFill>
+                              <a:srgbClr val="00A7E1"/>
+                            </a:solidFill>
+                            <a:latin typeface="Cambria Math" panose="02040503050406030204" pitchFamily="18" charset="0"/>
+                          </a:rPr>
+                          <m:t>𝑀</m:t>
+                        </m:r>
+                      </m:e>
+                      <m:sub>
+                        <m:r>
+                          <a:rPr lang="en-US" sz="2800" i="1">
+                            <a:solidFill>
+                              <a:srgbClr val="00A7E1"/>
+                            </a:solidFill>
+                            <a:latin typeface="Cambria Math" panose="02040503050406030204" pitchFamily="18" charset="0"/>
+                          </a:rPr>
+                          <m:t>𝑥𝑧</m:t>
+                        </m:r>
+                        <m:r>
+                          <a:rPr lang="en-US" sz="2800" i="1">
+                            <a:solidFill>
+                              <a:srgbClr val="00A7E1"/>
+                            </a:solidFill>
+                            <a:latin typeface="Cambria Math" panose="02040503050406030204" pitchFamily="18" charset="0"/>
+                          </a:rPr>
+                          <m:t> </m:t>
+                        </m:r>
+                      </m:sub>
+                    </m:sSub>
+                    <m:r>
+                      <a:rPr lang="en-US" sz="2800" i="1">
+                        <a:solidFill>
+                          <a:schemeClr val="tx1">
+                            <a:lumMod val="65000"/>
+                            <a:lumOff val="35000"/>
+                          </a:schemeClr>
+                        </a:solidFill>
+                        <a:latin typeface="Cambria Math" panose="02040503050406030204" pitchFamily="18" charset="0"/>
+                      </a:rPr>
+                      <m:t>,</m:t>
+                    </m:r>
+                    <m:sSub>
+                      <m:sSubPr>
+                        <m:ctrlPr>
+                          <a:rPr lang="en-US" sz="2800" i="1">
+                            <a:solidFill>
+                              <a:srgbClr val="00A7E1"/>
+                            </a:solidFill>
+                            <a:latin typeface="Cambria Math" panose="02040503050406030204" pitchFamily="18" charset="0"/>
+                          </a:rPr>
+                        </m:ctrlPr>
+                      </m:sSubPr>
+                      <m:e>
+                        <m:r>
+                          <a:rPr lang="en-US" sz="2800" i="1">
+                            <a:solidFill>
+                              <a:srgbClr val="00A7E1"/>
+                            </a:solidFill>
+                            <a:latin typeface="Cambria Math" panose="02040503050406030204" pitchFamily="18" charset="0"/>
+                          </a:rPr>
+                          <m:t>𝑀</m:t>
+                        </m:r>
+                      </m:e>
+                      <m:sub>
+                        <m:r>
+                          <a:rPr lang="en-US" sz="2800" i="1">
+                            <a:solidFill>
+                              <a:srgbClr val="00A7E1"/>
+                            </a:solidFill>
+                            <a:latin typeface="Cambria Math" panose="02040503050406030204" pitchFamily="18" charset="0"/>
+                          </a:rPr>
+                          <m:t>𝑦</m:t>
+                        </m:r>
+                        <m:r>
+                          <a:rPr lang="en-US" sz="2800" i="1">
+                            <a:solidFill>
+                              <a:srgbClr val="00A7E1"/>
+                            </a:solidFill>
+                            <a:latin typeface="Cambria Math" panose="02040503050406030204" pitchFamily="18" charset="0"/>
+                          </a:rPr>
+                          <m:t>𝑥</m:t>
+                        </m:r>
+                        <m:r>
+                          <a:rPr lang="en-US" sz="2800" i="1">
+                            <a:solidFill>
+                              <a:srgbClr val="00A7E1"/>
+                            </a:solidFill>
+                            <a:latin typeface="Cambria Math" panose="02040503050406030204" pitchFamily="18" charset="0"/>
+                          </a:rPr>
+                          <m:t> </m:t>
+                        </m:r>
+                      </m:sub>
+                    </m:sSub>
+                    <m:sSub>
+                      <m:sSubPr>
+                        <m:ctrlPr>
+                          <a:rPr lang="en-US" sz="2800" i="1">
+                            <a:solidFill>
+                              <a:srgbClr val="FFA630"/>
+                            </a:solidFill>
+                            <a:latin typeface="Cambria Math" panose="02040503050406030204" pitchFamily="18" charset="0"/>
+                          </a:rPr>
+                        </m:ctrlPr>
+                      </m:sSubPr>
+                      <m:e>
+                        <m:r>
+                          <a:rPr lang="en-US" sz="2800" i="1">
+                            <a:solidFill>
+                              <a:srgbClr val="4F4F4F"/>
+                            </a:solidFill>
+                            <a:latin typeface="Cambria Math" panose="02040503050406030204" pitchFamily="18" charset="0"/>
+                          </a:rPr>
+                          <m:t>,</m:t>
+                        </m:r>
+                        <m:r>
+                          <a:rPr lang="en-US" sz="2800" i="1">
+                            <a:solidFill>
+                              <a:srgbClr val="FFA630"/>
+                            </a:solidFill>
+                            <a:latin typeface="Cambria Math" panose="02040503050406030204" pitchFamily="18" charset="0"/>
+                          </a:rPr>
+                          <m:t>𝑀</m:t>
+                        </m:r>
+                      </m:e>
+                      <m:sub>
+                        <m:r>
+                          <a:rPr lang="en-US" sz="2800" i="1">
+                            <a:solidFill>
+                              <a:srgbClr val="FFA630"/>
+                            </a:solidFill>
+                            <a:latin typeface="Cambria Math" panose="02040503050406030204" pitchFamily="18" charset="0"/>
+                          </a:rPr>
+                          <m:t>𝑦𝑦</m:t>
+                        </m:r>
+                      </m:sub>
+                    </m:sSub>
+                    <m:r>
+                      <a:rPr lang="en-US" sz="2800" i="1">
+                        <a:solidFill>
+                          <a:srgbClr val="FF8000"/>
+                        </a:solidFill>
+                        <a:latin typeface="Cambria Math" panose="02040503050406030204" pitchFamily="18" charset="0"/>
+                      </a:rPr>
+                      <m:t>,</m:t>
+                    </m:r>
+                    <m:r>
+                      <a:rPr lang="en-US" sz="2800" i="1">
+                        <a:solidFill>
+                          <a:srgbClr val="FF8000"/>
+                        </a:solidFill>
+                        <a:latin typeface="Cambria Math" panose="02040503050406030204" pitchFamily="18" charset="0"/>
+                      </a:rPr>
+                      <m:t> </m:t>
+                    </m:r>
+                    <m:sSub>
+                      <m:sSubPr>
+                        <m:ctrlPr>
+                          <a:rPr lang="en-US" sz="2800" i="1">
+                            <a:solidFill>
+                              <a:srgbClr val="00A7E1"/>
+                            </a:solidFill>
+                            <a:latin typeface="Cambria Math" panose="02040503050406030204" pitchFamily="18" charset="0"/>
+                          </a:rPr>
+                        </m:ctrlPr>
+                      </m:sSubPr>
+                      <m:e>
+                        <m:r>
+                          <a:rPr lang="en-US" sz="2800" i="1">
+                            <a:solidFill>
+                              <a:srgbClr val="00A7E1"/>
+                            </a:solidFill>
+                            <a:latin typeface="Cambria Math" panose="02040503050406030204" pitchFamily="18" charset="0"/>
+                          </a:rPr>
+                          <m:t>𝑀</m:t>
+                        </m:r>
+                      </m:e>
+                      <m:sub>
+                        <m:r>
+                          <a:rPr lang="en-US" sz="2800" i="1">
+                            <a:solidFill>
+                              <a:srgbClr val="00A7E1"/>
+                            </a:solidFill>
+                            <a:latin typeface="Cambria Math" panose="02040503050406030204" pitchFamily="18" charset="0"/>
+                          </a:rPr>
+                          <m:t>𝑦𝑧</m:t>
+                        </m:r>
+                      </m:sub>
+                    </m:sSub>
+                    <m:r>
+                      <a:rPr lang="en-US" sz="2800" i="1">
+                        <a:solidFill>
+                          <a:srgbClr val="00A7E1"/>
+                        </a:solidFill>
+                        <a:latin typeface="Cambria Math" panose="02040503050406030204" pitchFamily="18" charset="0"/>
+                      </a:rPr>
+                      <m:t>, </m:t>
+                    </m:r>
+                    <m:sSub>
+                      <m:sSubPr>
+                        <m:ctrlPr>
+                          <a:rPr lang="en-US" sz="2800" i="1">
+                            <a:solidFill>
+                              <a:srgbClr val="00A7E1"/>
+                            </a:solidFill>
+                            <a:latin typeface="Cambria Math" panose="02040503050406030204" pitchFamily="18" charset="0"/>
+                          </a:rPr>
+                        </m:ctrlPr>
+                      </m:sSubPr>
+                      <m:e>
+                        <m:r>
+                          <a:rPr lang="en-US" sz="2800" i="1">
+                            <a:solidFill>
+                              <a:srgbClr val="00A7E1"/>
+                            </a:solidFill>
+                            <a:latin typeface="Cambria Math" panose="02040503050406030204" pitchFamily="18" charset="0"/>
+                          </a:rPr>
+                          <m:t>𝑀</m:t>
+                        </m:r>
+                      </m:e>
+                      <m:sub>
+                        <m:r>
+                          <a:rPr lang="en-US" sz="2800" i="1">
+                            <a:solidFill>
+                              <a:srgbClr val="00A7E1"/>
+                            </a:solidFill>
+                            <a:latin typeface="Cambria Math" panose="02040503050406030204" pitchFamily="18" charset="0"/>
+                          </a:rPr>
+                          <m:t>𝑧</m:t>
+                        </m:r>
+                        <m:r>
+                          <a:rPr lang="en-US" sz="2800" i="1">
+                            <a:solidFill>
+                              <a:srgbClr val="00A7E1"/>
+                            </a:solidFill>
+                            <a:latin typeface="Cambria Math" panose="02040503050406030204" pitchFamily="18" charset="0"/>
+                          </a:rPr>
+                          <m:t>𝑥</m:t>
+                        </m:r>
+                      </m:sub>
+                    </m:sSub>
+                    <m:r>
+                      <a:rPr lang="en-US" sz="2800" i="1">
+                        <a:solidFill>
+                          <a:srgbClr val="00A7E1"/>
+                        </a:solidFill>
+                        <a:latin typeface="Cambria Math" panose="02040503050406030204" pitchFamily="18" charset="0"/>
+                      </a:rPr>
+                      <m:t> </m:t>
+                    </m:r>
+                    <m:r>
+                      <a:rPr lang="en-US" sz="2800" i="1">
+                        <a:solidFill>
+                          <a:srgbClr val="00A7E1"/>
+                        </a:solidFill>
+                        <a:latin typeface="Cambria Math" panose="02040503050406030204" pitchFamily="18" charset="0"/>
+                      </a:rPr>
+                      <m:t>,</m:t>
+                    </m:r>
+                    <m:sSub>
+                      <m:sSubPr>
+                        <m:ctrlPr>
+                          <a:rPr lang="en-US" sz="2800" i="1">
+                            <a:solidFill>
+                              <a:srgbClr val="00A7E1"/>
+                            </a:solidFill>
+                            <a:latin typeface="Cambria Math" panose="02040503050406030204" pitchFamily="18" charset="0"/>
+                          </a:rPr>
+                        </m:ctrlPr>
+                      </m:sSubPr>
+                      <m:e>
+                        <m:r>
+                          <a:rPr lang="en-US" sz="2800" i="1">
+                            <a:solidFill>
+                              <a:srgbClr val="00A7E1"/>
+                            </a:solidFill>
+                            <a:latin typeface="Cambria Math" panose="02040503050406030204" pitchFamily="18" charset="0"/>
+                          </a:rPr>
+                          <m:t>𝑀</m:t>
+                        </m:r>
+                      </m:e>
+                      <m:sub>
+                        <m:r>
+                          <a:rPr lang="en-US" sz="2800" i="1">
+                            <a:solidFill>
+                              <a:srgbClr val="00A7E1"/>
+                            </a:solidFill>
+                            <a:latin typeface="Cambria Math" panose="02040503050406030204" pitchFamily="18" charset="0"/>
+                          </a:rPr>
+                          <m:t>𝑧𝑦</m:t>
+                        </m:r>
+                      </m:sub>
+                    </m:sSub>
+                    <m:r>
+                      <a:rPr lang="en-US" sz="2800" i="1">
+                        <a:solidFill>
+                          <a:srgbClr val="FF6A00"/>
+                        </a:solidFill>
+                        <a:latin typeface="Cambria Math" panose="02040503050406030204" pitchFamily="18" charset="0"/>
+                      </a:rPr>
+                      <m:t>,</m:t>
+                    </m:r>
+                    <m:r>
+                      <a:rPr lang="en-US" sz="2800" i="1">
+                        <a:solidFill>
+                          <a:srgbClr val="FF6A00"/>
+                        </a:solidFill>
+                        <a:latin typeface="Cambria Math" panose="02040503050406030204" pitchFamily="18" charset="0"/>
+                      </a:rPr>
+                      <m:t> </m:t>
+                    </m:r>
+                    <m:sSub>
+                      <m:sSubPr>
+                        <m:ctrlPr>
+                          <a:rPr lang="en-US" sz="2800" i="1">
+                            <a:solidFill>
+                              <a:srgbClr val="FFA630"/>
+                            </a:solidFill>
+                            <a:latin typeface="Cambria Math" panose="02040503050406030204" pitchFamily="18" charset="0"/>
+                          </a:rPr>
+                        </m:ctrlPr>
+                      </m:sSubPr>
+                      <m:e>
+                        <m:r>
+                          <a:rPr lang="en-US" sz="2800" i="1">
+                            <a:solidFill>
+                              <a:srgbClr val="FFA630"/>
+                            </a:solidFill>
+                            <a:latin typeface="Cambria Math" panose="02040503050406030204" pitchFamily="18" charset="0"/>
+                          </a:rPr>
+                          <m:t>𝑀</m:t>
+                        </m:r>
+                      </m:e>
+                      <m:sub>
+                        <m:r>
+                          <a:rPr lang="en-US" sz="2800" i="1">
+                            <a:solidFill>
+                              <a:srgbClr val="FFA630"/>
+                            </a:solidFill>
                             <a:latin typeface="Cambria Math" panose="02040503050406030204" pitchFamily="18" charset="0"/>
                           </a:rPr>
                           <m:t>𝑧𝑧</m:t>
                         </m:r>
                       </m:sub>
                     </m:sSub>
+                    <m:r>
+                      <a:rPr lang="en-US" sz="2800" i="1">
+                        <a:solidFill>
+                          <a:schemeClr val="tx1">
+                            <a:lumMod val="65000"/>
+                            <a:lumOff val="35000"/>
+                          </a:schemeClr>
+                        </a:solidFill>
+                        <a:latin typeface="Cambria Math" panose="02040503050406030204" pitchFamily="18" charset="0"/>
+                      </a:rPr>
+                      <m:t> </m:t>
+                    </m:r>
                   </m:oMath>
                 </a14:m>
                 <a:r>
                   <a:rPr lang="en-US" sz="2800" dirty="0">
+                    <a:solidFill>
+                      <a:schemeClr val="tx1">
+                        <a:lumMod val="65000"/>
+                        <a:lumOff val="35000"/>
+                      </a:schemeClr>
+                    </a:solidFill>
                     <a:latin typeface="Montserrat" panose="00000500000000000000" pitchFamily="2" charset="0"/>
                   </a:rPr>
-                  <a:t> &amp;</a:t>
+                  <a:t>and</a:t>
                 </a:r>
                 <a:r>
                   <a:rPr lang="bg-BG" sz="2800" dirty="0">
+                    <a:solidFill>
+                      <a:schemeClr val="tx1">
+                        <a:lumMod val="65000"/>
+                        <a:lumOff val="35000"/>
+                      </a:schemeClr>
+                    </a:solidFill>
                     <a:latin typeface="Montserrat" panose="00000500000000000000" pitchFamily="2" charset="0"/>
                   </a:rPr>
                   <a:t> </a:t>
@@ -10647,6 +11290,9 @@
                       <m:sSubPr>
                         <m:ctrlPr>
                           <a:rPr lang="en-US" sz="2800" i="1">
+                            <a:solidFill>
+                              <a:srgbClr val="3E4E50"/>
+                            </a:solidFill>
                             <a:latin typeface="Cambria Math" panose="02040503050406030204" pitchFamily="18" charset="0"/>
                           </a:rPr>
                         </m:ctrlPr>
@@ -10654,6 +11300,9 @@
                       <m:e>
                         <m:r>
                           <a:rPr lang="en-US" sz="2800" i="1">
+                            <a:solidFill>
+                              <a:srgbClr val="3E4E50"/>
+                            </a:solidFill>
                             <a:latin typeface="Cambria Math" panose="02040503050406030204" pitchFamily="18" charset="0"/>
                           </a:rPr>
                           <m:t>𝐵</m:t>
@@ -10662,32 +11311,34 @@
                       <m:sub>
                         <m:r>
                           <a:rPr lang="en-US" sz="2800" i="1">
+                            <a:solidFill>
+                              <a:srgbClr val="3E4E50"/>
+                            </a:solidFill>
                             <a:latin typeface="Cambria Math" panose="02040503050406030204" pitchFamily="18" charset="0"/>
                           </a:rPr>
                           <m:t>𝑥</m:t>
                         </m:r>
                       </m:sub>
                     </m:sSub>
-                  </m:oMath>
-                </a14:m>
-                <a:r>
-                  <a:rPr lang="bg-BG" sz="2800" dirty="0">
-                    <a:latin typeface="Montserrat" panose="00000500000000000000" pitchFamily="2" charset="0"/>
-                  </a:rPr>
-                  <a:t>-</a:t>
-                </a:r>
-                <a:r>
-                  <a:rPr lang="en-US" sz="2800" dirty="0">
-                    <a:latin typeface="Montserrat" panose="00000500000000000000" pitchFamily="2" charset="0"/>
-                  </a:rPr>
-                  <a:t> </a:t>
-                </a:r>
-                <a14:m>
-                  <m:oMath xmlns:m="http://schemas.openxmlformats.org/officeDocument/2006/math">
+                    <m:r>
+                      <a:rPr lang="en-US" sz="2800" i="1">
+                        <a:solidFill>
+                          <a:schemeClr val="tx1">
+                            <a:lumMod val="65000"/>
+                            <a:lumOff val="35000"/>
+                          </a:schemeClr>
+                        </a:solidFill>
+                        <a:latin typeface="Cambria Math" panose="02040503050406030204" pitchFamily="18" charset="0"/>
+                      </a:rPr>
+                      <m:t>,</m:t>
+                    </m:r>
                     <m:sSub>
                       <m:sSubPr>
                         <m:ctrlPr>
                           <a:rPr lang="en-US" sz="2800" i="1">
+                            <a:solidFill>
+                              <a:srgbClr val="62B6CB"/>
+                            </a:solidFill>
                             <a:latin typeface="Cambria Math" panose="02040503050406030204" pitchFamily="18" charset="0"/>
                           </a:rPr>
                         </m:ctrlPr>
@@ -10695,6 +11346,9 @@
                       <m:e>
                         <m:r>
                           <a:rPr lang="en-US" sz="2800" i="1">
+                            <a:solidFill>
+                              <a:srgbClr val="62B6CB"/>
+                            </a:solidFill>
                             <a:latin typeface="Cambria Math" panose="02040503050406030204" pitchFamily="18" charset="0"/>
                           </a:rPr>
                           <m:t>𝐵</m:t>
@@ -10703,20 +11357,76 @@
                       <m:sub>
                         <m:r>
                           <a:rPr lang="en-US" sz="2800" i="1">
+                            <a:solidFill>
+                              <a:srgbClr val="62B6CB"/>
+                            </a:solidFill>
+                            <a:latin typeface="Cambria Math" panose="02040503050406030204" pitchFamily="18" charset="0"/>
+                          </a:rPr>
+                          <m:t>𝑦</m:t>
+                        </m:r>
+                      </m:sub>
+                    </m:sSub>
+                  </m:oMath>
+                </a14:m>
+                <a:r>
+                  <a:rPr lang="en-US" sz="2800" dirty="0">
+                    <a:solidFill>
+                      <a:schemeClr val="tx1">
+                        <a:lumMod val="65000"/>
+                        <a:lumOff val="35000"/>
+                      </a:schemeClr>
+                    </a:solidFill>
+                    <a:latin typeface="Montserrat" panose="00000500000000000000" pitchFamily="2" charset="0"/>
+                  </a:rPr>
+                  <a:t>,</a:t>
+                </a:r>
+                <a14:m>
+                  <m:oMath xmlns:m="http://schemas.openxmlformats.org/officeDocument/2006/math">
+                    <m:sSub>
+                      <m:sSubPr>
+                        <m:ctrlPr>
+                          <a:rPr lang="en-US" sz="2800" i="1">
+                            <a:solidFill>
+                              <a:srgbClr val="4E8098"/>
+                            </a:solidFill>
+                            <a:latin typeface="Cambria Math" panose="02040503050406030204" pitchFamily="18" charset="0"/>
+                          </a:rPr>
+                        </m:ctrlPr>
+                      </m:sSubPr>
+                      <m:e>
+                        <m:r>
+                          <a:rPr lang="en-US" sz="2800" i="1">
+                            <a:solidFill>
+                              <a:srgbClr val="4E8098"/>
+                            </a:solidFill>
+                            <a:latin typeface="Cambria Math" panose="02040503050406030204" pitchFamily="18" charset="0"/>
+                          </a:rPr>
+                          <m:t>𝐵</m:t>
+                        </m:r>
+                      </m:e>
+                      <m:sub>
+                        <m:r>
+                          <a:rPr lang="en-US" sz="2800" i="1">
+                            <a:solidFill>
+                              <a:srgbClr val="4E8098"/>
+                            </a:solidFill>
                             <a:latin typeface="Cambria Math" panose="02040503050406030204" pitchFamily="18" charset="0"/>
                           </a:rPr>
                           <m:t>𝑧</m:t>
                         </m:r>
                       </m:sub>
                     </m:sSub>
+                    <m:r>
+                      <a:rPr lang="en-US" sz="2800" i="1">
+                        <a:solidFill>
+                          <a:srgbClr val="4E8098"/>
+                        </a:solidFill>
+                        <a:latin typeface="Cambria Math" panose="02040503050406030204" pitchFamily="18" charset="0"/>
+                      </a:rPr>
+                      <m:t> </m:t>
+                    </m:r>
                   </m:oMath>
                 </a14:m>
-                <a:r>
-                  <a:rPr lang="bg-BG" sz="2800" dirty="0">
-                    <a:latin typeface="Montserrat" panose="00000500000000000000" pitchFamily="2" charset="0"/>
-                  </a:rPr>
-                  <a:t> </a:t>
-                </a:r>
                 <a:r>
                   <a:rPr lang="en-US" sz="2800" dirty="0">
                     <a:latin typeface="Montserrat" panose="00000500000000000000" pitchFamily="2" charset="0"/>
@@ -10801,12 +11511,9 @@
                             <m:mr>
                               <m:e>
                                 <m:r>
-                                  <a:rPr lang="bg-BG" sz="2800" i="1">
+                                  <a:rPr lang="bg-BG" sz="2800" i="1" smtClean="0">
                                     <a:solidFill>
-                                      <a:schemeClr val="tx1">
-                                        <a:lumMod val="65000"/>
-                                        <a:lumOff val="35000"/>
-                                      </a:schemeClr>
+                                      <a:srgbClr val="FFA630"/>
                                     </a:solidFill>
                                     <a:latin typeface="Cambria Math" panose="02040503050406030204" pitchFamily="18" charset="0"/>
                                   </a:rPr>
@@ -10815,12 +11522,9 @@
                               </m:e>
                               <m:e>
                                 <m:r>
-                                  <a:rPr lang="bg-BG" sz="2800" i="1">
+                                  <a:rPr lang="bg-BG" sz="2800" i="1" smtClean="0">
                                     <a:solidFill>
-                                      <a:schemeClr val="tx1">
-                                        <a:lumMod val="65000"/>
-                                        <a:lumOff val="35000"/>
-                                      </a:schemeClr>
+                                      <a:srgbClr val="00A7E1"/>
                                     </a:solidFill>
                                     <a:latin typeface="Cambria Math" panose="02040503050406030204" pitchFamily="18" charset="0"/>
                                   </a:rPr>
@@ -10829,12 +11533,9 @@
                               </m:e>
                               <m:e>
                                 <m:r>
-                                  <a:rPr lang="bg-BG" sz="2800" i="1">
+                                  <a:rPr lang="bg-BG" sz="2800" i="1" smtClean="0">
                                     <a:solidFill>
-                                      <a:schemeClr val="tx1">
-                                        <a:lumMod val="65000"/>
-                                        <a:lumOff val="35000"/>
-                                      </a:schemeClr>
+                                      <a:srgbClr val="00A7E1"/>
                                     </a:solidFill>
                                     <a:latin typeface="Cambria Math" panose="02040503050406030204" pitchFamily="18" charset="0"/>
                                   </a:rPr>
@@ -10845,12 +11546,9 @@
                             <m:mr>
                               <m:e>
                                 <m:r>
-                                  <a:rPr lang="bg-BG" sz="2800" i="1">
+                                  <a:rPr lang="bg-BG" sz="2800" i="1" smtClean="0">
                                     <a:solidFill>
-                                      <a:schemeClr val="tx1">
-                                        <a:lumMod val="65000"/>
-                                        <a:lumOff val="35000"/>
-                                      </a:schemeClr>
+                                      <a:srgbClr val="00A7E1"/>
                                     </a:solidFill>
                                     <a:latin typeface="Cambria Math" panose="02040503050406030204" pitchFamily="18" charset="0"/>
                                   </a:rPr>
@@ -10859,12 +11557,9 @@
                               </m:e>
                               <m:e>
                                 <m:r>
-                                  <a:rPr lang="bg-BG" sz="2800" i="1">
+                                  <a:rPr lang="bg-BG" sz="2800" i="1" smtClean="0">
                                     <a:solidFill>
-                                      <a:schemeClr val="tx1">
-                                        <a:lumMod val="65000"/>
-                                        <a:lumOff val="35000"/>
-                                      </a:schemeClr>
+                                      <a:srgbClr val="FFA630"/>
                                     </a:solidFill>
                                     <a:latin typeface="Cambria Math" panose="02040503050406030204" pitchFamily="18" charset="0"/>
                                   </a:rPr>
@@ -10873,12 +11568,9 @@
                               </m:e>
                               <m:e>
                                 <m:r>
-                                  <a:rPr lang="bg-BG" sz="2800" i="1">
+                                  <a:rPr lang="bg-BG" sz="2800" i="1" smtClean="0">
                                     <a:solidFill>
-                                      <a:schemeClr val="tx1">
-                                        <a:lumMod val="65000"/>
-                                        <a:lumOff val="35000"/>
-                                      </a:schemeClr>
+                                      <a:srgbClr val="00A7E1"/>
                                     </a:solidFill>
                                     <a:latin typeface="Cambria Math" panose="02040503050406030204" pitchFamily="18" charset="0"/>
                                   </a:rPr>
@@ -10889,12 +11581,9 @@
                             <m:mr>
                               <m:e>
                                 <m:r>
-                                  <a:rPr lang="bg-BG" sz="2800" i="1">
+                                  <a:rPr lang="bg-BG" sz="2800" i="1" smtClean="0">
                                     <a:solidFill>
-                                      <a:schemeClr val="tx1">
-                                        <a:lumMod val="65000"/>
-                                        <a:lumOff val="35000"/>
-                                      </a:schemeClr>
+                                      <a:srgbClr val="00A7E1"/>
                                     </a:solidFill>
                                     <a:latin typeface="Cambria Math" panose="02040503050406030204" pitchFamily="18" charset="0"/>
                                   </a:rPr>
@@ -10903,12 +11592,9 @@
                               </m:e>
                               <m:e>
                                 <m:r>
-                                  <a:rPr lang="bg-BG" sz="2800" i="1">
+                                  <a:rPr lang="bg-BG" sz="2800" i="1" smtClean="0">
                                     <a:solidFill>
-                                      <a:schemeClr val="tx1">
-                                        <a:lumMod val="65000"/>
-                                        <a:lumOff val="35000"/>
-                                      </a:schemeClr>
+                                      <a:srgbClr val="00A7E1"/>
                                     </a:solidFill>
                                     <a:latin typeface="Cambria Math" panose="02040503050406030204" pitchFamily="18" charset="0"/>
                                   </a:rPr>
@@ -10917,12 +11603,9 @@
                               </m:e>
                               <m:e>
                                 <m:r>
-                                  <a:rPr lang="bg-BG" sz="2800" i="1">
+                                  <a:rPr lang="bg-BG" sz="2800" i="1" smtClean="0">
                                     <a:solidFill>
-                                      <a:schemeClr val="tx1">
-                                        <a:lumMod val="65000"/>
-                                        <a:lumOff val="35000"/>
-                                      </a:schemeClr>
+                                      <a:srgbClr val="FFA630"/>
                                     </a:solidFill>
                                     <a:latin typeface="Cambria Math" panose="02040503050406030204" pitchFamily="18" charset="0"/>
                                   </a:rPr>
@@ -11091,7 +11774,7 @@
             </p:txBody>
           </p:sp>
         </mc:Choice>
-        <mc:Fallback xmlns="">
+        <mc:Fallback>
           <p:sp>
             <p:nvSpPr>
               <p:cNvPr id="6" name="TextBox 5">
@@ -11109,7 +11792,7 @@
             <p:spPr>
               <a:xfrm>
                 <a:off x="923925" y="1390650"/>
-                <a:ext cx="10325100" cy="2955296"/>
+                <a:ext cx="10325100" cy="2989280"/>
               </a:xfrm>
               <a:prstGeom prst="rect">
                 <a:avLst/>
@@ -11117,7 +11800,7 @@
               <a:blipFill>
                 <a:blip r:embed="rId4"/>
                 <a:stretch>
-                  <a:fillRect l="-1240" t="-1856" r="-532"/>
+                  <a:fillRect l="-1240" t="-1837" r="-1890"/>
                 </a:stretch>
               </a:blipFill>
             </p:spPr>
@@ -11166,12 +11849,113 @@
           <a:chExt cx="0" cy="0"/>
         </a:xfrm>
       </p:grpSpPr>
+      <p:sp>
+        <p:nvSpPr>
+          <p:cNvPr id="2" name="Title 1">
+            <a:extLst>
+              <a:ext uri="{FF2B5EF4-FFF2-40B4-BE49-F238E27FC236}">
+                <a16:creationId xmlns:a16="http://schemas.microsoft.com/office/drawing/2014/main" id="{96742139-7AF8-4758-94C8-E828317BF46A}"/>
+              </a:ext>
+            </a:extLst>
+          </p:cNvPr>
+          <p:cNvSpPr>
+            <a:spLocks noGrp="1"/>
+          </p:cNvSpPr>
+          <p:nvPr>
+            <p:ph type="title"/>
+          </p:nvPr>
+        </p:nvSpPr>
+        <p:spPr/>
+        <p:txBody>
+          <a:bodyPr/>
+          <a:lstStyle/>
+          <a:p>
+            <a:r>
+              <a:rPr lang="en-US" dirty="0">
+                <a:solidFill>
+                  <a:srgbClr val="FFA161"/>
+                </a:solidFill>
+                <a:latin typeface="Montserrat Black" panose="00000A00000000000000" pitchFamily="2" charset="0"/>
+              </a:rPr>
+              <a:t>Newtons Method</a:t>
+            </a:r>
+            <a:endParaRPr lang="en-US" dirty="0"/>
+          </a:p>
+        </p:txBody>
+      </p:sp>
+      <p:sp>
+        <p:nvSpPr>
+          <p:cNvPr id="3" name="Content Placeholder 2">
+            <a:extLst>
+              <a:ext uri="{FF2B5EF4-FFF2-40B4-BE49-F238E27FC236}">
+                <a16:creationId xmlns:a16="http://schemas.microsoft.com/office/drawing/2014/main" id="{29333A53-C9FC-40D4-B654-DDF4DE4379B6}"/>
+              </a:ext>
+            </a:extLst>
+          </p:cNvPr>
+          <p:cNvSpPr>
+            <a:spLocks noGrp="1"/>
+          </p:cNvSpPr>
+          <p:nvPr>
+            <p:ph idx="1"/>
+          </p:nvPr>
+        </p:nvSpPr>
+        <p:spPr>
+          <a:xfrm>
+            <a:off x="838200" y="1825625"/>
+            <a:ext cx="5163766" cy="4351338"/>
+          </a:xfrm>
+        </p:spPr>
+        <p:txBody>
+          <a:bodyPr anchor="ctr"/>
+          <a:lstStyle/>
+          <a:p>
+            <a:r>
+              <a:rPr lang="en-US" dirty="0">
+                <a:latin typeface="Montserrat" panose="00000500000000000000" pitchFamily="2" charset="0"/>
+              </a:rPr>
+              <a:t>Popular minimization method</a:t>
+            </a:r>
+          </a:p>
+          <a:p>
+            <a:pPr marL="0" indent="0">
+              <a:buNone/>
+            </a:pPr>
+            <a:endParaRPr lang="en-US" dirty="0">
+              <a:latin typeface="Montserrat" panose="00000500000000000000" pitchFamily="2" charset="0"/>
+            </a:endParaRPr>
+          </a:p>
+          <a:p>
+            <a:r>
+              <a:rPr lang="en-US" dirty="0">
+                <a:latin typeface="Montserrat" panose="00000500000000000000" pitchFamily="2" charset="0"/>
+              </a:rPr>
+              <a:t>Partial Derivatives</a:t>
+            </a:r>
+          </a:p>
+          <a:p>
+            <a:pPr marL="0" indent="0">
+              <a:buNone/>
+            </a:pPr>
+            <a:endParaRPr lang="en-US" dirty="0">
+              <a:latin typeface="Montserrat" panose="00000500000000000000" pitchFamily="2" charset="0"/>
+            </a:endParaRPr>
+          </a:p>
+          <a:p>
+            <a:r>
+              <a:rPr lang="en-US" dirty="0">
+                <a:latin typeface="Montserrat" panose="00000500000000000000" pitchFamily="2" charset="0"/>
+              </a:rPr>
+              <a:t>Using it for a system of 12 equations </a:t>
+            </a:r>
+          </a:p>
+        </p:txBody>
+      </p:sp>
       <p:pic>
         <p:nvPicPr>
-          <p:cNvPr id="4" name="Content Placeholder 11" descr="A screenshot of a cell phone&#10;&#10;Description automatically generated">
+          <p:cNvPr id="5" name="Picture 4" descr="A close up of a map&#10;&#10;Description automatically generated">
             <a:extLst>
               <a:ext uri="{FF2B5EF4-FFF2-40B4-BE49-F238E27FC236}">
-                <a16:creationId xmlns:a16="http://schemas.microsoft.com/office/drawing/2014/main" id="{077F7C6E-AD07-4A7A-BBBE-D334F971A49D}"/>
+                <a16:creationId xmlns:a16="http://schemas.microsoft.com/office/drawing/2014/main" id="{D57C24CA-EA3D-4AC7-A166-6C974EE41013}"/>
               </a:ext>
             </a:extLst>
           </p:cNvPr>
@@ -11181,7 +11965,7 @@
           <p:nvPr/>
         </p:nvPicPr>
         <p:blipFill>
-          <a:blip r:embed="rId3">
+          <a:blip r:embed="rId2">
             <a:extLst>
               <a:ext uri="{28A0092B-C50C-407E-A947-70E740481C1C}">
                 <a14:useLocalDpi xmlns:a14="http://schemas.microsoft.com/office/drawing/2010/main" val="0"/>
@@ -11194,92 +11978,18 @@
         </p:blipFill>
         <p:spPr>
           <a:xfrm>
-            <a:off x="991546" y="2087482"/>
-            <a:ext cx="10208908" cy="1750421"/>
+            <a:off x="6653719" y="1904908"/>
+            <a:ext cx="5246452" cy="4192771"/>
           </a:xfrm>
           <a:prstGeom prst="rect">
             <a:avLst/>
           </a:prstGeom>
         </p:spPr>
       </p:pic>
-      <p:pic>
-        <p:nvPicPr>
-          <p:cNvPr id="5" name="Picture 4" descr="A screenshot of a cell phone&#10;&#10;Description automatically generated">
-            <a:extLst>
-              <a:ext uri="{FF2B5EF4-FFF2-40B4-BE49-F238E27FC236}">
-                <a16:creationId xmlns:a16="http://schemas.microsoft.com/office/drawing/2014/main" id="{9D0A9A7E-2A4C-49D4-AA55-92F62D53FF74}"/>
-              </a:ext>
-            </a:extLst>
-          </p:cNvPr>
-          <p:cNvPicPr>
-            <a:picLocks noChangeAspect="1"/>
-          </p:cNvPicPr>
-          <p:nvPr/>
-        </p:nvPicPr>
-        <p:blipFill>
-          <a:blip r:embed="rId4">
-            <a:extLst>
-              <a:ext uri="{28A0092B-C50C-407E-A947-70E740481C1C}">
-                <a14:useLocalDpi xmlns:a14="http://schemas.microsoft.com/office/drawing/2010/main" val="0"/>
-              </a:ext>
-            </a:extLst>
-          </a:blip>
-          <a:stretch>
-            <a:fillRect/>
-          </a:stretch>
-        </p:blipFill>
-        <p:spPr>
-          <a:xfrm>
-            <a:off x="1927014" y="4286189"/>
-            <a:ext cx="8337972" cy="1987936"/>
-          </a:xfrm>
-          <a:prstGeom prst="rect">
-            <a:avLst/>
-          </a:prstGeom>
-        </p:spPr>
-      </p:pic>
-      <p:sp>
-        <p:nvSpPr>
-          <p:cNvPr id="6" name="Title 1">
-            <a:extLst>
-              <a:ext uri="{FF2B5EF4-FFF2-40B4-BE49-F238E27FC236}">
-                <a16:creationId xmlns:a16="http://schemas.microsoft.com/office/drawing/2014/main" id="{9F6974EE-9B3D-4AF9-A5DC-912823A2EC0A}"/>
-              </a:ext>
-            </a:extLst>
-          </p:cNvPr>
-          <p:cNvSpPr>
-            <a:spLocks noGrp="1"/>
-          </p:cNvSpPr>
-          <p:nvPr>
-            <p:ph type="title"/>
-          </p:nvPr>
-        </p:nvSpPr>
-        <p:spPr>
-          <a:xfrm>
-            <a:off x="838200" y="365125"/>
-            <a:ext cx="10515600" cy="1325563"/>
-          </a:xfrm>
-        </p:spPr>
-        <p:txBody>
-          <a:bodyPr/>
-          <a:lstStyle/>
-          <a:p>
-            <a:r>
-              <a:rPr lang="en-US" dirty="0">
-                <a:solidFill>
-                  <a:srgbClr val="FFA161"/>
-                </a:solidFill>
-                <a:latin typeface="Montserrat Black" panose="00000A00000000000000" pitchFamily="2" charset="0"/>
-              </a:rPr>
-              <a:t>Result Comparison</a:t>
-            </a:r>
-          </a:p>
-        </p:txBody>
-      </p:sp>
     </p:spTree>
     <p:extLst>
       <p:ext uri="{BB962C8B-B14F-4D97-AF65-F5344CB8AC3E}">
-        <p14:creationId xmlns:p14="http://schemas.microsoft.com/office/powerpoint/2010/main" val="1895030988"/>
+        <p14:creationId xmlns:p14="http://schemas.microsoft.com/office/powerpoint/2010/main" val="3857608642"/>
       </p:ext>
     </p:extLst>
   </p:cSld>

--- a/Presentation Materials/Калибриране на MEMS Акселерометри.pptx
+++ b/Presentation Materials/Калибриране на MEMS Акселерометри.pptx
@@ -10757,7 +10757,7 @@
             <p:spPr>
               <a:xfrm>
                 <a:off x="923925" y="1390650"/>
-                <a:ext cx="10325100" cy="2989280"/>
+                <a:ext cx="10325100" cy="3851054"/>
               </a:xfrm>
               <a:prstGeom prst="rect">
                 <a:avLst/>
@@ -10771,16 +10771,10 @@
               <a:lstStyle/>
               <a:p>
                 <a:r>
-                  <a:rPr lang="en-US" sz="2800">
-                    <a:latin typeface="Montserrat" panose="00000500000000000000" pitchFamily="2" charset="0"/>
-                  </a:rPr>
-                  <a:t>I </a:t>
-                </a:r>
-                <a:r>
                   <a:rPr lang="en-US" sz="2800" dirty="0">
                     <a:latin typeface="Montserrat" panose="00000500000000000000" pitchFamily="2" charset="0"/>
                   </a:rPr>
-                  <a:t>use the least squares method in order to find for which </a:t>
+                  <a:t>I use the least squares method in order to find for which </a:t>
                 </a:r>
                 <a14:m>
                   <m:oMath xmlns:m="http://schemas.openxmlformats.org/officeDocument/2006/math">
@@ -11440,6 +11434,16 @@
                 </a:endParaRPr>
               </a:p>
               <a:p>
+                <a:endParaRPr lang="en-US" sz="2800" dirty="0">
+                  <a:latin typeface="Montserrat" panose="00000500000000000000" pitchFamily="2" charset="0"/>
+                </a:endParaRPr>
+              </a:p>
+              <a:p>
+                <a:endParaRPr lang="en-US" sz="2800" dirty="0">
+                  <a:latin typeface="Montserrat" panose="00000500000000000000" pitchFamily="2" charset="0"/>
+                </a:endParaRPr>
+              </a:p>
+              <a:p>
                 <a:pPr/>
                 <a14:m>
                   <m:oMathPara xmlns:m="http://schemas.openxmlformats.org/officeDocument/2006/math">
@@ -11792,7 +11796,7 @@
             <p:spPr>
               <a:xfrm>
                 <a:off x="923925" y="1390650"/>
-                <a:ext cx="10325100" cy="2989280"/>
+                <a:ext cx="10325100" cy="3851054"/>
               </a:xfrm>
               <a:prstGeom prst="rect">
                 <a:avLst/>
@@ -11800,7 +11804,7 @@
               <a:blipFill>
                 <a:blip r:embed="rId4"/>
                 <a:stretch>
-                  <a:fillRect l="-1240" t="-1837" r="-1890"/>
+                  <a:fillRect l="-1240" t="-1424" r="-1890"/>
                 </a:stretch>
               </a:blipFill>
             </p:spPr>

--- a/Presentation Materials/Калибриране на MEMS Акселерометри.pptx
+++ b/Presentation Materials/Калибриране на MEMS Акселерометри.pptx
@@ -212,7 +212,7 @@
           <a:p>
             <a:fld id="{8449EA60-A591-44F6-9F11-4791ABA57160}" type="datetimeFigureOut">
               <a:rPr lang="en-US" smtClean="0"/>
-              <a:t>6/20/2020</a:t>
+              <a:t>7/12/2020</a:t>
             </a:fld>
             <a:endParaRPr lang="en-US"/>
           </a:p>
@@ -2232,7 +2232,7 @@
           <a:p>
             <a:fld id="{76C7AF64-6987-4AAD-A506-BDC8B5CCFD58}" type="datetimeFigureOut">
               <a:rPr lang="en-US" smtClean="0"/>
-              <a:t>6/20/2020</a:t>
+              <a:t>7/12/2020</a:t>
             </a:fld>
             <a:endParaRPr lang="en-US"/>
           </a:p>
@@ -2430,7 +2430,7 @@
           <a:p>
             <a:fld id="{76C7AF64-6987-4AAD-A506-BDC8B5CCFD58}" type="datetimeFigureOut">
               <a:rPr lang="en-US" smtClean="0"/>
-              <a:t>6/20/2020</a:t>
+              <a:t>7/12/2020</a:t>
             </a:fld>
             <a:endParaRPr lang="en-US"/>
           </a:p>
@@ -2638,7 +2638,7 @@
           <a:p>
             <a:fld id="{76C7AF64-6987-4AAD-A506-BDC8B5CCFD58}" type="datetimeFigureOut">
               <a:rPr lang="en-US" smtClean="0"/>
-              <a:t>6/20/2020</a:t>
+              <a:t>7/12/2020</a:t>
             </a:fld>
             <a:endParaRPr lang="en-US"/>
           </a:p>
@@ -2836,7 +2836,7 @@
           <a:p>
             <a:fld id="{76C7AF64-6987-4AAD-A506-BDC8B5CCFD58}" type="datetimeFigureOut">
               <a:rPr lang="en-US" smtClean="0"/>
-              <a:t>6/20/2020</a:t>
+              <a:t>7/12/2020</a:t>
             </a:fld>
             <a:endParaRPr lang="en-US"/>
           </a:p>
@@ -3111,7 +3111,7 @@
           <a:p>
             <a:fld id="{76C7AF64-6987-4AAD-A506-BDC8B5CCFD58}" type="datetimeFigureOut">
               <a:rPr lang="en-US" smtClean="0"/>
-              <a:t>6/20/2020</a:t>
+              <a:t>7/12/2020</a:t>
             </a:fld>
             <a:endParaRPr lang="en-US"/>
           </a:p>
@@ -3376,7 +3376,7 @@
           <a:p>
             <a:fld id="{76C7AF64-6987-4AAD-A506-BDC8B5CCFD58}" type="datetimeFigureOut">
               <a:rPr lang="en-US" smtClean="0"/>
-              <a:t>6/20/2020</a:t>
+              <a:t>7/12/2020</a:t>
             </a:fld>
             <a:endParaRPr lang="en-US"/>
           </a:p>
@@ -3788,7 +3788,7 @@
           <a:p>
             <a:fld id="{76C7AF64-6987-4AAD-A506-BDC8B5CCFD58}" type="datetimeFigureOut">
               <a:rPr lang="en-US" smtClean="0"/>
-              <a:t>6/20/2020</a:t>
+              <a:t>7/12/2020</a:t>
             </a:fld>
             <a:endParaRPr lang="en-US"/>
           </a:p>
@@ -3929,7 +3929,7 @@
           <a:p>
             <a:fld id="{76C7AF64-6987-4AAD-A506-BDC8B5CCFD58}" type="datetimeFigureOut">
               <a:rPr lang="en-US" smtClean="0"/>
-              <a:t>6/20/2020</a:t>
+              <a:t>7/12/2020</a:t>
             </a:fld>
             <a:endParaRPr lang="en-US"/>
           </a:p>
@@ -4042,7 +4042,7 @@
           <a:p>
             <a:fld id="{76C7AF64-6987-4AAD-A506-BDC8B5CCFD58}" type="datetimeFigureOut">
               <a:rPr lang="en-US" smtClean="0"/>
-              <a:t>6/20/2020</a:t>
+              <a:t>7/12/2020</a:t>
             </a:fld>
             <a:endParaRPr lang="en-US"/>
           </a:p>
@@ -4353,7 +4353,7 @@
           <a:p>
             <a:fld id="{76C7AF64-6987-4AAD-A506-BDC8B5CCFD58}" type="datetimeFigureOut">
               <a:rPr lang="en-US" smtClean="0"/>
-              <a:t>6/20/2020</a:t>
+              <a:t>7/12/2020</a:t>
             </a:fld>
             <a:endParaRPr lang="en-US"/>
           </a:p>
@@ -4641,7 +4641,7 @@
           <a:p>
             <a:fld id="{76C7AF64-6987-4AAD-A506-BDC8B5CCFD58}" type="datetimeFigureOut">
               <a:rPr lang="en-US" smtClean="0"/>
-              <a:t>6/20/2020</a:t>
+              <a:t>7/12/2020</a:t>
             </a:fld>
             <a:endParaRPr lang="en-US"/>
           </a:p>
@@ -4882,7 +4882,7 @@
           <a:p>
             <a:fld id="{76C7AF64-6987-4AAD-A506-BDC8B5CCFD58}" type="datetimeFigureOut">
               <a:rPr lang="en-US" smtClean="0"/>
-              <a:t>6/20/2020</a:t>
+              <a:t>7/12/2020</a:t>
             </a:fld>
             <a:endParaRPr lang="en-US"/>
           </a:p>
